--- a/prezentacja.pptx
+++ b/prezentacja.pptx
@@ -2121,46 +2121,52 @@
       </p:sp>
       <p:sp>
         <p:nvSpPr>
-          <p:cNvPr id="3" name="Text Placeholder 2"/>
-          <p:cNvSpPr>
-            <a:spLocks noGrp="1"/>
-          </p:cNvSpPr>
-          <p:nvPr>
-            <p:ph type="body"/>
-          </p:nvPr>
-        </p:nvSpPr>
-        <p:spPr/>
-        <p:txBody>
-          <a:bodyPr/>
-          <a:lstStyle/>
-          <a:p>
-            <a:endParaRPr lang="pl-PL"/>
-          </a:p>
-        </p:txBody>
-      </p:sp>
-      <p:sp>
-        <p:nvSpPr>
-          <p:cNvPr id="4" name="Text Placeholder 3"/>
-          <p:cNvSpPr>
-            <a:spLocks noGrp="1"/>
-          </p:cNvSpPr>
-          <p:nvPr>
-            <p:ph type="body"/>
-          </p:nvPr>
-        </p:nvSpPr>
-        <p:spPr/>
-        <p:txBody>
-          <a:bodyPr/>
-          <a:lstStyle/>
-          <a:p>
-            <a:endParaRPr lang="pl-PL"/>
+          <p:cNvPr id="5" name="pole tekstowe 4"/>
+          <p:cNvSpPr txBox="1"/>
+          <p:nvPr/>
+        </p:nvSpPr>
+        <p:spPr>
+          <a:xfrm>
+            <a:off x="487680" y="1783080"/>
+            <a:ext cx="9098280" cy="3170099"/>
+          </a:xfrm>
+          <a:prstGeom prst="rect">
+            <a:avLst/>
+          </a:prstGeom>
+          <a:noFill/>
+        </p:spPr>
+        <p:txBody>
+          <a:bodyPr wrap="square" rtlCol="0">
+            <a:spAutoFit/>
+          </a:bodyPr>
+          <a:lstStyle/>
+          <a:p>
+            <a:pPr>
+              <a:buFont typeface="Wingdings" pitchFamily="2" charset="2"/>
+              <a:buChar char="ü"/>
+            </a:pPr>
+            <a:r>
+              <a:rPr lang="pl-PL" sz="4000" dirty="0" smtClean="0"/>
+              <a:t>Sterowanie domyślne (nieinteligentne) w przypadku awarii czujników</a:t>
+            </a:r>
+          </a:p>
+          <a:p>
+            <a:pPr>
+              <a:buFont typeface="Wingdings" pitchFamily="2" charset="2"/>
+              <a:buChar char="ü"/>
+            </a:pPr>
+            <a:r>
+              <a:rPr lang="pl-PL" sz="4000" dirty="0" smtClean="0"/>
+              <a:t>Pulsujące żółte światła przy awarii modułu </a:t>
+            </a:r>
+            <a:endParaRPr lang="pl-PL" sz="4000" dirty="0"/>
           </a:p>
         </p:txBody>
       </p:sp>
     </p:spTree>
     <p:extLst>
       <p:ext uri="{BB962C8B-B14F-4D97-AF65-F5344CB8AC3E}">
-        <p14:creationId xmlns:p14="http://schemas.microsoft.com/office/powerpoint/2010/main" xmlns="" val="3252113162"/>
+        <p14:creationId xmlns="" xmlns:p14="http://schemas.microsoft.com/office/powerpoint/2010/main" val="3252113162"/>
       </p:ext>
     </p:extLst>
   </p:cSld>
@@ -2582,7 +2588,7 @@
     </p:spTree>
     <p:extLst>
       <p:ext uri="{BB962C8B-B14F-4D97-AF65-F5344CB8AC3E}">
-        <p14:creationId xmlns:p14="http://schemas.microsoft.com/office/powerpoint/2010/main" xmlns="" val="1959237974"/>
+        <p14:creationId xmlns="" xmlns:p14="http://schemas.microsoft.com/office/powerpoint/2010/main" val="1959237974"/>
       </p:ext>
     </p:extLst>
   </p:cSld>
@@ -3305,16 +3311,16 @@
           <a:p>
             <a:pPr>
               <a:buSzPct val="45000"/>
-              <a:buFont typeface="StarSymbol"/>
-              <a:buChar char=""/>
             </a:pPr>
             <a:r>
-              <a:rPr lang="pl-PL" sz="3200">
-                <a:latin typeface="Arial"/>
-              </a:rPr>
-              <a:t>Master – moduł odpowiedzialny za zegar, obliczenia i wybór najlepszego cyklu zmiany świateł</a:t>
-            </a:r>
-            <a:endParaRPr/>
+              <a:rPr lang="pl-PL" sz="3200" dirty="0" smtClean="0">
+                <a:latin typeface="Arial"/>
+              </a:rPr>
+              <a:t>Trzy człony:</a:t>
+            </a:r>
+            <a:endParaRPr lang="pl-PL" sz="3200" dirty="0" smtClean="0">
+              <a:latin typeface="Arial"/>
+            </a:endParaRPr>
           </a:p>
           <a:p>
             <a:pPr>
@@ -3323,36 +3329,108 @@
               <a:buChar char=""/>
             </a:pPr>
             <a:r>
-              <a:rPr lang="pl-PL" sz="3200">
-                <a:latin typeface="Arial"/>
-              </a:rPr>
-              <a:t>Slave – moduł wykonawczy, zmiana świateł wg poleceń otrzymanych od mastera </a:t>
-            </a:r>
+              <a:rPr lang="pl-PL" sz="3200" dirty="0" smtClean="0">
+                <a:latin typeface="Arial"/>
+              </a:rPr>
+              <a:t>Moduł sterujący</a:t>
+            </a:r>
+            <a:r>
+              <a:rPr lang="pl-PL" sz="3200" dirty="0" smtClean="0">
+                <a:latin typeface="Arial"/>
+              </a:rPr>
+              <a:t> – „master”</a:t>
+            </a:r>
+            <a:endParaRPr/>
+          </a:p>
+          <a:p>
+            <a:pPr>
+              <a:buSzPct val="45000"/>
+              <a:buFont typeface="StarSymbol"/>
+              <a:buChar char=""/>
+            </a:pPr>
+            <a:r>
+              <a:rPr lang="pl-PL" sz="3200" dirty="0" smtClean="0">
+                <a:latin typeface="Arial"/>
+              </a:rPr>
+              <a:t>Moduł wykonawczy – „</a:t>
+            </a:r>
+            <a:r>
+              <a:rPr lang="pl-PL" sz="3200" dirty="0" err="1" smtClean="0">
+                <a:latin typeface="Arial"/>
+              </a:rPr>
+              <a:t>slave</a:t>
+            </a:r>
+            <a:r>
+              <a:rPr lang="pl-PL" sz="3200" dirty="0" smtClean="0">
+                <a:latin typeface="Arial"/>
+              </a:rPr>
+              <a:t>”</a:t>
+            </a:r>
+          </a:p>
+          <a:p>
+            <a:pPr>
+              <a:buSzPct val="45000"/>
+              <a:buFont typeface="StarSymbol"/>
+              <a:buChar char=""/>
+            </a:pPr>
+            <a:r>
+              <a:rPr lang="pl-PL" sz="3200" dirty="0" smtClean="0">
+                <a:latin typeface="Arial"/>
+              </a:rPr>
+              <a:t>Moduł pomiarowy – „</a:t>
+            </a:r>
+            <a:r>
+              <a:rPr lang="pl-PL" sz="3200" dirty="0" err="1" smtClean="0">
+                <a:latin typeface="Arial"/>
+              </a:rPr>
+              <a:t>sensors</a:t>
+            </a:r>
+            <a:r>
+              <a:rPr lang="pl-PL" sz="3200" dirty="0" smtClean="0">
+                <a:latin typeface="Arial"/>
+              </a:rPr>
+              <a:t>”</a:t>
+            </a:r>
+          </a:p>
+          <a:p>
+            <a:pPr>
+              <a:buSzPct val="45000"/>
+            </a:pPr>
             <a:endParaRPr/>
           </a:p>
         </p:txBody>
       </p:sp>
       <p:pic>
         <p:nvPicPr>
-          <p:cNvPr id="50" name="Picture 49"/>
-          <p:cNvPicPr/>
+          <p:cNvPr id="1027" name="Picture 3"/>
+          <p:cNvPicPr>
+            <a:picLocks noChangeAspect="1" noChangeArrowheads="1"/>
+          </p:cNvPicPr>
           <p:nvPr/>
         </p:nvPicPr>
         <p:blipFill>
           <a:blip r:embed="rId2"/>
-          <a:stretch/>
+          <a:srcRect/>
+          <a:stretch>
+            <a:fillRect/>
+          </a:stretch>
         </p:blipFill>
-        <p:spPr>
-          <a:xfrm>
-            <a:off x="5152320" y="1845720"/>
-            <a:ext cx="4426920" cy="4230720"/>
-          </a:xfrm>
-          <a:prstGeom prst="rect">
-            <a:avLst/>
-          </a:prstGeom>
-          <a:ln>
+        <p:spPr bwMode="auto">
+          <a:xfrm>
+            <a:off x="4754880" y="1671003"/>
+            <a:ext cx="5083175" cy="3804584"/>
+          </a:xfrm>
+          <a:prstGeom prst="rect">
+            <a:avLst/>
+          </a:prstGeom>
+          <a:noFill/>
+          <a:ln w="9525">
             <a:noFill/>
+            <a:miter lim="800000"/>
+            <a:headEnd/>
+            <a:tailEnd/>
           </a:ln>
+          <a:effectLst/>
         </p:spPr>
       </p:pic>
     </p:spTree>
@@ -3420,60 +3498,36 @@
             <p:ph type="title"/>
           </p:nvPr>
         </p:nvSpPr>
-        <p:spPr/>
+        <p:spPr>
+          <a:xfrm>
+            <a:off x="289560" y="301320"/>
+            <a:ext cx="9286080" cy="1262160"/>
+          </a:xfrm>
+        </p:spPr>
         <p:txBody>
           <a:bodyPr/>
           <a:lstStyle/>
           <a:p>
             <a:r>
-              <a:rPr lang="pl-PL" dirty="0"/>
-              <a:t>Kilka słów o module master</a:t>
-            </a:r>
-          </a:p>
-        </p:txBody>
-      </p:sp>
-      <p:sp>
-        <p:nvSpPr>
-          <p:cNvPr id="3" name="Text Placeholder 2"/>
-          <p:cNvSpPr>
-            <a:spLocks noGrp="1"/>
-          </p:cNvSpPr>
-          <p:nvPr>
-            <p:ph type="body"/>
-          </p:nvPr>
-        </p:nvSpPr>
-        <p:spPr/>
-        <p:txBody>
-          <a:bodyPr/>
-          <a:lstStyle/>
-          <a:p>
-            <a:endParaRPr lang="pl-PL"/>
-          </a:p>
-        </p:txBody>
-      </p:sp>
-      <p:sp>
-        <p:nvSpPr>
-          <p:cNvPr id="4" name="Text Placeholder 3"/>
-          <p:cNvSpPr>
-            <a:spLocks noGrp="1"/>
-          </p:cNvSpPr>
-          <p:nvPr>
-            <p:ph type="body"/>
-          </p:nvPr>
-        </p:nvSpPr>
-        <p:spPr/>
-        <p:txBody>
-          <a:bodyPr/>
-          <a:lstStyle/>
-          <a:p>
-            <a:endParaRPr lang="pl-PL"/>
+              <a:rPr lang="pl-PL" sz="4000" dirty="0" smtClean="0"/>
+              <a:t>Kilka słów </a:t>
+            </a:r>
+            <a:r>
+              <a:rPr lang="pl-PL" sz="4000" dirty="0"/>
+              <a:t>o module </a:t>
+            </a:r>
+            <a:r>
+              <a:rPr lang="pl-PL" sz="4000" dirty="0" smtClean="0"/>
+              <a:t>sterującym - master</a:t>
+            </a:r>
+            <a:endParaRPr lang="pl-PL" sz="4000" dirty="0"/>
           </a:p>
         </p:txBody>
       </p:sp>
     </p:spTree>
     <p:extLst>
       <p:ext uri="{BB962C8B-B14F-4D97-AF65-F5344CB8AC3E}">
-        <p14:creationId xmlns:p14="http://schemas.microsoft.com/office/powerpoint/2010/main" xmlns="" val="1201724613"/>
+        <p14:creationId xmlns="" xmlns:p14="http://schemas.microsoft.com/office/powerpoint/2010/main" val="1201724613"/>
       </p:ext>
     </p:extLst>
   </p:cSld>
@@ -3510,60 +3564,36 @@
             <p:ph type="title"/>
           </p:nvPr>
         </p:nvSpPr>
-        <p:spPr/>
+        <p:spPr>
+          <a:xfrm>
+            <a:off x="342265" y="301320"/>
+            <a:ext cx="9738360" cy="1262160"/>
+          </a:xfrm>
+        </p:spPr>
         <p:txBody>
           <a:bodyPr/>
           <a:lstStyle/>
           <a:p>
             <a:r>
-              <a:rPr lang="pl-PL" dirty="0"/>
-              <a:t>Kilka słów o module slave</a:t>
-            </a:r>
-          </a:p>
-        </p:txBody>
-      </p:sp>
-      <p:sp>
-        <p:nvSpPr>
-          <p:cNvPr id="3" name="Text Placeholder 2"/>
-          <p:cNvSpPr>
-            <a:spLocks noGrp="1"/>
-          </p:cNvSpPr>
-          <p:nvPr>
-            <p:ph type="body"/>
-          </p:nvPr>
-        </p:nvSpPr>
-        <p:spPr/>
-        <p:txBody>
-          <a:bodyPr/>
-          <a:lstStyle/>
-          <a:p>
-            <a:endParaRPr lang="pl-PL"/>
-          </a:p>
-        </p:txBody>
-      </p:sp>
-      <p:sp>
-        <p:nvSpPr>
-          <p:cNvPr id="4" name="Text Placeholder 3"/>
-          <p:cNvSpPr>
-            <a:spLocks noGrp="1"/>
-          </p:cNvSpPr>
-          <p:nvPr>
-            <p:ph type="body"/>
-          </p:nvPr>
-        </p:nvSpPr>
-        <p:spPr/>
-        <p:txBody>
-          <a:bodyPr/>
-          <a:lstStyle/>
-          <a:p>
-            <a:endParaRPr lang="pl-PL"/>
+              <a:rPr lang="pl-PL" sz="4000" dirty="0"/>
+              <a:t>Kilka słów o </a:t>
+            </a:r>
+            <a:r>
+              <a:rPr lang="pl-PL" sz="4000" dirty="0" smtClean="0"/>
+              <a:t>module wykonawczym - </a:t>
+            </a:r>
+            <a:r>
+              <a:rPr lang="pl-PL" sz="4000" dirty="0" err="1" smtClean="0"/>
+              <a:t>slave</a:t>
+            </a:r>
+            <a:endParaRPr lang="pl-PL" sz="4000" dirty="0"/>
           </a:p>
         </p:txBody>
       </p:sp>
     </p:spTree>
     <p:extLst>
       <p:ext uri="{BB962C8B-B14F-4D97-AF65-F5344CB8AC3E}">
-        <p14:creationId xmlns:p14="http://schemas.microsoft.com/office/powerpoint/2010/main" xmlns="" val="4099953241"/>
+        <p14:creationId xmlns="" xmlns:p14="http://schemas.microsoft.com/office/powerpoint/2010/main" val="4099953241"/>
       </p:ext>
     </p:extLst>
   </p:cSld>
@@ -3600,58 +3630,29 @@
             <p:ph type="title"/>
           </p:nvPr>
         </p:nvSpPr>
-        <p:spPr/>
+        <p:spPr>
+          <a:xfrm>
+            <a:off x="0" y="301320"/>
+            <a:ext cx="10080625" cy="1262160"/>
+          </a:xfrm>
+        </p:spPr>
         <p:txBody>
           <a:bodyPr/>
           <a:lstStyle/>
           <a:p>
             <a:r>
-              <a:rPr lang="pl-PL" dirty="0" smtClean="0"/>
+              <a:rPr lang="pl-PL" sz="4000" dirty="0" smtClean="0"/>
               <a:t>Kilka słów o module </a:t>
             </a:r>
             <a:r>
-              <a:rPr lang="pl-PL" dirty="0" err="1" smtClean="0"/>
+              <a:rPr lang="pl-PL" sz="4000" dirty="0" smtClean="0"/>
+              <a:t>pomiarowym - </a:t>
+            </a:r>
+            <a:r>
+              <a:rPr lang="pl-PL" sz="4000" dirty="0" err="1" smtClean="0"/>
               <a:t>sensors</a:t>
             </a:r>
-            <a:endParaRPr lang="pl-PL" dirty="0"/>
-          </a:p>
-        </p:txBody>
-      </p:sp>
-      <p:sp>
-        <p:nvSpPr>
-          <p:cNvPr id="3" name="Symbol zastępczy tekstu 2"/>
-          <p:cNvSpPr>
-            <a:spLocks noGrp="1"/>
-          </p:cNvSpPr>
-          <p:nvPr>
-            <p:ph type="body"/>
-          </p:nvPr>
-        </p:nvSpPr>
-        <p:spPr/>
-        <p:txBody>
-          <a:bodyPr/>
-          <a:lstStyle/>
-          <a:p>
-            <a:endParaRPr lang="pl-PL"/>
-          </a:p>
-        </p:txBody>
-      </p:sp>
-      <p:sp>
-        <p:nvSpPr>
-          <p:cNvPr id="4" name="Symbol zastępczy tekstu 3"/>
-          <p:cNvSpPr>
-            <a:spLocks noGrp="1"/>
-          </p:cNvSpPr>
-          <p:nvPr>
-            <p:ph type="body"/>
-          </p:nvPr>
-        </p:nvSpPr>
-        <p:spPr/>
-        <p:txBody>
-          <a:bodyPr/>
-          <a:lstStyle/>
-          <a:p>
-            <a:endParaRPr lang="pl-PL"/>
+            <a:endParaRPr lang="pl-PL" sz="4000" dirty="0"/>
           </a:p>
         </p:txBody>
       </p:sp>

--- a/prezentacja.pptx
+++ b/prezentacja.pptx
@@ -11,10 +11,10 @@
     <p:sldId id="259" r:id="rId5"/>
     <p:sldId id="260" r:id="rId6"/>
     <p:sldId id="261" r:id="rId7"/>
-    <p:sldId id="264" r:id="rId8"/>
-    <p:sldId id="265" r:id="rId9"/>
-    <p:sldId id="268" r:id="rId10"/>
-    <p:sldId id="266" r:id="rId11"/>
+    <p:sldId id="266" r:id="rId8"/>
+    <p:sldId id="264" r:id="rId9"/>
+    <p:sldId id="265" r:id="rId10"/>
+    <p:sldId id="268" r:id="rId11"/>
     <p:sldId id="262" r:id="rId12"/>
     <p:sldId id="263" r:id="rId13"/>
     <p:sldId id="267" r:id="rId14"/>
@@ -2099,7 +2099,7 @@
       </p:grpSpPr>
       <p:sp>
         <p:nvSpPr>
-          <p:cNvPr id="2" name="Title 1"/>
+          <p:cNvPr id="2" name="Tytuł 1"/>
           <p:cNvSpPr>
             <a:spLocks noGrp="1"/>
           </p:cNvSpPr>
@@ -2107,15 +2107,29 @@
             <p:ph type="title"/>
           </p:nvPr>
         </p:nvSpPr>
-        <p:spPr/>
+        <p:spPr>
+          <a:xfrm>
+            <a:off x="0" y="301320"/>
+            <a:ext cx="10080625" cy="1262160"/>
+          </a:xfrm>
+        </p:spPr>
         <p:txBody>
           <a:bodyPr/>
           <a:lstStyle/>
           <a:p>
             <a:r>
-              <a:rPr lang="pl-PL" dirty="0"/>
-              <a:t>Co nam daje rozproszony system?</a:t>
-            </a:r>
+              <a:rPr lang="pl-PL" sz="4000" dirty="0" smtClean="0"/>
+              <a:t>Kilka słów o module </a:t>
+            </a:r>
+            <a:r>
+              <a:rPr lang="pl-PL" sz="4000" dirty="0" smtClean="0"/>
+              <a:t>pomiarowym - </a:t>
+            </a:r>
+            <a:r>
+              <a:rPr lang="pl-PL" sz="4000" dirty="0" err="1" smtClean="0"/>
+              <a:t>sensors</a:t>
+            </a:r>
+            <a:endParaRPr lang="pl-PL" sz="4000" dirty="0"/>
           </a:p>
         </p:txBody>
       </p:sp>
@@ -2127,8 +2141,8 @@
         </p:nvSpPr>
         <p:spPr>
           <a:xfrm>
-            <a:off x="487680" y="1783080"/>
-            <a:ext cx="9098280" cy="3170099"/>
+            <a:off x="274320" y="1508760"/>
+            <a:ext cx="9296400" cy="3170099"/>
           </a:xfrm>
           <a:prstGeom prst="rect">
             <a:avLst/>
@@ -2141,34 +2155,34 @@
           </a:bodyPr>
           <a:lstStyle/>
           <a:p>
+            <a:r>
+              <a:rPr lang="pl-PL" sz="4000" dirty="0" smtClean="0"/>
+              <a:t>Blok pomiarowy:</a:t>
+            </a:r>
+          </a:p>
+          <a:p>
             <a:pPr>
               <a:buFont typeface="Wingdings" pitchFamily="2" charset="2"/>
-              <a:buChar char="ü"/>
+              <a:buChar char="§"/>
             </a:pPr>
             <a:r>
               <a:rPr lang="pl-PL" sz="4000" dirty="0" smtClean="0"/>
-              <a:t>Sterowanie domyślne (nieinteligentne) w przypadku awarii czujników</a:t>
+              <a:t> Tu trafiają odczytane przez czujniki wielkości określające ilość oczekujących samochodów i pieszych</a:t>
             </a:r>
           </a:p>
           <a:p>
             <a:pPr>
               <a:buFont typeface="Wingdings" pitchFamily="2" charset="2"/>
-              <a:buChar char="ü"/>
+              <a:buChar char="§"/>
             </a:pPr>
             <a:r>
               <a:rPr lang="pl-PL" sz="4000" dirty="0" smtClean="0"/>
-              <a:t>Pulsujące żółte światła przy awarii modułu </a:t>
-            </a:r>
-            <a:endParaRPr lang="pl-PL" sz="4000" dirty="0"/>
+              <a:t> Są wysyłane do modułu centralnego</a:t>
+            </a:r>
           </a:p>
         </p:txBody>
       </p:sp>
     </p:spTree>
-    <p:extLst>
-      <p:ext uri="{BB962C8B-B14F-4D97-AF65-F5344CB8AC3E}">
-        <p14:creationId xmlns="" xmlns:p14="http://schemas.microsoft.com/office/powerpoint/2010/main" val="3252113162"/>
-      </p:ext>
-    </p:extLst>
   </p:cSld>
   <p:clrMapOvr>
     <a:masterClrMapping/>
@@ -2542,46 +2556,13 @@
           <a:p>
             <a:r>
               <a:rPr lang="pl-PL" dirty="0"/>
-              <a:t>Podsumowania i wnioski</a:t>
-            </a:r>
-          </a:p>
-        </p:txBody>
-      </p:sp>
-      <p:sp>
-        <p:nvSpPr>
-          <p:cNvPr id="3" name="Text Placeholder 2"/>
-          <p:cNvSpPr>
-            <a:spLocks noGrp="1"/>
-          </p:cNvSpPr>
-          <p:nvPr>
-            <p:ph type="body"/>
-          </p:nvPr>
-        </p:nvSpPr>
-        <p:spPr/>
-        <p:txBody>
-          <a:bodyPr/>
-          <a:lstStyle/>
-          <a:p>
-            <a:endParaRPr lang="pl-PL"/>
-          </a:p>
-        </p:txBody>
-      </p:sp>
-      <p:sp>
-        <p:nvSpPr>
-          <p:cNvPr id="4" name="Text Placeholder 3"/>
-          <p:cNvSpPr>
-            <a:spLocks noGrp="1"/>
-          </p:cNvSpPr>
-          <p:nvPr>
-            <p:ph type="body"/>
-          </p:nvPr>
-        </p:nvSpPr>
-        <p:spPr/>
-        <p:txBody>
-          <a:bodyPr/>
-          <a:lstStyle/>
-          <a:p>
-            <a:endParaRPr lang="pl-PL"/>
+              <a:t>Podsumowania i </a:t>
+            </a:r>
+            <a:r>
+              <a:rPr lang="pl-PL" dirty="0" smtClean="0"/>
+              <a:t>wnioski:</a:t>
+            </a:r>
+            <a:endParaRPr lang="pl-PL" dirty="0"/>
           </a:p>
         </p:txBody>
       </p:sp>
@@ -3156,22 +3137,17 @@
               <a:rPr lang="pl-PL" sz="3200" dirty="0">
                 <a:latin typeface="Arial"/>
               </a:rPr>
-              <a:t>Czas zielonego światła proporcjonalny do ilości oczekujących samochodów</a:t>
-            </a:r>
-            <a:endParaRPr dirty="0"/>
-          </a:p>
-          <a:p>
-            <a:pPr>
-              <a:buSzPct val="45000"/>
-              <a:buFont typeface="StarSymbol"/>
-              <a:buChar char=""/>
-            </a:pPr>
-            <a:r>
-              <a:rPr lang="pl-PL" sz="3200" dirty="0">
+              <a:t>Czas zielonego światła proporcjonalny do ilości oczekujących </a:t>
+            </a:r>
+            <a:r>
+              <a:rPr lang="pl-PL" sz="3200" dirty="0" smtClean="0">
                 <a:latin typeface="Arial"/>
               </a:rPr>
-              <a:t>Uwzględnienie przepustowości wylotów</a:t>
-            </a:r>
+              <a:t>samochodów</a:t>
+            </a:r>
+            <a:endParaRPr lang="pl-PL" sz="3200" dirty="0">
+              <a:latin typeface="Arial"/>
+            </a:endParaRPr>
           </a:p>
           <a:p>
             <a:pPr>
@@ -3498,27 +3474,57 @@
             <p:ph type="title"/>
           </p:nvPr>
         </p:nvSpPr>
-        <p:spPr>
-          <a:xfrm>
-            <a:off x="289560" y="301320"/>
-            <a:ext cx="9286080" cy="1262160"/>
-          </a:xfrm>
-        </p:spPr>
+        <p:spPr/>
         <p:txBody>
           <a:bodyPr/>
           <a:lstStyle/>
           <a:p>
             <a:r>
+              <a:rPr lang="pl-PL" dirty="0"/>
+              <a:t>Co nam daje rozproszony system?</a:t>
+            </a:r>
+          </a:p>
+        </p:txBody>
+      </p:sp>
+      <p:sp>
+        <p:nvSpPr>
+          <p:cNvPr id="5" name="pole tekstowe 4"/>
+          <p:cNvSpPr txBox="1"/>
+          <p:nvPr/>
+        </p:nvSpPr>
+        <p:spPr>
+          <a:xfrm>
+            <a:off x="487680" y="1783080"/>
+            <a:ext cx="9098280" cy="3170099"/>
+          </a:xfrm>
+          <a:prstGeom prst="rect">
+            <a:avLst/>
+          </a:prstGeom>
+          <a:noFill/>
+        </p:spPr>
+        <p:txBody>
+          <a:bodyPr wrap="square" rtlCol="0">
+            <a:spAutoFit/>
+          </a:bodyPr>
+          <a:lstStyle/>
+          <a:p>
+            <a:pPr>
+              <a:buFont typeface="Wingdings" pitchFamily="2" charset="2"/>
+              <a:buChar char="ü"/>
+            </a:pPr>
+            <a:r>
               <a:rPr lang="pl-PL" sz="4000" dirty="0" smtClean="0"/>
-              <a:t>Kilka słów </a:t>
-            </a:r>
-            <a:r>
-              <a:rPr lang="pl-PL" sz="4000" dirty="0"/>
-              <a:t>o module </a:t>
-            </a:r>
+              <a:t>Sterowanie domyślne (nieinteligentne) w przypadku awarii czujników</a:t>
+            </a:r>
+          </a:p>
+          <a:p>
+            <a:pPr>
+              <a:buFont typeface="Wingdings" pitchFamily="2" charset="2"/>
+              <a:buChar char="ü"/>
+            </a:pPr>
             <a:r>
               <a:rPr lang="pl-PL" sz="4000" dirty="0" smtClean="0"/>
-              <a:t>sterującym - master</a:t>
+              <a:t>Pulsujące żółte światła przy awarii modułu centralnego</a:t>
             </a:r>
             <a:endParaRPr lang="pl-PL" sz="4000" dirty="0"/>
           </a:p>
@@ -3527,7 +3533,7 @@
     </p:spTree>
     <p:extLst>
       <p:ext uri="{BB962C8B-B14F-4D97-AF65-F5344CB8AC3E}">
-        <p14:creationId xmlns="" xmlns:p14="http://schemas.microsoft.com/office/powerpoint/2010/main" val="1201724613"/>
+        <p14:creationId xmlns="" xmlns:p14="http://schemas.microsoft.com/office/powerpoint/2010/main" val="3252113162"/>
       </p:ext>
     </p:extLst>
   </p:cSld>
@@ -3566,8 +3572,8 @@
         </p:nvSpPr>
         <p:spPr>
           <a:xfrm>
-            <a:off x="342265" y="301320"/>
-            <a:ext cx="9738360" cy="1262160"/>
+            <a:off x="289560" y="301320"/>
+            <a:ext cx="9286080" cy="1262160"/>
           </a:xfrm>
         </p:spPr>
         <p:txBody>
@@ -3575,16 +3581,76 @@
           <a:lstStyle/>
           <a:p>
             <a:r>
+              <a:rPr lang="pl-PL" sz="4000" dirty="0" smtClean="0"/>
+              <a:t>Kilka słów </a:t>
+            </a:r>
+            <a:r>
               <a:rPr lang="pl-PL" sz="4000" dirty="0"/>
-              <a:t>Kilka słów o </a:t>
+              <a:t>o module </a:t>
             </a:r>
             <a:r>
               <a:rPr lang="pl-PL" sz="4000" dirty="0" smtClean="0"/>
-              <a:t>module wykonawczym - </a:t>
-            </a:r>
-            <a:r>
-              <a:rPr lang="pl-PL" sz="4000" dirty="0" err="1" smtClean="0"/>
-              <a:t>slave</a:t>
+              <a:t>sterującym - master</a:t>
+            </a:r>
+            <a:endParaRPr lang="pl-PL" sz="4000" dirty="0"/>
+          </a:p>
+        </p:txBody>
+      </p:sp>
+      <p:sp>
+        <p:nvSpPr>
+          <p:cNvPr id="5" name="pole tekstowe 4"/>
+          <p:cNvSpPr txBox="1"/>
+          <p:nvPr/>
+        </p:nvSpPr>
+        <p:spPr>
+          <a:xfrm>
+            <a:off x="274320" y="1508760"/>
+            <a:ext cx="9296400" cy="3170099"/>
+          </a:xfrm>
+          <a:prstGeom prst="rect">
+            <a:avLst/>
+          </a:prstGeom>
+          <a:noFill/>
+        </p:spPr>
+        <p:txBody>
+          <a:bodyPr wrap="square" rtlCol="0">
+            <a:spAutoFit/>
+          </a:bodyPr>
+          <a:lstStyle/>
+          <a:p>
+            <a:r>
+              <a:rPr lang="pl-PL" sz="4000" dirty="0" smtClean="0"/>
+              <a:t>Blok centralny:</a:t>
+            </a:r>
+          </a:p>
+          <a:p>
+            <a:pPr>
+              <a:buFont typeface="Wingdings" pitchFamily="2" charset="2"/>
+              <a:buChar char="§"/>
+            </a:pPr>
+            <a:r>
+              <a:rPr lang="pl-PL" sz="4000" dirty="0" smtClean="0"/>
+              <a:t> Kieruje pracą pozostałych modułów</a:t>
+            </a:r>
+          </a:p>
+          <a:p>
+            <a:pPr>
+              <a:buFont typeface="Wingdings" pitchFamily="2" charset="2"/>
+              <a:buChar char="§"/>
+            </a:pPr>
+            <a:r>
+              <a:rPr lang="pl-PL" sz="4000" dirty="0" smtClean="0"/>
+              <a:t> Decyduje o taktowaniu zegara</a:t>
+            </a:r>
+          </a:p>
+          <a:p>
+            <a:pPr>
+              <a:buFont typeface="Wingdings" pitchFamily="2" charset="2"/>
+              <a:buChar char="§"/>
+            </a:pPr>
+            <a:r>
+              <a:rPr lang="pl-PL" sz="4000" dirty="0" smtClean="0"/>
+              <a:t> Zapewnia inteligentne sterowanie - optymalizuje czas poszczególnych faz</a:t>
             </a:r>
             <a:endParaRPr lang="pl-PL" sz="4000" dirty="0"/>
           </a:p>
@@ -3593,7 +3659,7 @@
     </p:spTree>
     <p:extLst>
       <p:ext uri="{BB962C8B-B14F-4D97-AF65-F5344CB8AC3E}">
-        <p14:creationId xmlns="" xmlns:p14="http://schemas.microsoft.com/office/powerpoint/2010/main" val="4099953241"/>
+        <p14:creationId xmlns="" xmlns:p14="http://schemas.microsoft.com/office/powerpoint/2010/main" val="1201724613"/>
       </p:ext>
     </p:extLst>
   </p:cSld>
@@ -3622,7 +3688,7 @@
       </p:grpSpPr>
       <p:sp>
         <p:nvSpPr>
-          <p:cNvPr id="2" name="Tytuł 1"/>
+          <p:cNvPr id="2" name="Title 1"/>
           <p:cNvSpPr>
             <a:spLocks noGrp="1"/>
           </p:cNvSpPr>
@@ -3632,8 +3698,8 @@
         </p:nvSpPr>
         <p:spPr>
           <a:xfrm>
-            <a:off x="0" y="301320"/>
-            <a:ext cx="10080625" cy="1262160"/>
+            <a:off x="342265" y="301320"/>
+            <a:ext cx="9738360" cy="1262160"/>
           </a:xfrm>
         </p:spPr>
         <p:txBody>
@@ -3641,22 +3707,83 @@
           <a:lstStyle/>
           <a:p>
             <a:r>
+              <a:rPr lang="pl-PL" sz="4000" dirty="0"/>
+              <a:t>Kilka słów o </a:t>
+            </a:r>
+            <a:r>
               <a:rPr lang="pl-PL" sz="4000" dirty="0" smtClean="0"/>
-              <a:t>Kilka słów o module </a:t>
-            </a:r>
+              <a:t>module wykonawczym - </a:t>
+            </a:r>
+            <a:r>
+              <a:rPr lang="pl-PL" sz="4000" dirty="0" err="1" smtClean="0"/>
+              <a:t>slave</a:t>
+            </a:r>
+            <a:endParaRPr lang="pl-PL" sz="4000" dirty="0"/>
+          </a:p>
+        </p:txBody>
+      </p:sp>
+      <p:sp>
+        <p:nvSpPr>
+          <p:cNvPr id="7" name="pole tekstowe 6"/>
+          <p:cNvSpPr txBox="1"/>
+          <p:nvPr/>
+        </p:nvSpPr>
+        <p:spPr>
+          <a:xfrm>
+            <a:off x="274320" y="1508760"/>
+            <a:ext cx="9296400" cy="3785652"/>
+          </a:xfrm>
+          <a:prstGeom prst="rect">
+            <a:avLst/>
+          </a:prstGeom>
+          <a:noFill/>
+        </p:spPr>
+        <p:txBody>
+          <a:bodyPr wrap="square" rtlCol="0">
+            <a:spAutoFit/>
+          </a:bodyPr>
+          <a:lstStyle/>
+          <a:p>
             <a:r>
               <a:rPr lang="pl-PL" sz="4000" dirty="0" smtClean="0"/>
-              <a:t>pomiarowym - </a:t>
-            </a:r>
-            <a:r>
-              <a:rPr lang="pl-PL" sz="4000" dirty="0" err="1" smtClean="0"/>
-              <a:t>sensors</a:t>
-            </a:r>
-            <a:endParaRPr lang="pl-PL" sz="4000" dirty="0"/>
+              <a:t>Blok wykonawczy:</a:t>
+            </a:r>
+          </a:p>
+          <a:p>
+            <a:pPr>
+              <a:buFont typeface="Wingdings" pitchFamily="2" charset="2"/>
+              <a:buChar char="§"/>
+            </a:pPr>
+            <a:r>
+              <a:rPr lang="pl-PL" sz="4000" dirty="0" smtClean="0"/>
+              <a:t> Na podstawie odebranych od mastera sygnałów zapala światła</a:t>
+            </a:r>
+          </a:p>
+          <a:p>
+            <a:pPr>
+              <a:buFont typeface="Wingdings" pitchFamily="2" charset="2"/>
+              <a:buChar char="§"/>
+            </a:pPr>
+            <a:r>
+              <a:rPr lang="pl-PL" sz="4000" dirty="0" smtClean="0"/>
+              <a:t> Odpowiada za awaryjne świecenie żółtych świateł</a:t>
+            </a:r>
+          </a:p>
+          <a:p>
+            <a:pPr>
+              <a:buFont typeface="Wingdings" pitchFamily="2" charset="2"/>
+              <a:buChar char="§"/>
+            </a:pPr>
+            <a:endParaRPr lang="pl-PL" sz="4000" dirty="0" smtClean="0"/>
           </a:p>
         </p:txBody>
       </p:sp>
     </p:spTree>
+    <p:extLst>
+      <p:ext uri="{BB962C8B-B14F-4D97-AF65-F5344CB8AC3E}">
+        <p14:creationId xmlns="" xmlns:p14="http://schemas.microsoft.com/office/powerpoint/2010/main" val="4099953241"/>
+      </p:ext>
+    </p:extLst>
   </p:cSld>
   <p:clrMapOvr>
     <a:masterClrMapping/>

--- a/prezentacja.pptx
+++ b/prezentacja.pptx
@@ -116,6 +116,22 @@
       </a:defRPr>
     </a:lvl9pPr>
   </p:defaultTextStyle>
+  <p:extLst>
+    <p:ext uri="{EFAFB233-063F-42B5-8137-9DF3F51BA10A}">
+      <p15:sldGuideLst xmlns:p15="http://schemas.microsoft.com/office/powerpoint/2012/main">
+        <p15:guide id="1" orient="horz" pos="2381">
+          <p15:clr>
+            <a:srgbClr val="A4A3A4"/>
+          </p15:clr>
+        </p15:guide>
+        <p15:guide id="2" pos="3175">
+          <p15:clr>
+            <a:srgbClr val="A4A3A4"/>
+          </p15:clr>
+        </p15:guide>
+      </p15:sldGuideLst>
+    </p:ext>
+  </p:extLst>
 </p:presentation>
 </file>
 
@@ -2118,15 +2134,11 @@
           <a:lstStyle/>
           <a:p>
             <a:r>
-              <a:rPr lang="pl-PL" sz="4000" dirty="0" smtClean="0"/>
-              <a:t>Kilka słów o module </a:t>
-            </a:r>
-            <a:r>
-              <a:rPr lang="pl-PL" sz="4000" dirty="0" smtClean="0"/>
-              <a:t>pomiarowym - </a:t>
-            </a:r>
-            <a:r>
-              <a:rPr lang="pl-PL" sz="4000" dirty="0" err="1" smtClean="0"/>
+              <a:rPr lang="pl-PL" sz="4000" dirty="0"/>
+              <a:t>Kilka słów o module pomiarowym - </a:t>
+            </a:r>
+            <a:r>
+              <a:rPr lang="pl-PL" sz="4000" dirty="0" err="1"/>
               <a:t>sensors</a:t>
             </a:r>
             <a:endParaRPr lang="pl-PL" sz="4000" dirty="0"/>
@@ -2156,7 +2168,7 @@
           <a:lstStyle/>
           <a:p>
             <a:r>
-              <a:rPr lang="pl-PL" sz="4000" dirty="0" smtClean="0"/>
+              <a:rPr lang="pl-PL" sz="4000" dirty="0"/>
               <a:t>Blok pomiarowy:</a:t>
             </a:r>
           </a:p>
@@ -2166,7 +2178,7 @@
               <a:buChar char="§"/>
             </a:pPr>
             <a:r>
-              <a:rPr lang="pl-PL" sz="4000" dirty="0" smtClean="0"/>
+              <a:rPr lang="pl-PL" sz="4000" dirty="0"/>
               <a:t> Tu trafiają odczytane przez czujniki wielkości określające ilość oczekujących samochodów i pieszych</a:t>
             </a:r>
           </a:p>
@@ -2176,7 +2188,7 @@
               <a:buChar char="§"/>
             </a:pPr>
             <a:r>
-              <a:rPr lang="pl-PL" sz="4000" dirty="0" smtClean="0"/>
+              <a:rPr lang="pl-PL" sz="4000" dirty="0"/>
               <a:t> Są wysyłane do modułu centralnego</a:t>
             </a:r>
           </a:p>
@@ -2215,7 +2227,7 @@
         </p:nvSpPr>
         <p:spPr>
           <a:xfrm>
-            <a:off x="504000" y="301320"/>
+            <a:off x="504000" y="-97484"/>
             <a:ext cx="9071640" cy="1262160"/>
           </a:xfrm>
           <a:prstGeom prst="rect">
@@ -2297,25 +2309,32 @@
       </p:sp>
       <p:pic>
         <p:nvPicPr>
-          <p:cNvPr id="54" name="Picture 53"/>
-          <p:cNvPicPr/>
+          <p:cNvPr id="2" name="Obraz 1"/>
+          <p:cNvPicPr>
+            <a:picLocks noChangeAspect="1"/>
+          </p:cNvPicPr>
           <p:nvPr/>
         </p:nvPicPr>
         <p:blipFill>
-          <a:blip r:embed="rId2"/>
-          <a:stretch/>
+          <a:blip r:embed="rId2">
+            <a:extLst>
+              <a:ext uri="{28A0092B-C50C-407E-A947-70E740481C1C}">
+                <a14:useLocalDpi xmlns:a14="http://schemas.microsoft.com/office/drawing/2010/main" val="0"/>
+              </a:ext>
+            </a:extLst>
+          </a:blip>
+          <a:stretch>
+            <a:fillRect/>
+          </a:stretch>
         </p:blipFill>
         <p:spPr>
           <a:xfrm>
-            <a:off x="1512000" y="1769040"/>
-            <a:ext cx="7200000" cy="5214960"/>
-          </a:xfrm>
-          <a:prstGeom prst="rect">
-            <a:avLst/>
-          </a:prstGeom>
-          <a:ln>
-            <a:noFill/>
-          </a:ln>
+            <a:off x="1271404" y="884057"/>
+            <a:ext cx="7762552" cy="6512333"/>
+          </a:xfrm>
+          <a:prstGeom prst="rect">
+            <a:avLst/>
+          </a:prstGeom>
         </p:spPr>
       </p:pic>
     </p:spTree>
@@ -2381,7 +2400,7 @@
         </p:nvSpPr>
         <p:spPr>
           <a:xfrm>
-            <a:off x="504000" y="301320"/>
+            <a:off x="504000" y="-63264"/>
             <a:ext cx="9071640" cy="1262160"/>
           </a:xfrm>
           <a:prstGeom prst="rect">
@@ -2463,25 +2482,32 @@
       </p:sp>
       <p:pic>
         <p:nvPicPr>
-          <p:cNvPr id="58" name="Picture 57"/>
-          <p:cNvPicPr/>
+          <p:cNvPr id="2" name="Obraz 1"/>
+          <p:cNvPicPr>
+            <a:picLocks noChangeAspect="1"/>
+          </p:cNvPicPr>
           <p:nvPr/>
         </p:nvPicPr>
         <p:blipFill>
-          <a:blip r:embed="rId2"/>
-          <a:stretch/>
+          <a:blip r:embed="rId2">
+            <a:extLst>
+              <a:ext uri="{28A0092B-C50C-407E-A947-70E740481C1C}">
+                <a14:useLocalDpi xmlns:a14="http://schemas.microsoft.com/office/drawing/2010/main" val="0"/>
+              </a:ext>
+            </a:extLst>
+          </a:blip>
+          <a:stretch>
+            <a:fillRect/>
+          </a:stretch>
         </p:blipFill>
         <p:spPr>
           <a:xfrm>
-            <a:off x="1483920" y="1699560"/>
-            <a:ext cx="7372080" cy="5428440"/>
-          </a:xfrm>
-          <a:prstGeom prst="rect">
-            <a:avLst/>
-          </a:prstGeom>
-          <a:ln>
-            <a:noFill/>
-          </a:ln>
+            <a:off x="1044282" y="1031997"/>
+            <a:ext cx="7773275" cy="6527678"/>
+          </a:xfrm>
+          <a:prstGeom prst="rect">
+            <a:avLst/>
+          </a:prstGeom>
         </p:spPr>
       </p:pic>
     </p:spTree>
@@ -2556,20 +2582,15 @@
           <a:p>
             <a:r>
               <a:rPr lang="pl-PL" dirty="0"/>
-              <a:t>Podsumowania i </a:t>
-            </a:r>
-            <a:r>
-              <a:rPr lang="pl-PL" dirty="0" smtClean="0"/>
-              <a:t>wnioski:</a:t>
-            </a:r>
-            <a:endParaRPr lang="pl-PL" dirty="0"/>
+              <a:t>Podsumowania i wnioski:</a:t>
+            </a:r>
           </a:p>
         </p:txBody>
       </p:sp>
     </p:spTree>
     <p:extLst>
       <p:ext uri="{BB962C8B-B14F-4D97-AF65-F5344CB8AC3E}">
-        <p14:creationId xmlns="" xmlns:p14="http://schemas.microsoft.com/office/powerpoint/2010/main" val="1959237974"/>
+        <p14:creationId xmlns:p14="http://schemas.microsoft.com/office/powerpoint/2010/main" val="1959237974"/>
       </p:ext>
     </p:extLst>
   </p:cSld>
@@ -3137,17 +3158,8 @@
               <a:rPr lang="pl-PL" sz="3200" dirty="0">
                 <a:latin typeface="Arial"/>
               </a:rPr>
-              <a:t>Czas zielonego światła proporcjonalny do ilości oczekujących </a:t>
-            </a:r>
-            <a:r>
-              <a:rPr lang="pl-PL" sz="3200" dirty="0" smtClean="0">
-                <a:latin typeface="Arial"/>
-              </a:rPr>
-              <a:t>samochodów</a:t>
-            </a:r>
-            <a:endParaRPr lang="pl-PL" sz="3200" dirty="0">
-              <a:latin typeface="Arial"/>
-            </a:endParaRPr>
+              <a:t>Czas zielonego światła proporcjonalny do ilości oczekujących samochodów</a:t>
+            </a:r>
           </a:p>
           <a:p>
             <a:pPr>
@@ -3289,14 +3301,11 @@
               <a:buSzPct val="45000"/>
             </a:pPr>
             <a:r>
-              <a:rPr lang="pl-PL" sz="3200" dirty="0" smtClean="0">
+              <a:rPr lang="pl-PL" sz="3200" dirty="0">
                 <a:latin typeface="Arial"/>
               </a:rPr>
               <a:t>Trzy człony:</a:t>
             </a:r>
-            <a:endParaRPr lang="pl-PL" sz="3200" dirty="0" smtClean="0">
-              <a:latin typeface="Arial"/>
-            </a:endParaRPr>
           </a:p>
           <a:p>
             <a:pPr>
@@ -3305,16 +3314,10 @@
               <a:buChar char=""/>
             </a:pPr>
             <a:r>
-              <a:rPr lang="pl-PL" sz="3200" dirty="0" smtClean="0">
+              <a:rPr lang="pl-PL" sz="3200" dirty="0">
                 <a:latin typeface="Arial"/>
               </a:rPr>
-              <a:t>Moduł sterujący</a:t>
-            </a:r>
-            <a:r>
-              <a:rPr lang="pl-PL" sz="3200" dirty="0" smtClean="0">
-                <a:latin typeface="Arial"/>
-              </a:rPr>
-              <a:t> – „master”</a:t>
+              <a:t>Moduł sterujący – „master”</a:t>
             </a:r>
             <a:endParaRPr/>
           </a:p>
@@ -3325,19 +3328,19 @@
               <a:buChar char=""/>
             </a:pPr>
             <a:r>
-              <a:rPr lang="pl-PL" sz="3200" dirty="0" smtClean="0">
+              <a:rPr lang="pl-PL" sz="3200" dirty="0">
                 <a:latin typeface="Arial"/>
               </a:rPr>
               <a:t>Moduł wykonawczy – „</a:t>
             </a:r>
             <a:r>
-              <a:rPr lang="pl-PL" sz="3200" dirty="0" err="1" smtClean="0">
+              <a:rPr lang="pl-PL" sz="3200" dirty="0" err="1">
                 <a:latin typeface="Arial"/>
               </a:rPr>
               <a:t>slave</a:t>
             </a:r>
             <a:r>
-              <a:rPr lang="pl-PL" sz="3200" dirty="0" smtClean="0">
+              <a:rPr lang="pl-PL" sz="3200" dirty="0">
                 <a:latin typeface="Arial"/>
               </a:rPr>
               <a:t>”</a:t>
@@ -3350,19 +3353,19 @@
               <a:buChar char=""/>
             </a:pPr>
             <a:r>
-              <a:rPr lang="pl-PL" sz="3200" dirty="0" smtClean="0">
+              <a:rPr lang="pl-PL" sz="3200" dirty="0">
                 <a:latin typeface="Arial"/>
               </a:rPr>
               <a:t>Moduł pomiarowy – „</a:t>
             </a:r>
             <a:r>
-              <a:rPr lang="pl-PL" sz="3200" dirty="0" err="1" smtClean="0">
+              <a:rPr lang="pl-PL" sz="3200" dirty="0" err="1">
                 <a:latin typeface="Arial"/>
               </a:rPr>
               <a:t>sensors</a:t>
             </a:r>
             <a:r>
-              <a:rPr lang="pl-PL" sz="3200" dirty="0" smtClean="0">
+              <a:rPr lang="pl-PL" sz="3200" dirty="0">
                 <a:latin typeface="Arial"/>
               </a:rPr>
               <a:t>”</a:t>
@@ -3513,7 +3516,7 @@
               <a:buChar char="ü"/>
             </a:pPr>
             <a:r>
-              <a:rPr lang="pl-PL" sz="4000" dirty="0" smtClean="0"/>
+              <a:rPr lang="pl-PL" sz="4000" dirty="0"/>
               <a:t>Sterowanie domyślne (nieinteligentne) w przypadku awarii czujników</a:t>
             </a:r>
           </a:p>
@@ -3523,17 +3526,16 @@
               <a:buChar char="ü"/>
             </a:pPr>
             <a:r>
-              <a:rPr lang="pl-PL" sz="4000" dirty="0" smtClean="0"/>
+              <a:rPr lang="pl-PL" sz="4000" dirty="0"/>
               <a:t>Pulsujące żółte światła przy awarii modułu centralnego</a:t>
             </a:r>
-            <a:endParaRPr lang="pl-PL" sz="4000" dirty="0"/>
           </a:p>
         </p:txBody>
       </p:sp>
     </p:spTree>
     <p:extLst>
       <p:ext uri="{BB962C8B-B14F-4D97-AF65-F5344CB8AC3E}">
-        <p14:creationId xmlns="" xmlns:p14="http://schemas.microsoft.com/office/powerpoint/2010/main" val="3252113162"/>
+        <p14:creationId xmlns:p14="http://schemas.microsoft.com/office/powerpoint/2010/main" val="3252113162"/>
       </p:ext>
     </p:extLst>
   </p:cSld>
@@ -3581,18 +3583,9 @@
           <a:lstStyle/>
           <a:p>
             <a:r>
-              <a:rPr lang="pl-PL" sz="4000" dirty="0" smtClean="0"/>
-              <a:t>Kilka słów </a:t>
-            </a:r>
-            <a:r>
               <a:rPr lang="pl-PL" sz="4000" dirty="0"/>
-              <a:t>o module </a:t>
-            </a:r>
-            <a:r>
-              <a:rPr lang="pl-PL" sz="4000" dirty="0" smtClean="0"/>
-              <a:t>sterującym - master</a:t>
-            </a:r>
-            <a:endParaRPr lang="pl-PL" sz="4000" dirty="0"/>
+              <a:t>Kilka słów o module sterującym - master</a:t>
+            </a:r>
           </a:p>
         </p:txBody>
       </p:sp>
@@ -3619,7 +3612,7 @@
           <a:lstStyle/>
           <a:p>
             <a:r>
-              <a:rPr lang="pl-PL" sz="4000" dirty="0" smtClean="0"/>
+              <a:rPr lang="pl-PL" sz="4000" dirty="0"/>
               <a:t>Blok centralny:</a:t>
             </a:r>
           </a:p>
@@ -3629,7 +3622,7 @@
               <a:buChar char="§"/>
             </a:pPr>
             <a:r>
-              <a:rPr lang="pl-PL" sz="4000" dirty="0" smtClean="0"/>
+              <a:rPr lang="pl-PL" sz="4000" dirty="0"/>
               <a:t> Kieruje pracą pozostałych modułów</a:t>
             </a:r>
           </a:p>
@@ -3639,7 +3632,7 @@
               <a:buChar char="§"/>
             </a:pPr>
             <a:r>
-              <a:rPr lang="pl-PL" sz="4000" dirty="0" smtClean="0"/>
+              <a:rPr lang="pl-PL" sz="4000" dirty="0"/>
               <a:t> Decyduje o taktowaniu zegara</a:t>
             </a:r>
           </a:p>
@@ -3649,17 +3642,16 @@
               <a:buChar char="§"/>
             </a:pPr>
             <a:r>
-              <a:rPr lang="pl-PL" sz="4000" dirty="0" smtClean="0"/>
+              <a:rPr lang="pl-PL" sz="4000" dirty="0"/>
               <a:t> Zapewnia inteligentne sterowanie - optymalizuje czas poszczególnych faz</a:t>
             </a:r>
-            <a:endParaRPr lang="pl-PL" sz="4000" dirty="0"/>
           </a:p>
         </p:txBody>
       </p:sp>
     </p:spTree>
     <p:extLst>
       <p:ext uri="{BB962C8B-B14F-4D97-AF65-F5344CB8AC3E}">
-        <p14:creationId xmlns="" xmlns:p14="http://schemas.microsoft.com/office/powerpoint/2010/main" val="1201724613"/>
+        <p14:creationId xmlns:p14="http://schemas.microsoft.com/office/powerpoint/2010/main" val="1201724613"/>
       </p:ext>
     </p:extLst>
   </p:cSld>
@@ -3708,14 +3700,10 @@
           <a:p>
             <a:r>
               <a:rPr lang="pl-PL" sz="4000" dirty="0"/>
-              <a:t>Kilka słów o </a:t>
-            </a:r>
-            <a:r>
-              <a:rPr lang="pl-PL" sz="4000" dirty="0" smtClean="0"/>
-              <a:t>module wykonawczym - </a:t>
-            </a:r>
-            <a:r>
-              <a:rPr lang="pl-PL" sz="4000" dirty="0" err="1" smtClean="0"/>
+              <a:t>Kilka słów o module wykonawczym - </a:t>
+            </a:r>
+            <a:r>
+              <a:rPr lang="pl-PL" sz="4000" dirty="0" err="1"/>
               <a:t>slave</a:t>
             </a:r>
             <a:endParaRPr lang="pl-PL" sz="4000" dirty="0"/>
@@ -3745,7 +3733,7 @@
           <a:lstStyle/>
           <a:p>
             <a:r>
-              <a:rPr lang="pl-PL" sz="4000" dirty="0" smtClean="0"/>
+              <a:rPr lang="pl-PL" sz="4000" dirty="0"/>
               <a:t>Blok wykonawczy:</a:t>
             </a:r>
           </a:p>
@@ -3755,7 +3743,7 @@
               <a:buChar char="§"/>
             </a:pPr>
             <a:r>
-              <a:rPr lang="pl-PL" sz="4000" dirty="0" smtClean="0"/>
+              <a:rPr lang="pl-PL" sz="4000" dirty="0"/>
               <a:t> Na podstawie odebranych od mastera sygnałów zapala światła</a:t>
             </a:r>
           </a:p>
@@ -3765,7 +3753,7 @@
               <a:buChar char="§"/>
             </a:pPr>
             <a:r>
-              <a:rPr lang="pl-PL" sz="4000" dirty="0" smtClean="0"/>
+              <a:rPr lang="pl-PL" sz="4000" dirty="0"/>
               <a:t> Odpowiada za awaryjne świecenie żółtych świateł</a:t>
             </a:r>
           </a:p>
@@ -3774,14 +3762,14 @@
               <a:buFont typeface="Wingdings" pitchFamily="2" charset="2"/>
               <a:buChar char="§"/>
             </a:pPr>
-            <a:endParaRPr lang="pl-PL" sz="4000" dirty="0" smtClean="0"/>
+            <a:endParaRPr lang="pl-PL" sz="4000" dirty="0"/>
           </a:p>
         </p:txBody>
       </p:sp>
     </p:spTree>
     <p:extLst>
       <p:ext uri="{BB962C8B-B14F-4D97-AF65-F5344CB8AC3E}">
-        <p14:creationId xmlns="" xmlns:p14="http://schemas.microsoft.com/office/powerpoint/2010/main" val="4099953241"/>
+        <p14:creationId xmlns:p14="http://schemas.microsoft.com/office/powerpoint/2010/main" val="4099953241"/>
       </p:ext>
     </p:extLst>
   </p:cSld>

--- a/prezentacja.pptx
+++ b/prezentacja.pptx
@@ -118,7 +118,7 @@
   </p:defaultTextStyle>
   <p:extLst>
     <p:ext uri="{EFAFB233-063F-42B5-8137-9DF3F51BA10A}">
-      <p15:sldGuideLst xmlns:p15="http://schemas.microsoft.com/office/powerpoint/2012/main">
+      <p15:sldGuideLst xmlns:p15="http://schemas.microsoft.com/office/powerpoint/2012/main" xmlns="">
         <p15:guide id="1" orient="horz" pos="2381">
           <p15:clr>
             <a:srgbClr val="A4A3A4"/>
@@ -2319,18 +2319,19 @@
           <a:blip r:embed="rId2">
             <a:extLst>
               <a:ext uri="{28A0092B-C50C-407E-A947-70E740481C1C}">
-                <a14:useLocalDpi xmlns:a14="http://schemas.microsoft.com/office/drawing/2010/main" val="0"/>
+                <a14:useLocalDpi xmlns:a14="http://schemas.microsoft.com/office/drawing/2010/main" xmlns="" val="0"/>
               </a:ext>
             </a:extLst>
           </a:blip>
+          <a:srcRect l="1094" t="4912" r="1527" b="1247"/>
           <a:stretch>
             <a:fillRect/>
           </a:stretch>
         </p:blipFill>
         <p:spPr>
           <a:xfrm>
-            <a:off x="1271404" y="884057"/>
-            <a:ext cx="7762552" cy="6512333"/>
+            <a:off x="1356360" y="1203960"/>
+            <a:ext cx="7559040" cy="6111240"/>
           </a:xfrm>
           <a:prstGeom prst="rect">
             <a:avLst/>
@@ -2492,18 +2493,19 @@
           <a:blip r:embed="rId2">
             <a:extLst>
               <a:ext uri="{28A0092B-C50C-407E-A947-70E740481C1C}">
-                <a14:useLocalDpi xmlns:a14="http://schemas.microsoft.com/office/drawing/2010/main" val="0"/>
+                <a14:useLocalDpi xmlns:a14="http://schemas.microsoft.com/office/drawing/2010/main" xmlns="" val="0"/>
               </a:ext>
             </a:extLst>
           </a:blip>
+          <a:srcRect l="1270" t="4736" r="1290" b="1411"/>
           <a:stretch>
             <a:fillRect/>
           </a:stretch>
         </p:blipFill>
         <p:spPr>
           <a:xfrm>
-            <a:off x="1044282" y="1031997"/>
-            <a:ext cx="7773275" cy="6527678"/>
+            <a:off x="1203960" y="1127760"/>
+            <a:ext cx="7574280" cy="6126480"/>
           </a:xfrm>
           <a:prstGeom prst="rect">
             <a:avLst/>
@@ -2587,10 +2589,78 @@
           </a:p>
         </p:txBody>
       </p:sp>
+      <p:sp>
+        <p:nvSpPr>
+          <p:cNvPr id="4" name="pole tekstowe 3"/>
+          <p:cNvSpPr txBox="1"/>
+          <p:nvPr/>
+        </p:nvSpPr>
+        <p:spPr>
+          <a:xfrm>
+            <a:off x="579120" y="1645920"/>
+            <a:ext cx="8519448" cy="2308324"/>
+          </a:xfrm>
+          <a:prstGeom prst="rect">
+            <a:avLst/>
+          </a:prstGeom>
+          <a:noFill/>
+        </p:spPr>
+        <p:txBody>
+          <a:bodyPr wrap="none" rtlCol="0">
+            <a:spAutoFit/>
+          </a:bodyPr>
+          <a:lstStyle/>
+          <a:p>
+            <a:pPr>
+              <a:buFont typeface="Wingdings" pitchFamily="2" charset="2"/>
+              <a:buChar char="ü"/>
+            </a:pPr>
+            <a:r>
+              <a:rPr lang="pl-PL" sz="3600" dirty="0" smtClean="0"/>
+              <a:t>Zapoznanie się z </a:t>
+            </a:r>
+            <a:r>
+              <a:rPr lang="pl-PL" sz="3600" dirty="0" err="1" smtClean="0"/>
+              <a:t>CANoe</a:t>
+            </a:r>
+            <a:endParaRPr lang="pl-PL" sz="3600" dirty="0" smtClean="0"/>
+          </a:p>
+          <a:p>
+            <a:pPr>
+              <a:buFont typeface="Wingdings" pitchFamily="2" charset="2"/>
+              <a:buChar char="ü"/>
+            </a:pPr>
+            <a:r>
+              <a:rPr lang="pl-PL" sz="3600" dirty="0" smtClean="0"/>
+              <a:t>Wymyślenie i udoskonalenie algorytmu</a:t>
+            </a:r>
+          </a:p>
+          <a:p>
+            <a:pPr>
+              <a:buFont typeface="Wingdings" pitchFamily="2" charset="2"/>
+              <a:buChar char="ü"/>
+            </a:pPr>
+            <a:r>
+              <a:rPr lang="pl-PL" sz="3600" dirty="0" smtClean="0"/>
+              <a:t>Uwzględnienie sytuacji awaryjnych</a:t>
+            </a:r>
+          </a:p>
+          <a:p>
+            <a:pPr>
+              <a:buFont typeface="Wingdings" pitchFamily="2" charset="2"/>
+              <a:buChar char="ü"/>
+            </a:pPr>
+            <a:r>
+              <a:rPr lang="pl-PL" sz="3600" dirty="0" smtClean="0"/>
+              <a:t>Liczne poprawki</a:t>
+            </a:r>
+          </a:p>
+        </p:txBody>
+      </p:sp>
     </p:spTree>
     <p:extLst>
       <p:ext uri="{BB962C8B-B14F-4D97-AF65-F5344CB8AC3E}">
-        <p14:creationId xmlns:p14="http://schemas.microsoft.com/office/powerpoint/2010/main" val="1959237974"/>
+        <p14:creationId xmlns:p14="http://schemas.microsoft.com/office/powerpoint/2010/main" xmlns="" val="1959237974"/>
       </p:ext>
     </p:extLst>
   </p:cSld>
@@ -3535,7 +3605,7 @@
     </p:spTree>
     <p:extLst>
       <p:ext uri="{BB962C8B-B14F-4D97-AF65-F5344CB8AC3E}">
-        <p14:creationId xmlns:p14="http://schemas.microsoft.com/office/powerpoint/2010/main" val="3252113162"/>
+        <p14:creationId xmlns:p14="http://schemas.microsoft.com/office/powerpoint/2010/main" xmlns="" val="3252113162"/>
       </p:ext>
     </p:extLst>
   </p:cSld>
@@ -3651,7 +3721,7 @@
     </p:spTree>
     <p:extLst>
       <p:ext uri="{BB962C8B-B14F-4D97-AF65-F5344CB8AC3E}">
-        <p14:creationId xmlns:p14="http://schemas.microsoft.com/office/powerpoint/2010/main" val="1201724613"/>
+        <p14:creationId xmlns:p14="http://schemas.microsoft.com/office/powerpoint/2010/main" xmlns="" val="1201724613"/>
       </p:ext>
     </p:extLst>
   </p:cSld>
@@ -3769,7 +3839,7 @@
     </p:spTree>
     <p:extLst>
       <p:ext uri="{BB962C8B-B14F-4D97-AF65-F5344CB8AC3E}">
-        <p14:creationId xmlns:p14="http://schemas.microsoft.com/office/powerpoint/2010/main" val="4099953241"/>
+        <p14:creationId xmlns:p14="http://schemas.microsoft.com/office/powerpoint/2010/main" xmlns="" val="4099953241"/>
       </p:ext>
     </p:extLst>
   </p:cSld>

--- a/prezentacja.pptx
+++ b/prezentacja.pptx
@@ -118,7 +118,7 @@
   </p:defaultTextStyle>
   <p:extLst>
     <p:ext uri="{EFAFB233-063F-42B5-8137-9DF3F51BA10A}">
-      <p15:sldGuideLst xmlns:p15="http://schemas.microsoft.com/office/powerpoint/2012/main" xmlns="">
+      <p15:sldGuideLst xmlns:p15="http://schemas.microsoft.com/office/powerpoint/2012/main">
         <p15:guide id="1" orient="horz" pos="2381">
           <p15:clr>
             <a:srgbClr val="A4A3A4"/>
@@ -2309,7 +2309,7 @@
       </p:sp>
       <p:pic>
         <p:nvPicPr>
-          <p:cNvPr id="2" name="Obraz 1"/>
+          <p:cNvPr id="3" name="Obraz 2"/>
           <p:cNvPicPr>
             <a:picLocks noChangeAspect="1"/>
           </p:cNvPicPr>
@@ -2319,19 +2319,76 @@
           <a:blip r:embed="rId2">
             <a:extLst>
               <a:ext uri="{28A0092B-C50C-407E-A947-70E740481C1C}">
-                <a14:useLocalDpi xmlns:a14="http://schemas.microsoft.com/office/drawing/2010/main" xmlns="" val="0"/>
+                <a14:useLocalDpi xmlns:a14="http://schemas.microsoft.com/office/drawing/2010/main" val="0"/>
               </a:ext>
             </a:extLst>
           </a:blip>
-          <a:srcRect l="1094" t="4912" r="1527" b="1247"/>
           <a:stretch>
             <a:fillRect/>
           </a:stretch>
         </p:blipFill>
         <p:spPr>
           <a:xfrm>
-            <a:off x="1356360" y="1203960"/>
-            <a:ext cx="7559040" cy="6111240"/>
+            <a:off x="3605925" y="3274332"/>
+            <a:ext cx="2571750" cy="1076325"/>
+          </a:xfrm>
+          <a:prstGeom prst="rect">
+            <a:avLst/>
+          </a:prstGeom>
+        </p:spPr>
+      </p:pic>
+      <p:pic>
+        <p:nvPicPr>
+          <p:cNvPr id="4" name="Obraz 3"/>
+          <p:cNvPicPr>
+            <a:picLocks noChangeAspect="1"/>
+          </p:cNvPicPr>
+          <p:nvPr/>
+        </p:nvPicPr>
+        <p:blipFill rotWithShape="1">
+          <a:blip r:embed="rId3">
+            <a:extLst>
+              <a:ext uri="{28A0092B-C50C-407E-A947-70E740481C1C}">
+                <a14:useLocalDpi xmlns:a14="http://schemas.microsoft.com/office/drawing/2010/main" val="0"/>
+              </a:ext>
+            </a:extLst>
+          </a:blip>
+          <a:srcRect b="735"/>
+          <a:stretch/>
+        </p:blipFill>
+        <p:spPr>
+          <a:xfrm>
+            <a:off x="1188938" y="828768"/>
+            <a:ext cx="7974958" cy="6438807"/>
+          </a:xfrm>
+          <a:prstGeom prst="rect">
+            <a:avLst/>
+          </a:prstGeom>
+        </p:spPr>
+      </p:pic>
+      <p:pic>
+        <p:nvPicPr>
+          <p:cNvPr id="5" name="Obraz 4"/>
+          <p:cNvPicPr>
+            <a:picLocks noChangeAspect="1"/>
+          </p:cNvPicPr>
+          <p:nvPr/>
+        </p:nvPicPr>
+        <p:blipFill rotWithShape="1">
+          <a:blip r:embed="rId2">
+            <a:extLst>
+              <a:ext uri="{28A0092B-C50C-407E-A947-70E740481C1C}">
+                <a14:useLocalDpi xmlns:a14="http://schemas.microsoft.com/office/drawing/2010/main" val="0"/>
+              </a:ext>
+            </a:extLst>
+          </a:blip>
+          <a:srcRect b="8007"/>
+          <a:stretch/>
+        </p:blipFill>
+        <p:spPr>
+          <a:xfrm>
+            <a:off x="6592146" y="855315"/>
+            <a:ext cx="2571750" cy="909459"/>
           </a:xfrm>
           <a:prstGeom prst="rect">
             <a:avLst/>
@@ -2489,23 +2546,21 @@
           </p:cNvPicPr>
           <p:nvPr/>
         </p:nvPicPr>
-        <p:blipFill>
+        <p:blipFill rotWithShape="1">
           <a:blip r:embed="rId2">
             <a:extLst>
               <a:ext uri="{28A0092B-C50C-407E-A947-70E740481C1C}">
-                <a14:useLocalDpi xmlns:a14="http://schemas.microsoft.com/office/drawing/2010/main" xmlns="" val="0"/>
+                <a14:useLocalDpi xmlns:a14="http://schemas.microsoft.com/office/drawing/2010/main" val="0"/>
               </a:ext>
             </a:extLst>
           </a:blip>
-          <a:srcRect l="1270" t="4736" r="1290" b="1411"/>
-          <a:stretch>
-            <a:fillRect/>
-          </a:stretch>
+          <a:srcRect l="1690" t="4702" r="1471" b="2244"/>
+          <a:stretch/>
         </p:blipFill>
         <p:spPr>
           <a:xfrm>
-            <a:off x="1203960" y="1127760"/>
-            <a:ext cx="7574280" cy="6126480"/>
+            <a:off x="1189307" y="1024836"/>
+            <a:ext cx="7701025" cy="6214275"/>
           </a:xfrm>
           <a:prstGeom prst="rect">
             <a:avLst/>
@@ -2591,22 +2646,21 @@
       </p:sp>
       <p:sp>
         <p:nvSpPr>
-          <p:cNvPr id="4" name="pole tekstowe 3"/>
-          <p:cNvSpPr txBox="1"/>
+          <p:cNvPr id="3" name="Prostokąt 2"/>
+          <p:cNvSpPr/>
           <p:nvPr/>
         </p:nvSpPr>
         <p:spPr>
           <a:xfrm>
-            <a:off x="579120" y="1645920"/>
-            <a:ext cx="8519448" cy="2308324"/>
-          </a:xfrm>
-          <a:prstGeom prst="rect">
-            <a:avLst/>
-          </a:prstGeom>
-          <a:noFill/>
-        </p:spPr>
-        <p:txBody>
-          <a:bodyPr wrap="none" rtlCol="0">
+            <a:off x="742950" y="1563480"/>
+            <a:ext cx="8832690" cy="2308324"/>
+          </a:xfrm>
+          <a:prstGeom prst="rect">
+            <a:avLst/>
+          </a:prstGeom>
+        </p:spPr>
+        <p:txBody>
+          <a:bodyPr wrap="square">
             <a:spAutoFit/>
           </a:bodyPr>
           <a:lstStyle/>
@@ -2616,14 +2670,14 @@
               <a:buChar char="ü"/>
             </a:pPr>
             <a:r>
-              <a:rPr lang="pl-PL" sz="3600" dirty="0" smtClean="0"/>
+              <a:rPr lang="pl-PL" sz="3600" dirty="0"/>
               <a:t>Zapoznanie się z </a:t>
             </a:r>
             <a:r>
-              <a:rPr lang="pl-PL" sz="3600" dirty="0" err="1" smtClean="0"/>
+              <a:rPr lang="pl-PL" sz="3600" dirty="0" err="1"/>
               <a:t>CANoe</a:t>
             </a:r>
-            <a:endParaRPr lang="pl-PL" sz="3600" dirty="0" smtClean="0"/>
+            <a:endParaRPr lang="pl-PL" sz="3600" dirty="0"/>
           </a:p>
           <a:p>
             <a:pPr>
@@ -2631,7 +2685,7 @@
               <a:buChar char="ü"/>
             </a:pPr>
             <a:r>
-              <a:rPr lang="pl-PL" sz="3600" dirty="0" smtClean="0"/>
+              <a:rPr lang="pl-PL" sz="3600" dirty="0"/>
               <a:t>Wymyślenie i udoskonalenie algorytmu</a:t>
             </a:r>
           </a:p>
@@ -2641,7 +2695,7 @@
               <a:buChar char="ü"/>
             </a:pPr>
             <a:r>
-              <a:rPr lang="pl-PL" sz="3600" dirty="0" smtClean="0"/>
+              <a:rPr lang="pl-PL" sz="3600" dirty="0"/>
               <a:t>Uwzględnienie sytuacji awaryjnych</a:t>
             </a:r>
           </a:p>
@@ -2651,7 +2705,7 @@
               <a:buChar char="ü"/>
             </a:pPr>
             <a:r>
-              <a:rPr lang="pl-PL" sz="3600" dirty="0" smtClean="0"/>
+              <a:rPr lang="pl-PL" sz="3600" dirty="0"/>
               <a:t>Liczne poprawki</a:t>
             </a:r>
           </a:p>
@@ -2660,7 +2714,7 @@
     </p:spTree>
     <p:extLst>
       <p:ext uri="{BB962C8B-B14F-4D97-AF65-F5344CB8AC3E}">
-        <p14:creationId xmlns:p14="http://schemas.microsoft.com/office/powerpoint/2010/main" xmlns="" val="1959237974"/>
+        <p14:creationId xmlns:p14="http://schemas.microsoft.com/office/powerpoint/2010/main" val="1959237974"/>
       </p:ext>
     </p:extLst>
   </p:cSld>
@@ -3605,7 +3659,7 @@
     </p:spTree>
     <p:extLst>
       <p:ext uri="{BB962C8B-B14F-4D97-AF65-F5344CB8AC3E}">
-        <p14:creationId xmlns:p14="http://schemas.microsoft.com/office/powerpoint/2010/main" xmlns="" val="3252113162"/>
+        <p14:creationId xmlns:p14="http://schemas.microsoft.com/office/powerpoint/2010/main" val="3252113162"/>
       </p:ext>
     </p:extLst>
   </p:cSld>
@@ -3721,7 +3775,7 @@
     </p:spTree>
     <p:extLst>
       <p:ext uri="{BB962C8B-B14F-4D97-AF65-F5344CB8AC3E}">
-        <p14:creationId xmlns:p14="http://schemas.microsoft.com/office/powerpoint/2010/main" xmlns="" val="1201724613"/>
+        <p14:creationId xmlns:p14="http://schemas.microsoft.com/office/powerpoint/2010/main" val="1201724613"/>
       </p:ext>
     </p:extLst>
   </p:cSld>
@@ -3839,7 +3893,7 @@
     </p:spTree>
     <p:extLst>
       <p:ext uri="{BB962C8B-B14F-4D97-AF65-F5344CB8AC3E}">
-        <p14:creationId xmlns:p14="http://schemas.microsoft.com/office/powerpoint/2010/main" xmlns="" val="4099953241"/>
+        <p14:creationId xmlns:p14="http://schemas.microsoft.com/office/powerpoint/2010/main" val="4099953241"/>
       </p:ext>
     </p:extLst>
   </p:cSld>

--- a/prezentacja.pptx
+++ b/prezentacja.pptx
@@ -2,7 +2,7 @@
 <file path=ppt/presentation.xml><?xml version="1.0" encoding="utf-8"?>
 <p:presentation xmlns:a="http://schemas.openxmlformats.org/drawingml/2006/main" xmlns:r="http://schemas.openxmlformats.org/officeDocument/2006/relationships" xmlns:p="http://schemas.openxmlformats.org/presentationml/2006/main">
   <p:sldMasterIdLst>
-    <p:sldMasterId id="2147483648" r:id="rId1"/>
+    <p:sldMasterId id="2147483832" r:id="rId1"/>
   </p:sldMasterIdLst>
   <p:sldIdLst>
     <p:sldId id="256" r:id="rId2"/>
@@ -17,15 +17,16 @@
     <p:sldId id="268" r:id="rId11"/>
     <p:sldId id="262" r:id="rId12"/>
     <p:sldId id="263" r:id="rId13"/>
-    <p:sldId id="267" r:id="rId14"/>
+    <p:sldId id="269" r:id="rId14"/>
+    <p:sldId id="267" r:id="rId15"/>
   </p:sldIdLst>
   <p:sldSz cx="10080625" cy="7559675"/>
   <p:notesSz cx="7559675" cy="10691813"/>
   <p:defaultTextStyle>
     <a:defPPr>
-      <a:defRPr lang="pl-PL"/>
+      <a:defRPr lang="en-US"/>
     </a:defPPr>
-    <a:lvl1pPr marL="0" algn="l" defTabSz="914400" rtl="0" eaLnBrk="1" latinLnBrk="0" hangingPunct="1">
+    <a:lvl1pPr marL="0" algn="l" defTabSz="457200" rtl="0" eaLnBrk="1" latinLnBrk="0" hangingPunct="1">
       <a:defRPr sz="1800" kern="1200">
         <a:solidFill>
           <a:schemeClr val="tx1"/>
@@ -35,7 +36,7 @@
         <a:cs typeface="+mn-cs"/>
       </a:defRPr>
     </a:lvl1pPr>
-    <a:lvl2pPr marL="457200" algn="l" defTabSz="914400" rtl="0" eaLnBrk="1" latinLnBrk="0" hangingPunct="1">
+    <a:lvl2pPr marL="457200" algn="l" defTabSz="457200" rtl="0" eaLnBrk="1" latinLnBrk="0" hangingPunct="1">
       <a:defRPr sz="1800" kern="1200">
         <a:solidFill>
           <a:schemeClr val="tx1"/>
@@ -45,7 +46,7 @@
         <a:cs typeface="+mn-cs"/>
       </a:defRPr>
     </a:lvl2pPr>
-    <a:lvl3pPr marL="914400" algn="l" defTabSz="914400" rtl="0" eaLnBrk="1" latinLnBrk="0" hangingPunct="1">
+    <a:lvl3pPr marL="914400" algn="l" defTabSz="457200" rtl="0" eaLnBrk="1" latinLnBrk="0" hangingPunct="1">
       <a:defRPr sz="1800" kern="1200">
         <a:solidFill>
           <a:schemeClr val="tx1"/>
@@ -55,7 +56,7 @@
         <a:cs typeface="+mn-cs"/>
       </a:defRPr>
     </a:lvl3pPr>
-    <a:lvl4pPr marL="1371600" algn="l" defTabSz="914400" rtl="0" eaLnBrk="1" latinLnBrk="0" hangingPunct="1">
+    <a:lvl4pPr marL="1371600" algn="l" defTabSz="457200" rtl="0" eaLnBrk="1" latinLnBrk="0" hangingPunct="1">
       <a:defRPr sz="1800" kern="1200">
         <a:solidFill>
           <a:schemeClr val="tx1"/>
@@ -65,7 +66,7 @@
         <a:cs typeface="+mn-cs"/>
       </a:defRPr>
     </a:lvl4pPr>
-    <a:lvl5pPr marL="1828800" algn="l" defTabSz="914400" rtl="0" eaLnBrk="1" latinLnBrk="0" hangingPunct="1">
+    <a:lvl5pPr marL="1828800" algn="l" defTabSz="457200" rtl="0" eaLnBrk="1" latinLnBrk="0" hangingPunct="1">
       <a:defRPr sz="1800" kern="1200">
         <a:solidFill>
           <a:schemeClr val="tx1"/>
@@ -75,7 +76,7 @@
         <a:cs typeface="+mn-cs"/>
       </a:defRPr>
     </a:lvl5pPr>
-    <a:lvl6pPr marL="2286000" algn="l" defTabSz="914400" rtl="0" eaLnBrk="1" latinLnBrk="0" hangingPunct="1">
+    <a:lvl6pPr marL="2286000" algn="l" defTabSz="457200" rtl="0" eaLnBrk="1" latinLnBrk="0" hangingPunct="1">
       <a:defRPr sz="1800" kern="1200">
         <a:solidFill>
           <a:schemeClr val="tx1"/>
@@ -85,7 +86,7 @@
         <a:cs typeface="+mn-cs"/>
       </a:defRPr>
     </a:lvl6pPr>
-    <a:lvl7pPr marL="2743200" algn="l" defTabSz="914400" rtl="0" eaLnBrk="1" latinLnBrk="0" hangingPunct="1">
+    <a:lvl7pPr marL="2743200" algn="l" defTabSz="457200" rtl="0" eaLnBrk="1" latinLnBrk="0" hangingPunct="1">
       <a:defRPr sz="1800" kern="1200">
         <a:solidFill>
           <a:schemeClr val="tx1"/>
@@ -95,7 +96,7 @@
         <a:cs typeface="+mn-cs"/>
       </a:defRPr>
     </a:lvl7pPr>
-    <a:lvl8pPr marL="3200400" algn="l" defTabSz="914400" rtl="0" eaLnBrk="1" latinLnBrk="0" hangingPunct="1">
+    <a:lvl8pPr marL="3200400" algn="l" defTabSz="457200" rtl="0" eaLnBrk="1" latinLnBrk="0" hangingPunct="1">
       <a:defRPr sz="1800" kern="1200">
         <a:solidFill>
           <a:schemeClr val="tx1"/>
@@ -105,7 +106,7 @@
         <a:cs typeface="+mn-cs"/>
       </a:defRPr>
     </a:lvl8pPr>
-    <a:lvl9pPr marL="3657600" algn="l" defTabSz="914400" rtl="0" eaLnBrk="1" latinLnBrk="0" hangingPunct="1">
+    <a:lvl9pPr marL="3657600" algn="l" defTabSz="457200" rtl="0" eaLnBrk="1" latinLnBrk="0" hangingPunct="1">
       <a:defRPr sz="1800" kern="1200">
         <a:solidFill>
           <a:schemeClr val="tx1"/>
@@ -136,8 +137,8 @@
 </file>
 
 <file path=ppt/slideLayouts/slideLayout1.xml><?xml version="1.0" encoding="utf-8"?>
-<p:sldLayout xmlns:a="http://schemas.openxmlformats.org/drawingml/2006/main" xmlns:r="http://schemas.openxmlformats.org/officeDocument/2006/relationships" xmlns:p="http://schemas.openxmlformats.org/presentationml/2006/main" type="blank" preserve="1">
-  <p:cSld name="Blank Slide">
+<p:sldLayout xmlns:a="http://schemas.openxmlformats.org/drawingml/2006/main" xmlns:r="http://schemas.openxmlformats.org/officeDocument/2006/relationships" xmlns:p="http://schemas.openxmlformats.org/presentationml/2006/main" showMasterSp="0" type="title" preserve="1">
+  <p:cSld name="Slajd tytułowy">
     <p:spTree>
       <p:nvGrpSpPr>
         <p:cNvPr id="1" name=""/>
@@ -152,7 +153,692 @@
           <a:chExt cx="0" cy="0"/>
         </a:xfrm>
       </p:grpSpPr>
+      <p:grpSp>
+        <p:nvGrpSpPr>
+          <p:cNvPr id="25" name="Group 24"/>
+          <p:cNvGrpSpPr/>
+          <p:nvPr/>
+        </p:nvGrpSpPr>
+        <p:grpSpPr>
+          <a:xfrm>
+            <a:off x="224014" y="1"/>
+            <a:ext cx="4165258" cy="7559676"/>
+            <a:chOff x="203200" y="0"/>
+            <a:chExt cx="3778250" cy="6858001"/>
+          </a:xfrm>
+        </p:grpSpPr>
+        <p:sp>
+          <p:nvSpPr>
+            <p:cNvPr id="14" name="Freeform 6"/>
+            <p:cNvSpPr/>
+            <p:nvPr/>
+          </p:nvSpPr>
+          <p:spPr bwMode="auto">
+            <a:xfrm>
+              <a:off x="641350" y="0"/>
+              <a:ext cx="1365250" cy="3971925"/>
+            </a:xfrm>
+            <a:custGeom>
+              <a:avLst/>
+              <a:gdLst/>
+              <a:ahLst/>
+              <a:cxnLst/>
+              <a:rect l="0" t="0" r="r" b="b"/>
+              <a:pathLst>
+                <a:path w="860" h="2502">
+                  <a:moveTo>
+                    <a:pt x="0" y="2445"/>
+                  </a:moveTo>
+                  <a:lnTo>
+                    <a:pt x="228" y="2502"/>
+                  </a:lnTo>
+                  <a:lnTo>
+                    <a:pt x="860" y="0"/>
+                  </a:lnTo>
+                  <a:lnTo>
+                    <a:pt x="620" y="0"/>
+                  </a:lnTo>
+                  <a:lnTo>
+                    <a:pt x="0" y="2445"/>
+                  </a:lnTo>
+                  <a:close/>
+                </a:path>
+              </a:pathLst>
+            </a:custGeom>
+            <a:solidFill>
+              <a:schemeClr val="accent1"/>
+            </a:solidFill>
+            <a:ln>
+              <a:noFill/>
+            </a:ln>
+          </p:spPr>
+        </p:sp>
+        <p:sp>
+          <p:nvSpPr>
+            <p:cNvPr id="15" name="Freeform 7"/>
+            <p:cNvSpPr/>
+            <p:nvPr/>
+          </p:nvSpPr>
+          <p:spPr bwMode="auto">
+            <a:xfrm>
+              <a:off x="203200" y="0"/>
+              <a:ext cx="1336675" cy="3862388"/>
+            </a:xfrm>
+            <a:custGeom>
+              <a:avLst/>
+              <a:gdLst/>
+              <a:ahLst/>
+              <a:cxnLst/>
+              <a:rect l="0" t="0" r="r" b="b"/>
+              <a:pathLst>
+                <a:path w="842" h="2433">
+                  <a:moveTo>
+                    <a:pt x="842" y="0"/>
+                  </a:moveTo>
+                  <a:lnTo>
+                    <a:pt x="602" y="0"/>
+                  </a:lnTo>
+                  <a:lnTo>
+                    <a:pt x="0" y="2376"/>
+                  </a:lnTo>
+                  <a:lnTo>
+                    <a:pt x="228" y="2433"/>
+                  </a:lnTo>
+                  <a:lnTo>
+                    <a:pt x="842" y="0"/>
+                  </a:lnTo>
+                  <a:close/>
+                </a:path>
+              </a:pathLst>
+            </a:custGeom>
+            <a:solidFill>
+              <a:schemeClr val="tx1">
+                <a:lumMod val="65000"/>
+                <a:lumOff val="35000"/>
+              </a:schemeClr>
+            </a:solidFill>
+            <a:ln>
+              <a:noFill/>
+            </a:ln>
+          </p:spPr>
+        </p:sp>
+        <p:sp>
+          <p:nvSpPr>
+            <p:cNvPr id="16" name="Freeform 8"/>
+            <p:cNvSpPr/>
+            <p:nvPr/>
+          </p:nvSpPr>
+          <p:spPr bwMode="auto">
+            <a:xfrm>
+              <a:off x="207963" y="3776663"/>
+              <a:ext cx="1936750" cy="3081338"/>
+            </a:xfrm>
+            <a:custGeom>
+              <a:avLst/>
+              <a:gdLst/>
+              <a:ahLst/>
+              <a:cxnLst/>
+              <a:rect l="0" t="0" r="r" b="b"/>
+              <a:pathLst>
+                <a:path w="1220" h="1941">
+                  <a:moveTo>
+                    <a:pt x="0" y="0"/>
+                  </a:moveTo>
+                  <a:lnTo>
+                    <a:pt x="1166" y="1941"/>
+                  </a:lnTo>
+                  <a:lnTo>
+                    <a:pt x="1220" y="1941"/>
+                  </a:lnTo>
+                  <a:lnTo>
+                    <a:pt x="0" y="0"/>
+                  </a:lnTo>
+                  <a:close/>
+                </a:path>
+              </a:pathLst>
+            </a:custGeom>
+            <a:solidFill>
+              <a:schemeClr val="tx1">
+                <a:lumMod val="85000"/>
+                <a:lumOff val="15000"/>
+              </a:schemeClr>
+            </a:solidFill>
+            <a:ln>
+              <a:noFill/>
+            </a:ln>
+          </p:spPr>
+        </p:sp>
+        <p:sp>
+          <p:nvSpPr>
+            <p:cNvPr id="20" name="Freeform 9"/>
+            <p:cNvSpPr/>
+            <p:nvPr/>
+          </p:nvSpPr>
+          <p:spPr bwMode="auto">
+            <a:xfrm>
+              <a:off x="646113" y="3886200"/>
+              <a:ext cx="2373313" cy="2971800"/>
+            </a:xfrm>
+            <a:custGeom>
+              <a:avLst/>
+              <a:gdLst/>
+              <a:ahLst/>
+              <a:cxnLst/>
+              <a:rect l="0" t="0" r="r" b="b"/>
+              <a:pathLst>
+                <a:path w="1495" h="1872">
+                  <a:moveTo>
+                    <a:pt x="1495" y="1872"/>
+                  </a:moveTo>
+                  <a:lnTo>
+                    <a:pt x="0" y="0"/>
+                  </a:lnTo>
+                  <a:lnTo>
+                    <a:pt x="1442" y="1872"/>
+                  </a:lnTo>
+                  <a:lnTo>
+                    <a:pt x="1495" y="1872"/>
+                  </a:lnTo>
+                  <a:close/>
+                </a:path>
+              </a:pathLst>
+            </a:custGeom>
+            <a:solidFill>
+              <a:schemeClr val="accent1">
+                <a:lumMod val="50000"/>
+              </a:schemeClr>
+            </a:solidFill>
+            <a:ln>
+              <a:noFill/>
+            </a:ln>
+          </p:spPr>
+        </p:sp>
+        <p:sp>
+          <p:nvSpPr>
+            <p:cNvPr id="21" name="Freeform 10"/>
+            <p:cNvSpPr/>
+            <p:nvPr/>
+          </p:nvSpPr>
+          <p:spPr bwMode="auto">
+            <a:xfrm>
+              <a:off x="641350" y="3881438"/>
+              <a:ext cx="3340100" cy="2976563"/>
+            </a:xfrm>
+            <a:custGeom>
+              <a:avLst/>
+              <a:gdLst/>
+              <a:ahLst/>
+              <a:cxnLst/>
+              <a:rect l="0" t="0" r="r" b="b"/>
+              <a:pathLst>
+                <a:path w="2104" h="1875">
+                  <a:moveTo>
+                    <a:pt x="0" y="0"/>
+                  </a:moveTo>
+                  <a:lnTo>
+                    <a:pt x="3" y="3"/>
+                  </a:lnTo>
+                  <a:lnTo>
+                    <a:pt x="1498" y="1875"/>
+                  </a:lnTo>
+                  <a:lnTo>
+                    <a:pt x="2104" y="1875"/>
+                  </a:lnTo>
+                  <a:lnTo>
+                    <a:pt x="228" y="57"/>
+                  </a:lnTo>
+                  <a:lnTo>
+                    <a:pt x="0" y="0"/>
+                  </a:lnTo>
+                  <a:close/>
+                </a:path>
+              </a:pathLst>
+            </a:custGeom>
+            <a:solidFill>
+              <a:schemeClr val="accent1">
+                <a:lumMod val="75000"/>
+              </a:schemeClr>
+            </a:solidFill>
+            <a:ln>
+              <a:noFill/>
+            </a:ln>
+          </p:spPr>
+        </p:sp>
+        <p:sp>
+          <p:nvSpPr>
+            <p:cNvPr id="22" name="Freeform 11"/>
+            <p:cNvSpPr/>
+            <p:nvPr/>
+          </p:nvSpPr>
+          <p:spPr bwMode="auto">
+            <a:xfrm>
+              <a:off x="203200" y="3771900"/>
+              <a:ext cx="2660650" cy="3086100"/>
+            </a:xfrm>
+            <a:custGeom>
+              <a:avLst/>
+              <a:gdLst/>
+              <a:ahLst/>
+              <a:cxnLst/>
+              <a:rect l="0" t="0" r="r" b="b"/>
+              <a:pathLst>
+                <a:path w="1676" h="1944">
+                  <a:moveTo>
+                    <a:pt x="1676" y="1944"/>
+                  </a:moveTo>
+                  <a:lnTo>
+                    <a:pt x="264" y="111"/>
+                  </a:lnTo>
+                  <a:lnTo>
+                    <a:pt x="225" y="60"/>
+                  </a:lnTo>
+                  <a:lnTo>
+                    <a:pt x="228" y="60"/>
+                  </a:lnTo>
+                  <a:lnTo>
+                    <a:pt x="264" y="111"/>
+                  </a:lnTo>
+                  <a:lnTo>
+                    <a:pt x="234" y="69"/>
+                  </a:lnTo>
+                  <a:lnTo>
+                    <a:pt x="228" y="57"/>
+                  </a:lnTo>
+                  <a:lnTo>
+                    <a:pt x="222" y="54"/>
+                  </a:lnTo>
+                  <a:lnTo>
+                    <a:pt x="0" y="0"/>
+                  </a:lnTo>
+                  <a:lnTo>
+                    <a:pt x="3" y="3"/>
+                  </a:lnTo>
+                  <a:lnTo>
+                    <a:pt x="1223" y="1944"/>
+                  </a:lnTo>
+                  <a:lnTo>
+                    <a:pt x="1676" y="1944"/>
+                  </a:lnTo>
+                  <a:close/>
+                </a:path>
+              </a:pathLst>
+            </a:custGeom>
+            <a:solidFill>
+              <a:schemeClr val="tx1">
+                <a:lumMod val="75000"/>
+                <a:lumOff val="25000"/>
+              </a:schemeClr>
+            </a:solidFill>
+            <a:ln>
+              <a:noFill/>
+            </a:ln>
+          </p:spPr>
+        </p:sp>
+      </p:grpSp>
+      <p:sp>
+        <p:nvSpPr>
+          <p:cNvPr id="2" name="Title 1"/>
+          <p:cNvSpPr>
+            <a:spLocks noGrp="1"/>
+          </p:cNvSpPr>
+          <p:nvPr>
+            <p:ph type="ctrTitle"/>
+          </p:nvPr>
+        </p:nvSpPr>
+        <p:spPr>
+          <a:xfrm>
+            <a:off x="1917869" y="1007958"/>
+            <a:ext cx="7658725" cy="3845167"/>
+          </a:xfrm>
+        </p:spPr>
+        <p:txBody>
+          <a:bodyPr anchor="b">
+            <a:normAutofit/>
+          </a:bodyPr>
+          <a:lstStyle>
+            <a:lvl1pPr algn="r">
+              <a:defRPr sz="5952">
+                <a:effectLst/>
+              </a:defRPr>
+            </a:lvl1pPr>
+          </a:lstStyle>
+          <a:p>
+            <a:r>
+              <a:rPr lang="pl-PL"/>
+              <a:t>Kliknij, aby edytować styl</a:t>
+            </a:r>
+            <a:endParaRPr lang="en-US" dirty="0"/>
+          </a:p>
+        </p:txBody>
+      </p:sp>
+      <p:sp>
+        <p:nvSpPr>
+          <p:cNvPr id="3" name="Subtitle 2"/>
+          <p:cNvSpPr>
+            <a:spLocks noGrp="1"/>
+          </p:cNvSpPr>
+          <p:nvPr>
+            <p:ph type="subTitle" idx="1"/>
+          </p:nvPr>
+        </p:nvSpPr>
+        <p:spPr>
+          <a:xfrm>
+            <a:off x="3223770" y="4853124"/>
+            <a:ext cx="6352826" cy="1504143"/>
+          </a:xfrm>
+        </p:spPr>
+        <p:txBody>
+          <a:bodyPr anchor="t">
+            <a:normAutofit/>
+          </a:bodyPr>
+          <a:lstStyle>
+            <a:lvl1pPr marL="0" indent="0" algn="r">
+              <a:buNone/>
+              <a:defRPr sz="1984">
+                <a:solidFill>
+                  <a:schemeClr val="tx1"/>
+                </a:solidFill>
+              </a:defRPr>
+            </a:lvl1pPr>
+            <a:lvl2pPr marL="503972" indent="0" algn="ctr">
+              <a:buNone/>
+              <a:defRPr>
+                <a:solidFill>
+                  <a:schemeClr val="tx1">
+                    <a:tint val="75000"/>
+                  </a:schemeClr>
+                </a:solidFill>
+              </a:defRPr>
+            </a:lvl2pPr>
+            <a:lvl3pPr marL="1007943" indent="0" algn="ctr">
+              <a:buNone/>
+              <a:defRPr>
+                <a:solidFill>
+                  <a:schemeClr val="tx1">
+                    <a:tint val="75000"/>
+                  </a:schemeClr>
+                </a:solidFill>
+              </a:defRPr>
+            </a:lvl3pPr>
+            <a:lvl4pPr marL="1511915" indent="0" algn="ctr">
+              <a:buNone/>
+              <a:defRPr>
+                <a:solidFill>
+                  <a:schemeClr val="tx1">
+                    <a:tint val="75000"/>
+                  </a:schemeClr>
+                </a:solidFill>
+              </a:defRPr>
+            </a:lvl4pPr>
+            <a:lvl5pPr marL="2015886" indent="0" algn="ctr">
+              <a:buNone/>
+              <a:defRPr>
+                <a:solidFill>
+                  <a:schemeClr val="tx1">
+                    <a:tint val="75000"/>
+                  </a:schemeClr>
+                </a:solidFill>
+              </a:defRPr>
+            </a:lvl5pPr>
+            <a:lvl6pPr marL="2519858" indent="0" algn="ctr">
+              <a:buNone/>
+              <a:defRPr>
+                <a:solidFill>
+                  <a:schemeClr val="tx1">
+                    <a:tint val="75000"/>
+                  </a:schemeClr>
+                </a:solidFill>
+              </a:defRPr>
+            </a:lvl6pPr>
+            <a:lvl7pPr marL="3023829" indent="0" algn="ctr">
+              <a:buNone/>
+              <a:defRPr>
+                <a:solidFill>
+                  <a:schemeClr val="tx1">
+                    <a:tint val="75000"/>
+                  </a:schemeClr>
+                </a:solidFill>
+              </a:defRPr>
+            </a:lvl7pPr>
+            <a:lvl8pPr marL="3527801" indent="0" algn="ctr">
+              <a:buNone/>
+              <a:defRPr>
+                <a:solidFill>
+                  <a:schemeClr val="tx1">
+                    <a:tint val="75000"/>
+                  </a:schemeClr>
+                </a:solidFill>
+              </a:defRPr>
+            </a:lvl8pPr>
+            <a:lvl9pPr marL="4031772" indent="0" algn="ctr">
+              <a:buNone/>
+              <a:defRPr>
+                <a:solidFill>
+                  <a:schemeClr val="tx1">
+                    <a:tint val="75000"/>
+                  </a:schemeClr>
+                </a:solidFill>
+              </a:defRPr>
+            </a:lvl9pPr>
+          </a:lstStyle>
+          <a:p>
+            <a:r>
+              <a:rPr lang="pl-PL"/>
+              <a:t>Kliknij, aby edytować styl wzorca podtytułu</a:t>
+            </a:r>
+            <a:endParaRPr lang="en-US" dirty="0"/>
+          </a:p>
+        </p:txBody>
+      </p:sp>
+      <p:sp>
+        <p:nvSpPr>
+          <p:cNvPr id="4" name="Date Placeholder 3"/>
+          <p:cNvSpPr>
+            <a:spLocks noGrp="1"/>
+          </p:cNvSpPr>
+          <p:nvPr>
+            <p:ph type="dt" sz="half" idx="10"/>
+          </p:nvPr>
+        </p:nvSpPr>
+        <p:spPr>
+          <a:xfrm>
+            <a:off x="8076157" y="6743230"/>
+            <a:ext cx="945304" cy="402483"/>
+          </a:xfrm>
+        </p:spPr>
+        <p:txBody>
+          <a:bodyPr/>
+          <a:lstStyle/>
+          <a:p>
+            <a:r>
+              <a:rPr lang="pl-PL" sz="1400">
+                <a:latin typeface="Times New Roman"/>
+              </a:rPr>
+              <a:t>&lt;data/godzina&gt;</a:t>
+            </a:r>
+            <a:endParaRPr lang="pl-PL"/>
+          </a:p>
+        </p:txBody>
+      </p:sp>
+      <p:sp>
+        <p:nvSpPr>
+          <p:cNvPr id="5" name="Footer Placeholder 4"/>
+          <p:cNvSpPr>
+            <a:spLocks noGrp="1"/>
+          </p:cNvSpPr>
+          <p:nvPr>
+            <p:ph type="ftr" sz="quarter" idx="11"/>
+          </p:nvPr>
+        </p:nvSpPr>
+        <p:spPr>
+          <a:xfrm>
+            <a:off x="3994914" y="6743230"/>
+            <a:ext cx="3979155" cy="402483"/>
+          </a:xfrm>
+        </p:spPr>
+        <p:txBody>
+          <a:bodyPr/>
+          <a:lstStyle/>
+          <a:p>
+            <a:pPr algn="ctr"/>
+            <a:r>
+              <a:rPr lang="pl-PL" sz="1400">
+                <a:latin typeface="Times New Roman"/>
+              </a:rPr>
+              <a:t>&lt;stopka&gt;</a:t>
+            </a:r>
+            <a:endParaRPr lang="pl-PL"/>
+          </a:p>
+        </p:txBody>
+      </p:sp>
+      <p:sp>
+        <p:nvSpPr>
+          <p:cNvPr id="6" name="Slide Number Placeholder 5"/>
+          <p:cNvSpPr>
+            <a:spLocks noGrp="1"/>
+          </p:cNvSpPr>
+          <p:nvPr>
+            <p:ph type="sldNum" sz="quarter" idx="12"/>
+          </p:nvPr>
+        </p:nvSpPr>
+        <p:spPr>
+          <a:xfrm>
+            <a:off x="9122966" y="6743230"/>
+            <a:ext cx="453628" cy="402483"/>
+          </a:xfrm>
+        </p:spPr>
+        <p:txBody>
+          <a:bodyPr/>
+          <a:lstStyle/>
+          <a:p>
+            <a:pPr algn="r"/>
+            <a:fld id="{C890E2C6-3C4E-4854-84CB-D903442CCCEA}" type="slidenum">
+              <a:rPr lang="pl-PL" sz="1400" smtClean="0">
+                <a:latin typeface="Times New Roman"/>
+              </a:rPr>
+              <a:pPr algn="r"/>
+              <a:t>‹#›</a:t>
+            </a:fld>
+            <a:endParaRPr lang="pl-PL"/>
+          </a:p>
+        </p:txBody>
+      </p:sp>
+      <p:sp>
+        <p:nvSpPr>
+          <p:cNvPr id="23" name="Freeform 12"/>
+          <p:cNvSpPr/>
+          <p:nvPr/>
+        </p:nvSpPr>
+        <p:spPr bwMode="auto">
+          <a:xfrm>
+            <a:off x="224014" y="4157821"/>
+            <a:ext cx="399025" cy="99746"/>
+          </a:xfrm>
+          <a:custGeom>
+            <a:avLst/>
+            <a:gdLst/>
+            <a:ahLst/>
+            <a:cxnLst/>
+            <a:rect l="0" t="0" r="r" b="b"/>
+            <a:pathLst>
+              <a:path w="228" h="57">
+                <a:moveTo>
+                  <a:pt x="228" y="57"/>
+                </a:moveTo>
+                <a:lnTo>
+                  <a:pt x="0" y="0"/>
+                </a:lnTo>
+                <a:lnTo>
+                  <a:pt x="222" y="54"/>
+                </a:lnTo>
+                <a:lnTo>
+                  <a:pt x="228" y="57"/>
+                </a:lnTo>
+                <a:close/>
+              </a:path>
+            </a:pathLst>
+          </a:custGeom>
+          <a:solidFill>
+            <a:srgbClr val="29ABE2"/>
+          </a:solidFill>
+          <a:ln>
+            <a:noFill/>
+          </a:ln>
+          <a:extLst>
+            <a:ext uri="{91240B29-F687-4f45-9708-019B960494DF}">
+              <a14:hiddenLine xmlns="" xmlns:a14="http://schemas.microsoft.com/office/drawing/2010/main" w="9525">
+                <a:solidFill>
+                  <a:srgbClr val="000000"/>
+                </a:solidFill>
+                <a:round/>
+                <a:headEnd/>
+                <a:tailEnd/>
+              </a14:hiddenLine>
+            </a:ext>
+          </a:extLst>
+        </p:spPr>
+      </p:sp>
+      <p:sp>
+        <p:nvSpPr>
+          <p:cNvPr id="24" name="Freeform 13"/>
+          <p:cNvSpPr/>
+          <p:nvPr/>
+        </p:nvSpPr>
+        <p:spPr bwMode="auto">
+          <a:xfrm>
+            <a:off x="617789" y="4262817"/>
+            <a:ext cx="68255" cy="89247"/>
+          </a:xfrm>
+          <a:custGeom>
+            <a:avLst/>
+            <a:gdLst/>
+            <a:ahLst/>
+            <a:cxnLst/>
+            <a:rect l="0" t="0" r="r" b="b"/>
+            <a:pathLst>
+              <a:path w="39" h="51">
+                <a:moveTo>
+                  <a:pt x="0" y="0"/>
+                </a:moveTo>
+                <a:lnTo>
+                  <a:pt x="39" y="51"/>
+                </a:lnTo>
+                <a:lnTo>
+                  <a:pt x="3" y="0"/>
+                </a:lnTo>
+                <a:lnTo>
+                  <a:pt x="0" y="0"/>
+                </a:lnTo>
+                <a:close/>
+              </a:path>
+            </a:pathLst>
+          </a:custGeom>
+          <a:solidFill>
+            <a:srgbClr val="29ABE2"/>
+          </a:solidFill>
+          <a:ln>
+            <a:noFill/>
+          </a:ln>
+          <a:extLst>
+            <a:ext uri="{91240B29-F687-4f45-9708-019B960494DF}">
+              <a14:hiddenLine xmlns="" xmlns:a14="http://schemas.microsoft.com/office/drawing/2010/main" w="9525">
+                <a:solidFill>
+                  <a:srgbClr val="000000"/>
+                </a:solidFill>
+                <a:round/>
+                <a:headEnd/>
+                <a:tailEnd/>
+              </a14:hiddenLine>
+            </a:ext>
+          </a:extLst>
+        </p:spPr>
+      </p:sp>
     </p:spTree>
+    <p:extLst>
+      <p:ext uri="{BB962C8B-B14F-4D97-AF65-F5344CB8AC3E}">
+        <p14:creationId xmlns:p14="http://schemas.microsoft.com/office/powerpoint/2010/main" val="1887380692"/>
+      </p:ext>
+    </p:extLst>
   </p:cSld>
   <p:clrMapOvr>
     <a:masterClrMapping/>
@@ -161,8 +847,8 @@
 </file>
 
 <file path=ppt/slideLayouts/slideLayout10.xml><?xml version="1.0" encoding="utf-8"?>
-<p:sldLayout xmlns:a="http://schemas.openxmlformats.org/drawingml/2006/main" xmlns:r="http://schemas.openxmlformats.org/officeDocument/2006/relationships" xmlns:p="http://schemas.openxmlformats.org/presentationml/2006/main" type="objOverTx" preserve="1">
-  <p:cSld name="Title, Content over Content">
+<p:sldLayout xmlns:a="http://schemas.openxmlformats.org/drawingml/2006/main" xmlns:r="http://schemas.openxmlformats.org/officeDocument/2006/relationships" xmlns:p="http://schemas.openxmlformats.org/presentationml/2006/main" preserve="1">
+  <p:cSld name="Obraz panoramiczny z podpisem">
     <p:spTree>
       <p:nvGrpSpPr>
         <p:cNvPr id="1" name=""/>
@@ -179,7 +865,7 @@
       </p:grpSpPr>
       <p:sp>
         <p:nvSpPr>
-          <p:cNvPr id="26" name="PlaceHolder 1"/>
+          <p:cNvPr id="2" name="Title 1"/>
           <p:cNvSpPr>
             <a:spLocks noGrp="1"/>
           </p:cNvSpPr>
@@ -189,77 +875,274 @@
         </p:nvSpPr>
         <p:spPr>
           <a:xfrm>
-            <a:off x="504000" y="301320"/>
-            <a:ext cx="9071640" cy="1262160"/>
+            <a:off x="1227582" y="5217107"/>
+            <a:ext cx="8285858" cy="624724"/>
           </a:xfrm>
-          <a:prstGeom prst="rect">
-            <a:avLst/>
-          </a:prstGeom>
         </p:spPr>
         <p:txBody>
-          <a:bodyPr lIns="0" tIns="0" rIns="0" bIns="0" anchor="ctr"/>
-          <a:lstStyle/>
-          <a:p>
-            <a:pPr algn="ctr"/>
-            <a:endParaRPr/>
-          </a:p>
-        </p:txBody>
-      </p:sp>
-      <p:sp>
-        <p:nvSpPr>
-          <p:cNvPr id="27" name="PlaceHolder 2"/>
-          <p:cNvSpPr>
-            <a:spLocks noGrp="1"/>
-          </p:cNvSpPr>
-          <p:nvPr>
-            <p:ph type="body"/>
+          <a:bodyPr anchor="b">
+            <a:normAutofit/>
+          </a:bodyPr>
+          <a:lstStyle>
+            <a:lvl1pPr algn="ctr">
+              <a:defRPr sz="2646" b="0"/>
+            </a:lvl1pPr>
+          </a:lstStyle>
+          <a:p>
+            <a:r>
+              <a:rPr lang="pl-PL"/>
+              <a:t>Kliknij, aby edytować styl</a:t>
+            </a:r>
+            <a:endParaRPr lang="en-US" dirty="0"/>
+          </a:p>
+        </p:txBody>
+      </p:sp>
+      <p:sp>
+        <p:nvSpPr>
+          <p:cNvPr id="3" name="Picture Placeholder 2"/>
+          <p:cNvSpPr>
+            <a:spLocks noGrp="1" noChangeAspect="1"/>
+          </p:cNvSpPr>
+          <p:nvPr>
+            <p:ph type="pic" idx="1"/>
           </p:nvPr>
         </p:nvSpPr>
         <p:spPr>
           <a:xfrm>
-            <a:off x="504000" y="1769040"/>
-            <a:ext cx="9071640" cy="2091240"/>
+            <a:off x="1973323" y="1027481"/>
+            <a:ext cx="6803171" cy="3488800"/>
           </a:xfrm>
-          <a:prstGeom prst="rect">
-            <a:avLst/>
+          <a:prstGeom prst="roundRect">
+            <a:avLst>
+              <a:gd name="adj" fmla="val 4380"/>
+            </a:avLst>
           </a:prstGeom>
+          <a:ln w="38100">
+            <a:gradFill flip="none" rotWithShape="1">
+              <a:gsLst>
+                <a:gs pos="0">
+                  <a:schemeClr val="bg2"/>
+                </a:gs>
+                <a:gs pos="100000">
+                  <a:schemeClr val="bg2">
+                    <a:lumMod val="75000"/>
+                  </a:schemeClr>
+                </a:gs>
+              </a:gsLst>
+              <a:lin ang="5400000" scaled="0"/>
+              <a:tileRect/>
+            </a:gradFill>
+          </a:ln>
+          <a:effectLst>
+            <a:innerShdw blurRad="57150" dist="38100" dir="14460000">
+              <a:srgbClr val="000000">
+                <a:alpha val="70000"/>
+              </a:srgbClr>
+            </a:innerShdw>
+          </a:effectLst>
         </p:spPr>
         <p:txBody>
-          <a:bodyPr lIns="0" tIns="0" rIns="0" bIns="0"/>
-          <a:lstStyle/>
-          <a:p>
-            <a:endParaRPr/>
-          </a:p>
-        </p:txBody>
-      </p:sp>
-      <p:sp>
-        <p:nvSpPr>
-          <p:cNvPr id="28" name="PlaceHolder 3"/>
-          <p:cNvSpPr>
-            <a:spLocks noGrp="1"/>
-          </p:cNvSpPr>
-          <p:nvPr>
-            <p:ph type="body"/>
+          <a:bodyPr anchor="t">
+            <a:normAutofit/>
+          </a:bodyPr>
+          <a:lstStyle>
+            <a:lvl1pPr marL="0" indent="0" algn="ctr">
+              <a:buNone/>
+              <a:defRPr sz="1764"/>
+            </a:lvl1pPr>
+            <a:lvl2pPr marL="503972" indent="0">
+              <a:buNone/>
+              <a:defRPr sz="1764"/>
+            </a:lvl2pPr>
+            <a:lvl3pPr marL="1007943" indent="0">
+              <a:buNone/>
+              <a:defRPr sz="1764"/>
+            </a:lvl3pPr>
+            <a:lvl4pPr marL="1511915" indent="0">
+              <a:buNone/>
+              <a:defRPr sz="1764"/>
+            </a:lvl4pPr>
+            <a:lvl5pPr marL="2015886" indent="0">
+              <a:buNone/>
+              <a:defRPr sz="1764"/>
+            </a:lvl5pPr>
+            <a:lvl6pPr marL="2519858" indent="0">
+              <a:buNone/>
+              <a:defRPr sz="1764"/>
+            </a:lvl6pPr>
+            <a:lvl7pPr marL="3023829" indent="0">
+              <a:buNone/>
+              <a:defRPr sz="1764"/>
+            </a:lvl7pPr>
+            <a:lvl8pPr marL="3527801" indent="0">
+              <a:buNone/>
+              <a:defRPr sz="1764"/>
+            </a:lvl8pPr>
+            <a:lvl9pPr marL="4031772" indent="0">
+              <a:buNone/>
+              <a:defRPr sz="1764"/>
+            </a:lvl9pPr>
+          </a:lstStyle>
+          <a:p>
+            <a:r>
+              <a:rPr lang="pl-PL"/>
+              <a:t>Kliknij ikonę, aby dodać obraz</a:t>
+            </a:r>
+            <a:endParaRPr lang="en-US" dirty="0"/>
+          </a:p>
+        </p:txBody>
+      </p:sp>
+      <p:sp>
+        <p:nvSpPr>
+          <p:cNvPr id="4" name="Text Placeholder 3"/>
+          <p:cNvSpPr>
+            <a:spLocks noGrp="1"/>
+          </p:cNvSpPr>
+          <p:nvPr>
+            <p:ph type="body" sz="half" idx="2"/>
           </p:nvPr>
         </p:nvSpPr>
         <p:spPr>
           <a:xfrm>
-            <a:off x="504000" y="4059360"/>
-            <a:ext cx="9071640" cy="2091240"/>
+            <a:off x="1227582" y="5841831"/>
+            <a:ext cx="8285858" cy="544226"/>
           </a:xfrm>
-          <a:prstGeom prst="rect">
-            <a:avLst/>
-          </a:prstGeom>
         </p:spPr>
         <p:txBody>
-          <a:bodyPr lIns="0" tIns="0" rIns="0" bIns="0"/>
+          <a:bodyPr>
+            <a:normAutofit/>
+          </a:bodyPr>
+          <a:lstStyle>
+            <a:lvl1pPr marL="0" indent="0" algn="ctr">
+              <a:buNone/>
+              <a:defRPr sz="1543"/>
+            </a:lvl1pPr>
+            <a:lvl2pPr marL="503972" indent="0">
+              <a:buNone/>
+              <a:defRPr sz="1323"/>
+            </a:lvl2pPr>
+            <a:lvl3pPr marL="1007943" indent="0">
+              <a:buNone/>
+              <a:defRPr sz="1102"/>
+            </a:lvl3pPr>
+            <a:lvl4pPr marL="1511915" indent="0">
+              <a:buNone/>
+              <a:defRPr sz="992"/>
+            </a:lvl4pPr>
+            <a:lvl5pPr marL="2015886" indent="0">
+              <a:buNone/>
+              <a:defRPr sz="992"/>
+            </a:lvl5pPr>
+            <a:lvl6pPr marL="2519858" indent="0">
+              <a:buNone/>
+              <a:defRPr sz="992"/>
+            </a:lvl6pPr>
+            <a:lvl7pPr marL="3023829" indent="0">
+              <a:buNone/>
+              <a:defRPr sz="992"/>
+            </a:lvl7pPr>
+            <a:lvl8pPr marL="3527801" indent="0">
+              <a:buNone/>
+              <a:defRPr sz="992"/>
+            </a:lvl8pPr>
+            <a:lvl9pPr marL="4031772" indent="0">
+              <a:buNone/>
+              <a:defRPr sz="992"/>
+            </a:lvl9pPr>
+          </a:lstStyle>
+          <a:p>
+            <a:pPr lvl="0"/>
+            <a:r>
+              <a:rPr lang="pl-PL"/>
+              <a:t>Edytuj style wzorca tekstu</a:t>
+            </a:r>
+          </a:p>
+        </p:txBody>
+      </p:sp>
+      <p:sp>
+        <p:nvSpPr>
+          <p:cNvPr id="5" name="Date Placeholder 4"/>
+          <p:cNvSpPr>
+            <a:spLocks noGrp="1"/>
+          </p:cNvSpPr>
+          <p:nvPr>
+            <p:ph type="dt" sz="half" idx="10"/>
+          </p:nvPr>
+        </p:nvSpPr>
+        <p:spPr/>
+        <p:txBody>
+          <a:bodyPr/>
           <a:lstStyle/>
           <a:p>
-            <a:endParaRPr/>
+            <a:r>
+              <a:rPr lang="pl-PL" sz="1400">
+                <a:latin typeface="Times New Roman"/>
+              </a:rPr>
+              <a:t>&lt;data/godzina&gt;</a:t>
+            </a:r>
+            <a:endParaRPr lang="pl-PL"/>
+          </a:p>
+        </p:txBody>
+      </p:sp>
+      <p:sp>
+        <p:nvSpPr>
+          <p:cNvPr id="6" name="Footer Placeholder 5"/>
+          <p:cNvSpPr>
+            <a:spLocks noGrp="1"/>
+          </p:cNvSpPr>
+          <p:nvPr>
+            <p:ph type="ftr" sz="quarter" idx="11"/>
+          </p:nvPr>
+        </p:nvSpPr>
+        <p:spPr/>
+        <p:txBody>
+          <a:bodyPr/>
+          <a:lstStyle/>
+          <a:p>
+            <a:pPr algn="ctr"/>
+            <a:r>
+              <a:rPr lang="pl-PL" sz="1400">
+                <a:latin typeface="Times New Roman"/>
+              </a:rPr>
+              <a:t>&lt;stopka&gt;</a:t>
+            </a:r>
+            <a:endParaRPr lang="pl-PL"/>
+          </a:p>
+        </p:txBody>
+      </p:sp>
+      <p:sp>
+        <p:nvSpPr>
+          <p:cNvPr id="7" name="Slide Number Placeholder 6"/>
+          <p:cNvSpPr>
+            <a:spLocks noGrp="1"/>
+          </p:cNvSpPr>
+          <p:nvPr>
+            <p:ph type="sldNum" sz="quarter" idx="12"/>
+          </p:nvPr>
+        </p:nvSpPr>
+        <p:spPr/>
+        <p:txBody>
+          <a:bodyPr/>
+          <a:lstStyle/>
+          <a:p>
+            <a:pPr algn="r"/>
+            <a:fld id="{C890E2C6-3C4E-4854-84CB-D903442CCCEA}" type="slidenum">
+              <a:rPr lang="pl-PL" sz="1400" smtClean="0">
+                <a:latin typeface="Times New Roman"/>
+              </a:rPr>
+              <a:pPr algn="r"/>
+              <a:t>‹#›</a:t>
+            </a:fld>
+            <a:endParaRPr lang="pl-PL"/>
           </a:p>
         </p:txBody>
       </p:sp>
     </p:spTree>
+    <p:extLst>
+      <p:ext uri="{BB962C8B-B14F-4D97-AF65-F5344CB8AC3E}">
+        <p14:creationId xmlns:p14="http://schemas.microsoft.com/office/powerpoint/2010/main" val="1415236582"/>
+      </p:ext>
+    </p:extLst>
   </p:cSld>
   <p:clrMapOvr>
     <a:masterClrMapping/>
@@ -268,8 +1151,8 @@
 </file>
 
 <file path=ppt/slideLayouts/slideLayout11.xml><?xml version="1.0" encoding="utf-8"?>
-<p:sldLayout xmlns:a="http://schemas.openxmlformats.org/drawingml/2006/main" xmlns:r="http://schemas.openxmlformats.org/officeDocument/2006/relationships" xmlns:p="http://schemas.openxmlformats.org/presentationml/2006/main" type="fourObj" preserve="1">
-  <p:cSld name="Title, 4 Content">
+<p:sldLayout xmlns:a="http://schemas.openxmlformats.org/drawingml/2006/main" xmlns:r="http://schemas.openxmlformats.org/officeDocument/2006/relationships" xmlns:p="http://schemas.openxmlformats.org/presentationml/2006/main" preserve="1">
+  <p:cSld name="Tytuł i podpis">
     <p:spTree>
       <p:nvGrpSpPr>
         <p:cNvPr id="1" name=""/>
@@ -286,7 +1169,7 @@
       </p:grpSpPr>
       <p:sp>
         <p:nvSpPr>
-          <p:cNvPr id="29" name="PlaceHolder 1"/>
+          <p:cNvPr id="2" name="Title 1"/>
           <p:cNvSpPr>
             <a:spLocks noGrp="1"/>
           </p:cNvSpPr>
@@ -296,131 +1179,231 @@
         </p:nvSpPr>
         <p:spPr>
           <a:xfrm>
-            <a:off x="504000" y="301320"/>
-            <a:ext cx="9071640" cy="1262160"/>
+            <a:off x="1227584" y="755967"/>
+            <a:ext cx="8285858" cy="3359856"/>
           </a:xfrm>
-          <a:prstGeom prst="rect">
-            <a:avLst/>
-          </a:prstGeom>
         </p:spPr>
         <p:txBody>
-          <a:bodyPr lIns="0" tIns="0" rIns="0" bIns="0" anchor="ctr"/>
-          <a:lstStyle/>
-          <a:p>
-            <a:pPr algn="ctr"/>
-            <a:endParaRPr/>
-          </a:p>
-        </p:txBody>
-      </p:sp>
-      <p:sp>
-        <p:nvSpPr>
-          <p:cNvPr id="30" name="PlaceHolder 2"/>
-          <p:cNvSpPr>
-            <a:spLocks noGrp="1"/>
-          </p:cNvSpPr>
-          <p:nvPr>
-            <p:ph type="body"/>
+          <a:bodyPr anchor="ctr">
+            <a:normAutofit/>
+          </a:bodyPr>
+          <a:lstStyle>
+            <a:lvl1pPr algn="ctr">
+              <a:defRPr sz="3527" b="0" cap="none"/>
+            </a:lvl1pPr>
+          </a:lstStyle>
+          <a:p>
+            <a:r>
+              <a:rPr lang="pl-PL"/>
+              <a:t>Kliknij, aby edytować styl</a:t>
+            </a:r>
+            <a:endParaRPr lang="en-US" dirty="0"/>
+          </a:p>
+        </p:txBody>
+      </p:sp>
+      <p:sp>
+        <p:nvSpPr>
+          <p:cNvPr id="3" name="Text Placeholder 2"/>
+          <p:cNvSpPr>
+            <a:spLocks noGrp="1"/>
+          </p:cNvSpPr>
+          <p:nvPr>
+            <p:ph type="body" idx="1"/>
           </p:nvPr>
         </p:nvSpPr>
         <p:spPr>
           <a:xfrm>
-            <a:off x="504000" y="1769040"/>
-            <a:ext cx="4426920" cy="2091240"/>
+            <a:off x="1227583" y="4787794"/>
+            <a:ext cx="8285859" cy="1595931"/>
           </a:xfrm>
-          <a:prstGeom prst="rect">
-            <a:avLst/>
-          </a:prstGeom>
         </p:spPr>
         <p:txBody>
-          <a:bodyPr lIns="0" tIns="0" rIns="0" bIns="0"/>
+          <a:bodyPr anchor="ctr">
+            <a:normAutofit/>
+          </a:bodyPr>
+          <a:lstStyle>
+            <a:lvl1pPr marL="0" indent="0" algn="ctr">
+              <a:buNone/>
+              <a:defRPr sz="2205">
+                <a:solidFill>
+                  <a:schemeClr val="tx1"/>
+                </a:solidFill>
+              </a:defRPr>
+            </a:lvl1pPr>
+            <a:lvl2pPr marL="503972" indent="0">
+              <a:buNone/>
+              <a:defRPr sz="1984">
+                <a:solidFill>
+                  <a:schemeClr val="tx1">
+                    <a:tint val="75000"/>
+                  </a:schemeClr>
+                </a:solidFill>
+              </a:defRPr>
+            </a:lvl2pPr>
+            <a:lvl3pPr marL="1007943" indent="0">
+              <a:buNone/>
+              <a:defRPr sz="1764">
+                <a:solidFill>
+                  <a:schemeClr val="tx1">
+                    <a:tint val="75000"/>
+                  </a:schemeClr>
+                </a:solidFill>
+              </a:defRPr>
+            </a:lvl3pPr>
+            <a:lvl4pPr marL="1511915" indent="0">
+              <a:buNone/>
+              <a:defRPr sz="1543">
+                <a:solidFill>
+                  <a:schemeClr val="tx1">
+                    <a:tint val="75000"/>
+                  </a:schemeClr>
+                </a:solidFill>
+              </a:defRPr>
+            </a:lvl4pPr>
+            <a:lvl5pPr marL="2015886" indent="0">
+              <a:buNone/>
+              <a:defRPr sz="1543">
+                <a:solidFill>
+                  <a:schemeClr val="tx1">
+                    <a:tint val="75000"/>
+                  </a:schemeClr>
+                </a:solidFill>
+              </a:defRPr>
+            </a:lvl5pPr>
+            <a:lvl6pPr marL="2519858" indent="0">
+              <a:buNone/>
+              <a:defRPr sz="1543">
+                <a:solidFill>
+                  <a:schemeClr val="tx1">
+                    <a:tint val="75000"/>
+                  </a:schemeClr>
+                </a:solidFill>
+              </a:defRPr>
+            </a:lvl6pPr>
+            <a:lvl7pPr marL="3023829" indent="0">
+              <a:buNone/>
+              <a:defRPr sz="1543">
+                <a:solidFill>
+                  <a:schemeClr val="tx1">
+                    <a:tint val="75000"/>
+                  </a:schemeClr>
+                </a:solidFill>
+              </a:defRPr>
+            </a:lvl7pPr>
+            <a:lvl8pPr marL="3527801" indent="0">
+              <a:buNone/>
+              <a:defRPr sz="1543">
+                <a:solidFill>
+                  <a:schemeClr val="tx1">
+                    <a:tint val="75000"/>
+                  </a:schemeClr>
+                </a:solidFill>
+              </a:defRPr>
+            </a:lvl8pPr>
+            <a:lvl9pPr marL="4031772" indent="0">
+              <a:buNone/>
+              <a:defRPr sz="1543">
+                <a:solidFill>
+                  <a:schemeClr val="tx1">
+                    <a:tint val="75000"/>
+                  </a:schemeClr>
+                </a:solidFill>
+              </a:defRPr>
+            </a:lvl9pPr>
+          </a:lstStyle>
+          <a:p>
+            <a:pPr lvl="0"/>
+            <a:r>
+              <a:rPr lang="pl-PL"/>
+              <a:t>Edytuj style wzorca tekstu</a:t>
+            </a:r>
+          </a:p>
+        </p:txBody>
+      </p:sp>
+      <p:sp>
+        <p:nvSpPr>
+          <p:cNvPr id="4" name="Date Placeholder 3"/>
+          <p:cNvSpPr>
+            <a:spLocks noGrp="1"/>
+          </p:cNvSpPr>
+          <p:nvPr>
+            <p:ph type="dt" sz="half" idx="10"/>
+          </p:nvPr>
+        </p:nvSpPr>
+        <p:spPr/>
+        <p:txBody>
+          <a:bodyPr/>
           <a:lstStyle/>
           <a:p>
-            <a:endParaRPr/>
-          </a:p>
-        </p:txBody>
-      </p:sp>
-      <p:sp>
-        <p:nvSpPr>
-          <p:cNvPr id="31" name="PlaceHolder 3"/>
-          <p:cNvSpPr>
-            <a:spLocks noGrp="1"/>
-          </p:cNvSpPr>
-          <p:nvPr>
-            <p:ph type="body"/>
-          </p:nvPr>
-        </p:nvSpPr>
-        <p:spPr>
-          <a:xfrm>
-            <a:off x="5152680" y="1769040"/>
-            <a:ext cx="4426920" cy="2091240"/>
-          </a:xfrm>
-          <a:prstGeom prst="rect">
-            <a:avLst/>
-          </a:prstGeom>
-        </p:spPr>
-        <p:txBody>
-          <a:bodyPr lIns="0" tIns="0" rIns="0" bIns="0"/>
+            <a:r>
+              <a:rPr lang="pl-PL" sz="1400">
+                <a:latin typeface="Times New Roman"/>
+              </a:rPr>
+              <a:t>&lt;data/godzina&gt;</a:t>
+            </a:r>
+            <a:endParaRPr lang="pl-PL"/>
+          </a:p>
+        </p:txBody>
+      </p:sp>
+      <p:sp>
+        <p:nvSpPr>
+          <p:cNvPr id="5" name="Footer Placeholder 4"/>
+          <p:cNvSpPr>
+            <a:spLocks noGrp="1"/>
+          </p:cNvSpPr>
+          <p:nvPr>
+            <p:ph type="ftr" sz="quarter" idx="11"/>
+          </p:nvPr>
+        </p:nvSpPr>
+        <p:spPr/>
+        <p:txBody>
+          <a:bodyPr/>
           <a:lstStyle/>
           <a:p>
-            <a:endParaRPr/>
-          </a:p>
-        </p:txBody>
-      </p:sp>
-      <p:sp>
-        <p:nvSpPr>
-          <p:cNvPr id="32" name="PlaceHolder 4"/>
-          <p:cNvSpPr>
-            <a:spLocks noGrp="1"/>
-          </p:cNvSpPr>
-          <p:nvPr>
-            <p:ph type="body"/>
-          </p:nvPr>
-        </p:nvSpPr>
-        <p:spPr>
-          <a:xfrm>
-            <a:off x="5152680" y="4059360"/>
-            <a:ext cx="4426920" cy="2091240"/>
-          </a:xfrm>
-          <a:prstGeom prst="rect">
-            <a:avLst/>
-          </a:prstGeom>
-        </p:spPr>
-        <p:txBody>
-          <a:bodyPr lIns="0" tIns="0" rIns="0" bIns="0"/>
+            <a:pPr algn="ctr"/>
+            <a:r>
+              <a:rPr lang="pl-PL" sz="1400">
+                <a:latin typeface="Times New Roman"/>
+              </a:rPr>
+              <a:t>&lt;stopka&gt;</a:t>
+            </a:r>
+            <a:endParaRPr lang="pl-PL"/>
+          </a:p>
+        </p:txBody>
+      </p:sp>
+      <p:sp>
+        <p:nvSpPr>
+          <p:cNvPr id="6" name="Slide Number Placeholder 5"/>
+          <p:cNvSpPr>
+            <a:spLocks noGrp="1"/>
+          </p:cNvSpPr>
+          <p:nvPr>
+            <p:ph type="sldNum" sz="quarter" idx="12"/>
+          </p:nvPr>
+        </p:nvSpPr>
+        <p:spPr/>
+        <p:txBody>
+          <a:bodyPr/>
           <a:lstStyle/>
           <a:p>
-            <a:endParaRPr/>
-          </a:p>
-        </p:txBody>
-      </p:sp>
-      <p:sp>
-        <p:nvSpPr>
-          <p:cNvPr id="33" name="PlaceHolder 5"/>
-          <p:cNvSpPr>
-            <a:spLocks noGrp="1"/>
-          </p:cNvSpPr>
-          <p:nvPr>
-            <p:ph type="body"/>
-          </p:nvPr>
-        </p:nvSpPr>
-        <p:spPr>
-          <a:xfrm>
-            <a:off x="504000" y="4059360"/>
-            <a:ext cx="4426920" cy="2091240"/>
-          </a:xfrm>
-          <a:prstGeom prst="rect">
-            <a:avLst/>
-          </a:prstGeom>
-        </p:spPr>
-        <p:txBody>
-          <a:bodyPr lIns="0" tIns="0" rIns="0" bIns="0"/>
-          <a:lstStyle/>
-          <a:p>
-            <a:endParaRPr/>
+            <a:pPr algn="r"/>
+            <a:fld id="{C890E2C6-3C4E-4854-84CB-D903442CCCEA}" type="slidenum">
+              <a:rPr lang="pl-PL" sz="1400" smtClean="0">
+                <a:latin typeface="Times New Roman"/>
+              </a:rPr>
+              <a:pPr algn="r"/>
+              <a:t>‹#›</a:t>
+            </a:fld>
+            <a:endParaRPr lang="pl-PL"/>
           </a:p>
         </p:txBody>
       </p:sp>
     </p:spTree>
+    <p:extLst>
+      <p:ext uri="{BB962C8B-B14F-4D97-AF65-F5344CB8AC3E}">
+        <p14:creationId xmlns:p14="http://schemas.microsoft.com/office/powerpoint/2010/main" val="1708120092"/>
+      </p:ext>
+    </p:extLst>
   </p:cSld>
   <p:clrMapOvr>
     <a:masterClrMapping/>
@@ -429,8 +1412,8 @@
 </file>
 
 <file path=ppt/slideLayouts/slideLayout12.xml><?xml version="1.0" encoding="utf-8"?>
-<p:sldLayout xmlns:a="http://schemas.openxmlformats.org/drawingml/2006/main" xmlns:r="http://schemas.openxmlformats.org/officeDocument/2006/relationships" xmlns:p="http://schemas.openxmlformats.org/presentationml/2006/main" type="blank" preserve="1">
-  <p:cSld name="Title, 6 Content">
+<p:sldLayout xmlns:a="http://schemas.openxmlformats.org/drawingml/2006/main" xmlns:r="http://schemas.openxmlformats.org/officeDocument/2006/relationships" xmlns:p="http://schemas.openxmlformats.org/presentationml/2006/main" preserve="1">
+  <p:cSld name="Oferta z podpisem">
     <p:spTree>
       <p:nvGrpSpPr>
         <p:cNvPr id="1" name=""/>
@@ -447,133 +1430,533 @@
       </p:grpSpPr>
       <p:sp>
         <p:nvSpPr>
-          <p:cNvPr id="34" name="PlaceHolder 1"/>
-          <p:cNvSpPr>
-            <a:spLocks noGrp="1"/>
-          </p:cNvSpPr>
-          <p:nvPr>
-            <p:ph type="title"/>
-          </p:nvPr>
+          <p:cNvPr id="14" name="TextBox 13"/>
+          <p:cNvSpPr txBox="1"/>
+          <p:nvPr/>
         </p:nvSpPr>
         <p:spPr>
           <a:xfrm>
-            <a:off x="504000" y="301320"/>
-            <a:ext cx="9071640" cy="1262160"/>
+            <a:off x="1068720" y="951323"/>
+            <a:ext cx="504162" cy="644607"/>
           </a:xfrm>
           <a:prstGeom prst="rect">
             <a:avLst/>
           </a:prstGeom>
         </p:spPr>
         <p:txBody>
-          <a:bodyPr lIns="0" tIns="0" rIns="0" bIns="0" anchor="ctr"/>
-          <a:lstStyle/>
-          <a:p>
-            <a:pPr algn="ctr"/>
-            <a:endParaRPr/>
-          </a:p>
-        </p:txBody>
-      </p:sp>
-      <p:sp>
-        <p:nvSpPr>
-          <p:cNvPr id="35" name="PlaceHolder 2"/>
-          <p:cNvSpPr>
-            <a:spLocks noGrp="1"/>
-          </p:cNvSpPr>
-          <p:nvPr>
-            <p:ph type="body"/>
-          </p:nvPr>
+          <a:bodyPr vert="horz" lIns="100796" tIns="50398" rIns="100796" bIns="50398" rtlCol="0" anchor="ctr">
+            <a:noAutofit/>
+          </a:bodyPr>
+          <a:lstStyle>
+            <a:lvl1pPr>
+              <a:spcBef>
+                <a:spcPct val="0"/>
+              </a:spcBef>
+              <a:buNone/>
+              <a:defRPr sz="3200" b="0" cap="all">
+                <a:ln w="3175" cmpd="sng">
+                  <a:noFill/>
+                </a:ln>
+                <a:effectLst>
+                  <a:glow rad="38100">
+                    <a:schemeClr val="bg1">
+                      <a:lumMod val="65000"/>
+                      <a:lumOff val="35000"/>
+                      <a:alpha val="40000"/>
+                    </a:schemeClr>
+                  </a:glow>
+                  <a:outerShdw blurRad="28575" dist="38100" dir="14040000" algn="tl" rotWithShape="0">
+                    <a:srgbClr val="000000">
+                      <a:alpha val="25000"/>
+                    </a:srgbClr>
+                  </a:outerShdw>
+                </a:effectLst>
+              </a:defRPr>
+            </a:lvl1pPr>
+            <a:lvl2pPr>
+              <a:defRPr>
+                <a:solidFill>
+                  <a:schemeClr val="tx2"/>
+                </a:solidFill>
+              </a:defRPr>
+            </a:lvl2pPr>
+            <a:lvl3pPr>
+              <a:defRPr>
+                <a:solidFill>
+                  <a:schemeClr val="tx2"/>
+                </a:solidFill>
+              </a:defRPr>
+            </a:lvl3pPr>
+            <a:lvl4pPr>
+              <a:defRPr>
+                <a:solidFill>
+                  <a:schemeClr val="tx2"/>
+                </a:solidFill>
+              </a:defRPr>
+            </a:lvl4pPr>
+            <a:lvl5pPr>
+              <a:defRPr>
+                <a:solidFill>
+                  <a:schemeClr val="tx2"/>
+                </a:solidFill>
+              </a:defRPr>
+            </a:lvl5pPr>
+            <a:lvl6pPr>
+              <a:defRPr>
+                <a:solidFill>
+                  <a:schemeClr val="tx2"/>
+                </a:solidFill>
+              </a:defRPr>
+            </a:lvl6pPr>
+            <a:lvl7pPr>
+              <a:defRPr>
+                <a:solidFill>
+                  <a:schemeClr val="tx2"/>
+                </a:solidFill>
+              </a:defRPr>
+            </a:lvl7pPr>
+            <a:lvl8pPr>
+              <a:defRPr>
+                <a:solidFill>
+                  <a:schemeClr val="tx2"/>
+                </a:solidFill>
+              </a:defRPr>
+            </a:lvl8pPr>
+            <a:lvl9pPr>
+              <a:defRPr>
+                <a:solidFill>
+                  <a:schemeClr val="tx2"/>
+                </a:solidFill>
+              </a:defRPr>
+            </a:lvl9pPr>
+          </a:lstStyle>
+          <a:p>
+            <a:pPr lvl="0"/>
+            <a:r>
+              <a:rPr lang="en-US" sz="8818" dirty="0">
+                <a:solidFill>
+                  <a:schemeClr val="tx1"/>
+                </a:solidFill>
+                <a:effectLst/>
+              </a:rPr>
+              <a:t>“</a:t>
+            </a:r>
+          </a:p>
+        </p:txBody>
+      </p:sp>
+      <p:sp>
+        <p:nvSpPr>
+          <p:cNvPr id="15" name="TextBox 14"/>
+          <p:cNvSpPr txBox="1"/>
+          <p:nvPr/>
         </p:nvSpPr>
         <p:spPr>
           <a:xfrm>
-            <a:off x="504000" y="1769040"/>
-            <a:ext cx="9071640" cy="4384440"/>
+            <a:off x="9009280" y="3107865"/>
+            <a:ext cx="504162" cy="644607"/>
           </a:xfrm>
           <a:prstGeom prst="rect">
             <a:avLst/>
           </a:prstGeom>
         </p:spPr>
         <p:txBody>
-          <a:bodyPr lIns="0" tIns="0" rIns="0" bIns="0"/>
-          <a:lstStyle/>
-          <a:p>
-            <a:endParaRPr/>
-          </a:p>
-        </p:txBody>
-      </p:sp>
-      <p:sp>
-        <p:nvSpPr>
-          <p:cNvPr id="36" name="PlaceHolder 3"/>
-          <p:cNvSpPr>
-            <a:spLocks noGrp="1"/>
-          </p:cNvSpPr>
-          <p:nvPr>
-            <p:ph type="body"/>
+          <a:bodyPr vert="horz" lIns="100796" tIns="50398" rIns="100796" bIns="50398" rtlCol="0" anchor="ctr">
+            <a:noAutofit/>
+          </a:bodyPr>
+          <a:lstStyle>
+            <a:lvl1pPr>
+              <a:spcBef>
+                <a:spcPct val="0"/>
+              </a:spcBef>
+              <a:buNone/>
+              <a:defRPr sz="3200" b="0" cap="all">
+                <a:ln w="3175" cmpd="sng">
+                  <a:noFill/>
+                </a:ln>
+                <a:effectLst>
+                  <a:glow rad="38100">
+                    <a:schemeClr val="bg1">
+                      <a:lumMod val="65000"/>
+                      <a:lumOff val="35000"/>
+                      <a:alpha val="40000"/>
+                    </a:schemeClr>
+                  </a:glow>
+                  <a:outerShdw blurRad="28575" dist="38100" dir="14040000" algn="tl" rotWithShape="0">
+                    <a:srgbClr val="000000">
+                      <a:alpha val="25000"/>
+                    </a:srgbClr>
+                  </a:outerShdw>
+                </a:effectLst>
+              </a:defRPr>
+            </a:lvl1pPr>
+            <a:lvl2pPr>
+              <a:defRPr>
+                <a:solidFill>
+                  <a:schemeClr val="tx2"/>
+                </a:solidFill>
+              </a:defRPr>
+            </a:lvl2pPr>
+            <a:lvl3pPr>
+              <a:defRPr>
+                <a:solidFill>
+                  <a:schemeClr val="tx2"/>
+                </a:solidFill>
+              </a:defRPr>
+            </a:lvl3pPr>
+            <a:lvl4pPr>
+              <a:defRPr>
+                <a:solidFill>
+                  <a:schemeClr val="tx2"/>
+                </a:solidFill>
+              </a:defRPr>
+            </a:lvl4pPr>
+            <a:lvl5pPr>
+              <a:defRPr>
+                <a:solidFill>
+                  <a:schemeClr val="tx2"/>
+                </a:solidFill>
+              </a:defRPr>
+            </a:lvl5pPr>
+            <a:lvl6pPr>
+              <a:defRPr>
+                <a:solidFill>
+                  <a:schemeClr val="tx2"/>
+                </a:solidFill>
+              </a:defRPr>
+            </a:lvl6pPr>
+            <a:lvl7pPr>
+              <a:defRPr>
+                <a:solidFill>
+                  <a:schemeClr val="tx2"/>
+                </a:solidFill>
+              </a:defRPr>
+            </a:lvl7pPr>
+            <a:lvl8pPr>
+              <a:defRPr>
+                <a:solidFill>
+                  <a:schemeClr val="tx2"/>
+                </a:solidFill>
+              </a:defRPr>
+            </a:lvl8pPr>
+            <a:lvl9pPr>
+              <a:defRPr>
+                <a:solidFill>
+                  <a:schemeClr val="tx2"/>
+                </a:solidFill>
+              </a:defRPr>
+            </a:lvl9pPr>
+          </a:lstStyle>
+          <a:p>
+            <a:pPr lvl="0" algn="r"/>
+            <a:r>
+              <a:rPr lang="en-US" sz="8818" dirty="0">
+                <a:solidFill>
+                  <a:schemeClr val="tx1"/>
+                </a:solidFill>
+                <a:effectLst/>
+              </a:rPr>
+              <a:t>”</a:t>
+            </a:r>
+          </a:p>
+        </p:txBody>
+      </p:sp>
+      <p:sp>
+        <p:nvSpPr>
+          <p:cNvPr id="2" name="Title 1"/>
+          <p:cNvSpPr>
+            <a:spLocks noGrp="1"/>
+          </p:cNvSpPr>
+          <p:nvPr>
+            <p:ph type="title"/>
           </p:nvPr>
         </p:nvSpPr>
         <p:spPr>
           <a:xfrm>
-            <a:off x="504000" y="1769040"/>
-            <a:ext cx="9071640" cy="4384440"/>
+            <a:off x="1572884" y="755969"/>
+            <a:ext cx="7688477" cy="3023869"/>
           </a:xfrm>
-          <a:prstGeom prst="rect">
-            <a:avLst/>
-          </a:prstGeom>
         </p:spPr>
         <p:txBody>
-          <a:bodyPr lIns="0" tIns="0" rIns="0" bIns="0"/>
-          <a:lstStyle/>
-          <a:p>
-            <a:endParaRPr/>
-          </a:p>
-        </p:txBody>
-      </p:sp>
-      <p:pic>
-        <p:nvPicPr>
-          <p:cNvPr id="37" name="Picture 36"/>
-          <p:cNvPicPr/>
-          <p:nvPr/>
-        </p:nvPicPr>
-        <p:blipFill>
-          <a:blip r:embed="rId2"/>
-          <a:stretch/>
-        </p:blipFill>
+          <a:bodyPr anchor="ctr">
+            <a:normAutofit/>
+          </a:bodyPr>
+          <a:lstStyle>
+            <a:lvl1pPr algn="ctr">
+              <a:defRPr sz="3527" b="0" cap="none">
+                <a:solidFill>
+                  <a:schemeClr val="tx1"/>
+                </a:solidFill>
+              </a:defRPr>
+            </a:lvl1pPr>
+          </a:lstStyle>
+          <a:p>
+            <a:r>
+              <a:rPr lang="pl-PL"/>
+              <a:t>Kliknij, aby edytować styl</a:t>
+            </a:r>
+            <a:endParaRPr lang="en-US" dirty="0"/>
+          </a:p>
+        </p:txBody>
+      </p:sp>
+      <p:sp>
+        <p:nvSpPr>
+          <p:cNvPr id="10" name="Text Placeholder 9"/>
+          <p:cNvSpPr>
+            <a:spLocks noGrp="1"/>
+          </p:cNvSpPr>
+          <p:nvPr>
+            <p:ph type="body" sz="quarter" idx="13"/>
+          </p:nvPr>
+        </p:nvSpPr>
         <p:spPr>
           <a:xfrm>
-            <a:off x="2292120" y="1768680"/>
-            <a:ext cx="5495040" cy="4384440"/>
+            <a:off x="1761943" y="3779836"/>
+            <a:ext cx="7310358" cy="419982"/>
           </a:xfrm>
-          <a:prstGeom prst="rect">
-            <a:avLst/>
-          </a:prstGeom>
-          <a:ln>
-            <a:noFill/>
-          </a:ln>
         </p:spPr>
-      </p:pic>
-      <p:pic>
-        <p:nvPicPr>
-          <p:cNvPr id="38" name="Picture 37"/>
-          <p:cNvPicPr/>
-          <p:nvPr/>
-        </p:nvPicPr>
-        <p:blipFill>
-          <a:blip r:embed="rId2"/>
-          <a:stretch/>
-        </p:blipFill>
+        <p:txBody>
+          <a:bodyPr anchor="ctr">
+            <a:normAutofit/>
+          </a:bodyPr>
+          <a:lstStyle>
+            <a:lvl1pPr marL="0" indent="0">
+              <a:buFontTx/>
+              <a:buNone/>
+              <a:defRPr sz="1984"/>
+            </a:lvl1pPr>
+            <a:lvl2pPr marL="503972" indent="0">
+              <a:buFontTx/>
+              <a:buNone/>
+              <a:defRPr/>
+            </a:lvl2pPr>
+            <a:lvl3pPr marL="1007943" indent="0">
+              <a:buFontTx/>
+              <a:buNone/>
+              <a:defRPr/>
+            </a:lvl3pPr>
+            <a:lvl4pPr marL="1511915" indent="0">
+              <a:buFontTx/>
+              <a:buNone/>
+              <a:defRPr/>
+            </a:lvl4pPr>
+            <a:lvl5pPr marL="2015886" indent="0">
+              <a:buFontTx/>
+              <a:buNone/>
+              <a:defRPr/>
+            </a:lvl5pPr>
+          </a:lstStyle>
+          <a:p>
+            <a:pPr lvl="0"/>
+            <a:r>
+              <a:rPr lang="pl-PL"/>
+              <a:t>Edytuj style wzorca tekstu</a:t>
+            </a:r>
+          </a:p>
+        </p:txBody>
+      </p:sp>
+      <p:sp>
+        <p:nvSpPr>
+          <p:cNvPr id="3" name="Text Placeholder 2"/>
+          <p:cNvSpPr>
+            <a:spLocks noGrp="1"/>
+          </p:cNvSpPr>
+          <p:nvPr>
+            <p:ph type="body" idx="1"/>
+          </p:nvPr>
+        </p:nvSpPr>
         <p:spPr>
           <a:xfrm>
-            <a:off x="2292120" y="1768680"/>
-            <a:ext cx="5495040" cy="4384440"/>
+            <a:off x="1227582" y="4787794"/>
+            <a:ext cx="8285858" cy="1595931"/>
           </a:xfrm>
-          <a:prstGeom prst="rect">
-            <a:avLst/>
-          </a:prstGeom>
-          <a:ln>
-            <a:noFill/>
-          </a:ln>
         </p:spPr>
-      </p:pic>
+        <p:txBody>
+          <a:bodyPr anchor="ctr">
+            <a:normAutofit/>
+          </a:bodyPr>
+          <a:lstStyle>
+            <a:lvl1pPr marL="0" indent="0" algn="ctr">
+              <a:buNone/>
+              <a:defRPr sz="2205">
+                <a:solidFill>
+                  <a:schemeClr val="tx1"/>
+                </a:solidFill>
+              </a:defRPr>
+            </a:lvl1pPr>
+            <a:lvl2pPr marL="503972" indent="0">
+              <a:buNone/>
+              <a:defRPr sz="1984">
+                <a:solidFill>
+                  <a:schemeClr val="tx1">
+                    <a:tint val="75000"/>
+                  </a:schemeClr>
+                </a:solidFill>
+              </a:defRPr>
+            </a:lvl2pPr>
+            <a:lvl3pPr marL="1007943" indent="0">
+              <a:buNone/>
+              <a:defRPr sz="1764">
+                <a:solidFill>
+                  <a:schemeClr val="tx1">
+                    <a:tint val="75000"/>
+                  </a:schemeClr>
+                </a:solidFill>
+              </a:defRPr>
+            </a:lvl3pPr>
+            <a:lvl4pPr marL="1511915" indent="0">
+              <a:buNone/>
+              <a:defRPr sz="1543">
+                <a:solidFill>
+                  <a:schemeClr val="tx1">
+                    <a:tint val="75000"/>
+                  </a:schemeClr>
+                </a:solidFill>
+              </a:defRPr>
+            </a:lvl4pPr>
+            <a:lvl5pPr marL="2015886" indent="0">
+              <a:buNone/>
+              <a:defRPr sz="1543">
+                <a:solidFill>
+                  <a:schemeClr val="tx1">
+                    <a:tint val="75000"/>
+                  </a:schemeClr>
+                </a:solidFill>
+              </a:defRPr>
+            </a:lvl5pPr>
+            <a:lvl6pPr marL="2519858" indent="0">
+              <a:buNone/>
+              <a:defRPr sz="1543">
+                <a:solidFill>
+                  <a:schemeClr val="tx1">
+                    <a:tint val="75000"/>
+                  </a:schemeClr>
+                </a:solidFill>
+              </a:defRPr>
+            </a:lvl6pPr>
+            <a:lvl7pPr marL="3023829" indent="0">
+              <a:buNone/>
+              <a:defRPr sz="1543">
+                <a:solidFill>
+                  <a:schemeClr val="tx1">
+                    <a:tint val="75000"/>
+                  </a:schemeClr>
+                </a:solidFill>
+              </a:defRPr>
+            </a:lvl7pPr>
+            <a:lvl8pPr marL="3527801" indent="0">
+              <a:buNone/>
+              <a:defRPr sz="1543">
+                <a:solidFill>
+                  <a:schemeClr val="tx1">
+                    <a:tint val="75000"/>
+                  </a:schemeClr>
+                </a:solidFill>
+              </a:defRPr>
+            </a:lvl8pPr>
+            <a:lvl9pPr marL="4031772" indent="0">
+              <a:buNone/>
+              <a:defRPr sz="1543">
+                <a:solidFill>
+                  <a:schemeClr val="tx1">
+                    <a:tint val="75000"/>
+                  </a:schemeClr>
+                </a:solidFill>
+              </a:defRPr>
+            </a:lvl9pPr>
+          </a:lstStyle>
+          <a:p>
+            <a:pPr lvl="0"/>
+            <a:r>
+              <a:rPr lang="pl-PL"/>
+              <a:t>Edytuj style wzorca tekstu</a:t>
+            </a:r>
+          </a:p>
+        </p:txBody>
+      </p:sp>
+      <p:sp>
+        <p:nvSpPr>
+          <p:cNvPr id="4" name="Date Placeholder 3"/>
+          <p:cNvSpPr>
+            <a:spLocks noGrp="1"/>
+          </p:cNvSpPr>
+          <p:nvPr>
+            <p:ph type="dt" sz="half" idx="10"/>
+          </p:nvPr>
+        </p:nvSpPr>
+        <p:spPr/>
+        <p:txBody>
+          <a:bodyPr/>
+          <a:lstStyle/>
+          <a:p>
+            <a:r>
+              <a:rPr lang="pl-PL" sz="1400">
+                <a:latin typeface="Times New Roman"/>
+              </a:rPr>
+              <a:t>&lt;data/godzina&gt;</a:t>
+            </a:r>
+            <a:endParaRPr lang="pl-PL"/>
+          </a:p>
+        </p:txBody>
+      </p:sp>
+      <p:sp>
+        <p:nvSpPr>
+          <p:cNvPr id="5" name="Footer Placeholder 4"/>
+          <p:cNvSpPr>
+            <a:spLocks noGrp="1"/>
+          </p:cNvSpPr>
+          <p:nvPr>
+            <p:ph type="ftr" sz="quarter" idx="11"/>
+          </p:nvPr>
+        </p:nvSpPr>
+        <p:spPr/>
+        <p:txBody>
+          <a:bodyPr/>
+          <a:lstStyle/>
+          <a:p>
+            <a:pPr algn="ctr"/>
+            <a:r>
+              <a:rPr lang="pl-PL" sz="1400">
+                <a:latin typeface="Times New Roman"/>
+              </a:rPr>
+              <a:t>&lt;stopka&gt;</a:t>
+            </a:r>
+            <a:endParaRPr lang="pl-PL"/>
+          </a:p>
+        </p:txBody>
+      </p:sp>
+      <p:sp>
+        <p:nvSpPr>
+          <p:cNvPr id="6" name="Slide Number Placeholder 5"/>
+          <p:cNvSpPr>
+            <a:spLocks noGrp="1"/>
+          </p:cNvSpPr>
+          <p:nvPr>
+            <p:ph type="sldNum" sz="quarter" idx="12"/>
+          </p:nvPr>
+        </p:nvSpPr>
+        <p:spPr/>
+        <p:txBody>
+          <a:bodyPr/>
+          <a:lstStyle/>
+          <a:p>
+            <a:pPr algn="r"/>
+            <a:fld id="{C890E2C6-3C4E-4854-84CB-D903442CCCEA}" type="slidenum">
+              <a:rPr lang="pl-PL" sz="1400" smtClean="0">
+                <a:latin typeface="Times New Roman"/>
+              </a:rPr>
+              <a:pPr algn="r"/>
+              <a:t>‹#›</a:t>
+            </a:fld>
+            <a:endParaRPr lang="pl-PL"/>
+          </a:p>
+        </p:txBody>
+      </p:sp>
     </p:spTree>
+    <p:extLst>
+      <p:ext uri="{BB962C8B-B14F-4D97-AF65-F5344CB8AC3E}">
+        <p14:creationId xmlns:p14="http://schemas.microsoft.com/office/powerpoint/2010/main" val="3772073600"/>
+      </p:ext>
+    </p:extLst>
   </p:cSld>
   <p:clrMapOvr>
     <a:masterClrMapping/>
@@ -581,8 +1964,1504 @@
 </p:sldLayout>
 </file>
 
-<file path=ppt/slideLayouts/slideLayout2.xml><?xml version="1.0" encoding="utf-8"?>
-<p:sldLayout xmlns:a="http://schemas.openxmlformats.org/drawingml/2006/main" xmlns:r="http://schemas.openxmlformats.org/officeDocument/2006/relationships" xmlns:p="http://schemas.openxmlformats.org/presentationml/2006/main" type="tx" preserve="1">
+<file path=ppt/slideLayouts/slideLayout13.xml><?xml version="1.0" encoding="utf-8"?>
+<p:sldLayout xmlns:a="http://schemas.openxmlformats.org/drawingml/2006/main" xmlns:r="http://schemas.openxmlformats.org/officeDocument/2006/relationships" xmlns:p="http://schemas.openxmlformats.org/presentationml/2006/main" preserve="1">
+  <p:cSld name="Karta nazwy">
+    <p:spTree>
+      <p:nvGrpSpPr>
+        <p:cNvPr id="1" name=""/>
+        <p:cNvGrpSpPr/>
+        <p:nvPr/>
+      </p:nvGrpSpPr>
+      <p:grpSpPr>
+        <a:xfrm>
+          <a:off x="0" y="0"/>
+          <a:ext cx="0" cy="0"/>
+          <a:chOff x="0" y="0"/>
+          <a:chExt cx="0" cy="0"/>
+        </a:xfrm>
+      </p:grpSpPr>
+      <p:sp>
+        <p:nvSpPr>
+          <p:cNvPr id="2" name="Title 1"/>
+          <p:cNvSpPr>
+            <a:spLocks noGrp="1"/>
+          </p:cNvSpPr>
+          <p:nvPr>
+            <p:ph type="title"/>
+          </p:nvPr>
+        </p:nvSpPr>
+        <p:spPr>
+          <a:xfrm>
+            <a:off x="1227585" y="3647098"/>
+            <a:ext cx="8285856" cy="1619080"/>
+          </a:xfrm>
+        </p:spPr>
+        <p:txBody>
+          <a:bodyPr anchor="b">
+            <a:normAutofit/>
+          </a:bodyPr>
+          <a:lstStyle>
+            <a:lvl1pPr algn="r">
+              <a:defRPr sz="3527" b="0" cap="none"/>
+            </a:lvl1pPr>
+          </a:lstStyle>
+          <a:p>
+            <a:r>
+              <a:rPr lang="pl-PL"/>
+              <a:t>Kliknij, aby edytować styl</a:t>
+            </a:r>
+            <a:endParaRPr lang="en-US" dirty="0"/>
+          </a:p>
+        </p:txBody>
+      </p:sp>
+      <p:sp>
+        <p:nvSpPr>
+          <p:cNvPr id="3" name="Text Placeholder 2"/>
+          <p:cNvSpPr>
+            <a:spLocks noGrp="1"/>
+          </p:cNvSpPr>
+          <p:nvPr>
+            <p:ph type="body" idx="1"/>
+          </p:nvPr>
+        </p:nvSpPr>
+        <p:spPr>
+          <a:xfrm>
+            <a:off x="1227583" y="5266178"/>
+            <a:ext cx="8285857" cy="948432"/>
+          </a:xfrm>
+        </p:spPr>
+        <p:txBody>
+          <a:bodyPr anchor="t">
+            <a:normAutofit/>
+          </a:bodyPr>
+          <a:lstStyle>
+            <a:lvl1pPr marL="0" indent="0" algn="r">
+              <a:buNone/>
+              <a:defRPr sz="2205">
+                <a:solidFill>
+                  <a:schemeClr val="tx1"/>
+                </a:solidFill>
+              </a:defRPr>
+            </a:lvl1pPr>
+            <a:lvl2pPr marL="503972" indent="0">
+              <a:buNone/>
+              <a:defRPr sz="1984">
+                <a:solidFill>
+                  <a:schemeClr val="tx1">
+                    <a:tint val="75000"/>
+                  </a:schemeClr>
+                </a:solidFill>
+              </a:defRPr>
+            </a:lvl2pPr>
+            <a:lvl3pPr marL="1007943" indent="0">
+              <a:buNone/>
+              <a:defRPr sz="1764">
+                <a:solidFill>
+                  <a:schemeClr val="tx1">
+                    <a:tint val="75000"/>
+                  </a:schemeClr>
+                </a:solidFill>
+              </a:defRPr>
+            </a:lvl3pPr>
+            <a:lvl4pPr marL="1511915" indent="0">
+              <a:buNone/>
+              <a:defRPr sz="1543">
+                <a:solidFill>
+                  <a:schemeClr val="tx1">
+                    <a:tint val="75000"/>
+                  </a:schemeClr>
+                </a:solidFill>
+              </a:defRPr>
+            </a:lvl4pPr>
+            <a:lvl5pPr marL="2015886" indent="0">
+              <a:buNone/>
+              <a:defRPr sz="1543">
+                <a:solidFill>
+                  <a:schemeClr val="tx1">
+                    <a:tint val="75000"/>
+                  </a:schemeClr>
+                </a:solidFill>
+              </a:defRPr>
+            </a:lvl5pPr>
+            <a:lvl6pPr marL="2519858" indent="0">
+              <a:buNone/>
+              <a:defRPr sz="1543">
+                <a:solidFill>
+                  <a:schemeClr val="tx1">
+                    <a:tint val="75000"/>
+                  </a:schemeClr>
+                </a:solidFill>
+              </a:defRPr>
+            </a:lvl6pPr>
+            <a:lvl7pPr marL="3023829" indent="0">
+              <a:buNone/>
+              <a:defRPr sz="1543">
+                <a:solidFill>
+                  <a:schemeClr val="tx1">
+                    <a:tint val="75000"/>
+                  </a:schemeClr>
+                </a:solidFill>
+              </a:defRPr>
+            </a:lvl7pPr>
+            <a:lvl8pPr marL="3527801" indent="0">
+              <a:buNone/>
+              <a:defRPr sz="1543">
+                <a:solidFill>
+                  <a:schemeClr val="tx1">
+                    <a:tint val="75000"/>
+                  </a:schemeClr>
+                </a:solidFill>
+              </a:defRPr>
+            </a:lvl8pPr>
+            <a:lvl9pPr marL="4031772" indent="0">
+              <a:buNone/>
+              <a:defRPr sz="1543">
+                <a:solidFill>
+                  <a:schemeClr val="tx1">
+                    <a:tint val="75000"/>
+                  </a:schemeClr>
+                </a:solidFill>
+              </a:defRPr>
+            </a:lvl9pPr>
+          </a:lstStyle>
+          <a:p>
+            <a:pPr lvl="0"/>
+            <a:r>
+              <a:rPr lang="pl-PL"/>
+              <a:t>Edytuj style wzorca tekstu</a:t>
+            </a:r>
+          </a:p>
+        </p:txBody>
+      </p:sp>
+      <p:sp>
+        <p:nvSpPr>
+          <p:cNvPr id="4" name="Date Placeholder 3"/>
+          <p:cNvSpPr>
+            <a:spLocks noGrp="1"/>
+          </p:cNvSpPr>
+          <p:nvPr>
+            <p:ph type="dt" sz="half" idx="10"/>
+          </p:nvPr>
+        </p:nvSpPr>
+        <p:spPr/>
+        <p:txBody>
+          <a:bodyPr/>
+          <a:lstStyle/>
+          <a:p>
+            <a:r>
+              <a:rPr lang="pl-PL" sz="1400">
+                <a:latin typeface="Times New Roman"/>
+              </a:rPr>
+              <a:t>&lt;data/godzina&gt;</a:t>
+            </a:r>
+            <a:endParaRPr lang="pl-PL"/>
+          </a:p>
+        </p:txBody>
+      </p:sp>
+      <p:sp>
+        <p:nvSpPr>
+          <p:cNvPr id="5" name="Footer Placeholder 4"/>
+          <p:cNvSpPr>
+            <a:spLocks noGrp="1"/>
+          </p:cNvSpPr>
+          <p:nvPr>
+            <p:ph type="ftr" sz="quarter" idx="11"/>
+          </p:nvPr>
+        </p:nvSpPr>
+        <p:spPr/>
+        <p:txBody>
+          <a:bodyPr/>
+          <a:lstStyle/>
+          <a:p>
+            <a:pPr algn="ctr"/>
+            <a:r>
+              <a:rPr lang="pl-PL" sz="1400">
+                <a:latin typeface="Times New Roman"/>
+              </a:rPr>
+              <a:t>&lt;stopka&gt;</a:t>
+            </a:r>
+            <a:endParaRPr lang="pl-PL"/>
+          </a:p>
+        </p:txBody>
+      </p:sp>
+      <p:sp>
+        <p:nvSpPr>
+          <p:cNvPr id="6" name="Slide Number Placeholder 5"/>
+          <p:cNvSpPr>
+            <a:spLocks noGrp="1"/>
+          </p:cNvSpPr>
+          <p:nvPr>
+            <p:ph type="sldNum" sz="quarter" idx="12"/>
+          </p:nvPr>
+        </p:nvSpPr>
+        <p:spPr/>
+        <p:txBody>
+          <a:bodyPr/>
+          <a:lstStyle/>
+          <a:p>
+            <a:pPr algn="r"/>
+            <a:fld id="{C890E2C6-3C4E-4854-84CB-D903442CCCEA}" type="slidenum">
+              <a:rPr lang="pl-PL" sz="1400" smtClean="0">
+                <a:latin typeface="Times New Roman"/>
+              </a:rPr>
+              <a:pPr algn="r"/>
+              <a:t>‹#›</a:t>
+            </a:fld>
+            <a:endParaRPr lang="pl-PL"/>
+          </a:p>
+        </p:txBody>
+      </p:sp>
+    </p:spTree>
+    <p:extLst>
+      <p:ext uri="{BB962C8B-B14F-4D97-AF65-F5344CB8AC3E}">
+        <p14:creationId xmlns:p14="http://schemas.microsoft.com/office/powerpoint/2010/main" val="2475166424"/>
+      </p:ext>
+    </p:extLst>
+  </p:cSld>
+  <p:clrMapOvr>
+    <a:masterClrMapping/>
+  </p:clrMapOvr>
+</p:sldLayout>
+</file>
+
+<file path=ppt/slideLayouts/slideLayout14.xml><?xml version="1.0" encoding="utf-8"?>
+<p:sldLayout xmlns:a="http://schemas.openxmlformats.org/drawingml/2006/main" xmlns:r="http://schemas.openxmlformats.org/officeDocument/2006/relationships" xmlns:p="http://schemas.openxmlformats.org/presentationml/2006/main" preserve="1">
+  <p:cSld name="Karta nazwy cytatu">
+    <p:spTree>
+      <p:nvGrpSpPr>
+        <p:cNvPr id="1" name=""/>
+        <p:cNvGrpSpPr/>
+        <p:nvPr/>
+      </p:nvGrpSpPr>
+      <p:grpSpPr>
+        <a:xfrm>
+          <a:off x="0" y="0"/>
+          <a:ext cx="0" cy="0"/>
+          <a:chOff x="0" y="0"/>
+          <a:chExt cx="0" cy="0"/>
+        </a:xfrm>
+      </p:grpSpPr>
+      <p:sp>
+        <p:nvSpPr>
+          <p:cNvPr id="14" name="TextBox 13"/>
+          <p:cNvSpPr txBox="1"/>
+          <p:nvPr/>
+        </p:nvSpPr>
+        <p:spPr>
+          <a:xfrm>
+            <a:off x="1068720" y="951323"/>
+            <a:ext cx="504162" cy="644607"/>
+          </a:xfrm>
+          <a:prstGeom prst="rect">
+            <a:avLst/>
+          </a:prstGeom>
+        </p:spPr>
+        <p:txBody>
+          <a:bodyPr vert="horz" lIns="100796" tIns="50398" rIns="100796" bIns="50398" rtlCol="0" anchor="ctr">
+            <a:noAutofit/>
+          </a:bodyPr>
+          <a:lstStyle>
+            <a:lvl1pPr>
+              <a:spcBef>
+                <a:spcPct val="0"/>
+              </a:spcBef>
+              <a:buNone/>
+              <a:defRPr sz="3200" b="0" cap="all">
+                <a:ln w="3175" cmpd="sng">
+                  <a:noFill/>
+                </a:ln>
+                <a:effectLst>
+                  <a:glow rad="38100">
+                    <a:schemeClr val="bg1">
+                      <a:lumMod val="65000"/>
+                      <a:lumOff val="35000"/>
+                      <a:alpha val="40000"/>
+                    </a:schemeClr>
+                  </a:glow>
+                  <a:outerShdw blurRad="28575" dist="38100" dir="14040000" algn="tl" rotWithShape="0">
+                    <a:srgbClr val="000000">
+                      <a:alpha val="25000"/>
+                    </a:srgbClr>
+                  </a:outerShdw>
+                </a:effectLst>
+              </a:defRPr>
+            </a:lvl1pPr>
+            <a:lvl2pPr>
+              <a:defRPr>
+                <a:solidFill>
+                  <a:schemeClr val="tx2"/>
+                </a:solidFill>
+              </a:defRPr>
+            </a:lvl2pPr>
+            <a:lvl3pPr>
+              <a:defRPr>
+                <a:solidFill>
+                  <a:schemeClr val="tx2"/>
+                </a:solidFill>
+              </a:defRPr>
+            </a:lvl3pPr>
+            <a:lvl4pPr>
+              <a:defRPr>
+                <a:solidFill>
+                  <a:schemeClr val="tx2"/>
+                </a:solidFill>
+              </a:defRPr>
+            </a:lvl4pPr>
+            <a:lvl5pPr>
+              <a:defRPr>
+                <a:solidFill>
+                  <a:schemeClr val="tx2"/>
+                </a:solidFill>
+              </a:defRPr>
+            </a:lvl5pPr>
+            <a:lvl6pPr>
+              <a:defRPr>
+                <a:solidFill>
+                  <a:schemeClr val="tx2"/>
+                </a:solidFill>
+              </a:defRPr>
+            </a:lvl6pPr>
+            <a:lvl7pPr>
+              <a:defRPr>
+                <a:solidFill>
+                  <a:schemeClr val="tx2"/>
+                </a:solidFill>
+              </a:defRPr>
+            </a:lvl7pPr>
+            <a:lvl8pPr>
+              <a:defRPr>
+                <a:solidFill>
+                  <a:schemeClr val="tx2"/>
+                </a:solidFill>
+              </a:defRPr>
+            </a:lvl8pPr>
+            <a:lvl9pPr>
+              <a:defRPr>
+                <a:solidFill>
+                  <a:schemeClr val="tx2"/>
+                </a:solidFill>
+              </a:defRPr>
+            </a:lvl9pPr>
+          </a:lstStyle>
+          <a:p>
+            <a:pPr lvl="0"/>
+            <a:r>
+              <a:rPr lang="en-US" sz="8818" dirty="0">
+                <a:solidFill>
+                  <a:schemeClr val="tx1"/>
+                </a:solidFill>
+                <a:effectLst/>
+              </a:rPr>
+              <a:t>“</a:t>
+            </a:r>
+          </a:p>
+        </p:txBody>
+      </p:sp>
+      <p:sp>
+        <p:nvSpPr>
+          <p:cNvPr id="15" name="TextBox 14"/>
+          <p:cNvSpPr txBox="1"/>
+          <p:nvPr/>
+        </p:nvSpPr>
+        <p:spPr>
+          <a:xfrm>
+            <a:off x="9009280" y="3107865"/>
+            <a:ext cx="504162" cy="644607"/>
+          </a:xfrm>
+          <a:prstGeom prst="rect">
+            <a:avLst/>
+          </a:prstGeom>
+        </p:spPr>
+        <p:txBody>
+          <a:bodyPr vert="horz" lIns="100796" tIns="50398" rIns="100796" bIns="50398" rtlCol="0" anchor="ctr">
+            <a:noAutofit/>
+          </a:bodyPr>
+          <a:lstStyle>
+            <a:lvl1pPr>
+              <a:spcBef>
+                <a:spcPct val="0"/>
+              </a:spcBef>
+              <a:buNone/>
+              <a:defRPr sz="3200" b="0" cap="all">
+                <a:ln w="3175" cmpd="sng">
+                  <a:noFill/>
+                </a:ln>
+                <a:effectLst>
+                  <a:glow rad="38100">
+                    <a:schemeClr val="bg1">
+                      <a:lumMod val="65000"/>
+                      <a:lumOff val="35000"/>
+                      <a:alpha val="40000"/>
+                    </a:schemeClr>
+                  </a:glow>
+                  <a:outerShdw blurRad="28575" dist="38100" dir="14040000" algn="tl" rotWithShape="0">
+                    <a:srgbClr val="000000">
+                      <a:alpha val="25000"/>
+                    </a:srgbClr>
+                  </a:outerShdw>
+                </a:effectLst>
+              </a:defRPr>
+            </a:lvl1pPr>
+            <a:lvl2pPr>
+              <a:defRPr>
+                <a:solidFill>
+                  <a:schemeClr val="tx2"/>
+                </a:solidFill>
+              </a:defRPr>
+            </a:lvl2pPr>
+            <a:lvl3pPr>
+              <a:defRPr>
+                <a:solidFill>
+                  <a:schemeClr val="tx2"/>
+                </a:solidFill>
+              </a:defRPr>
+            </a:lvl3pPr>
+            <a:lvl4pPr>
+              <a:defRPr>
+                <a:solidFill>
+                  <a:schemeClr val="tx2"/>
+                </a:solidFill>
+              </a:defRPr>
+            </a:lvl4pPr>
+            <a:lvl5pPr>
+              <a:defRPr>
+                <a:solidFill>
+                  <a:schemeClr val="tx2"/>
+                </a:solidFill>
+              </a:defRPr>
+            </a:lvl5pPr>
+            <a:lvl6pPr>
+              <a:defRPr>
+                <a:solidFill>
+                  <a:schemeClr val="tx2"/>
+                </a:solidFill>
+              </a:defRPr>
+            </a:lvl6pPr>
+            <a:lvl7pPr>
+              <a:defRPr>
+                <a:solidFill>
+                  <a:schemeClr val="tx2"/>
+                </a:solidFill>
+              </a:defRPr>
+            </a:lvl7pPr>
+            <a:lvl8pPr>
+              <a:defRPr>
+                <a:solidFill>
+                  <a:schemeClr val="tx2"/>
+                </a:solidFill>
+              </a:defRPr>
+            </a:lvl8pPr>
+            <a:lvl9pPr>
+              <a:defRPr>
+                <a:solidFill>
+                  <a:schemeClr val="tx2"/>
+                </a:solidFill>
+              </a:defRPr>
+            </a:lvl9pPr>
+          </a:lstStyle>
+          <a:p>
+            <a:pPr lvl="0" algn="r"/>
+            <a:r>
+              <a:rPr lang="en-US" sz="8818" dirty="0">
+                <a:solidFill>
+                  <a:schemeClr val="tx1"/>
+                </a:solidFill>
+                <a:effectLst/>
+              </a:rPr>
+              <a:t>”</a:t>
+            </a:r>
+          </a:p>
+        </p:txBody>
+      </p:sp>
+      <p:sp>
+        <p:nvSpPr>
+          <p:cNvPr id="2" name="Title 1"/>
+          <p:cNvSpPr>
+            <a:spLocks noGrp="1"/>
+          </p:cNvSpPr>
+          <p:nvPr>
+            <p:ph type="title"/>
+          </p:nvPr>
+        </p:nvSpPr>
+        <p:spPr>
+          <a:xfrm>
+            <a:off x="1572884" y="755969"/>
+            <a:ext cx="7688477" cy="3023869"/>
+          </a:xfrm>
+        </p:spPr>
+        <p:txBody>
+          <a:bodyPr anchor="ctr">
+            <a:normAutofit/>
+          </a:bodyPr>
+          <a:lstStyle>
+            <a:lvl1pPr algn="ctr">
+              <a:defRPr sz="3527" b="0" cap="none">
+                <a:solidFill>
+                  <a:schemeClr val="tx1"/>
+                </a:solidFill>
+              </a:defRPr>
+            </a:lvl1pPr>
+          </a:lstStyle>
+          <a:p>
+            <a:r>
+              <a:rPr lang="pl-PL"/>
+              <a:t>Kliknij, aby edytować styl</a:t>
+            </a:r>
+            <a:endParaRPr lang="en-US" dirty="0"/>
+          </a:p>
+        </p:txBody>
+      </p:sp>
+      <p:sp>
+        <p:nvSpPr>
+          <p:cNvPr id="10" name="Text Placeholder 9"/>
+          <p:cNvSpPr>
+            <a:spLocks noGrp="1"/>
+          </p:cNvSpPr>
+          <p:nvPr>
+            <p:ph type="body" sz="quarter" idx="13"/>
+          </p:nvPr>
+        </p:nvSpPr>
+        <p:spPr>
+          <a:xfrm>
+            <a:off x="1227584" y="4283816"/>
+            <a:ext cx="8285857" cy="979958"/>
+          </a:xfrm>
+        </p:spPr>
+        <p:txBody>
+          <a:bodyPr vert="horz" lIns="91440" tIns="45720" rIns="91440" bIns="45720" rtlCol="0" anchor="b">
+            <a:normAutofit/>
+          </a:bodyPr>
+          <a:lstStyle>
+            <a:lvl1pPr algn="r">
+              <a:buNone/>
+              <a:defRPr lang="en-US" sz="2646" b="0" cap="none" dirty="0">
+                <a:ln w="3175" cmpd="sng">
+                  <a:noFill/>
+                </a:ln>
+                <a:solidFill>
+                  <a:schemeClr val="tx1"/>
+                </a:solidFill>
+                <a:effectLst/>
+              </a:defRPr>
+            </a:lvl1pPr>
+          </a:lstStyle>
+          <a:p>
+            <a:pPr marL="0" lvl="0">
+              <a:spcBef>
+                <a:spcPct val="0"/>
+              </a:spcBef>
+              <a:buNone/>
+            </a:pPr>
+            <a:r>
+              <a:rPr lang="pl-PL"/>
+              <a:t>Edytuj style wzorca tekstu</a:t>
+            </a:r>
+          </a:p>
+        </p:txBody>
+      </p:sp>
+      <p:sp>
+        <p:nvSpPr>
+          <p:cNvPr id="3" name="Text Placeholder 2"/>
+          <p:cNvSpPr>
+            <a:spLocks noGrp="1"/>
+          </p:cNvSpPr>
+          <p:nvPr>
+            <p:ph type="body" idx="1"/>
+          </p:nvPr>
+        </p:nvSpPr>
+        <p:spPr>
+          <a:xfrm>
+            <a:off x="1227583" y="5263774"/>
+            <a:ext cx="8285857" cy="1119952"/>
+          </a:xfrm>
+        </p:spPr>
+        <p:txBody>
+          <a:bodyPr anchor="t">
+            <a:normAutofit/>
+          </a:bodyPr>
+          <a:lstStyle>
+            <a:lvl1pPr marL="0" indent="0" algn="r">
+              <a:buNone/>
+              <a:defRPr sz="1984">
+                <a:solidFill>
+                  <a:schemeClr val="tx1"/>
+                </a:solidFill>
+              </a:defRPr>
+            </a:lvl1pPr>
+            <a:lvl2pPr marL="503972" indent="0">
+              <a:buNone/>
+              <a:defRPr sz="1984">
+                <a:solidFill>
+                  <a:schemeClr val="tx1">
+                    <a:tint val="75000"/>
+                  </a:schemeClr>
+                </a:solidFill>
+              </a:defRPr>
+            </a:lvl2pPr>
+            <a:lvl3pPr marL="1007943" indent="0">
+              <a:buNone/>
+              <a:defRPr sz="1764">
+                <a:solidFill>
+                  <a:schemeClr val="tx1">
+                    <a:tint val="75000"/>
+                  </a:schemeClr>
+                </a:solidFill>
+              </a:defRPr>
+            </a:lvl3pPr>
+            <a:lvl4pPr marL="1511915" indent="0">
+              <a:buNone/>
+              <a:defRPr sz="1543">
+                <a:solidFill>
+                  <a:schemeClr val="tx1">
+                    <a:tint val="75000"/>
+                  </a:schemeClr>
+                </a:solidFill>
+              </a:defRPr>
+            </a:lvl4pPr>
+            <a:lvl5pPr marL="2015886" indent="0">
+              <a:buNone/>
+              <a:defRPr sz="1543">
+                <a:solidFill>
+                  <a:schemeClr val="tx1">
+                    <a:tint val="75000"/>
+                  </a:schemeClr>
+                </a:solidFill>
+              </a:defRPr>
+            </a:lvl5pPr>
+            <a:lvl6pPr marL="2519858" indent="0">
+              <a:buNone/>
+              <a:defRPr sz="1543">
+                <a:solidFill>
+                  <a:schemeClr val="tx1">
+                    <a:tint val="75000"/>
+                  </a:schemeClr>
+                </a:solidFill>
+              </a:defRPr>
+            </a:lvl6pPr>
+            <a:lvl7pPr marL="3023829" indent="0">
+              <a:buNone/>
+              <a:defRPr sz="1543">
+                <a:solidFill>
+                  <a:schemeClr val="tx1">
+                    <a:tint val="75000"/>
+                  </a:schemeClr>
+                </a:solidFill>
+              </a:defRPr>
+            </a:lvl7pPr>
+            <a:lvl8pPr marL="3527801" indent="0">
+              <a:buNone/>
+              <a:defRPr sz="1543">
+                <a:solidFill>
+                  <a:schemeClr val="tx1">
+                    <a:tint val="75000"/>
+                  </a:schemeClr>
+                </a:solidFill>
+              </a:defRPr>
+            </a:lvl8pPr>
+            <a:lvl9pPr marL="4031772" indent="0">
+              <a:buNone/>
+              <a:defRPr sz="1543">
+                <a:solidFill>
+                  <a:schemeClr val="tx1">
+                    <a:tint val="75000"/>
+                  </a:schemeClr>
+                </a:solidFill>
+              </a:defRPr>
+            </a:lvl9pPr>
+          </a:lstStyle>
+          <a:p>
+            <a:pPr lvl="0"/>
+            <a:r>
+              <a:rPr lang="pl-PL"/>
+              <a:t>Edytuj style wzorca tekstu</a:t>
+            </a:r>
+          </a:p>
+        </p:txBody>
+      </p:sp>
+      <p:sp>
+        <p:nvSpPr>
+          <p:cNvPr id="4" name="Date Placeholder 3"/>
+          <p:cNvSpPr>
+            <a:spLocks noGrp="1"/>
+          </p:cNvSpPr>
+          <p:nvPr>
+            <p:ph type="dt" sz="half" idx="10"/>
+          </p:nvPr>
+        </p:nvSpPr>
+        <p:spPr/>
+        <p:txBody>
+          <a:bodyPr/>
+          <a:lstStyle/>
+          <a:p>
+            <a:r>
+              <a:rPr lang="pl-PL" sz="1400">
+                <a:latin typeface="Times New Roman"/>
+              </a:rPr>
+              <a:t>&lt;data/godzina&gt;</a:t>
+            </a:r>
+            <a:endParaRPr lang="pl-PL"/>
+          </a:p>
+        </p:txBody>
+      </p:sp>
+      <p:sp>
+        <p:nvSpPr>
+          <p:cNvPr id="5" name="Footer Placeholder 4"/>
+          <p:cNvSpPr>
+            <a:spLocks noGrp="1"/>
+          </p:cNvSpPr>
+          <p:nvPr>
+            <p:ph type="ftr" sz="quarter" idx="11"/>
+          </p:nvPr>
+        </p:nvSpPr>
+        <p:spPr/>
+        <p:txBody>
+          <a:bodyPr/>
+          <a:lstStyle/>
+          <a:p>
+            <a:pPr algn="ctr"/>
+            <a:r>
+              <a:rPr lang="pl-PL" sz="1400">
+                <a:latin typeface="Times New Roman"/>
+              </a:rPr>
+              <a:t>&lt;stopka&gt;</a:t>
+            </a:r>
+            <a:endParaRPr lang="pl-PL"/>
+          </a:p>
+        </p:txBody>
+      </p:sp>
+      <p:sp>
+        <p:nvSpPr>
+          <p:cNvPr id="6" name="Slide Number Placeholder 5"/>
+          <p:cNvSpPr>
+            <a:spLocks noGrp="1"/>
+          </p:cNvSpPr>
+          <p:nvPr>
+            <p:ph type="sldNum" sz="quarter" idx="12"/>
+          </p:nvPr>
+        </p:nvSpPr>
+        <p:spPr/>
+        <p:txBody>
+          <a:bodyPr/>
+          <a:lstStyle/>
+          <a:p>
+            <a:pPr algn="r"/>
+            <a:fld id="{C890E2C6-3C4E-4854-84CB-D903442CCCEA}" type="slidenum">
+              <a:rPr lang="pl-PL" sz="1400" smtClean="0">
+                <a:latin typeface="Times New Roman"/>
+              </a:rPr>
+              <a:pPr algn="r"/>
+              <a:t>‹#›</a:t>
+            </a:fld>
+            <a:endParaRPr lang="pl-PL"/>
+          </a:p>
+        </p:txBody>
+      </p:sp>
+    </p:spTree>
+    <p:extLst>
+      <p:ext uri="{BB962C8B-B14F-4D97-AF65-F5344CB8AC3E}">
+        <p14:creationId xmlns:p14="http://schemas.microsoft.com/office/powerpoint/2010/main" val="1098169863"/>
+      </p:ext>
+    </p:extLst>
+  </p:cSld>
+  <p:clrMapOvr>
+    <a:masterClrMapping/>
+  </p:clrMapOvr>
+</p:sldLayout>
+</file>
+
+<file path=ppt/slideLayouts/slideLayout15.xml><?xml version="1.0" encoding="utf-8"?>
+<p:sldLayout xmlns:a="http://schemas.openxmlformats.org/drawingml/2006/main" xmlns:r="http://schemas.openxmlformats.org/officeDocument/2006/relationships" xmlns:p="http://schemas.openxmlformats.org/presentationml/2006/main" preserve="1">
+  <p:cSld name="Prawda lub fałsz">
+    <p:spTree>
+      <p:nvGrpSpPr>
+        <p:cNvPr id="1" name=""/>
+        <p:cNvGrpSpPr/>
+        <p:nvPr/>
+      </p:nvGrpSpPr>
+      <p:grpSpPr>
+        <a:xfrm>
+          <a:off x="0" y="0"/>
+          <a:ext cx="0" cy="0"/>
+          <a:chOff x="0" y="0"/>
+          <a:chExt cx="0" cy="0"/>
+        </a:xfrm>
+      </p:grpSpPr>
+      <p:sp>
+        <p:nvSpPr>
+          <p:cNvPr id="2" name="Title 1"/>
+          <p:cNvSpPr>
+            <a:spLocks noGrp="1"/>
+          </p:cNvSpPr>
+          <p:nvPr>
+            <p:ph type="title"/>
+          </p:nvPr>
+        </p:nvSpPr>
+        <p:spPr>
+          <a:xfrm>
+            <a:off x="1227585" y="755969"/>
+            <a:ext cx="8285858" cy="3006371"/>
+          </a:xfrm>
+        </p:spPr>
+        <p:txBody>
+          <a:bodyPr vert="horz" lIns="91440" tIns="45720" rIns="91440" bIns="45720" rtlCol="0" anchor="ctr">
+            <a:normAutofit/>
+          </a:bodyPr>
+          <a:lstStyle>
+            <a:lvl1pPr>
+              <a:defRPr lang="en-US" b="0" dirty="0"/>
+            </a:lvl1pPr>
+          </a:lstStyle>
+          <a:p>
+            <a:pPr marL="0" lvl="0"/>
+            <a:r>
+              <a:rPr lang="pl-PL"/>
+              <a:t>Kliknij, aby edytować styl</a:t>
+            </a:r>
+            <a:endParaRPr lang="en-US" dirty="0"/>
+          </a:p>
+        </p:txBody>
+      </p:sp>
+      <p:sp>
+        <p:nvSpPr>
+          <p:cNvPr id="10" name="Text Placeholder 9"/>
+          <p:cNvSpPr>
+            <a:spLocks noGrp="1"/>
+          </p:cNvSpPr>
+          <p:nvPr>
+            <p:ph type="body" sz="quarter" idx="13"/>
+          </p:nvPr>
+        </p:nvSpPr>
+        <p:spPr>
+          <a:xfrm>
+            <a:off x="1227583" y="3863834"/>
+            <a:ext cx="8285859" cy="923960"/>
+          </a:xfrm>
+        </p:spPr>
+        <p:txBody>
+          <a:bodyPr vert="horz" lIns="91440" tIns="45720" rIns="91440" bIns="45720" rtlCol="0" anchor="b">
+            <a:normAutofit/>
+          </a:bodyPr>
+          <a:lstStyle>
+            <a:lvl1pPr>
+              <a:buNone/>
+              <a:defRPr lang="en-US" sz="3086" b="0" cap="none" dirty="0">
+                <a:ln w="3175" cmpd="sng">
+                  <a:noFill/>
+                </a:ln>
+                <a:solidFill>
+                  <a:schemeClr val="tx1"/>
+                </a:solidFill>
+                <a:effectLst/>
+              </a:defRPr>
+            </a:lvl1pPr>
+          </a:lstStyle>
+          <a:p>
+            <a:pPr marL="0" lvl="0">
+              <a:spcBef>
+                <a:spcPct val="0"/>
+              </a:spcBef>
+              <a:buNone/>
+            </a:pPr>
+            <a:r>
+              <a:rPr lang="pl-PL"/>
+              <a:t>Edytuj style wzorca tekstu</a:t>
+            </a:r>
+          </a:p>
+        </p:txBody>
+      </p:sp>
+      <p:sp>
+        <p:nvSpPr>
+          <p:cNvPr id="3" name="Text Placeholder 2"/>
+          <p:cNvSpPr>
+            <a:spLocks noGrp="1"/>
+          </p:cNvSpPr>
+          <p:nvPr>
+            <p:ph type="body" idx="1"/>
+          </p:nvPr>
+        </p:nvSpPr>
+        <p:spPr>
+          <a:xfrm>
+            <a:off x="1227583" y="4787794"/>
+            <a:ext cx="8285859" cy="1595931"/>
+          </a:xfrm>
+        </p:spPr>
+        <p:txBody>
+          <a:bodyPr anchor="t">
+            <a:normAutofit/>
+          </a:bodyPr>
+          <a:lstStyle>
+            <a:lvl1pPr marL="0" indent="0" algn="l">
+              <a:buNone/>
+              <a:defRPr sz="1984">
+                <a:solidFill>
+                  <a:schemeClr val="tx1"/>
+                </a:solidFill>
+              </a:defRPr>
+            </a:lvl1pPr>
+            <a:lvl2pPr marL="503972" indent="0">
+              <a:buNone/>
+              <a:defRPr sz="1984">
+                <a:solidFill>
+                  <a:schemeClr val="tx1">
+                    <a:tint val="75000"/>
+                  </a:schemeClr>
+                </a:solidFill>
+              </a:defRPr>
+            </a:lvl2pPr>
+            <a:lvl3pPr marL="1007943" indent="0">
+              <a:buNone/>
+              <a:defRPr sz="1764">
+                <a:solidFill>
+                  <a:schemeClr val="tx1">
+                    <a:tint val="75000"/>
+                  </a:schemeClr>
+                </a:solidFill>
+              </a:defRPr>
+            </a:lvl3pPr>
+            <a:lvl4pPr marL="1511915" indent="0">
+              <a:buNone/>
+              <a:defRPr sz="1543">
+                <a:solidFill>
+                  <a:schemeClr val="tx1">
+                    <a:tint val="75000"/>
+                  </a:schemeClr>
+                </a:solidFill>
+              </a:defRPr>
+            </a:lvl4pPr>
+            <a:lvl5pPr marL="2015886" indent="0">
+              <a:buNone/>
+              <a:defRPr sz="1543">
+                <a:solidFill>
+                  <a:schemeClr val="tx1">
+                    <a:tint val="75000"/>
+                  </a:schemeClr>
+                </a:solidFill>
+              </a:defRPr>
+            </a:lvl5pPr>
+            <a:lvl6pPr marL="2519858" indent="0">
+              <a:buNone/>
+              <a:defRPr sz="1543">
+                <a:solidFill>
+                  <a:schemeClr val="tx1">
+                    <a:tint val="75000"/>
+                  </a:schemeClr>
+                </a:solidFill>
+              </a:defRPr>
+            </a:lvl6pPr>
+            <a:lvl7pPr marL="3023829" indent="0">
+              <a:buNone/>
+              <a:defRPr sz="1543">
+                <a:solidFill>
+                  <a:schemeClr val="tx1">
+                    <a:tint val="75000"/>
+                  </a:schemeClr>
+                </a:solidFill>
+              </a:defRPr>
+            </a:lvl7pPr>
+            <a:lvl8pPr marL="3527801" indent="0">
+              <a:buNone/>
+              <a:defRPr sz="1543">
+                <a:solidFill>
+                  <a:schemeClr val="tx1">
+                    <a:tint val="75000"/>
+                  </a:schemeClr>
+                </a:solidFill>
+              </a:defRPr>
+            </a:lvl8pPr>
+            <a:lvl9pPr marL="4031772" indent="0">
+              <a:buNone/>
+              <a:defRPr sz="1543">
+                <a:solidFill>
+                  <a:schemeClr val="tx1">
+                    <a:tint val="75000"/>
+                  </a:schemeClr>
+                </a:solidFill>
+              </a:defRPr>
+            </a:lvl9pPr>
+          </a:lstStyle>
+          <a:p>
+            <a:pPr lvl="0"/>
+            <a:r>
+              <a:rPr lang="pl-PL"/>
+              <a:t>Edytuj style wzorca tekstu</a:t>
+            </a:r>
+          </a:p>
+        </p:txBody>
+      </p:sp>
+      <p:sp>
+        <p:nvSpPr>
+          <p:cNvPr id="4" name="Date Placeholder 3"/>
+          <p:cNvSpPr>
+            <a:spLocks noGrp="1"/>
+          </p:cNvSpPr>
+          <p:nvPr>
+            <p:ph type="dt" sz="half" idx="10"/>
+          </p:nvPr>
+        </p:nvSpPr>
+        <p:spPr/>
+        <p:txBody>
+          <a:bodyPr/>
+          <a:lstStyle/>
+          <a:p>
+            <a:r>
+              <a:rPr lang="pl-PL" sz="1400">
+                <a:latin typeface="Times New Roman"/>
+              </a:rPr>
+              <a:t>&lt;data/godzina&gt;</a:t>
+            </a:r>
+            <a:endParaRPr lang="pl-PL"/>
+          </a:p>
+        </p:txBody>
+      </p:sp>
+      <p:sp>
+        <p:nvSpPr>
+          <p:cNvPr id="5" name="Footer Placeholder 4"/>
+          <p:cNvSpPr>
+            <a:spLocks noGrp="1"/>
+          </p:cNvSpPr>
+          <p:nvPr>
+            <p:ph type="ftr" sz="quarter" idx="11"/>
+          </p:nvPr>
+        </p:nvSpPr>
+        <p:spPr/>
+        <p:txBody>
+          <a:bodyPr/>
+          <a:lstStyle/>
+          <a:p>
+            <a:pPr algn="ctr"/>
+            <a:r>
+              <a:rPr lang="pl-PL" sz="1400">
+                <a:latin typeface="Times New Roman"/>
+              </a:rPr>
+              <a:t>&lt;stopka&gt;</a:t>
+            </a:r>
+            <a:endParaRPr lang="pl-PL"/>
+          </a:p>
+        </p:txBody>
+      </p:sp>
+      <p:sp>
+        <p:nvSpPr>
+          <p:cNvPr id="6" name="Slide Number Placeholder 5"/>
+          <p:cNvSpPr>
+            <a:spLocks noGrp="1"/>
+          </p:cNvSpPr>
+          <p:nvPr>
+            <p:ph type="sldNum" sz="quarter" idx="12"/>
+          </p:nvPr>
+        </p:nvSpPr>
+        <p:spPr/>
+        <p:txBody>
+          <a:bodyPr/>
+          <a:lstStyle/>
+          <a:p>
+            <a:pPr algn="r"/>
+            <a:fld id="{C890E2C6-3C4E-4854-84CB-D903442CCCEA}" type="slidenum">
+              <a:rPr lang="pl-PL" sz="1400" smtClean="0">
+                <a:latin typeface="Times New Roman"/>
+              </a:rPr>
+              <a:pPr algn="r"/>
+              <a:t>‹#›</a:t>
+            </a:fld>
+            <a:endParaRPr lang="pl-PL"/>
+          </a:p>
+        </p:txBody>
+      </p:sp>
+    </p:spTree>
+    <p:extLst>
+      <p:ext uri="{BB962C8B-B14F-4D97-AF65-F5344CB8AC3E}">
+        <p14:creationId xmlns:p14="http://schemas.microsoft.com/office/powerpoint/2010/main" val="804147449"/>
+      </p:ext>
+    </p:extLst>
+  </p:cSld>
+  <p:clrMapOvr>
+    <a:masterClrMapping/>
+  </p:clrMapOvr>
+</p:sldLayout>
+</file>
+
+<file path=ppt/slideLayouts/slideLayout16.xml><?xml version="1.0" encoding="utf-8"?>
+<p:sldLayout xmlns:a="http://schemas.openxmlformats.org/drawingml/2006/main" xmlns:r="http://schemas.openxmlformats.org/officeDocument/2006/relationships" xmlns:p="http://schemas.openxmlformats.org/presentationml/2006/main" type="vertTx" preserve="1">
+  <p:cSld name="Tytuł i tekst pionowy">
+    <p:spTree>
+      <p:nvGrpSpPr>
+        <p:cNvPr id="1" name=""/>
+        <p:cNvGrpSpPr/>
+        <p:nvPr/>
+      </p:nvGrpSpPr>
+      <p:grpSpPr>
+        <a:xfrm>
+          <a:off x="0" y="0"/>
+          <a:ext cx="0" cy="0"/>
+          <a:chOff x="0" y="0"/>
+          <a:chExt cx="0" cy="0"/>
+        </a:xfrm>
+      </p:grpSpPr>
+      <p:sp>
+        <p:nvSpPr>
+          <p:cNvPr id="2" name="Title 1"/>
+          <p:cNvSpPr>
+            <a:spLocks noGrp="1"/>
+          </p:cNvSpPr>
+          <p:nvPr>
+            <p:ph type="title"/>
+          </p:nvPr>
+        </p:nvSpPr>
+        <p:spPr/>
+        <p:txBody>
+          <a:bodyPr/>
+          <a:lstStyle>
+            <a:lvl1pPr algn="ctr">
+              <a:defRPr/>
+            </a:lvl1pPr>
+          </a:lstStyle>
+          <a:p>
+            <a:r>
+              <a:rPr lang="pl-PL"/>
+              <a:t>Kliknij, aby edytować styl</a:t>
+            </a:r>
+            <a:endParaRPr lang="en-US" dirty="0"/>
+          </a:p>
+        </p:txBody>
+      </p:sp>
+      <p:sp>
+        <p:nvSpPr>
+          <p:cNvPr id="3" name="Vertical Text Placeholder 2"/>
+          <p:cNvSpPr>
+            <a:spLocks noGrp="1"/>
+          </p:cNvSpPr>
+          <p:nvPr>
+            <p:ph type="body" orient="vert" idx="1"/>
+          </p:nvPr>
+        </p:nvSpPr>
+        <p:spPr/>
+        <p:txBody>
+          <a:bodyPr vert="eaVert" anchor="t"/>
+          <a:lstStyle/>
+          <a:p>
+            <a:pPr lvl="0"/>
+            <a:r>
+              <a:rPr lang="pl-PL"/>
+              <a:t>Edytuj style wzorca tekstu</a:t>
+            </a:r>
+          </a:p>
+          <a:p>
+            <a:pPr lvl="1"/>
+            <a:r>
+              <a:rPr lang="pl-PL"/>
+              <a:t>Drugi poziom</a:t>
+            </a:r>
+          </a:p>
+          <a:p>
+            <a:pPr lvl="2"/>
+            <a:r>
+              <a:rPr lang="pl-PL"/>
+              <a:t>Trzeci poziom</a:t>
+            </a:r>
+          </a:p>
+          <a:p>
+            <a:pPr lvl="3"/>
+            <a:r>
+              <a:rPr lang="pl-PL"/>
+              <a:t>Czwarty poziom</a:t>
+            </a:r>
+          </a:p>
+          <a:p>
+            <a:pPr lvl="4"/>
+            <a:r>
+              <a:rPr lang="pl-PL"/>
+              <a:t>Piąty poziom</a:t>
+            </a:r>
+            <a:endParaRPr lang="en-US" dirty="0"/>
+          </a:p>
+        </p:txBody>
+      </p:sp>
+      <p:sp>
+        <p:nvSpPr>
+          <p:cNvPr id="4" name="Date Placeholder 3"/>
+          <p:cNvSpPr>
+            <a:spLocks noGrp="1"/>
+          </p:cNvSpPr>
+          <p:nvPr>
+            <p:ph type="dt" sz="half" idx="10"/>
+          </p:nvPr>
+        </p:nvSpPr>
+        <p:spPr/>
+        <p:txBody>
+          <a:bodyPr/>
+          <a:lstStyle/>
+          <a:p>
+            <a:r>
+              <a:rPr lang="pl-PL" sz="1400">
+                <a:latin typeface="Times New Roman"/>
+              </a:rPr>
+              <a:t>&lt;data/godzina&gt;</a:t>
+            </a:r>
+            <a:endParaRPr lang="pl-PL"/>
+          </a:p>
+        </p:txBody>
+      </p:sp>
+      <p:sp>
+        <p:nvSpPr>
+          <p:cNvPr id="5" name="Footer Placeholder 4"/>
+          <p:cNvSpPr>
+            <a:spLocks noGrp="1"/>
+          </p:cNvSpPr>
+          <p:nvPr>
+            <p:ph type="ftr" sz="quarter" idx="11"/>
+          </p:nvPr>
+        </p:nvSpPr>
+        <p:spPr/>
+        <p:txBody>
+          <a:bodyPr/>
+          <a:lstStyle/>
+          <a:p>
+            <a:pPr algn="ctr"/>
+            <a:r>
+              <a:rPr lang="pl-PL" sz="1400">
+                <a:latin typeface="Times New Roman"/>
+              </a:rPr>
+              <a:t>&lt;stopka&gt;</a:t>
+            </a:r>
+            <a:endParaRPr lang="pl-PL"/>
+          </a:p>
+        </p:txBody>
+      </p:sp>
+      <p:sp>
+        <p:nvSpPr>
+          <p:cNvPr id="6" name="Slide Number Placeholder 5"/>
+          <p:cNvSpPr>
+            <a:spLocks noGrp="1"/>
+          </p:cNvSpPr>
+          <p:nvPr>
+            <p:ph type="sldNum" sz="quarter" idx="12"/>
+          </p:nvPr>
+        </p:nvSpPr>
+        <p:spPr/>
+        <p:txBody>
+          <a:bodyPr/>
+          <a:lstStyle/>
+          <a:p>
+            <a:pPr algn="r"/>
+            <a:fld id="{C890E2C6-3C4E-4854-84CB-D903442CCCEA}" type="slidenum">
+              <a:rPr lang="pl-PL" sz="1400" smtClean="0">
+                <a:latin typeface="Times New Roman"/>
+              </a:rPr>
+              <a:pPr algn="r"/>
+              <a:t>‹#›</a:t>
+            </a:fld>
+            <a:endParaRPr lang="pl-PL"/>
+          </a:p>
+        </p:txBody>
+      </p:sp>
+    </p:spTree>
+    <p:extLst>
+      <p:ext uri="{BB962C8B-B14F-4D97-AF65-F5344CB8AC3E}">
+        <p14:creationId xmlns:p14="http://schemas.microsoft.com/office/powerpoint/2010/main" val="3185401979"/>
+      </p:ext>
+    </p:extLst>
+  </p:cSld>
+  <p:clrMapOvr>
+    <a:masterClrMapping/>
+  </p:clrMapOvr>
+</p:sldLayout>
+</file>
+
+<file path=ppt/slideLayouts/slideLayout17.xml><?xml version="1.0" encoding="utf-8"?>
+<p:sldLayout xmlns:a="http://schemas.openxmlformats.org/drawingml/2006/main" xmlns:r="http://schemas.openxmlformats.org/officeDocument/2006/relationships" xmlns:p="http://schemas.openxmlformats.org/presentationml/2006/main" type="vertTitleAndTx" preserve="1">
+  <p:cSld name="Tytuł pionowy i tekst">
+    <p:spTree>
+      <p:nvGrpSpPr>
+        <p:cNvPr id="1" name=""/>
+        <p:cNvGrpSpPr/>
+        <p:nvPr/>
+      </p:nvGrpSpPr>
+      <p:grpSpPr>
+        <a:xfrm>
+          <a:off x="0" y="0"/>
+          <a:ext cx="0" cy="0"/>
+          <a:chOff x="0" y="0"/>
+          <a:chExt cx="0" cy="0"/>
+        </a:xfrm>
+      </p:grpSpPr>
+      <p:sp>
+        <p:nvSpPr>
+          <p:cNvPr id="2" name="Vertical Title 1"/>
+          <p:cNvSpPr>
+            <a:spLocks noGrp="1"/>
+          </p:cNvSpPr>
+          <p:nvPr>
+            <p:ph type="title" orient="vert"/>
+          </p:nvPr>
+        </p:nvSpPr>
+        <p:spPr>
+          <a:xfrm>
+            <a:off x="8049279" y="755968"/>
+            <a:ext cx="1464163" cy="5627758"/>
+          </a:xfrm>
+        </p:spPr>
+        <p:txBody>
+          <a:bodyPr vert="eaVert"/>
+          <a:lstStyle/>
+          <a:p>
+            <a:r>
+              <a:rPr lang="pl-PL"/>
+              <a:t>Kliknij, aby edytować styl</a:t>
+            </a:r>
+            <a:endParaRPr lang="en-US" dirty="0"/>
+          </a:p>
+        </p:txBody>
+      </p:sp>
+      <p:sp>
+        <p:nvSpPr>
+          <p:cNvPr id="3" name="Vertical Text Placeholder 2"/>
+          <p:cNvSpPr>
+            <a:spLocks noGrp="1"/>
+          </p:cNvSpPr>
+          <p:nvPr>
+            <p:ph type="body" orient="vert" idx="1"/>
+          </p:nvPr>
+        </p:nvSpPr>
+        <p:spPr>
+          <a:xfrm>
+            <a:off x="1227584" y="755968"/>
+            <a:ext cx="6632633" cy="5627758"/>
+          </a:xfrm>
+        </p:spPr>
+        <p:txBody>
+          <a:bodyPr vert="eaVert" anchor="t"/>
+          <a:lstStyle/>
+          <a:p>
+            <a:pPr lvl="0"/>
+            <a:r>
+              <a:rPr lang="pl-PL"/>
+              <a:t>Edytuj style wzorca tekstu</a:t>
+            </a:r>
+          </a:p>
+          <a:p>
+            <a:pPr lvl="1"/>
+            <a:r>
+              <a:rPr lang="pl-PL"/>
+              <a:t>Drugi poziom</a:t>
+            </a:r>
+          </a:p>
+          <a:p>
+            <a:pPr lvl="2"/>
+            <a:r>
+              <a:rPr lang="pl-PL"/>
+              <a:t>Trzeci poziom</a:t>
+            </a:r>
+          </a:p>
+          <a:p>
+            <a:pPr lvl="3"/>
+            <a:r>
+              <a:rPr lang="pl-PL"/>
+              <a:t>Czwarty poziom</a:t>
+            </a:r>
+          </a:p>
+          <a:p>
+            <a:pPr lvl="4"/>
+            <a:r>
+              <a:rPr lang="pl-PL"/>
+              <a:t>Piąty poziom</a:t>
+            </a:r>
+            <a:endParaRPr lang="en-US" dirty="0"/>
+          </a:p>
+        </p:txBody>
+      </p:sp>
+      <p:sp>
+        <p:nvSpPr>
+          <p:cNvPr id="4" name="Date Placeholder 3"/>
+          <p:cNvSpPr>
+            <a:spLocks noGrp="1"/>
+          </p:cNvSpPr>
+          <p:nvPr>
+            <p:ph type="dt" sz="half" idx="10"/>
+          </p:nvPr>
+        </p:nvSpPr>
+        <p:spPr/>
+        <p:txBody>
+          <a:bodyPr/>
+          <a:lstStyle/>
+          <a:p>
+            <a:r>
+              <a:rPr lang="pl-PL" sz="1400">
+                <a:latin typeface="Times New Roman"/>
+              </a:rPr>
+              <a:t>&lt;data/godzina&gt;</a:t>
+            </a:r>
+            <a:endParaRPr lang="pl-PL"/>
+          </a:p>
+        </p:txBody>
+      </p:sp>
+      <p:sp>
+        <p:nvSpPr>
+          <p:cNvPr id="5" name="Footer Placeholder 4"/>
+          <p:cNvSpPr>
+            <a:spLocks noGrp="1"/>
+          </p:cNvSpPr>
+          <p:nvPr>
+            <p:ph type="ftr" sz="quarter" idx="11"/>
+          </p:nvPr>
+        </p:nvSpPr>
+        <p:spPr/>
+        <p:txBody>
+          <a:bodyPr/>
+          <a:lstStyle/>
+          <a:p>
+            <a:pPr algn="ctr"/>
+            <a:r>
+              <a:rPr lang="pl-PL" sz="1400">
+                <a:latin typeface="Times New Roman"/>
+              </a:rPr>
+              <a:t>&lt;stopka&gt;</a:t>
+            </a:r>
+            <a:endParaRPr lang="pl-PL"/>
+          </a:p>
+        </p:txBody>
+      </p:sp>
+      <p:sp>
+        <p:nvSpPr>
+          <p:cNvPr id="6" name="Slide Number Placeholder 5"/>
+          <p:cNvSpPr>
+            <a:spLocks noGrp="1"/>
+          </p:cNvSpPr>
+          <p:nvPr>
+            <p:ph type="sldNum" sz="quarter" idx="12"/>
+          </p:nvPr>
+        </p:nvSpPr>
+        <p:spPr/>
+        <p:txBody>
+          <a:bodyPr/>
+          <a:lstStyle/>
+          <a:p>
+            <a:pPr algn="r"/>
+            <a:fld id="{C890E2C6-3C4E-4854-84CB-D903442CCCEA}" type="slidenum">
+              <a:rPr lang="pl-PL" sz="1400" smtClean="0">
+                <a:latin typeface="Times New Roman"/>
+              </a:rPr>
+              <a:pPr algn="r"/>
+              <a:t>‹#›</a:t>
+            </a:fld>
+            <a:endParaRPr lang="pl-PL"/>
+          </a:p>
+        </p:txBody>
+      </p:sp>
+    </p:spTree>
+    <p:extLst>
+      <p:ext uri="{BB962C8B-B14F-4D97-AF65-F5344CB8AC3E}">
+        <p14:creationId xmlns:p14="http://schemas.microsoft.com/office/powerpoint/2010/main" val="3188755330"/>
+      </p:ext>
+    </p:extLst>
+  </p:cSld>
+  <p:clrMapOvr>
+    <a:masterClrMapping/>
+  </p:clrMapOvr>
+</p:sldLayout>
+</file>
+
+<file path=ppt/slideLayouts/slideLayout18.xml><?xml version="1.0" encoding="utf-8"?>
+<p:sldLayout xmlns:a="http://schemas.openxmlformats.org/drawingml/2006/main" xmlns:r="http://schemas.openxmlformats.org/officeDocument/2006/relationships" xmlns:p="http://schemas.openxmlformats.org/presentationml/2006/main" type="tx">
   <p:cSld name="Title Slide">
     <p:spTree>
       <p:nvGrpSpPr>
@@ -655,6 +3534,11 @@
         </p:txBody>
       </p:sp>
     </p:spTree>
+    <p:extLst>
+      <p:ext uri="{BB962C8B-B14F-4D97-AF65-F5344CB8AC3E}">
+        <p14:creationId xmlns:p14="http://schemas.microsoft.com/office/powerpoint/2010/main" val="951238431"/>
+      </p:ext>
+    </p:extLst>
   </p:cSld>
   <p:clrMapOvr>
     <a:masterClrMapping/>
@@ -662,9 +3546,9 @@
 </p:sldLayout>
 </file>
 
-<file path=ppt/slideLayouts/slideLayout3.xml><?xml version="1.0" encoding="utf-8"?>
+<file path=ppt/slideLayouts/slideLayout2.xml><?xml version="1.0" encoding="utf-8"?>
 <p:sldLayout xmlns:a="http://schemas.openxmlformats.org/drawingml/2006/main" xmlns:r="http://schemas.openxmlformats.org/officeDocument/2006/relationships" xmlns:p="http://schemas.openxmlformats.org/presentationml/2006/main" type="obj" preserve="1">
-  <p:cSld name="Title, Content">
+  <p:cSld name="Tytuł i zawartość">
     <p:spTree>
       <p:nvGrpSpPr>
         <p:cNvPr id="1" name=""/>
@@ -681,7 +3565,7 @@
       </p:grpSpPr>
       <p:sp>
         <p:nvSpPr>
-          <p:cNvPr id="7" name="PlaceHolder 1"/>
+          <p:cNvPr id="2" name="Title 1"/>
           <p:cNvSpPr>
             <a:spLocks noGrp="1"/>
           </p:cNvSpPr>
@@ -691,50 +3575,178 @@
         </p:nvSpPr>
         <p:spPr>
           <a:xfrm>
-            <a:off x="504000" y="301320"/>
-            <a:ext cx="9071640" cy="1262160"/>
+            <a:off x="1082734" y="503979"/>
+            <a:ext cx="8493860" cy="2183906"/>
           </a:xfrm>
-          <a:prstGeom prst="rect">
-            <a:avLst/>
-          </a:prstGeom>
         </p:spPr>
         <p:txBody>
-          <a:bodyPr lIns="0" tIns="0" rIns="0" bIns="0" anchor="ctr"/>
+          <a:bodyPr/>
           <a:lstStyle/>
           <a:p>
-            <a:pPr algn="ctr"/>
-            <a:endParaRPr/>
-          </a:p>
-        </p:txBody>
-      </p:sp>
-      <p:sp>
-        <p:nvSpPr>
-          <p:cNvPr id="8" name="PlaceHolder 2"/>
-          <p:cNvSpPr>
-            <a:spLocks noGrp="1"/>
-          </p:cNvSpPr>
-          <p:nvPr>
-            <p:ph type="body"/>
+            <a:r>
+              <a:rPr lang="pl-PL"/>
+              <a:t>Kliknij, aby edytować styl</a:t>
+            </a:r>
+            <a:endParaRPr lang="en-US" dirty="0"/>
+          </a:p>
+        </p:txBody>
+      </p:sp>
+      <p:sp>
+        <p:nvSpPr>
+          <p:cNvPr id="3" name="Content Placeholder 2"/>
+          <p:cNvSpPr>
+            <a:spLocks noGrp="1"/>
+          </p:cNvSpPr>
+          <p:nvPr>
+            <p:ph idx="1"/>
           </p:nvPr>
         </p:nvSpPr>
         <p:spPr>
           <a:xfrm>
-            <a:off x="504000" y="1769040"/>
-            <a:ext cx="9071640" cy="4384440"/>
+            <a:off x="1082734" y="2939874"/>
+            <a:ext cx="8493860" cy="3673812"/>
           </a:xfrm>
-          <a:prstGeom prst="rect">
-            <a:avLst/>
-          </a:prstGeom>
         </p:spPr>
         <p:txBody>
-          <a:bodyPr lIns="0" tIns="0" rIns="0" bIns="0"/>
+          <a:bodyPr anchor="ctr"/>
           <a:lstStyle/>
           <a:p>
-            <a:endParaRPr/>
+            <a:pPr lvl="0"/>
+            <a:r>
+              <a:rPr lang="pl-PL"/>
+              <a:t>Edytuj style wzorca tekstu</a:t>
+            </a:r>
+          </a:p>
+          <a:p>
+            <a:pPr lvl="1"/>
+            <a:r>
+              <a:rPr lang="pl-PL"/>
+              <a:t>Drugi poziom</a:t>
+            </a:r>
+          </a:p>
+          <a:p>
+            <a:pPr lvl="2"/>
+            <a:r>
+              <a:rPr lang="pl-PL"/>
+              <a:t>Trzeci poziom</a:t>
+            </a:r>
+          </a:p>
+          <a:p>
+            <a:pPr lvl="3"/>
+            <a:r>
+              <a:rPr lang="pl-PL"/>
+              <a:t>Czwarty poziom</a:t>
+            </a:r>
+          </a:p>
+          <a:p>
+            <a:pPr lvl="4"/>
+            <a:r>
+              <a:rPr lang="pl-PL"/>
+              <a:t>Piąty poziom</a:t>
+            </a:r>
+            <a:endParaRPr lang="en-US" dirty="0"/>
+          </a:p>
+        </p:txBody>
+      </p:sp>
+      <p:sp>
+        <p:nvSpPr>
+          <p:cNvPr id="4" name="Date Placeholder 3"/>
+          <p:cNvSpPr>
+            <a:spLocks noGrp="1"/>
+          </p:cNvSpPr>
+          <p:nvPr>
+            <p:ph type="dt" sz="half" idx="10"/>
+          </p:nvPr>
+        </p:nvSpPr>
+        <p:spPr>
+          <a:xfrm>
+            <a:off x="8096613" y="6733130"/>
+            <a:ext cx="945304" cy="402483"/>
+          </a:xfrm>
+        </p:spPr>
+        <p:txBody>
+          <a:bodyPr/>
+          <a:lstStyle/>
+          <a:p>
+            <a:r>
+              <a:rPr lang="pl-PL" sz="1400">
+                <a:latin typeface="Times New Roman"/>
+              </a:rPr>
+              <a:t>&lt;data/godzina&gt;</a:t>
+            </a:r>
+            <a:endParaRPr lang="pl-PL"/>
+          </a:p>
+        </p:txBody>
+      </p:sp>
+      <p:sp>
+        <p:nvSpPr>
+          <p:cNvPr id="5" name="Footer Placeholder 4"/>
+          <p:cNvSpPr>
+            <a:spLocks noGrp="1"/>
+          </p:cNvSpPr>
+          <p:nvPr>
+            <p:ph type="ftr" sz="quarter" idx="11"/>
+          </p:nvPr>
+        </p:nvSpPr>
+        <p:spPr>
+          <a:xfrm>
+            <a:off x="2174707" y="6733130"/>
+            <a:ext cx="5858886" cy="402483"/>
+          </a:xfrm>
+        </p:spPr>
+        <p:txBody>
+          <a:bodyPr/>
+          <a:lstStyle/>
+          <a:p>
+            <a:pPr algn="ctr"/>
+            <a:r>
+              <a:rPr lang="pl-PL" sz="1400">
+                <a:latin typeface="Times New Roman"/>
+              </a:rPr>
+              <a:t>&lt;stopka&gt;</a:t>
+            </a:r>
+            <a:endParaRPr lang="pl-PL"/>
+          </a:p>
+        </p:txBody>
+      </p:sp>
+      <p:sp>
+        <p:nvSpPr>
+          <p:cNvPr id="6" name="Slide Number Placeholder 5"/>
+          <p:cNvSpPr>
+            <a:spLocks noGrp="1"/>
+          </p:cNvSpPr>
+          <p:nvPr>
+            <p:ph type="sldNum" sz="quarter" idx="12"/>
+          </p:nvPr>
+        </p:nvSpPr>
+        <p:spPr>
+          <a:xfrm>
+            <a:off x="9104938" y="6733130"/>
+            <a:ext cx="471656" cy="402483"/>
+          </a:xfrm>
+        </p:spPr>
+        <p:txBody>
+          <a:bodyPr/>
+          <a:lstStyle/>
+          <a:p>
+            <a:pPr algn="r"/>
+            <a:fld id="{C890E2C6-3C4E-4854-84CB-D903442CCCEA}" type="slidenum">
+              <a:rPr lang="pl-PL" sz="1400" smtClean="0">
+                <a:latin typeface="Times New Roman"/>
+              </a:rPr>
+              <a:pPr algn="r"/>
+              <a:t>‹#›</a:t>
+            </a:fld>
+            <a:endParaRPr lang="pl-PL"/>
           </a:p>
         </p:txBody>
       </p:sp>
     </p:spTree>
+    <p:extLst>
+      <p:ext uri="{BB962C8B-B14F-4D97-AF65-F5344CB8AC3E}">
+        <p14:creationId xmlns:p14="http://schemas.microsoft.com/office/powerpoint/2010/main" val="573659048"/>
+      </p:ext>
+    </p:extLst>
   </p:cSld>
   <p:clrMapOvr>
     <a:masterClrMapping/>
@@ -742,9 +3754,9 @@
 </p:sldLayout>
 </file>
 
-<file path=ppt/slideLayouts/slideLayout4.xml><?xml version="1.0" encoding="utf-8"?>
-<p:sldLayout xmlns:a="http://schemas.openxmlformats.org/drawingml/2006/main" xmlns:r="http://schemas.openxmlformats.org/officeDocument/2006/relationships" xmlns:p="http://schemas.openxmlformats.org/presentationml/2006/main" type="twoObj" preserve="1">
-  <p:cSld name="Title, 2 Content">
+<file path=ppt/slideLayouts/slideLayout3.xml><?xml version="1.0" encoding="utf-8"?>
+<p:sldLayout xmlns:a="http://schemas.openxmlformats.org/drawingml/2006/main" xmlns:r="http://schemas.openxmlformats.org/officeDocument/2006/relationships" xmlns:p="http://schemas.openxmlformats.org/presentationml/2006/main" type="secHead" preserve="1">
+  <p:cSld name="Nagłówek sekcji">
     <p:spTree>
       <p:nvGrpSpPr>
         <p:cNvPr id="1" name=""/>
@@ -761,7 +3773,7 @@
       </p:grpSpPr>
       <p:sp>
         <p:nvSpPr>
-          <p:cNvPr id="9" name="PlaceHolder 1"/>
+          <p:cNvPr id="2" name="Title 1"/>
           <p:cNvSpPr>
             <a:spLocks noGrp="1"/>
           </p:cNvSpPr>
@@ -771,77 +3783,234 @@
         </p:nvSpPr>
         <p:spPr>
           <a:xfrm>
-            <a:off x="504000" y="301320"/>
-            <a:ext cx="9071640" cy="1262160"/>
+            <a:off x="2190524" y="2939872"/>
+            <a:ext cx="7386070" cy="2601541"/>
           </a:xfrm>
-          <a:prstGeom prst="rect">
-            <a:avLst/>
-          </a:prstGeom>
         </p:spPr>
         <p:txBody>
-          <a:bodyPr lIns="0" tIns="0" rIns="0" bIns="0" anchor="ctr"/>
-          <a:lstStyle/>
-          <a:p>
-            <a:pPr algn="ctr"/>
-            <a:endParaRPr/>
-          </a:p>
-        </p:txBody>
-      </p:sp>
-      <p:sp>
-        <p:nvSpPr>
-          <p:cNvPr id="10" name="PlaceHolder 2"/>
-          <p:cNvSpPr>
-            <a:spLocks noGrp="1"/>
-          </p:cNvSpPr>
-          <p:nvPr>
-            <p:ph type="body"/>
+          <a:bodyPr anchor="b"/>
+          <a:lstStyle>
+            <a:lvl1pPr algn="r">
+              <a:defRPr sz="4409" b="0" cap="none"/>
+            </a:lvl1pPr>
+          </a:lstStyle>
+          <a:p>
+            <a:r>
+              <a:rPr lang="pl-PL"/>
+              <a:t>Kliknij, aby edytować styl</a:t>
+            </a:r>
+            <a:endParaRPr lang="en-US" dirty="0"/>
+          </a:p>
+        </p:txBody>
+      </p:sp>
+      <p:sp>
+        <p:nvSpPr>
+          <p:cNvPr id="3" name="Text Placeholder 2"/>
+          <p:cNvSpPr>
+            <a:spLocks noGrp="1"/>
+          </p:cNvSpPr>
+          <p:nvPr>
+            <p:ph type="body" idx="1"/>
           </p:nvPr>
         </p:nvSpPr>
         <p:spPr>
           <a:xfrm>
-            <a:off x="504000" y="1769040"/>
-            <a:ext cx="4426920" cy="4384440"/>
+            <a:off x="2190528" y="5541414"/>
+            <a:ext cx="7386066" cy="948432"/>
           </a:xfrm>
-          <a:prstGeom prst="rect">
-            <a:avLst/>
-          </a:prstGeom>
         </p:spPr>
         <p:txBody>
-          <a:bodyPr lIns="0" tIns="0" rIns="0" bIns="0"/>
+          <a:bodyPr anchor="t">
+            <a:normAutofit/>
+          </a:bodyPr>
+          <a:lstStyle>
+            <a:lvl1pPr marL="0" indent="0" algn="r">
+              <a:buNone/>
+              <a:defRPr sz="2205">
+                <a:solidFill>
+                  <a:schemeClr val="tx1"/>
+                </a:solidFill>
+              </a:defRPr>
+            </a:lvl1pPr>
+            <a:lvl2pPr marL="503972" indent="0">
+              <a:buNone/>
+              <a:defRPr sz="1984">
+                <a:solidFill>
+                  <a:schemeClr val="tx1">
+                    <a:tint val="75000"/>
+                  </a:schemeClr>
+                </a:solidFill>
+              </a:defRPr>
+            </a:lvl2pPr>
+            <a:lvl3pPr marL="1007943" indent="0">
+              <a:buNone/>
+              <a:defRPr sz="1764">
+                <a:solidFill>
+                  <a:schemeClr val="tx1">
+                    <a:tint val="75000"/>
+                  </a:schemeClr>
+                </a:solidFill>
+              </a:defRPr>
+            </a:lvl3pPr>
+            <a:lvl4pPr marL="1511915" indent="0">
+              <a:buNone/>
+              <a:defRPr sz="1543">
+                <a:solidFill>
+                  <a:schemeClr val="tx1">
+                    <a:tint val="75000"/>
+                  </a:schemeClr>
+                </a:solidFill>
+              </a:defRPr>
+            </a:lvl4pPr>
+            <a:lvl5pPr marL="2015886" indent="0">
+              <a:buNone/>
+              <a:defRPr sz="1543">
+                <a:solidFill>
+                  <a:schemeClr val="tx1">
+                    <a:tint val="75000"/>
+                  </a:schemeClr>
+                </a:solidFill>
+              </a:defRPr>
+            </a:lvl5pPr>
+            <a:lvl6pPr marL="2519858" indent="0">
+              <a:buNone/>
+              <a:defRPr sz="1543">
+                <a:solidFill>
+                  <a:schemeClr val="tx1">
+                    <a:tint val="75000"/>
+                  </a:schemeClr>
+                </a:solidFill>
+              </a:defRPr>
+            </a:lvl6pPr>
+            <a:lvl7pPr marL="3023829" indent="0">
+              <a:buNone/>
+              <a:defRPr sz="1543">
+                <a:solidFill>
+                  <a:schemeClr val="tx1">
+                    <a:tint val="75000"/>
+                  </a:schemeClr>
+                </a:solidFill>
+              </a:defRPr>
+            </a:lvl7pPr>
+            <a:lvl8pPr marL="3527801" indent="0">
+              <a:buNone/>
+              <a:defRPr sz="1543">
+                <a:solidFill>
+                  <a:schemeClr val="tx1">
+                    <a:tint val="75000"/>
+                  </a:schemeClr>
+                </a:solidFill>
+              </a:defRPr>
+            </a:lvl8pPr>
+            <a:lvl9pPr marL="4031772" indent="0">
+              <a:buNone/>
+              <a:defRPr sz="1543">
+                <a:solidFill>
+                  <a:schemeClr val="tx1">
+                    <a:tint val="75000"/>
+                  </a:schemeClr>
+                </a:solidFill>
+              </a:defRPr>
+            </a:lvl9pPr>
+          </a:lstStyle>
+          <a:p>
+            <a:pPr lvl="0"/>
+            <a:r>
+              <a:rPr lang="pl-PL"/>
+              <a:t>Edytuj style wzorca tekstu</a:t>
+            </a:r>
+          </a:p>
+        </p:txBody>
+      </p:sp>
+      <p:sp>
+        <p:nvSpPr>
+          <p:cNvPr id="4" name="Date Placeholder 3"/>
+          <p:cNvSpPr>
+            <a:spLocks noGrp="1"/>
+          </p:cNvSpPr>
+          <p:nvPr>
+            <p:ph type="dt" sz="half" idx="10"/>
+          </p:nvPr>
+        </p:nvSpPr>
+        <p:spPr/>
+        <p:txBody>
+          <a:bodyPr/>
           <a:lstStyle/>
           <a:p>
-            <a:endParaRPr/>
-          </a:p>
-        </p:txBody>
-      </p:sp>
-      <p:sp>
-        <p:nvSpPr>
-          <p:cNvPr id="11" name="PlaceHolder 3"/>
-          <p:cNvSpPr>
-            <a:spLocks noGrp="1"/>
-          </p:cNvSpPr>
-          <p:nvPr>
-            <p:ph type="body"/>
+            <a:r>
+              <a:rPr lang="pl-PL" sz="1400">
+                <a:latin typeface="Times New Roman"/>
+              </a:rPr>
+              <a:t>&lt;data/godzina&gt;</a:t>
+            </a:r>
+            <a:endParaRPr lang="pl-PL"/>
+          </a:p>
+        </p:txBody>
+      </p:sp>
+      <p:sp>
+        <p:nvSpPr>
+          <p:cNvPr id="5" name="Footer Placeholder 4"/>
+          <p:cNvSpPr>
+            <a:spLocks noGrp="1"/>
+          </p:cNvSpPr>
+          <p:nvPr>
+            <p:ph type="ftr" sz="quarter" idx="11"/>
+          </p:nvPr>
+        </p:nvSpPr>
+        <p:spPr/>
+        <p:txBody>
+          <a:bodyPr/>
+          <a:lstStyle/>
+          <a:p>
+            <a:pPr algn="ctr"/>
+            <a:r>
+              <a:rPr lang="pl-PL" sz="1400">
+                <a:latin typeface="Times New Roman"/>
+              </a:rPr>
+              <a:t>&lt;stopka&gt;</a:t>
+            </a:r>
+            <a:endParaRPr lang="pl-PL"/>
+          </a:p>
+        </p:txBody>
+      </p:sp>
+      <p:sp>
+        <p:nvSpPr>
+          <p:cNvPr id="6" name="Slide Number Placeholder 5"/>
+          <p:cNvSpPr>
+            <a:spLocks noGrp="1"/>
+          </p:cNvSpPr>
+          <p:nvPr>
+            <p:ph type="sldNum" sz="quarter" idx="12"/>
           </p:nvPr>
         </p:nvSpPr>
         <p:spPr>
           <a:xfrm>
-            <a:off x="5152680" y="1769040"/>
-            <a:ext cx="4426920" cy="4384440"/>
+            <a:off x="9120758" y="6741835"/>
+            <a:ext cx="455836" cy="402483"/>
           </a:xfrm>
-          <a:prstGeom prst="rect">
-            <a:avLst/>
-          </a:prstGeom>
         </p:spPr>
         <p:txBody>
-          <a:bodyPr lIns="0" tIns="0" rIns="0" bIns="0"/>
+          <a:bodyPr/>
           <a:lstStyle/>
           <a:p>
-            <a:endParaRPr/>
+            <a:pPr algn="r"/>
+            <a:fld id="{C890E2C6-3C4E-4854-84CB-D903442CCCEA}" type="slidenum">
+              <a:rPr lang="pl-PL" sz="1400" smtClean="0">
+                <a:latin typeface="Times New Roman"/>
+              </a:rPr>
+              <a:pPr algn="r"/>
+              <a:t>‹#›</a:t>
+            </a:fld>
+            <a:endParaRPr lang="pl-PL"/>
           </a:p>
         </p:txBody>
       </p:sp>
     </p:spTree>
+    <p:extLst>
+      <p:ext uri="{BB962C8B-B14F-4D97-AF65-F5344CB8AC3E}">
+        <p14:creationId xmlns:p14="http://schemas.microsoft.com/office/powerpoint/2010/main" val="2531081978"/>
+      </p:ext>
+    </p:extLst>
   </p:cSld>
   <p:clrMapOvr>
     <a:masterClrMapping/>
@@ -849,9 +4018,9 @@
 </p:sldLayout>
 </file>
 
-<file path=ppt/slideLayouts/slideLayout5.xml><?xml version="1.0" encoding="utf-8"?>
-<p:sldLayout xmlns:a="http://schemas.openxmlformats.org/drawingml/2006/main" xmlns:r="http://schemas.openxmlformats.org/officeDocument/2006/relationships" xmlns:p="http://schemas.openxmlformats.org/presentationml/2006/main" type="titleOnly" preserve="1">
-  <p:cSld name="Title Only">
+<file path=ppt/slideLayouts/slideLayout4.xml><?xml version="1.0" encoding="utf-8"?>
+<p:sldLayout xmlns:a="http://schemas.openxmlformats.org/drawingml/2006/main" xmlns:r="http://schemas.openxmlformats.org/officeDocument/2006/relationships" xmlns:p="http://schemas.openxmlformats.org/presentationml/2006/main" type="twoObj" preserve="1">
+  <p:cSld name="Dwa elementy zawartości">
     <p:spTree>
       <p:nvGrpSpPr>
         <p:cNvPr id="1" name=""/>
@@ -868,7 +4037,7 @@
       </p:grpSpPr>
       <p:sp>
         <p:nvSpPr>
-          <p:cNvPr id="12" name="PlaceHolder 1"/>
+          <p:cNvPr id="2" name="Title 1"/>
           <p:cNvSpPr>
             <a:spLocks noGrp="1"/>
           </p:cNvSpPr>
@@ -878,23 +4047,280 @@
         </p:nvSpPr>
         <p:spPr>
           <a:xfrm>
-            <a:off x="504000" y="301320"/>
-            <a:ext cx="9071640" cy="1262160"/>
+            <a:off x="1082734" y="755969"/>
+            <a:ext cx="8493860" cy="1931916"/>
           </a:xfrm>
-          <a:prstGeom prst="rect">
-            <a:avLst/>
-          </a:prstGeom>
         </p:spPr>
         <p:txBody>
-          <a:bodyPr lIns="0" tIns="0" rIns="0" bIns="0" anchor="ctr"/>
+          <a:bodyPr/>
           <a:lstStyle/>
           <a:p>
+            <a:r>
+              <a:rPr lang="pl-PL"/>
+              <a:t>Kliknij, aby edytować styl</a:t>
+            </a:r>
+            <a:endParaRPr lang="en-US" dirty="0"/>
+          </a:p>
+        </p:txBody>
+      </p:sp>
+      <p:sp>
+        <p:nvSpPr>
+          <p:cNvPr id="3" name="Content Placeholder 2"/>
+          <p:cNvSpPr>
+            <a:spLocks noGrp="1"/>
+          </p:cNvSpPr>
+          <p:nvPr>
+            <p:ph sz="half" idx="1"/>
+          </p:nvPr>
+        </p:nvSpPr>
+        <p:spPr>
+          <a:xfrm>
+            <a:off x="1082733" y="2939874"/>
+            <a:ext cx="4122976" cy="3713339"/>
+          </a:xfrm>
+        </p:spPr>
+        <p:txBody>
+          <a:bodyPr>
+            <a:normAutofit/>
+          </a:bodyPr>
+          <a:lstStyle>
+            <a:lvl1pPr>
+              <a:defRPr sz="1984"/>
+            </a:lvl1pPr>
+            <a:lvl2pPr>
+              <a:defRPr sz="1764"/>
+            </a:lvl2pPr>
+            <a:lvl3pPr>
+              <a:defRPr sz="1543"/>
+            </a:lvl3pPr>
+            <a:lvl4pPr>
+              <a:defRPr sz="1323"/>
+            </a:lvl4pPr>
+            <a:lvl5pPr>
+              <a:defRPr sz="1323"/>
+            </a:lvl5pPr>
+            <a:lvl6pPr>
+              <a:defRPr sz="1323"/>
+            </a:lvl6pPr>
+            <a:lvl7pPr>
+              <a:defRPr sz="1323"/>
+            </a:lvl7pPr>
+            <a:lvl8pPr>
+              <a:defRPr sz="1323"/>
+            </a:lvl8pPr>
+            <a:lvl9pPr>
+              <a:defRPr sz="1323"/>
+            </a:lvl9pPr>
+          </a:lstStyle>
+          <a:p>
+            <a:pPr lvl="0"/>
+            <a:r>
+              <a:rPr lang="pl-PL"/>
+              <a:t>Edytuj style wzorca tekstu</a:t>
+            </a:r>
+          </a:p>
+          <a:p>
+            <a:pPr lvl="1"/>
+            <a:r>
+              <a:rPr lang="pl-PL"/>
+              <a:t>Drugi poziom</a:t>
+            </a:r>
+          </a:p>
+          <a:p>
+            <a:pPr lvl="2"/>
+            <a:r>
+              <a:rPr lang="pl-PL"/>
+              <a:t>Trzeci poziom</a:t>
+            </a:r>
+          </a:p>
+          <a:p>
+            <a:pPr lvl="3"/>
+            <a:r>
+              <a:rPr lang="pl-PL"/>
+              <a:t>Czwarty poziom</a:t>
+            </a:r>
+          </a:p>
+          <a:p>
+            <a:pPr lvl="4"/>
+            <a:r>
+              <a:rPr lang="pl-PL"/>
+              <a:t>Piąty poziom</a:t>
+            </a:r>
+            <a:endParaRPr lang="en-US" dirty="0"/>
+          </a:p>
+        </p:txBody>
+      </p:sp>
+      <p:sp>
+        <p:nvSpPr>
+          <p:cNvPr id="4" name="Content Placeholder 3"/>
+          <p:cNvSpPr>
+            <a:spLocks noGrp="1"/>
+          </p:cNvSpPr>
+          <p:nvPr>
+            <p:ph sz="half" idx="2"/>
+          </p:nvPr>
+        </p:nvSpPr>
+        <p:spPr>
+          <a:xfrm>
+            <a:off x="5453618" y="2939873"/>
+            <a:ext cx="4122976" cy="3689254"/>
+          </a:xfrm>
+        </p:spPr>
+        <p:txBody>
+          <a:bodyPr>
+            <a:normAutofit/>
+          </a:bodyPr>
+          <a:lstStyle>
+            <a:lvl1pPr>
+              <a:defRPr sz="1984"/>
+            </a:lvl1pPr>
+            <a:lvl2pPr>
+              <a:defRPr sz="1764"/>
+            </a:lvl2pPr>
+            <a:lvl3pPr>
+              <a:defRPr sz="1543"/>
+            </a:lvl3pPr>
+            <a:lvl4pPr>
+              <a:defRPr sz="1323"/>
+            </a:lvl4pPr>
+            <a:lvl5pPr>
+              <a:defRPr sz="1323"/>
+            </a:lvl5pPr>
+            <a:lvl6pPr>
+              <a:defRPr sz="1323"/>
+            </a:lvl6pPr>
+            <a:lvl7pPr>
+              <a:defRPr sz="1323"/>
+            </a:lvl7pPr>
+            <a:lvl8pPr>
+              <a:defRPr sz="1323"/>
+            </a:lvl8pPr>
+            <a:lvl9pPr>
+              <a:defRPr sz="1323"/>
+            </a:lvl9pPr>
+          </a:lstStyle>
+          <a:p>
+            <a:pPr lvl="0"/>
+            <a:r>
+              <a:rPr lang="pl-PL"/>
+              <a:t>Edytuj style wzorca tekstu</a:t>
+            </a:r>
+          </a:p>
+          <a:p>
+            <a:pPr lvl="1"/>
+            <a:r>
+              <a:rPr lang="pl-PL"/>
+              <a:t>Drugi poziom</a:t>
+            </a:r>
+          </a:p>
+          <a:p>
+            <a:pPr lvl="2"/>
+            <a:r>
+              <a:rPr lang="pl-PL"/>
+              <a:t>Trzeci poziom</a:t>
+            </a:r>
+          </a:p>
+          <a:p>
+            <a:pPr lvl="3"/>
+            <a:r>
+              <a:rPr lang="pl-PL"/>
+              <a:t>Czwarty poziom</a:t>
+            </a:r>
+          </a:p>
+          <a:p>
+            <a:pPr lvl="4"/>
+            <a:r>
+              <a:rPr lang="pl-PL"/>
+              <a:t>Piąty poziom</a:t>
+            </a:r>
+            <a:endParaRPr lang="en-US" dirty="0"/>
+          </a:p>
+        </p:txBody>
+      </p:sp>
+      <p:sp>
+        <p:nvSpPr>
+          <p:cNvPr id="5" name="Date Placeholder 4"/>
+          <p:cNvSpPr>
+            <a:spLocks noGrp="1"/>
+          </p:cNvSpPr>
+          <p:nvPr>
+            <p:ph type="dt" sz="half" idx="10"/>
+          </p:nvPr>
+        </p:nvSpPr>
+        <p:spPr/>
+        <p:txBody>
+          <a:bodyPr/>
+          <a:lstStyle/>
+          <a:p>
+            <a:r>
+              <a:rPr lang="pl-PL" sz="1400">
+                <a:latin typeface="Times New Roman"/>
+              </a:rPr>
+              <a:t>&lt;data/godzina&gt;</a:t>
+            </a:r>
+            <a:endParaRPr lang="pl-PL"/>
+          </a:p>
+        </p:txBody>
+      </p:sp>
+      <p:sp>
+        <p:nvSpPr>
+          <p:cNvPr id="6" name="Footer Placeholder 5"/>
+          <p:cNvSpPr>
+            <a:spLocks noGrp="1"/>
+          </p:cNvSpPr>
+          <p:nvPr>
+            <p:ph type="ftr" sz="quarter" idx="11"/>
+          </p:nvPr>
+        </p:nvSpPr>
+        <p:spPr/>
+        <p:txBody>
+          <a:bodyPr/>
+          <a:lstStyle/>
+          <a:p>
             <a:pPr algn="ctr"/>
-            <a:endParaRPr/>
+            <a:r>
+              <a:rPr lang="pl-PL" sz="1400">
+                <a:latin typeface="Times New Roman"/>
+              </a:rPr>
+              <a:t>&lt;stopka&gt;</a:t>
+            </a:r>
+            <a:endParaRPr lang="pl-PL"/>
+          </a:p>
+        </p:txBody>
+      </p:sp>
+      <p:sp>
+        <p:nvSpPr>
+          <p:cNvPr id="7" name="Slide Number Placeholder 6"/>
+          <p:cNvSpPr>
+            <a:spLocks noGrp="1"/>
+          </p:cNvSpPr>
+          <p:nvPr>
+            <p:ph type="sldNum" sz="quarter" idx="12"/>
+          </p:nvPr>
+        </p:nvSpPr>
+        <p:spPr/>
+        <p:txBody>
+          <a:bodyPr/>
+          <a:lstStyle/>
+          <a:p>
+            <a:pPr algn="r"/>
+            <a:fld id="{C890E2C6-3C4E-4854-84CB-D903442CCCEA}" type="slidenum">
+              <a:rPr lang="pl-PL" sz="1400" smtClean="0">
+                <a:latin typeface="Times New Roman"/>
+              </a:rPr>
+              <a:pPr algn="r"/>
+              <a:t>‹#›</a:t>
+            </a:fld>
+            <a:endParaRPr lang="pl-PL"/>
           </a:p>
         </p:txBody>
       </p:sp>
     </p:spTree>
+    <p:extLst>
+      <p:ext uri="{BB962C8B-B14F-4D97-AF65-F5344CB8AC3E}">
+        <p14:creationId xmlns:p14="http://schemas.microsoft.com/office/powerpoint/2010/main" val="4018027187"/>
+      </p:ext>
+    </p:extLst>
   </p:cSld>
   <p:clrMapOvr>
     <a:masterClrMapping/>
@@ -902,9 +4328,9 @@
 </p:sldLayout>
 </file>
 
-<file path=ppt/slideLayouts/slideLayout6.xml><?xml version="1.0" encoding="utf-8"?>
-<p:sldLayout xmlns:a="http://schemas.openxmlformats.org/drawingml/2006/main" xmlns:r="http://schemas.openxmlformats.org/officeDocument/2006/relationships" xmlns:p="http://schemas.openxmlformats.org/presentationml/2006/main" type="objOnly" preserve="1">
-  <p:cSld name="Centered Text">
+<file path=ppt/slideLayouts/slideLayout5.xml><?xml version="1.0" encoding="utf-8"?>
+<p:sldLayout xmlns:a="http://schemas.openxmlformats.org/drawingml/2006/main" xmlns:r="http://schemas.openxmlformats.org/officeDocument/2006/relationships" xmlns:p="http://schemas.openxmlformats.org/presentationml/2006/main" type="twoTxTwoObj" preserve="1">
+  <p:cSld name="Porównanie">
     <p:spTree>
       <p:nvGrpSpPr>
         <p:cNvPr id="1" name=""/>
@@ -921,33 +4347,435 @@
       </p:grpSpPr>
       <p:sp>
         <p:nvSpPr>
-          <p:cNvPr id="13" name="PlaceHolder 1"/>
-          <p:cNvSpPr>
-            <a:spLocks noGrp="1"/>
-          </p:cNvSpPr>
-          <p:nvPr>
-            <p:ph type="subTitle"/>
+          <p:cNvPr id="2" name="Title 1"/>
+          <p:cNvSpPr>
+            <a:spLocks noGrp="1"/>
+          </p:cNvSpPr>
+          <p:nvPr>
+            <p:ph type="title"/>
+          </p:nvPr>
+        </p:nvSpPr>
+        <p:spPr/>
+        <p:txBody>
+          <a:bodyPr/>
+          <a:lstStyle>
+            <a:lvl1pPr>
+              <a:defRPr/>
+            </a:lvl1pPr>
+          </a:lstStyle>
+          <a:p>
+            <a:r>
+              <a:rPr lang="pl-PL"/>
+              <a:t>Kliknij, aby edytować styl</a:t>
+            </a:r>
+            <a:endParaRPr lang="en-US" dirty="0"/>
+          </a:p>
+        </p:txBody>
+      </p:sp>
+      <p:sp>
+        <p:nvSpPr>
+          <p:cNvPr id="3" name="Text Placeholder 2"/>
+          <p:cNvSpPr>
+            <a:spLocks noGrp="1"/>
+          </p:cNvSpPr>
+          <p:nvPr>
+            <p:ph type="body" idx="1"/>
           </p:nvPr>
         </p:nvSpPr>
         <p:spPr>
           <a:xfrm>
-            <a:off x="504000" y="301320"/>
-            <a:ext cx="9071640" cy="5851800"/>
+            <a:off x="1465661" y="2930540"/>
+            <a:ext cx="3810321" cy="635222"/>
           </a:xfrm>
-          <a:prstGeom prst="rect">
-            <a:avLst/>
-          </a:prstGeom>
         </p:spPr>
         <p:txBody>
-          <a:bodyPr lIns="0" tIns="0" rIns="0" bIns="0" anchor="ctr"/>
+          <a:bodyPr anchor="b">
+            <a:noAutofit/>
+          </a:bodyPr>
+          <a:lstStyle>
+            <a:lvl1pPr marL="0" indent="0">
+              <a:buNone/>
+              <a:defRPr sz="3086" b="0">
+                <a:solidFill>
+                  <a:schemeClr val="accent1">
+                    <a:lumMod val="75000"/>
+                  </a:schemeClr>
+                </a:solidFill>
+              </a:defRPr>
+            </a:lvl1pPr>
+            <a:lvl2pPr marL="503972" indent="0">
+              <a:buNone/>
+              <a:defRPr sz="2205" b="1"/>
+            </a:lvl2pPr>
+            <a:lvl3pPr marL="1007943" indent="0">
+              <a:buNone/>
+              <a:defRPr sz="1984" b="1"/>
+            </a:lvl3pPr>
+            <a:lvl4pPr marL="1511915" indent="0">
+              <a:buNone/>
+              <a:defRPr sz="1764" b="1"/>
+            </a:lvl4pPr>
+            <a:lvl5pPr marL="2015886" indent="0">
+              <a:buNone/>
+              <a:defRPr sz="1764" b="1"/>
+            </a:lvl5pPr>
+            <a:lvl6pPr marL="2519858" indent="0">
+              <a:buNone/>
+              <a:defRPr sz="1764" b="1"/>
+            </a:lvl6pPr>
+            <a:lvl7pPr marL="3023829" indent="0">
+              <a:buNone/>
+              <a:defRPr sz="1764" b="1"/>
+            </a:lvl7pPr>
+            <a:lvl8pPr marL="3527801" indent="0">
+              <a:buNone/>
+              <a:defRPr sz="1764" b="1"/>
+            </a:lvl8pPr>
+            <a:lvl9pPr marL="4031772" indent="0">
+              <a:buNone/>
+              <a:defRPr sz="1764" b="1"/>
+            </a:lvl9pPr>
+          </a:lstStyle>
+          <a:p>
+            <a:pPr lvl="0"/>
+            <a:r>
+              <a:rPr lang="pl-PL"/>
+              <a:t>Edytuj style wzorca tekstu</a:t>
+            </a:r>
+          </a:p>
+        </p:txBody>
+      </p:sp>
+      <p:sp>
+        <p:nvSpPr>
+          <p:cNvPr id="4" name="Content Placeholder 3"/>
+          <p:cNvSpPr>
+            <a:spLocks noGrp="1"/>
+          </p:cNvSpPr>
+          <p:nvPr>
+            <p:ph sz="half" idx="2"/>
+          </p:nvPr>
+        </p:nvSpPr>
+        <p:spPr>
+          <a:xfrm>
+            <a:off x="1227582" y="3676591"/>
+            <a:ext cx="4048398" cy="2937954"/>
+          </a:xfrm>
+        </p:spPr>
+        <p:txBody>
+          <a:bodyPr anchor="t">
+            <a:normAutofit/>
+          </a:bodyPr>
+          <a:lstStyle>
+            <a:lvl1pPr>
+              <a:defRPr sz="1984"/>
+            </a:lvl1pPr>
+            <a:lvl2pPr>
+              <a:defRPr sz="1764"/>
+            </a:lvl2pPr>
+            <a:lvl3pPr>
+              <a:defRPr sz="1543"/>
+            </a:lvl3pPr>
+            <a:lvl4pPr>
+              <a:defRPr sz="1323"/>
+            </a:lvl4pPr>
+            <a:lvl5pPr>
+              <a:defRPr sz="1323"/>
+            </a:lvl5pPr>
+            <a:lvl6pPr>
+              <a:defRPr sz="1323"/>
+            </a:lvl6pPr>
+            <a:lvl7pPr>
+              <a:defRPr sz="1323"/>
+            </a:lvl7pPr>
+            <a:lvl8pPr>
+              <a:defRPr sz="1323"/>
+            </a:lvl8pPr>
+            <a:lvl9pPr>
+              <a:defRPr sz="1323"/>
+            </a:lvl9pPr>
+          </a:lstStyle>
+          <a:p>
+            <a:pPr lvl="0"/>
+            <a:r>
+              <a:rPr lang="pl-PL"/>
+              <a:t>Edytuj style wzorca tekstu</a:t>
+            </a:r>
+          </a:p>
+          <a:p>
+            <a:pPr lvl="1"/>
+            <a:r>
+              <a:rPr lang="pl-PL"/>
+              <a:t>Drugi poziom</a:t>
+            </a:r>
+          </a:p>
+          <a:p>
+            <a:pPr lvl="2"/>
+            <a:r>
+              <a:rPr lang="pl-PL"/>
+              <a:t>Trzeci poziom</a:t>
+            </a:r>
+          </a:p>
+          <a:p>
+            <a:pPr lvl="3"/>
+            <a:r>
+              <a:rPr lang="pl-PL"/>
+              <a:t>Czwarty poziom</a:t>
+            </a:r>
+          </a:p>
+          <a:p>
+            <a:pPr lvl="4"/>
+            <a:r>
+              <a:rPr lang="pl-PL"/>
+              <a:t>Piąty poziom</a:t>
+            </a:r>
+            <a:endParaRPr lang="en-US" dirty="0"/>
+          </a:p>
+        </p:txBody>
+      </p:sp>
+      <p:sp>
+        <p:nvSpPr>
+          <p:cNvPr id="5" name="Text Placeholder 4"/>
+          <p:cNvSpPr>
+            <a:spLocks noGrp="1"/>
+          </p:cNvSpPr>
+          <p:nvPr>
+            <p:ph type="body" sz="quarter" idx="3"/>
+          </p:nvPr>
+        </p:nvSpPr>
+        <p:spPr>
+          <a:xfrm>
+            <a:off x="5690427" y="2939874"/>
+            <a:ext cx="3823015" cy="635222"/>
+          </a:xfrm>
+        </p:spPr>
+        <p:txBody>
+          <a:bodyPr anchor="b">
+            <a:noAutofit/>
+          </a:bodyPr>
+          <a:lstStyle>
+            <a:lvl1pPr marL="0" indent="0">
+              <a:buNone/>
+              <a:defRPr sz="3086" b="0">
+                <a:solidFill>
+                  <a:schemeClr val="accent1">
+                    <a:lumMod val="75000"/>
+                  </a:schemeClr>
+                </a:solidFill>
+              </a:defRPr>
+            </a:lvl1pPr>
+            <a:lvl2pPr marL="503972" indent="0">
+              <a:buNone/>
+              <a:defRPr sz="2205" b="1"/>
+            </a:lvl2pPr>
+            <a:lvl3pPr marL="1007943" indent="0">
+              <a:buNone/>
+              <a:defRPr sz="1984" b="1"/>
+            </a:lvl3pPr>
+            <a:lvl4pPr marL="1511915" indent="0">
+              <a:buNone/>
+              <a:defRPr sz="1764" b="1"/>
+            </a:lvl4pPr>
+            <a:lvl5pPr marL="2015886" indent="0">
+              <a:buNone/>
+              <a:defRPr sz="1764" b="1"/>
+            </a:lvl5pPr>
+            <a:lvl6pPr marL="2519858" indent="0">
+              <a:buNone/>
+              <a:defRPr sz="1764" b="1"/>
+            </a:lvl6pPr>
+            <a:lvl7pPr marL="3023829" indent="0">
+              <a:buNone/>
+              <a:defRPr sz="1764" b="1"/>
+            </a:lvl7pPr>
+            <a:lvl8pPr marL="3527801" indent="0">
+              <a:buNone/>
+              <a:defRPr sz="1764" b="1"/>
+            </a:lvl8pPr>
+            <a:lvl9pPr marL="4031772" indent="0">
+              <a:buNone/>
+              <a:defRPr sz="1764" b="1"/>
+            </a:lvl9pPr>
+          </a:lstStyle>
+          <a:p>
+            <a:pPr lvl="0"/>
+            <a:r>
+              <a:rPr lang="pl-PL"/>
+              <a:t>Edytuj style wzorca tekstu</a:t>
+            </a:r>
+          </a:p>
+        </p:txBody>
+      </p:sp>
+      <p:sp>
+        <p:nvSpPr>
+          <p:cNvPr id="6" name="Content Placeholder 5"/>
+          <p:cNvSpPr>
+            <a:spLocks noGrp="1"/>
+          </p:cNvSpPr>
+          <p:nvPr>
+            <p:ph sz="quarter" idx="4"/>
+          </p:nvPr>
+        </p:nvSpPr>
+        <p:spPr>
+          <a:xfrm>
+            <a:off x="5465042" y="3676591"/>
+            <a:ext cx="4048398" cy="2937954"/>
+          </a:xfrm>
+        </p:spPr>
+        <p:txBody>
+          <a:bodyPr anchor="t">
+            <a:normAutofit/>
+          </a:bodyPr>
+          <a:lstStyle>
+            <a:lvl1pPr>
+              <a:defRPr sz="1984"/>
+            </a:lvl1pPr>
+            <a:lvl2pPr>
+              <a:defRPr sz="1764"/>
+            </a:lvl2pPr>
+            <a:lvl3pPr>
+              <a:defRPr sz="1543"/>
+            </a:lvl3pPr>
+            <a:lvl4pPr>
+              <a:defRPr sz="1323"/>
+            </a:lvl4pPr>
+            <a:lvl5pPr>
+              <a:defRPr sz="1323"/>
+            </a:lvl5pPr>
+            <a:lvl6pPr>
+              <a:defRPr sz="1323"/>
+            </a:lvl6pPr>
+            <a:lvl7pPr>
+              <a:defRPr sz="1323"/>
+            </a:lvl7pPr>
+            <a:lvl8pPr>
+              <a:defRPr sz="1323"/>
+            </a:lvl8pPr>
+            <a:lvl9pPr>
+              <a:defRPr sz="1323"/>
+            </a:lvl9pPr>
+          </a:lstStyle>
+          <a:p>
+            <a:pPr lvl="0"/>
+            <a:r>
+              <a:rPr lang="pl-PL"/>
+              <a:t>Edytuj style wzorca tekstu</a:t>
+            </a:r>
+          </a:p>
+          <a:p>
+            <a:pPr lvl="1"/>
+            <a:r>
+              <a:rPr lang="pl-PL"/>
+              <a:t>Drugi poziom</a:t>
+            </a:r>
+          </a:p>
+          <a:p>
+            <a:pPr lvl="2"/>
+            <a:r>
+              <a:rPr lang="pl-PL"/>
+              <a:t>Trzeci poziom</a:t>
+            </a:r>
+          </a:p>
+          <a:p>
+            <a:pPr lvl="3"/>
+            <a:r>
+              <a:rPr lang="pl-PL"/>
+              <a:t>Czwarty poziom</a:t>
+            </a:r>
+          </a:p>
+          <a:p>
+            <a:pPr lvl="4"/>
+            <a:r>
+              <a:rPr lang="pl-PL"/>
+              <a:t>Piąty poziom</a:t>
+            </a:r>
+            <a:endParaRPr lang="en-US" dirty="0"/>
+          </a:p>
+        </p:txBody>
+      </p:sp>
+      <p:sp>
+        <p:nvSpPr>
+          <p:cNvPr id="7" name="Date Placeholder 6"/>
+          <p:cNvSpPr>
+            <a:spLocks noGrp="1"/>
+          </p:cNvSpPr>
+          <p:nvPr>
+            <p:ph type="dt" sz="half" idx="10"/>
+          </p:nvPr>
+        </p:nvSpPr>
+        <p:spPr/>
+        <p:txBody>
+          <a:bodyPr/>
           <a:lstStyle/>
           <a:p>
+            <a:r>
+              <a:rPr lang="pl-PL" sz="1400">
+                <a:latin typeface="Times New Roman"/>
+              </a:rPr>
+              <a:t>&lt;data/godzina&gt;</a:t>
+            </a:r>
+            <a:endParaRPr lang="pl-PL"/>
+          </a:p>
+        </p:txBody>
+      </p:sp>
+      <p:sp>
+        <p:nvSpPr>
+          <p:cNvPr id="8" name="Footer Placeholder 7"/>
+          <p:cNvSpPr>
+            <a:spLocks noGrp="1"/>
+          </p:cNvSpPr>
+          <p:nvPr>
+            <p:ph type="ftr" sz="quarter" idx="11"/>
+          </p:nvPr>
+        </p:nvSpPr>
+        <p:spPr/>
+        <p:txBody>
+          <a:bodyPr/>
+          <a:lstStyle/>
+          <a:p>
             <a:pPr algn="ctr"/>
-            <a:endParaRPr/>
+            <a:r>
+              <a:rPr lang="pl-PL" sz="1400">
+                <a:latin typeface="Times New Roman"/>
+              </a:rPr>
+              <a:t>&lt;stopka&gt;</a:t>
+            </a:r>
+            <a:endParaRPr lang="pl-PL"/>
+          </a:p>
+        </p:txBody>
+      </p:sp>
+      <p:sp>
+        <p:nvSpPr>
+          <p:cNvPr id="9" name="Slide Number Placeholder 8"/>
+          <p:cNvSpPr>
+            <a:spLocks noGrp="1"/>
+          </p:cNvSpPr>
+          <p:nvPr>
+            <p:ph type="sldNum" sz="quarter" idx="12"/>
+          </p:nvPr>
+        </p:nvSpPr>
+        <p:spPr/>
+        <p:txBody>
+          <a:bodyPr/>
+          <a:lstStyle/>
+          <a:p>
+            <a:pPr algn="r"/>
+            <a:fld id="{C890E2C6-3C4E-4854-84CB-D903442CCCEA}" type="slidenum">
+              <a:rPr lang="pl-PL" sz="1400" smtClean="0">
+                <a:latin typeface="Times New Roman"/>
+              </a:rPr>
+              <a:pPr algn="r"/>
+              <a:t>‹#›</a:t>
+            </a:fld>
+            <a:endParaRPr lang="pl-PL"/>
           </a:p>
         </p:txBody>
       </p:sp>
     </p:spTree>
+    <p:extLst>
+      <p:ext uri="{BB962C8B-B14F-4D97-AF65-F5344CB8AC3E}">
+        <p14:creationId xmlns:p14="http://schemas.microsoft.com/office/powerpoint/2010/main" val="953459096"/>
+      </p:ext>
+    </p:extLst>
   </p:cSld>
   <p:clrMapOvr>
     <a:masterClrMapping/>
@@ -955,9 +4783,9 @@
 </p:sldLayout>
 </file>
 
-<file path=ppt/slideLayouts/slideLayout7.xml><?xml version="1.0" encoding="utf-8"?>
-<p:sldLayout xmlns:a="http://schemas.openxmlformats.org/drawingml/2006/main" xmlns:r="http://schemas.openxmlformats.org/officeDocument/2006/relationships" xmlns:p="http://schemas.openxmlformats.org/presentationml/2006/main" type="twoObjAndObj" preserve="1">
-  <p:cSld name="Title, 2 Content and Content">
+<file path=ppt/slideLayouts/slideLayout6.xml><?xml version="1.0" encoding="utf-8"?>
+<p:sldLayout xmlns:a="http://schemas.openxmlformats.org/drawingml/2006/main" xmlns:r="http://schemas.openxmlformats.org/officeDocument/2006/relationships" xmlns:p="http://schemas.openxmlformats.org/presentationml/2006/main" type="titleOnly" preserve="1">
+  <p:cSld name="Tylko tytuł">
     <p:spTree>
       <p:nvGrpSpPr>
         <p:cNvPr id="1" name=""/>
@@ -974,7 +4802,7 @@
       </p:grpSpPr>
       <p:sp>
         <p:nvSpPr>
-          <p:cNvPr id="14" name="PlaceHolder 1"/>
+          <p:cNvPr id="2" name="Title 1"/>
           <p:cNvSpPr>
             <a:spLocks noGrp="1"/>
           </p:cNvSpPr>
@@ -982,106 +4810,103 @@
             <p:ph type="title"/>
           </p:nvPr>
         </p:nvSpPr>
-        <p:spPr>
-          <a:xfrm>
-            <a:off x="504000" y="301320"/>
-            <a:ext cx="9071640" cy="1262160"/>
-          </a:xfrm>
-          <a:prstGeom prst="rect">
-            <a:avLst/>
-          </a:prstGeom>
-        </p:spPr>
-        <p:txBody>
-          <a:bodyPr lIns="0" tIns="0" rIns="0" bIns="0" anchor="ctr"/>
+        <p:spPr/>
+        <p:txBody>
+          <a:bodyPr/>
           <a:lstStyle/>
           <a:p>
+            <a:r>
+              <a:rPr lang="pl-PL"/>
+              <a:t>Kliknij, aby edytować styl</a:t>
+            </a:r>
+            <a:endParaRPr lang="en-US" dirty="0"/>
+          </a:p>
+        </p:txBody>
+      </p:sp>
+      <p:sp>
+        <p:nvSpPr>
+          <p:cNvPr id="3" name="Date Placeholder 2"/>
+          <p:cNvSpPr>
+            <a:spLocks noGrp="1"/>
+          </p:cNvSpPr>
+          <p:nvPr>
+            <p:ph type="dt" sz="half" idx="10"/>
+          </p:nvPr>
+        </p:nvSpPr>
+        <p:spPr/>
+        <p:txBody>
+          <a:bodyPr/>
+          <a:lstStyle/>
+          <a:p>
+            <a:r>
+              <a:rPr lang="pl-PL" sz="1400">
+                <a:latin typeface="Times New Roman"/>
+              </a:rPr>
+              <a:t>&lt;data/godzina&gt;</a:t>
+            </a:r>
+            <a:endParaRPr lang="pl-PL"/>
+          </a:p>
+        </p:txBody>
+      </p:sp>
+      <p:sp>
+        <p:nvSpPr>
+          <p:cNvPr id="4" name="Footer Placeholder 3"/>
+          <p:cNvSpPr>
+            <a:spLocks noGrp="1"/>
+          </p:cNvSpPr>
+          <p:nvPr>
+            <p:ph type="ftr" sz="quarter" idx="11"/>
+          </p:nvPr>
+        </p:nvSpPr>
+        <p:spPr/>
+        <p:txBody>
+          <a:bodyPr/>
+          <a:lstStyle/>
+          <a:p>
             <a:pPr algn="ctr"/>
-            <a:endParaRPr/>
-          </a:p>
-        </p:txBody>
-      </p:sp>
-      <p:sp>
-        <p:nvSpPr>
-          <p:cNvPr id="15" name="PlaceHolder 2"/>
-          <p:cNvSpPr>
-            <a:spLocks noGrp="1"/>
-          </p:cNvSpPr>
-          <p:nvPr>
-            <p:ph type="body"/>
-          </p:nvPr>
-        </p:nvSpPr>
-        <p:spPr>
-          <a:xfrm>
-            <a:off x="504000" y="1769040"/>
-            <a:ext cx="4426920" cy="2091240"/>
-          </a:xfrm>
-          <a:prstGeom prst="rect">
-            <a:avLst/>
-          </a:prstGeom>
-        </p:spPr>
-        <p:txBody>
-          <a:bodyPr lIns="0" tIns="0" rIns="0" bIns="0"/>
+            <a:r>
+              <a:rPr lang="pl-PL" sz="1400">
+                <a:latin typeface="Times New Roman"/>
+              </a:rPr>
+              <a:t>&lt;stopka&gt;</a:t>
+            </a:r>
+            <a:endParaRPr lang="pl-PL"/>
+          </a:p>
+        </p:txBody>
+      </p:sp>
+      <p:sp>
+        <p:nvSpPr>
+          <p:cNvPr id="5" name="Slide Number Placeholder 4"/>
+          <p:cNvSpPr>
+            <a:spLocks noGrp="1"/>
+          </p:cNvSpPr>
+          <p:nvPr>
+            <p:ph type="sldNum" sz="quarter" idx="12"/>
+          </p:nvPr>
+        </p:nvSpPr>
+        <p:spPr/>
+        <p:txBody>
+          <a:bodyPr/>
           <a:lstStyle/>
           <a:p>
-            <a:endParaRPr/>
-          </a:p>
-        </p:txBody>
-      </p:sp>
-      <p:sp>
-        <p:nvSpPr>
-          <p:cNvPr id="16" name="PlaceHolder 3"/>
-          <p:cNvSpPr>
-            <a:spLocks noGrp="1"/>
-          </p:cNvSpPr>
-          <p:nvPr>
-            <p:ph type="body"/>
-          </p:nvPr>
-        </p:nvSpPr>
-        <p:spPr>
-          <a:xfrm>
-            <a:off x="504000" y="4059360"/>
-            <a:ext cx="4426920" cy="2091240"/>
-          </a:xfrm>
-          <a:prstGeom prst="rect">
-            <a:avLst/>
-          </a:prstGeom>
-        </p:spPr>
-        <p:txBody>
-          <a:bodyPr lIns="0" tIns="0" rIns="0" bIns="0"/>
-          <a:lstStyle/>
-          <a:p>
-            <a:endParaRPr/>
-          </a:p>
-        </p:txBody>
-      </p:sp>
-      <p:sp>
-        <p:nvSpPr>
-          <p:cNvPr id="17" name="PlaceHolder 4"/>
-          <p:cNvSpPr>
-            <a:spLocks noGrp="1"/>
-          </p:cNvSpPr>
-          <p:nvPr>
-            <p:ph type="body"/>
-          </p:nvPr>
-        </p:nvSpPr>
-        <p:spPr>
-          <a:xfrm>
-            <a:off x="5152680" y="1769040"/>
-            <a:ext cx="4426920" cy="4384440"/>
-          </a:xfrm>
-          <a:prstGeom prst="rect">
-            <a:avLst/>
-          </a:prstGeom>
-        </p:spPr>
-        <p:txBody>
-          <a:bodyPr lIns="0" tIns="0" rIns="0" bIns="0"/>
-          <a:lstStyle/>
-          <a:p>
-            <a:endParaRPr/>
+            <a:pPr algn="r"/>
+            <a:fld id="{C890E2C6-3C4E-4854-84CB-D903442CCCEA}" type="slidenum">
+              <a:rPr lang="pl-PL" sz="1400" smtClean="0">
+                <a:latin typeface="Times New Roman"/>
+              </a:rPr>
+              <a:pPr algn="r"/>
+              <a:t>‹#›</a:t>
+            </a:fld>
+            <a:endParaRPr lang="pl-PL"/>
           </a:p>
         </p:txBody>
       </p:sp>
     </p:spTree>
+    <p:extLst>
+      <p:ext uri="{BB962C8B-B14F-4D97-AF65-F5344CB8AC3E}">
+        <p14:creationId xmlns:p14="http://schemas.microsoft.com/office/powerpoint/2010/main" val="2309798681"/>
+      </p:ext>
+    </p:extLst>
   </p:cSld>
   <p:clrMapOvr>
     <a:masterClrMapping/>
@@ -1089,9 +4914,9 @@
 </p:sldLayout>
 </file>
 
-<file path=ppt/slideLayouts/slideLayout8.xml><?xml version="1.0" encoding="utf-8"?>
-<p:sldLayout xmlns:a="http://schemas.openxmlformats.org/drawingml/2006/main" xmlns:r="http://schemas.openxmlformats.org/officeDocument/2006/relationships" xmlns:p="http://schemas.openxmlformats.org/presentationml/2006/main" type="objAndTwoObj" preserve="1">
-  <p:cSld name="Title Content and 2 Content">
+<file path=ppt/slideLayouts/slideLayout7.xml><?xml version="1.0" encoding="utf-8"?>
+<p:sldLayout xmlns:a="http://schemas.openxmlformats.org/drawingml/2006/main" xmlns:r="http://schemas.openxmlformats.org/officeDocument/2006/relationships" xmlns:p="http://schemas.openxmlformats.org/presentationml/2006/main" type="blank" preserve="1">
+  <p:cSld name="Pusty">
     <p:spTree>
       <p:nvGrpSpPr>
         <p:cNvPr id="1" name=""/>
@@ -1108,114 +4933,88 @@
       </p:grpSpPr>
       <p:sp>
         <p:nvSpPr>
-          <p:cNvPr id="18" name="PlaceHolder 1"/>
-          <p:cNvSpPr>
-            <a:spLocks noGrp="1"/>
-          </p:cNvSpPr>
-          <p:nvPr>
-            <p:ph type="title"/>
-          </p:nvPr>
-        </p:nvSpPr>
-        <p:spPr>
-          <a:xfrm>
-            <a:off x="504000" y="301320"/>
-            <a:ext cx="9071640" cy="1262160"/>
-          </a:xfrm>
-          <a:prstGeom prst="rect">
-            <a:avLst/>
-          </a:prstGeom>
-        </p:spPr>
-        <p:txBody>
-          <a:bodyPr lIns="0" tIns="0" rIns="0" bIns="0" anchor="ctr"/>
+          <p:cNvPr id="2" name="Date Placeholder 1"/>
+          <p:cNvSpPr>
+            <a:spLocks noGrp="1"/>
+          </p:cNvSpPr>
+          <p:nvPr>
+            <p:ph type="dt" sz="half" idx="10"/>
+          </p:nvPr>
+        </p:nvSpPr>
+        <p:spPr/>
+        <p:txBody>
+          <a:bodyPr/>
           <a:lstStyle/>
           <a:p>
+            <a:r>
+              <a:rPr lang="pl-PL" sz="1400">
+                <a:latin typeface="Times New Roman"/>
+              </a:rPr>
+              <a:t>&lt;data/godzina&gt;</a:t>
+            </a:r>
+            <a:endParaRPr lang="pl-PL"/>
+          </a:p>
+        </p:txBody>
+      </p:sp>
+      <p:sp>
+        <p:nvSpPr>
+          <p:cNvPr id="3" name="Footer Placeholder 2"/>
+          <p:cNvSpPr>
+            <a:spLocks noGrp="1"/>
+          </p:cNvSpPr>
+          <p:nvPr>
+            <p:ph type="ftr" sz="quarter" idx="11"/>
+          </p:nvPr>
+        </p:nvSpPr>
+        <p:spPr/>
+        <p:txBody>
+          <a:bodyPr/>
+          <a:lstStyle/>
+          <a:p>
             <a:pPr algn="ctr"/>
-            <a:endParaRPr/>
-          </a:p>
-        </p:txBody>
-      </p:sp>
-      <p:sp>
-        <p:nvSpPr>
-          <p:cNvPr id="19" name="PlaceHolder 2"/>
-          <p:cNvSpPr>
-            <a:spLocks noGrp="1"/>
-          </p:cNvSpPr>
-          <p:nvPr>
-            <p:ph type="body"/>
-          </p:nvPr>
-        </p:nvSpPr>
-        <p:spPr>
-          <a:xfrm>
-            <a:off x="504000" y="1769040"/>
-            <a:ext cx="4426920" cy="4384440"/>
-          </a:xfrm>
-          <a:prstGeom prst="rect">
-            <a:avLst/>
-          </a:prstGeom>
-        </p:spPr>
-        <p:txBody>
-          <a:bodyPr lIns="0" tIns="0" rIns="0" bIns="0"/>
+            <a:r>
+              <a:rPr lang="pl-PL" sz="1400">
+                <a:latin typeface="Times New Roman"/>
+              </a:rPr>
+              <a:t>&lt;stopka&gt;</a:t>
+            </a:r>
+            <a:endParaRPr lang="pl-PL"/>
+          </a:p>
+        </p:txBody>
+      </p:sp>
+      <p:sp>
+        <p:nvSpPr>
+          <p:cNvPr id="4" name="Slide Number Placeholder 3"/>
+          <p:cNvSpPr>
+            <a:spLocks noGrp="1"/>
+          </p:cNvSpPr>
+          <p:nvPr>
+            <p:ph type="sldNum" sz="quarter" idx="12"/>
+          </p:nvPr>
+        </p:nvSpPr>
+        <p:spPr/>
+        <p:txBody>
+          <a:bodyPr/>
           <a:lstStyle/>
           <a:p>
-            <a:endParaRPr/>
-          </a:p>
-        </p:txBody>
-      </p:sp>
-      <p:sp>
-        <p:nvSpPr>
-          <p:cNvPr id="20" name="PlaceHolder 3"/>
-          <p:cNvSpPr>
-            <a:spLocks noGrp="1"/>
-          </p:cNvSpPr>
-          <p:nvPr>
-            <p:ph type="body"/>
-          </p:nvPr>
-        </p:nvSpPr>
-        <p:spPr>
-          <a:xfrm>
-            <a:off x="5152680" y="1769040"/>
-            <a:ext cx="4426920" cy="2091240"/>
-          </a:xfrm>
-          <a:prstGeom prst="rect">
-            <a:avLst/>
-          </a:prstGeom>
-        </p:spPr>
-        <p:txBody>
-          <a:bodyPr lIns="0" tIns="0" rIns="0" bIns="0"/>
-          <a:lstStyle/>
-          <a:p>
-            <a:endParaRPr/>
-          </a:p>
-        </p:txBody>
-      </p:sp>
-      <p:sp>
-        <p:nvSpPr>
-          <p:cNvPr id="21" name="PlaceHolder 4"/>
-          <p:cNvSpPr>
-            <a:spLocks noGrp="1"/>
-          </p:cNvSpPr>
-          <p:nvPr>
-            <p:ph type="body"/>
-          </p:nvPr>
-        </p:nvSpPr>
-        <p:spPr>
-          <a:xfrm>
-            <a:off x="5152680" y="4059360"/>
-            <a:ext cx="4426920" cy="2091240"/>
-          </a:xfrm>
-          <a:prstGeom prst="rect">
-            <a:avLst/>
-          </a:prstGeom>
-        </p:spPr>
-        <p:txBody>
-          <a:bodyPr lIns="0" tIns="0" rIns="0" bIns="0"/>
-          <a:lstStyle/>
-          <a:p>
-            <a:endParaRPr/>
+            <a:pPr algn="r"/>
+            <a:fld id="{C890E2C6-3C4E-4854-84CB-D903442CCCEA}" type="slidenum">
+              <a:rPr lang="pl-PL" sz="1400" smtClean="0">
+                <a:latin typeface="Times New Roman"/>
+              </a:rPr>
+              <a:pPr algn="r"/>
+              <a:t>‹#›</a:t>
+            </a:fld>
+            <a:endParaRPr lang="pl-PL"/>
           </a:p>
         </p:txBody>
       </p:sp>
     </p:spTree>
+    <p:extLst>
+      <p:ext uri="{BB962C8B-B14F-4D97-AF65-F5344CB8AC3E}">
+        <p14:creationId xmlns:p14="http://schemas.microsoft.com/office/powerpoint/2010/main" val="2539248940"/>
+      </p:ext>
+    </p:extLst>
   </p:cSld>
   <p:clrMapOvr>
     <a:masterClrMapping/>
@@ -1223,9 +5022,9 @@
 </p:sldLayout>
 </file>
 
-<file path=ppt/slideLayouts/slideLayout9.xml><?xml version="1.0" encoding="utf-8"?>
-<p:sldLayout xmlns:a="http://schemas.openxmlformats.org/drawingml/2006/main" xmlns:r="http://schemas.openxmlformats.org/officeDocument/2006/relationships" xmlns:p="http://schemas.openxmlformats.org/presentationml/2006/main" type="twoObjOverTx" preserve="1">
-  <p:cSld name="Title, 2 Content over Content">
+<file path=ppt/slideLayouts/slideLayout8.xml><?xml version="1.0" encoding="utf-8"?>
+<p:sldLayout xmlns:a="http://schemas.openxmlformats.org/drawingml/2006/main" xmlns:r="http://schemas.openxmlformats.org/officeDocument/2006/relationships" xmlns:p="http://schemas.openxmlformats.org/presentationml/2006/main" type="objTx" preserve="1">
+  <p:cSld name="Zawartość z podpisem">
     <p:spTree>
       <p:nvGrpSpPr>
         <p:cNvPr id="1" name=""/>
@@ -1242,7 +5041,7 @@
       </p:grpSpPr>
       <p:sp>
         <p:nvSpPr>
-          <p:cNvPr id="22" name="PlaceHolder 1"/>
+          <p:cNvPr id="2" name="Title 1"/>
           <p:cNvSpPr>
             <a:spLocks noGrp="1"/>
           </p:cNvSpPr>
@@ -1252,104 +5051,570 @@
         </p:nvSpPr>
         <p:spPr>
           <a:xfrm>
-            <a:off x="504000" y="301320"/>
-            <a:ext cx="9071640" cy="1262160"/>
+            <a:off x="1227583" y="1763924"/>
+            <a:ext cx="2935259" cy="1511935"/>
           </a:xfrm>
-          <a:prstGeom prst="rect">
-            <a:avLst/>
-          </a:prstGeom>
         </p:spPr>
         <p:txBody>
-          <a:bodyPr lIns="0" tIns="0" rIns="0" bIns="0" anchor="ctr"/>
-          <a:lstStyle/>
-          <a:p>
-            <a:pPr algn="ctr"/>
-            <a:endParaRPr/>
-          </a:p>
-        </p:txBody>
-      </p:sp>
-      <p:sp>
-        <p:nvSpPr>
-          <p:cNvPr id="23" name="PlaceHolder 2"/>
-          <p:cNvSpPr>
-            <a:spLocks noGrp="1"/>
-          </p:cNvSpPr>
-          <p:nvPr>
-            <p:ph type="body"/>
+          <a:bodyPr anchor="b">
+            <a:normAutofit/>
+          </a:bodyPr>
+          <a:lstStyle>
+            <a:lvl1pPr algn="ctr">
+              <a:defRPr sz="2646" b="0"/>
+            </a:lvl1pPr>
+          </a:lstStyle>
+          <a:p>
+            <a:r>
+              <a:rPr lang="pl-PL"/>
+              <a:t>Kliknij, aby edytować styl</a:t>
+            </a:r>
+            <a:endParaRPr lang="en-US" dirty="0"/>
+          </a:p>
+        </p:txBody>
+      </p:sp>
+      <p:sp>
+        <p:nvSpPr>
+          <p:cNvPr id="3" name="Content Placeholder 2"/>
+          <p:cNvSpPr>
+            <a:spLocks noGrp="1"/>
+          </p:cNvSpPr>
+          <p:nvPr>
+            <p:ph idx="1"/>
           </p:nvPr>
         </p:nvSpPr>
         <p:spPr>
           <a:xfrm>
-            <a:off x="504000" y="1769040"/>
-            <a:ext cx="4426920" cy="2091240"/>
+            <a:off x="4351903" y="755968"/>
+            <a:ext cx="5161538" cy="5627759"/>
           </a:xfrm>
-          <a:prstGeom prst="rect">
-            <a:avLst/>
-          </a:prstGeom>
         </p:spPr>
         <p:txBody>
-          <a:bodyPr lIns="0" tIns="0" rIns="0" bIns="0"/>
-          <a:lstStyle/>
-          <a:p>
-            <a:endParaRPr/>
-          </a:p>
-        </p:txBody>
-      </p:sp>
-      <p:sp>
-        <p:nvSpPr>
-          <p:cNvPr id="24" name="PlaceHolder 3"/>
-          <p:cNvSpPr>
-            <a:spLocks noGrp="1"/>
-          </p:cNvSpPr>
-          <p:nvPr>
-            <p:ph type="body"/>
+          <a:bodyPr anchor="ctr">
+            <a:normAutofit/>
+          </a:bodyPr>
+          <a:lstStyle>
+            <a:lvl1pPr>
+              <a:defRPr sz="2205"/>
+            </a:lvl1pPr>
+            <a:lvl2pPr>
+              <a:defRPr sz="1984"/>
+            </a:lvl2pPr>
+            <a:lvl3pPr>
+              <a:defRPr sz="1764"/>
+            </a:lvl3pPr>
+            <a:lvl4pPr>
+              <a:defRPr sz="1543"/>
+            </a:lvl4pPr>
+            <a:lvl5pPr>
+              <a:defRPr sz="1543"/>
+            </a:lvl5pPr>
+            <a:lvl6pPr>
+              <a:defRPr sz="1543"/>
+            </a:lvl6pPr>
+            <a:lvl7pPr>
+              <a:defRPr sz="1543"/>
+            </a:lvl7pPr>
+            <a:lvl8pPr>
+              <a:defRPr sz="1543"/>
+            </a:lvl8pPr>
+            <a:lvl9pPr>
+              <a:defRPr sz="1543"/>
+            </a:lvl9pPr>
+          </a:lstStyle>
+          <a:p>
+            <a:pPr lvl="0"/>
+            <a:r>
+              <a:rPr lang="pl-PL"/>
+              <a:t>Edytuj style wzorca tekstu</a:t>
+            </a:r>
+          </a:p>
+          <a:p>
+            <a:pPr lvl="1"/>
+            <a:r>
+              <a:rPr lang="pl-PL"/>
+              <a:t>Drugi poziom</a:t>
+            </a:r>
+          </a:p>
+          <a:p>
+            <a:pPr lvl="2"/>
+            <a:r>
+              <a:rPr lang="pl-PL"/>
+              <a:t>Trzeci poziom</a:t>
+            </a:r>
+          </a:p>
+          <a:p>
+            <a:pPr lvl="3"/>
+            <a:r>
+              <a:rPr lang="pl-PL"/>
+              <a:t>Czwarty poziom</a:t>
+            </a:r>
+          </a:p>
+          <a:p>
+            <a:pPr lvl="4"/>
+            <a:r>
+              <a:rPr lang="pl-PL"/>
+              <a:t>Piąty poziom</a:t>
+            </a:r>
+            <a:endParaRPr lang="en-US" dirty="0"/>
+          </a:p>
+        </p:txBody>
+      </p:sp>
+      <p:sp>
+        <p:nvSpPr>
+          <p:cNvPr id="4" name="Text Placeholder 3"/>
+          <p:cNvSpPr>
+            <a:spLocks noGrp="1"/>
+          </p:cNvSpPr>
+          <p:nvPr>
+            <p:ph type="body" sz="half" idx="2"/>
           </p:nvPr>
         </p:nvSpPr>
         <p:spPr>
           <a:xfrm>
-            <a:off x="5152680" y="1769040"/>
-            <a:ext cx="4426920" cy="2091240"/>
+            <a:off x="1227583" y="3275859"/>
+            <a:ext cx="2935259" cy="2015913"/>
           </a:xfrm>
-          <a:prstGeom prst="rect">
-            <a:avLst/>
-          </a:prstGeom>
         </p:spPr>
         <p:txBody>
-          <a:bodyPr lIns="0" tIns="0" rIns="0" bIns="0"/>
+          <a:bodyPr>
+            <a:normAutofit/>
+          </a:bodyPr>
+          <a:lstStyle>
+            <a:lvl1pPr marL="0" indent="0" algn="ctr">
+              <a:buNone/>
+              <a:defRPr sz="1764"/>
+            </a:lvl1pPr>
+            <a:lvl2pPr marL="503972" indent="0">
+              <a:buNone/>
+              <a:defRPr sz="1323"/>
+            </a:lvl2pPr>
+            <a:lvl3pPr marL="1007943" indent="0">
+              <a:buNone/>
+              <a:defRPr sz="1102"/>
+            </a:lvl3pPr>
+            <a:lvl4pPr marL="1511915" indent="0">
+              <a:buNone/>
+              <a:defRPr sz="992"/>
+            </a:lvl4pPr>
+            <a:lvl5pPr marL="2015886" indent="0">
+              <a:buNone/>
+              <a:defRPr sz="992"/>
+            </a:lvl5pPr>
+            <a:lvl6pPr marL="2519858" indent="0">
+              <a:buNone/>
+              <a:defRPr sz="992"/>
+            </a:lvl6pPr>
+            <a:lvl7pPr marL="3023829" indent="0">
+              <a:buNone/>
+              <a:defRPr sz="992"/>
+            </a:lvl7pPr>
+            <a:lvl8pPr marL="3527801" indent="0">
+              <a:buNone/>
+              <a:defRPr sz="992"/>
+            </a:lvl8pPr>
+            <a:lvl9pPr marL="4031772" indent="0">
+              <a:buNone/>
+              <a:defRPr sz="992"/>
+            </a:lvl9pPr>
+          </a:lstStyle>
+          <a:p>
+            <a:pPr lvl="0"/>
+            <a:r>
+              <a:rPr lang="pl-PL"/>
+              <a:t>Edytuj style wzorca tekstu</a:t>
+            </a:r>
+          </a:p>
+        </p:txBody>
+      </p:sp>
+      <p:sp>
+        <p:nvSpPr>
+          <p:cNvPr id="5" name="Date Placeholder 4"/>
+          <p:cNvSpPr>
+            <a:spLocks noGrp="1"/>
+          </p:cNvSpPr>
+          <p:nvPr>
+            <p:ph type="dt" sz="half" idx="10"/>
+          </p:nvPr>
+        </p:nvSpPr>
+        <p:spPr/>
+        <p:txBody>
+          <a:bodyPr/>
           <a:lstStyle/>
           <a:p>
-            <a:endParaRPr/>
-          </a:p>
-        </p:txBody>
-      </p:sp>
-      <p:sp>
-        <p:nvSpPr>
-          <p:cNvPr id="25" name="PlaceHolder 4"/>
-          <p:cNvSpPr>
-            <a:spLocks noGrp="1"/>
-          </p:cNvSpPr>
-          <p:nvPr>
-            <p:ph type="body"/>
+            <a:r>
+              <a:rPr lang="pl-PL" sz="1400">
+                <a:latin typeface="Times New Roman"/>
+              </a:rPr>
+              <a:t>&lt;data/godzina&gt;</a:t>
+            </a:r>
+            <a:endParaRPr lang="pl-PL"/>
+          </a:p>
+        </p:txBody>
+      </p:sp>
+      <p:sp>
+        <p:nvSpPr>
+          <p:cNvPr id="6" name="Footer Placeholder 5"/>
+          <p:cNvSpPr>
+            <a:spLocks noGrp="1"/>
+          </p:cNvSpPr>
+          <p:nvPr>
+            <p:ph type="ftr" sz="quarter" idx="11"/>
+          </p:nvPr>
+        </p:nvSpPr>
+        <p:spPr/>
+        <p:txBody>
+          <a:bodyPr/>
+          <a:lstStyle/>
+          <a:p>
+            <a:pPr algn="ctr"/>
+            <a:r>
+              <a:rPr lang="pl-PL" sz="1400">
+                <a:latin typeface="Times New Roman"/>
+              </a:rPr>
+              <a:t>&lt;stopka&gt;</a:t>
+            </a:r>
+            <a:endParaRPr lang="pl-PL"/>
+          </a:p>
+        </p:txBody>
+      </p:sp>
+      <p:sp>
+        <p:nvSpPr>
+          <p:cNvPr id="7" name="Slide Number Placeholder 6"/>
+          <p:cNvSpPr>
+            <a:spLocks noGrp="1"/>
+          </p:cNvSpPr>
+          <p:nvPr>
+            <p:ph type="sldNum" sz="quarter" idx="12"/>
+          </p:nvPr>
+        </p:nvSpPr>
+        <p:spPr/>
+        <p:txBody>
+          <a:bodyPr/>
+          <a:lstStyle/>
+          <a:p>
+            <a:pPr algn="r"/>
+            <a:fld id="{C890E2C6-3C4E-4854-84CB-D903442CCCEA}" type="slidenum">
+              <a:rPr lang="pl-PL" sz="1400" smtClean="0">
+                <a:latin typeface="Times New Roman"/>
+              </a:rPr>
+              <a:pPr algn="r"/>
+              <a:t>‹#›</a:t>
+            </a:fld>
+            <a:endParaRPr lang="pl-PL"/>
+          </a:p>
+        </p:txBody>
+      </p:sp>
+    </p:spTree>
+    <p:extLst>
+      <p:ext uri="{BB962C8B-B14F-4D97-AF65-F5344CB8AC3E}">
+        <p14:creationId xmlns:p14="http://schemas.microsoft.com/office/powerpoint/2010/main" val="723564648"/>
+      </p:ext>
+    </p:extLst>
+  </p:cSld>
+  <p:clrMapOvr>
+    <a:masterClrMapping/>
+  </p:clrMapOvr>
+</p:sldLayout>
+</file>
+
+<file path=ppt/slideLayouts/slideLayout9.xml><?xml version="1.0" encoding="utf-8"?>
+<p:sldLayout xmlns:a="http://schemas.openxmlformats.org/drawingml/2006/main" xmlns:r="http://schemas.openxmlformats.org/officeDocument/2006/relationships" xmlns:p="http://schemas.openxmlformats.org/presentationml/2006/main" type="picTx" preserve="1">
+  <p:cSld name="Obraz z podpisem">
+    <p:spTree>
+      <p:nvGrpSpPr>
+        <p:cNvPr id="1" name=""/>
+        <p:cNvGrpSpPr/>
+        <p:nvPr/>
+      </p:nvGrpSpPr>
+      <p:grpSpPr>
+        <a:xfrm>
+          <a:off x="0" y="0"/>
+          <a:ext cx="0" cy="0"/>
+          <a:chOff x="0" y="0"/>
+          <a:chExt cx="0" cy="0"/>
+        </a:xfrm>
+      </p:grpSpPr>
+      <p:sp>
+        <p:nvSpPr>
+          <p:cNvPr id="2" name="Title 1"/>
+          <p:cNvSpPr>
+            <a:spLocks noGrp="1"/>
+          </p:cNvSpPr>
+          <p:nvPr>
+            <p:ph type="title"/>
           </p:nvPr>
         </p:nvSpPr>
         <p:spPr>
           <a:xfrm>
-            <a:off x="504000" y="4059360"/>
-            <a:ext cx="9071640" cy="2091240"/>
+            <a:off x="1226269" y="1931916"/>
+            <a:ext cx="4487641" cy="1511935"/>
           </a:xfrm>
-          <a:prstGeom prst="rect">
-            <a:avLst/>
+        </p:spPr>
+        <p:txBody>
+          <a:bodyPr anchor="b">
+            <a:normAutofit/>
+          </a:bodyPr>
+          <a:lstStyle>
+            <a:lvl1pPr algn="ctr">
+              <a:defRPr sz="3086" b="0"/>
+            </a:lvl1pPr>
+          </a:lstStyle>
+          <a:p>
+            <a:r>
+              <a:rPr lang="pl-PL"/>
+              <a:t>Kliknij, aby edytować styl</a:t>
+            </a:r>
+            <a:endParaRPr lang="en-US" dirty="0"/>
+          </a:p>
+        </p:txBody>
+      </p:sp>
+      <p:sp>
+        <p:nvSpPr>
+          <p:cNvPr id="14" name="Picture Placeholder 2"/>
+          <p:cNvSpPr>
+            <a:spLocks noGrp="1" noChangeAspect="1"/>
+          </p:cNvSpPr>
+          <p:nvPr>
+            <p:ph type="pic" idx="1"/>
+          </p:nvPr>
+        </p:nvSpPr>
+        <p:spPr>
+          <a:xfrm>
+            <a:off x="6281093" y="1007957"/>
+            <a:ext cx="2713491" cy="5039783"/>
+          </a:xfrm>
+          <a:prstGeom prst="roundRect">
+            <a:avLst>
+              <a:gd name="adj" fmla="val 4280"/>
+            </a:avLst>
           </a:prstGeom>
+          <a:ln w="38100">
+            <a:gradFill flip="none" rotWithShape="1">
+              <a:gsLst>
+                <a:gs pos="0">
+                  <a:schemeClr val="bg2"/>
+                </a:gs>
+                <a:gs pos="100000">
+                  <a:schemeClr val="bg2">
+                    <a:lumMod val="75000"/>
+                  </a:schemeClr>
+                </a:gs>
+              </a:gsLst>
+              <a:lin ang="5400000" scaled="0"/>
+              <a:tileRect/>
+            </a:gradFill>
+          </a:ln>
+          <a:effectLst>
+            <a:innerShdw blurRad="57150" dist="38100" dir="14460000">
+              <a:srgbClr val="000000">
+                <a:alpha val="70000"/>
+              </a:srgbClr>
+            </a:innerShdw>
+          </a:effectLst>
         </p:spPr>
         <p:txBody>
-          <a:bodyPr lIns="0" tIns="0" rIns="0" bIns="0"/>
+          <a:bodyPr anchor="t">
+            <a:normAutofit/>
+          </a:bodyPr>
+          <a:lstStyle>
+            <a:lvl1pPr marL="0" indent="0" algn="ctr">
+              <a:buNone/>
+              <a:defRPr sz="1764"/>
+            </a:lvl1pPr>
+            <a:lvl2pPr marL="503972" indent="0">
+              <a:buNone/>
+              <a:defRPr sz="1764"/>
+            </a:lvl2pPr>
+            <a:lvl3pPr marL="1007943" indent="0">
+              <a:buNone/>
+              <a:defRPr sz="1764"/>
+            </a:lvl3pPr>
+            <a:lvl4pPr marL="1511915" indent="0">
+              <a:buNone/>
+              <a:defRPr sz="1764"/>
+            </a:lvl4pPr>
+            <a:lvl5pPr marL="2015886" indent="0">
+              <a:buNone/>
+              <a:defRPr sz="1764"/>
+            </a:lvl5pPr>
+            <a:lvl6pPr marL="2519858" indent="0">
+              <a:buNone/>
+              <a:defRPr sz="1764"/>
+            </a:lvl6pPr>
+            <a:lvl7pPr marL="3023829" indent="0">
+              <a:buNone/>
+              <a:defRPr sz="1764"/>
+            </a:lvl7pPr>
+            <a:lvl8pPr marL="3527801" indent="0">
+              <a:buNone/>
+              <a:defRPr sz="1764"/>
+            </a:lvl8pPr>
+            <a:lvl9pPr marL="4031772" indent="0">
+              <a:buNone/>
+              <a:defRPr sz="1764"/>
+            </a:lvl9pPr>
+          </a:lstStyle>
+          <a:p>
+            <a:r>
+              <a:rPr lang="pl-PL"/>
+              <a:t>Kliknij ikonę, aby dodać obraz</a:t>
+            </a:r>
+            <a:endParaRPr lang="en-US" dirty="0"/>
+          </a:p>
+        </p:txBody>
+      </p:sp>
+      <p:sp>
+        <p:nvSpPr>
+          <p:cNvPr id="4" name="Text Placeholder 3"/>
+          <p:cNvSpPr>
+            <a:spLocks noGrp="1"/>
+          </p:cNvSpPr>
+          <p:nvPr>
+            <p:ph type="body" sz="half" idx="2"/>
+          </p:nvPr>
+        </p:nvSpPr>
+        <p:spPr>
+          <a:xfrm>
+            <a:off x="1226269" y="3443851"/>
+            <a:ext cx="4487641" cy="2015913"/>
+          </a:xfrm>
+        </p:spPr>
+        <p:txBody>
+          <a:bodyPr>
+            <a:normAutofit/>
+          </a:bodyPr>
+          <a:lstStyle>
+            <a:lvl1pPr marL="0" indent="0" algn="ctr">
+              <a:buNone/>
+              <a:defRPr sz="1984"/>
+            </a:lvl1pPr>
+            <a:lvl2pPr marL="503972" indent="0">
+              <a:buNone/>
+              <a:defRPr sz="1323"/>
+            </a:lvl2pPr>
+            <a:lvl3pPr marL="1007943" indent="0">
+              <a:buNone/>
+              <a:defRPr sz="1102"/>
+            </a:lvl3pPr>
+            <a:lvl4pPr marL="1511915" indent="0">
+              <a:buNone/>
+              <a:defRPr sz="992"/>
+            </a:lvl4pPr>
+            <a:lvl5pPr marL="2015886" indent="0">
+              <a:buNone/>
+              <a:defRPr sz="992"/>
+            </a:lvl5pPr>
+            <a:lvl6pPr marL="2519858" indent="0">
+              <a:buNone/>
+              <a:defRPr sz="992"/>
+            </a:lvl6pPr>
+            <a:lvl7pPr marL="3023829" indent="0">
+              <a:buNone/>
+              <a:defRPr sz="992"/>
+            </a:lvl7pPr>
+            <a:lvl8pPr marL="3527801" indent="0">
+              <a:buNone/>
+              <a:defRPr sz="992"/>
+            </a:lvl8pPr>
+            <a:lvl9pPr marL="4031772" indent="0">
+              <a:buNone/>
+              <a:defRPr sz="992"/>
+            </a:lvl9pPr>
+          </a:lstStyle>
+          <a:p>
+            <a:pPr lvl="0"/>
+            <a:r>
+              <a:rPr lang="pl-PL"/>
+              <a:t>Edytuj style wzorca tekstu</a:t>
+            </a:r>
+          </a:p>
+        </p:txBody>
+      </p:sp>
+      <p:sp>
+        <p:nvSpPr>
+          <p:cNvPr id="5" name="Date Placeholder 4"/>
+          <p:cNvSpPr>
+            <a:spLocks noGrp="1"/>
+          </p:cNvSpPr>
+          <p:nvPr>
+            <p:ph type="dt" sz="half" idx="10"/>
+          </p:nvPr>
+        </p:nvSpPr>
+        <p:spPr/>
+        <p:txBody>
+          <a:bodyPr/>
           <a:lstStyle/>
           <a:p>
-            <a:endParaRPr/>
+            <a:r>
+              <a:rPr lang="pl-PL" sz="1400">
+                <a:latin typeface="Times New Roman"/>
+              </a:rPr>
+              <a:t>&lt;data/godzina&gt;</a:t>
+            </a:r>
+            <a:endParaRPr lang="pl-PL"/>
+          </a:p>
+        </p:txBody>
+      </p:sp>
+      <p:sp>
+        <p:nvSpPr>
+          <p:cNvPr id="6" name="Footer Placeholder 5"/>
+          <p:cNvSpPr>
+            <a:spLocks noGrp="1"/>
+          </p:cNvSpPr>
+          <p:nvPr>
+            <p:ph type="ftr" sz="quarter" idx="11"/>
+          </p:nvPr>
+        </p:nvSpPr>
+        <p:spPr/>
+        <p:txBody>
+          <a:bodyPr/>
+          <a:lstStyle/>
+          <a:p>
+            <a:pPr algn="ctr"/>
+            <a:r>
+              <a:rPr lang="pl-PL" sz="1400">
+                <a:latin typeface="Times New Roman"/>
+              </a:rPr>
+              <a:t>&lt;stopka&gt;</a:t>
+            </a:r>
+            <a:endParaRPr lang="pl-PL"/>
+          </a:p>
+        </p:txBody>
+      </p:sp>
+      <p:sp>
+        <p:nvSpPr>
+          <p:cNvPr id="7" name="Slide Number Placeholder 6"/>
+          <p:cNvSpPr>
+            <a:spLocks noGrp="1"/>
+          </p:cNvSpPr>
+          <p:nvPr>
+            <p:ph type="sldNum" sz="quarter" idx="12"/>
+          </p:nvPr>
+        </p:nvSpPr>
+        <p:spPr/>
+        <p:txBody>
+          <a:bodyPr/>
+          <a:lstStyle/>
+          <a:p>
+            <a:pPr algn="r"/>
+            <a:fld id="{C890E2C6-3C4E-4854-84CB-D903442CCCEA}" type="slidenum">
+              <a:rPr lang="pl-PL" sz="1400" smtClean="0">
+                <a:latin typeface="Times New Roman"/>
+              </a:rPr>
+              <a:pPr algn="r"/>
+              <a:t>‹#›</a:t>
+            </a:fld>
+            <a:endParaRPr lang="pl-PL"/>
           </a:p>
         </p:txBody>
       </p:sp>
     </p:spTree>
+    <p:extLst>
+      <p:ext uri="{BB962C8B-B14F-4D97-AF65-F5344CB8AC3E}">
+        <p14:creationId xmlns:p14="http://schemas.microsoft.com/office/powerpoint/2010/main" val="1316329690"/>
+      </p:ext>
+    </p:extLst>
   </p:cSld>
   <p:clrMapOvr>
     <a:masterClrMapping/>
@@ -1361,15 +5626,9 @@
 <p:sldMaster xmlns:a="http://schemas.openxmlformats.org/drawingml/2006/main" xmlns:r="http://schemas.openxmlformats.org/officeDocument/2006/relationships" xmlns:p="http://schemas.openxmlformats.org/presentationml/2006/main">
   <p:cSld>
     <p:bg>
-      <p:bgPr>
-        <a:blipFill>
-          <a:blip r:embed="rId14"/>
-          <a:stretch>
-            <a:fillRect/>
-          </a:stretch>
-        </a:blipFill>
-        <a:effectLst/>
-      </p:bgPr>
+      <p:bgRef idx="1003">
+        <a:schemeClr val="bg2"/>
+      </p:bgRef>
     </p:bg>
     <p:spTree>
       <p:nvGrpSpPr>
@@ -1385,9 +5644,319 @@
           <a:chExt cx="0" cy="0"/>
         </a:xfrm>
       </p:grpSpPr>
-      <p:sp>
-        <p:nvSpPr>
-          <p:cNvPr id="5" name="PlaceHolder 1"/>
+      <p:grpSp>
+        <p:nvGrpSpPr>
+          <p:cNvPr id="14" name="Group 13"/>
+          <p:cNvGrpSpPr/>
+          <p:nvPr/>
+        </p:nvGrpSpPr>
+        <p:grpSpPr>
+          <a:xfrm>
+            <a:off x="1" y="1"/>
+            <a:ext cx="2350396" cy="7559676"/>
+            <a:chOff x="0" y="0"/>
+            <a:chExt cx="2132013" cy="6858001"/>
+          </a:xfrm>
+        </p:grpSpPr>
+        <p:sp>
+          <p:nvSpPr>
+            <p:cNvPr id="15" name="Freeform 6"/>
+            <p:cNvSpPr/>
+            <p:nvPr/>
+          </p:nvSpPr>
+          <p:spPr bwMode="auto">
+            <a:xfrm>
+              <a:off x="0" y="0"/>
+              <a:ext cx="1073150" cy="5291138"/>
+            </a:xfrm>
+            <a:custGeom>
+              <a:avLst/>
+              <a:gdLst/>
+              <a:ahLst/>
+              <a:cxnLst/>
+              <a:rect l="0" t="0" r="r" b="b"/>
+              <a:pathLst>
+                <a:path w="676" h="3333">
+                  <a:moveTo>
+                    <a:pt x="0" y="3132"/>
+                  </a:moveTo>
+                  <a:lnTo>
+                    <a:pt x="0" y="3312"/>
+                  </a:lnTo>
+                  <a:lnTo>
+                    <a:pt x="126" y="3333"/>
+                  </a:lnTo>
+                  <a:lnTo>
+                    <a:pt x="676" y="0"/>
+                  </a:lnTo>
+                  <a:lnTo>
+                    <a:pt x="514" y="0"/>
+                  </a:lnTo>
+                  <a:lnTo>
+                    <a:pt x="0" y="3132"/>
+                  </a:lnTo>
+                  <a:close/>
+                </a:path>
+              </a:pathLst>
+            </a:custGeom>
+            <a:solidFill>
+              <a:schemeClr val="accent1"/>
+            </a:solidFill>
+            <a:ln>
+              <a:noFill/>
+            </a:ln>
+          </p:spPr>
+        </p:sp>
+        <p:sp>
+          <p:nvSpPr>
+            <p:cNvPr id="16" name="Freeform 7"/>
+            <p:cNvSpPr/>
+            <p:nvPr/>
+          </p:nvSpPr>
+          <p:spPr bwMode="auto">
+            <a:xfrm>
+              <a:off x="0" y="0"/>
+              <a:ext cx="758825" cy="4624388"/>
+            </a:xfrm>
+            <a:custGeom>
+              <a:avLst/>
+              <a:gdLst/>
+              <a:ahLst/>
+              <a:cxnLst/>
+              <a:rect l="0" t="0" r="r" b="b"/>
+              <a:pathLst>
+                <a:path w="478" h="2913">
+                  <a:moveTo>
+                    <a:pt x="478" y="0"/>
+                  </a:moveTo>
+                  <a:lnTo>
+                    <a:pt x="318" y="0"/>
+                  </a:lnTo>
+                  <a:lnTo>
+                    <a:pt x="0" y="1938"/>
+                  </a:lnTo>
+                  <a:lnTo>
+                    <a:pt x="0" y="2913"/>
+                  </a:lnTo>
+                  <a:lnTo>
+                    <a:pt x="478" y="0"/>
+                  </a:lnTo>
+                  <a:close/>
+                </a:path>
+              </a:pathLst>
+            </a:custGeom>
+            <a:solidFill>
+              <a:schemeClr val="tx1">
+                <a:lumMod val="65000"/>
+                <a:lumOff val="35000"/>
+              </a:schemeClr>
+            </a:solidFill>
+            <a:ln>
+              <a:noFill/>
+            </a:ln>
+          </p:spPr>
+        </p:sp>
+        <p:sp>
+          <p:nvSpPr>
+            <p:cNvPr id="17" name="Freeform 8"/>
+            <p:cNvSpPr/>
+            <p:nvPr/>
+          </p:nvSpPr>
+          <p:spPr bwMode="auto">
+            <a:xfrm>
+              <a:off x="0" y="5662613"/>
+              <a:ext cx="906463" cy="1195388"/>
+            </a:xfrm>
+            <a:custGeom>
+              <a:avLst/>
+              <a:gdLst/>
+              <a:ahLst/>
+              <a:cxnLst/>
+              <a:rect l="0" t="0" r="r" b="b"/>
+              <a:pathLst>
+                <a:path w="571" h="753">
+                  <a:moveTo>
+                    <a:pt x="0" y="0"/>
+                  </a:moveTo>
+                  <a:lnTo>
+                    <a:pt x="0" y="12"/>
+                  </a:lnTo>
+                  <a:lnTo>
+                    <a:pt x="538" y="753"/>
+                  </a:lnTo>
+                  <a:lnTo>
+                    <a:pt x="571" y="753"/>
+                  </a:lnTo>
+                  <a:lnTo>
+                    <a:pt x="0" y="0"/>
+                  </a:lnTo>
+                  <a:close/>
+                </a:path>
+              </a:pathLst>
+            </a:custGeom>
+            <a:solidFill>
+              <a:schemeClr val="tx1">
+                <a:lumMod val="85000"/>
+                <a:lumOff val="15000"/>
+              </a:schemeClr>
+            </a:solidFill>
+            <a:ln>
+              <a:noFill/>
+            </a:ln>
+          </p:spPr>
+        </p:sp>
+        <p:sp>
+          <p:nvSpPr>
+            <p:cNvPr id="18" name="Freeform 9"/>
+            <p:cNvSpPr/>
+            <p:nvPr/>
+          </p:nvSpPr>
+          <p:spPr bwMode="auto">
+            <a:xfrm>
+              <a:off x="0" y="5295900"/>
+              <a:ext cx="1487488" cy="1562100"/>
+            </a:xfrm>
+            <a:custGeom>
+              <a:avLst/>
+              <a:gdLst/>
+              <a:ahLst/>
+              <a:cxnLst/>
+              <a:rect l="0" t="0" r="r" b="b"/>
+              <a:pathLst>
+                <a:path w="937" h="984">
+                  <a:moveTo>
+                    <a:pt x="0" y="0"/>
+                  </a:moveTo>
+                  <a:lnTo>
+                    <a:pt x="0" y="3"/>
+                  </a:lnTo>
+                  <a:lnTo>
+                    <a:pt x="901" y="984"/>
+                  </a:lnTo>
+                  <a:lnTo>
+                    <a:pt x="937" y="984"/>
+                  </a:lnTo>
+                  <a:lnTo>
+                    <a:pt x="0" y="0"/>
+                  </a:lnTo>
+                  <a:close/>
+                </a:path>
+              </a:pathLst>
+            </a:custGeom>
+            <a:solidFill>
+              <a:schemeClr val="accent1">
+                <a:lumMod val="50000"/>
+              </a:schemeClr>
+            </a:solidFill>
+            <a:ln>
+              <a:noFill/>
+            </a:ln>
+          </p:spPr>
+        </p:sp>
+        <p:sp>
+          <p:nvSpPr>
+            <p:cNvPr id="19" name="Freeform 10"/>
+            <p:cNvSpPr/>
+            <p:nvPr/>
+          </p:nvSpPr>
+          <p:spPr bwMode="auto">
+            <a:xfrm>
+              <a:off x="0" y="5257800"/>
+              <a:ext cx="2132013" cy="1600200"/>
+            </a:xfrm>
+            <a:custGeom>
+              <a:avLst/>
+              <a:gdLst/>
+              <a:ahLst/>
+              <a:cxnLst/>
+              <a:rect l="0" t="0" r="r" b="b"/>
+              <a:pathLst>
+                <a:path w="1343" h="1008">
+                  <a:moveTo>
+                    <a:pt x="0" y="24"/>
+                  </a:moveTo>
+                  <a:lnTo>
+                    <a:pt x="937" y="1008"/>
+                  </a:lnTo>
+                  <a:lnTo>
+                    <a:pt x="1343" y="1008"/>
+                  </a:lnTo>
+                  <a:lnTo>
+                    <a:pt x="126" y="21"/>
+                  </a:lnTo>
+                  <a:lnTo>
+                    <a:pt x="0" y="0"/>
+                  </a:lnTo>
+                  <a:lnTo>
+                    <a:pt x="0" y="24"/>
+                  </a:lnTo>
+                  <a:close/>
+                </a:path>
+              </a:pathLst>
+            </a:custGeom>
+            <a:solidFill>
+              <a:schemeClr val="accent1">
+                <a:lumMod val="75000"/>
+              </a:schemeClr>
+            </a:solidFill>
+            <a:ln>
+              <a:noFill/>
+            </a:ln>
+          </p:spPr>
+        </p:sp>
+        <p:sp>
+          <p:nvSpPr>
+            <p:cNvPr id="20" name="Freeform 11"/>
+            <p:cNvSpPr/>
+            <p:nvPr/>
+          </p:nvSpPr>
+          <p:spPr bwMode="auto">
+            <a:xfrm>
+              <a:off x="0" y="5357813"/>
+              <a:ext cx="1377950" cy="1500188"/>
+            </a:xfrm>
+            <a:custGeom>
+              <a:avLst/>
+              <a:gdLst/>
+              <a:ahLst/>
+              <a:cxnLst/>
+              <a:rect l="0" t="0" r="r" b="b"/>
+              <a:pathLst>
+                <a:path w="868" h="945">
+                  <a:moveTo>
+                    <a:pt x="0" y="192"/>
+                  </a:moveTo>
+                  <a:lnTo>
+                    <a:pt x="571" y="945"/>
+                  </a:lnTo>
+                  <a:lnTo>
+                    <a:pt x="868" y="945"/>
+                  </a:lnTo>
+                  <a:lnTo>
+                    <a:pt x="0" y="0"/>
+                  </a:lnTo>
+                  <a:lnTo>
+                    <a:pt x="0" y="192"/>
+                  </a:lnTo>
+                  <a:close/>
+                </a:path>
+              </a:pathLst>
+            </a:custGeom>
+            <a:solidFill>
+              <a:schemeClr val="tx1">
+                <a:lumMod val="75000"/>
+                <a:lumOff val="25000"/>
+              </a:schemeClr>
+            </a:solidFill>
+            <a:ln>
+              <a:noFill/>
+            </a:ln>
+          </p:spPr>
+        </p:sp>
+      </p:grpSp>
+      <p:sp>
+        <p:nvSpPr>
+          <p:cNvPr id="2" name="Title Placeholder 1"/>
           <p:cNvSpPr>
             <a:spLocks noGrp="1"/>
           </p:cNvSpPr>
@@ -1397,300 +5966,560 @@
         </p:nvSpPr>
         <p:spPr>
           <a:xfrm>
-            <a:off x="504000" y="301320"/>
-            <a:ext cx="9071640" cy="1262160"/>
+            <a:off x="1082734" y="503979"/>
+            <a:ext cx="8493860" cy="2183906"/>
+          </a:xfrm>
+          <a:prstGeom prst="rect">
+            <a:avLst/>
+          </a:prstGeom>
+          <a:effectLst/>
+        </p:spPr>
+        <p:txBody>
+          <a:bodyPr vert="horz" lIns="91440" tIns="45720" rIns="91440" bIns="45720" rtlCol="0" anchor="ctr">
+            <a:normAutofit/>
+          </a:bodyPr>
+          <a:lstStyle/>
+          <a:p>
+            <a:r>
+              <a:rPr lang="pl-PL"/>
+              <a:t>Kliknij, aby edytować styl</a:t>
+            </a:r>
+            <a:endParaRPr lang="en-US" dirty="0"/>
+          </a:p>
+        </p:txBody>
+      </p:sp>
+      <p:sp>
+        <p:nvSpPr>
+          <p:cNvPr id="3" name="Text Placeholder 2"/>
+          <p:cNvSpPr>
+            <a:spLocks noGrp="1"/>
+          </p:cNvSpPr>
+          <p:nvPr>
+            <p:ph type="body" idx="1"/>
+          </p:nvPr>
+        </p:nvSpPr>
+        <p:spPr>
+          <a:xfrm>
+            <a:off x="1082735" y="2939874"/>
+            <a:ext cx="8493859" cy="3700465"/>
           </a:xfrm>
           <a:prstGeom prst="rect">
             <a:avLst/>
           </a:prstGeom>
         </p:spPr>
         <p:txBody>
-          <a:bodyPr lIns="0" tIns="0" rIns="0" bIns="0" anchor="ctr"/>
+          <a:bodyPr vert="horz" lIns="91440" tIns="45720" rIns="91440" bIns="45720" rtlCol="0" anchor="ctr">
+            <a:normAutofit/>
+          </a:bodyPr>
           <a:lstStyle/>
           <a:p>
-            <a:pPr algn="ctr"/>
-            <a:r>
-              <a:rPr lang="pl-PL" sz="4400">
-                <a:latin typeface="Arial"/>
-              </a:rPr>
-              <a:t>Kliknij, aby edytować format tekstu tytułu</a:t>
-            </a:r>
-            <a:endParaRPr/>
-          </a:p>
-        </p:txBody>
-      </p:sp>
-      <p:sp>
-        <p:nvSpPr>
-          <p:cNvPr id="6" name="PlaceHolder 2"/>
-          <p:cNvSpPr>
-            <a:spLocks noGrp="1"/>
-          </p:cNvSpPr>
-          <p:nvPr>
-            <p:ph type="body"/>
+            <a:pPr lvl="0"/>
+            <a:r>
+              <a:rPr lang="pl-PL"/>
+              <a:t>Edytuj style wzorca tekstu</a:t>
+            </a:r>
+          </a:p>
+          <a:p>
+            <a:pPr lvl="1"/>
+            <a:r>
+              <a:rPr lang="pl-PL"/>
+              <a:t>Drugi poziom</a:t>
+            </a:r>
+          </a:p>
+          <a:p>
+            <a:pPr lvl="2"/>
+            <a:r>
+              <a:rPr lang="pl-PL"/>
+              <a:t>Trzeci poziom</a:t>
+            </a:r>
+          </a:p>
+          <a:p>
+            <a:pPr lvl="3"/>
+            <a:r>
+              <a:rPr lang="pl-PL"/>
+              <a:t>Czwarty poziom</a:t>
+            </a:r>
+          </a:p>
+          <a:p>
+            <a:pPr lvl="4"/>
+            <a:r>
+              <a:rPr lang="pl-PL"/>
+              <a:t>Piąty poziom</a:t>
+            </a:r>
+            <a:endParaRPr lang="en-US" dirty="0"/>
+          </a:p>
+        </p:txBody>
+      </p:sp>
+      <p:sp>
+        <p:nvSpPr>
+          <p:cNvPr id="4" name="Date Placeholder 3"/>
+          <p:cNvSpPr>
+            <a:spLocks noGrp="1"/>
+          </p:cNvSpPr>
+          <p:nvPr>
+            <p:ph type="dt" sz="half" idx="2"/>
           </p:nvPr>
         </p:nvSpPr>
         <p:spPr>
           <a:xfrm>
-            <a:off x="504000" y="1769040"/>
-            <a:ext cx="9071640" cy="4384440"/>
+            <a:off x="8112433" y="6741835"/>
+            <a:ext cx="945304" cy="402483"/>
           </a:xfrm>
           <a:prstGeom prst="rect">
             <a:avLst/>
           </a:prstGeom>
         </p:spPr>
         <p:txBody>
-          <a:bodyPr lIns="0" tIns="0" rIns="0" bIns="0"/>
-          <a:lstStyle/>
-          <a:p>
-            <a:pPr>
-              <a:buSzPct val="45000"/>
-              <a:buFont typeface="StarSymbol"/>
-              <a:buChar char=""/>
-            </a:pPr>
-            <a:r>
-              <a:rPr lang="pl-PL" sz="3200">
-                <a:latin typeface="Arial"/>
+          <a:bodyPr vert="horz" lIns="91440" tIns="45720" rIns="91440" bIns="45720" rtlCol="0" anchor="ctr"/>
+          <a:lstStyle>
+            <a:lvl1pPr algn="r">
+              <a:defRPr sz="1102" b="0" i="0">
+                <a:solidFill>
+                  <a:schemeClr val="tx1"/>
+                </a:solidFill>
+                <a:effectLst/>
+                <a:latin typeface="+mn-lt"/>
+              </a:defRPr>
+            </a:lvl1pPr>
+          </a:lstStyle>
+          <a:p>
+            <a:r>
+              <a:rPr lang="pl-PL" sz="1400">
+                <a:latin typeface="Times New Roman"/>
               </a:rPr>
-              <a:t>Kliknij, aby edytować format tekstu konspektu</a:t>
-            </a:r>
-            <a:endParaRPr/>
-          </a:p>
-          <a:p>
-            <a:pPr lvl="1">
-              <a:buSzPct val="75000"/>
-              <a:buFont typeface="StarSymbol"/>
-              <a:buChar char=""/>
-            </a:pPr>
-            <a:r>
-              <a:rPr lang="pl-PL" sz="2800">
-                <a:latin typeface="Arial"/>
-              </a:rPr>
-              <a:t>Drugi poziom konspektu</a:t>
-            </a:r>
-            <a:endParaRPr/>
-          </a:p>
-          <a:p>
-            <a:pPr lvl="2">
-              <a:buSzPct val="45000"/>
-              <a:buFont typeface="StarSymbol"/>
-              <a:buChar char=""/>
-            </a:pPr>
-            <a:r>
-              <a:rPr lang="pl-PL" sz="2400">
-                <a:latin typeface="Arial"/>
-              </a:rPr>
-              <a:t>Trzeci poziom konspektu</a:t>
-            </a:r>
-            <a:endParaRPr/>
-          </a:p>
-          <a:p>
-            <a:pPr lvl="3">
-              <a:buSzPct val="75000"/>
-              <a:buFont typeface="StarSymbol"/>
-              <a:buChar char=""/>
-            </a:pPr>
-            <a:r>
-              <a:rPr lang="pl-PL" sz="2000">
-                <a:latin typeface="Arial"/>
-              </a:rPr>
-              <a:t>Czwarty poziom konspektu</a:t>
-            </a:r>
-            <a:endParaRPr/>
-          </a:p>
-          <a:p>
-            <a:pPr lvl="4">
-              <a:buSzPct val="45000"/>
-              <a:buFont typeface="StarSymbol"/>
-              <a:buChar char=""/>
-            </a:pPr>
-            <a:r>
-              <a:rPr lang="pl-PL" sz="2000">
-                <a:latin typeface="Arial"/>
-              </a:rPr>
-              <a:t>Piąty poziom konspektu</a:t>
-            </a:r>
-            <a:endParaRPr/>
-          </a:p>
-          <a:p>
-            <a:pPr lvl="5">
-              <a:buSzPct val="45000"/>
-              <a:buFont typeface="StarSymbol"/>
-              <a:buChar char=""/>
-            </a:pPr>
-            <a:r>
-              <a:rPr lang="pl-PL" sz="2000">
-                <a:latin typeface="Arial"/>
-              </a:rPr>
-              <a:t>Szósty poziom konspektu</a:t>
-            </a:r>
-            <a:endParaRPr/>
-          </a:p>
-          <a:p>
-            <a:pPr lvl="6">
-              <a:buSzPct val="45000"/>
-              <a:buFont typeface="StarSymbol"/>
-              <a:buChar char=""/>
-            </a:pPr>
-            <a:r>
-              <a:rPr lang="pl-PL" sz="2000">
-                <a:latin typeface="Arial"/>
-              </a:rPr>
-              <a:t>Siódmy poziom konspektu</a:t>
-            </a:r>
-            <a:endParaRPr/>
-          </a:p>
-        </p:txBody>
-      </p:sp>
-      <p:sp>
-        <p:nvSpPr>
-          <p:cNvPr id="2" name="PlaceHolder 3"/>
-          <p:cNvSpPr>
-            <a:spLocks noGrp="1"/>
-          </p:cNvSpPr>
-          <p:nvPr>
-            <p:ph type="dt"/>
+              <a:t>&lt;data/godzina&gt;</a:t>
+            </a:r>
+            <a:endParaRPr lang="pl-PL"/>
+          </a:p>
+        </p:txBody>
+      </p:sp>
+      <p:sp>
+        <p:nvSpPr>
+          <p:cNvPr id="5" name="Footer Placeholder 4"/>
+          <p:cNvSpPr>
+            <a:spLocks noGrp="1"/>
+          </p:cNvSpPr>
+          <p:nvPr>
+            <p:ph type="ftr" sz="quarter" idx="3"/>
           </p:nvPr>
         </p:nvSpPr>
         <p:spPr>
           <a:xfrm>
-            <a:off x="504000" y="6887160"/>
-            <a:ext cx="2348280" cy="521280"/>
+            <a:off x="2190527" y="6741835"/>
+            <a:ext cx="5858886" cy="402483"/>
           </a:xfrm>
           <a:prstGeom prst="rect">
             <a:avLst/>
           </a:prstGeom>
         </p:spPr>
         <p:txBody>
-          <a:bodyPr lIns="0" tIns="0" rIns="0" bIns="0"/>
-          <a:lstStyle/>
-          <a:p>
+          <a:bodyPr vert="horz" lIns="91440" tIns="45720" rIns="91440" bIns="45720" rtlCol="0" anchor="ctr"/>
+          <a:lstStyle>
+            <a:lvl1pPr algn="l">
+              <a:defRPr sz="1102" b="0" i="0">
+                <a:solidFill>
+                  <a:schemeClr val="tx1"/>
+                </a:solidFill>
+                <a:effectLst/>
+                <a:latin typeface="+mn-lt"/>
+              </a:defRPr>
+            </a:lvl1pPr>
+          </a:lstStyle>
+          <a:p>
+            <a:pPr algn="ctr"/>
             <a:r>
               <a:rPr lang="pl-PL" sz="1400">
                 <a:latin typeface="Times New Roman"/>
               </a:rPr>
-              <a:t>&lt;data/godzina&gt;</a:t>
-            </a:r>
-            <a:endParaRPr/>
-          </a:p>
-        </p:txBody>
-      </p:sp>
-      <p:sp>
-        <p:nvSpPr>
-          <p:cNvPr id="3" name="PlaceHolder 4"/>
-          <p:cNvSpPr>
-            <a:spLocks noGrp="1"/>
-          </p:cNvSpPr>
-          <p:nvPr>
-            <p:ph type="ftr"/>
+              <a:t>&lt;stopka&gt;</a:t>
+            </a:r>
+            <a:endParaRPr lang="pl-PL"/>
+          </a:p>
+        </p:txBody>
+      </p:sp>
+      <p:sp>
+        <p:nvSpPr>
+          <p:cNvPr id="6" name="Slide Number Placeholder 5"/>
+          <p:cNvSpPr>
+            <a:spLocks noGrp="1"/>
+          </p:cNvSpPr>
+          <p:nvPr>
+            <p:ph type="sldNum" sz="quarter" idx="4"/>
           </p:nvPr>
         </p:nvSpPr>
         <p:spPr>
           <a:xfrm>
-            <a:off x="3447360" y="6887160"/>
-            <a:ext cx="3195000" cy="521280"/>
+            <a:off x="9120758" y="6741835"/>
+            <a:ext cx="455836" cy="402483"/>
           </a:xfrm>
           <a:prstGeom prst="rect">
             <a:avLst/>
           </a:prstGeom>
         </p:spPr>
         <p:txBody>
-          <a:bodyPr lIns="0" tIns="0" rIns="0" bIns="0"/>
-          <a:lstStyle/>
-          <a:p>
-            <a:pPr algn="ctr"/>
-            <a:r>
-              <a:rPr lang="pl-PL" sz="1400">
-                <a:latin typeface="Times New Roman"/>
-              </a:rPr>
-              <a:t>&lt;stopka&gt;</a:t>
-            </a:r>
-            <a:endParaRPr/>
-          </a:p>
-        </p:txBody>
-      </p:sp>
-      <p:sp>
-        <p:nvSpPr>
-          <p:cNvPr id="4" name="PlaceHolder 5"/>
-          <p:cNvSpPr>
-            <a:spLocks noGrp="1"/>
-          </p:cNvSpPr>
-          <p:nvPr>
-            <p:ph type="sldNum"/>
-          </p:nvPr>
-        </p:nvSpPr>
-        <p:spPr>
-          <a:xfrm>
-            <a:off x="7227360" y="6887160"/>
-            <a:ext cx="2348280" cy="521280"/>
-          </a:xfrm>
-          <a:prstGeom prst="rect">
-            <a:avLst/>
-          </a:prstGeom>
-        </p:spPr>
-        <p:txBody>
-          <a:bodyPr lIns="0" tIns="0" rIns="0" bIns="0"/>
-          <a:lstStyle/>
+          <a:bodyPr vert="horz" lIns="91440" tIns="45720" rIns="91440" bIns="45720" rtlCol="0" anchor="ctr"/>
+          <a:lstStyle>
+            <a:lvl1pPr algn="r">
+              <a:defRPr sz="1102" b="0" i="0">
+                <a:solidFill>
+                  <a:schemeClr val="tx1"/>
+                </a:solidFill>
+                <a:effectLst/>
+                <a:latin typeface="+mn-lt"/>
+              </a:defRPr>
+            </a:lvl1pPr>
+          </a:lstStyle>
           <a:p>
             <a:pPr algn="r"/>
             <a:fld id="{C890E2C6-3C4E-4854-84CB-D903442CCCEA}" type="slidenum">
-              <a:rPr lang="pl-PL" sz="1400">
+              <a:rPr lang="pl-PL" sz="1400" smtClean="0">
                 <a:latin typeface="Times New Roman"/>
               </a:rPr>
               <a:pPr algn="r"/>
               <a:t>‹#›</a:t>
             </a:fld>
-            <a:endParaRPr/>
+            <a:endParaRPr lang="pl-PL"/>
           </a:p>
         </p:txBody>
       </p:sp>
     </p:spTree>
+    <p:extLst>
+      <p:ext uri="{BB962C8B-B14F-4D97-AF65-F5344CB8AC3E}">
+        <p14:creationId xmlns:p14="http://schemas.microsoft.com/office/powerpoint/2010/main" val="2181487054"/>
+      </p:ext>
+    </p:extLst>
   </p:cSld>
   <p:clrMap bg1="lt1" tx1="dk1" bg2="lt2" tx2="dk2" accent1="accent1" accent2="accent2" accent3="accent3" accent4="accent4" accent5="accent5" accent6="accent6" hlink="hlink" folHlink="folHlink"/>
   <p:sldLayoutIdLst>
-    <p:sldLayoutId id="2147483649" r:id="rId1"/>
-    <p:sldLayoutId id="2147483650" r:id="rId2"/>
-    <p:sldLayoutId id="2147483651" r:id="rId3"/>
-    <p:sldLayoutId id="2147483652" r:id="rId4"/>
-    <p:sldLayoutId id="2147483653" r:id="rId5"/>
-    <p:sldLayoutId id="2147483654" r:id="rId6"/>
-    <p:sldLayoutId id="2147483655" r:id="rId7"/>
-    <p:sldLayoutId id="2147483656" r:id="rId8"/>
-    <p:sldLayoutId id="2147483657" r:id="rId9"/>
-    <p:sldLayoutId id="2147483658" r:id="rId10"/>
-    <p:sldLayoutId id="2147483659" r:id="rId11"/>
-    <p:sldLayoutId id="2147483660" r:id="rId12"/>
+    <p:sldLayoutId id="2147483833" r:id="rId1"/>
+    <p:sldLayoutId id="2147483834" r:id="rId2"/>
+    <p:sldLayoutId id="2147483835" r:id="rId3"/>
+    <p:sldLayoutId id="2147483836" r:id="rId4"/>
+    <p:sldLayoutId id="2147483837" r:id="rId5"/>
+    <p:sldLayoutId id="2147483838" r:id="rId6"/>
+    <p:sldLayoutId id="2147483839" r:id="rId7"/>
+    <p:sldLayoutId id="2147483840" r:id="rId8"/>
+    <p:sldLayoutId id="2147483841" r:id="rId9"/>
+    <p:sldLayoutId id="2147483842" r:id="rId10"/>
+    <p:sldLayoutId id="2147483843" r:id="rId11"/>
+    <p:sldLayoutId id="2147483844" r:id="rId12"/>
+    <p:sldLayoutId id="2147483845" r:id="rId13"/>
+    <p:sldLayoutId id="2147483846" r:id="rId14"/>
+    <p:sldLayoutId id="2147483847" r:id="rId15"/>
+    <p:sldLayoutId id="2147483848" r:id="rId16"/>
+    <p:sldLayoutId id="2147483849" r:id="rId17"/>
+    <p:sldLayoutId id="2147483850" r:id="rId18"/>
   </p:sldLayoutIdLst>
   <p:txStyles>
     <p:titleStyle>
-      <a:lvl1pPr algn="l" defTabSz="914400" rtl="0" eaLnBrk="1" latinLnBrk="0" hangingPunct="1">
-        <a:lnSpc>
-          <a:spcPct val="90000"/>
-        </a:lnSpc>
+      <a:lvl1pPr algn="ctr" defTabSz="503972" rtl="0" eaLnBrk="1" latinLnBrk="0" hangingPunct="1">
         <a:spcBef>
           <a:spcPct val="0"/>
         </a:spcBef>
         <a:buNone/>
-        <a:defRPr sz="4400" kern="1200">
+        <a:defRPr sz="4409" kern="1200" cap="none">
+          <a:ln w="3175" cmpd="sng">
+            <a:noFill/>
+          </a:ln>
           <a:solidFill>
             <a:schemeClr val="tx1"/>
           </a:solidFill>
+          <a:effectLst/>
           <a:latin typeface="+mj-lt"/>
           <a:ea typeface="+mj-ea"/>
           <a:cs typeface="+mj-cs"/>
         </a:defRPr>
       </a:lvl1pPr>
+      <a:lvl2pPr eaLnBrk="1" hangingPunct="1">
+        <a:defRPr>
+          <a:solidFill>
+            <a:schemeClr val="tx2"/>
+          </a:solidFill>
+        </a:defRPr>
+      </a:lvl2pPr>
+      <a:lvl3pPr eaLnBrk="1" hangingPunct="1">
+        <a:defRPr>
+          <a:solidFill>
+            <a:schemeClr val="tx2"/>
+          </a:solidFill>
+        </a:defRPr>
+      </a:lvl3pPr>
+      <a:lvl4pPr eaLnBrk="1" hangingPunct="1">
+        <a:defRPr>
+          <a:solidFill>
+            <a:schemeClr val="tx2"/>
+          </a:solidFill>
+        </a:defRPr>
+      </a:lvl4pPr>
+      <a:lvl5pPr eaLnBrk="1" hangingPunct="1">
+        <a:defRPr>
+          <a:solidFill>
+            <a:schemeClr val="tx2"/>
+          </a:solidFill>
+        </a:defRPr>
+      </a:lvl5pPr>
+      <a:lvl6pPr eaLnBrk="1" hangingPunct="1">
+        <a:defRPr>
+          <a:solidFill>
+            <a:schemeClr val="tx2"/>
+          </a:solidFill>
+        </a:defRPr>
+      </a:lvl6pPr>
+      <a:lvl7pPr eaLnBrk="1" hangingPunct="1">
+        <a:defRPr>
+          <a:solidFill>
+            <a:schemeClr val="tx2"/>
+          </a:solidFill>
+        </a:defRPr>
+      </a:lvl7pPr>
+      <a:lvl8pPr eaLnBrk="1" hangingPunct="1">
+        <a:defRPr>
+          <a:solidFill>
+            <a:schemeClr val="tx2"/>
+          </a:solidFill>
+        </a:defRPr>
+      </a:lvl8pPr>
+      <a:lvl9pPr eaLnBrk="1" hangingPunct="1">
+        <a:defRPr>
+          <a:solidFill>
+            <a:schemeClr val="tx2"/>
+          </a:solidFill>
+        </a:defRPr>
+      </a:lvl9pPr>
     </p:titleStyle>
     <p:bodyStyle>
-      <a:lvl1pPr marL="228600" indent="-228600" algn="l" defTabSz="914400" rtl="0" eaLnBrk="1" latinLnBrk="0" hangingPunct="1">
-        <a:lnSpc>
-          <a:spcPct val="90000"/>
-        </a:lnSpc>
+      <a:lvl1pPr marL="314982" indent="-314982" algn="l" defTabSz="503972" rtl="0" eaLnBrk="1" latinLnBrk="0" hangingPunct="1">
         <a:spcBef>
-          <a:spcPts val="1000"/>
+          <a:spcPct val="20000"/>
         </a:spcBef>
-        <a:buFont typeface="Arial" panose="020B0604020202020204" pitchFamily="34" charset="0"/>
+        <a:spcAft>
+          <a:spcPts val="661"/>
+        </a:spcAft>
+        <a:buClr>
+          <a:schemeClr val="accent1">
+            <a:lumMod val="75000"/>
+          </a:schemeClr>
+        </a:buClr>
+        <a:buSzPct val="145000"/>
+        <a:buFont typeface="Arial"/>
         <a:buChar char="•"/>
-        <a:defRPr sz="2800" kern="1200">
+        <a:defRPr sz="2646" kern="1200" cap="none">
+          <a:solidFill>
+            <a:schemeClr val="tx1"/>
+          </a:solidFill>
+          <a:effectLst/>
+          <a:latin typeface="+mn-lt"/>
+          <a:ea typeface="+mn-ea"/>
+          <a:cs typeface="+mn-cs"/>
+        </a:defRPr>
+      </a:lvl1pPr>
+      <a:lvl2pPr marL="818954" indent="-314982" algn="l" defTabSz="503972" rtl="0" eaLnBrk="1" latinLnBrk="0" hangingPunct="1">
+        <a:spcBef>
+          <a:spcPct val="20000"/>
+        </a:spcBef>
+        <a:spcAft>
+          <a:spcPts val="661"/>
+        </a:spcAft>
+        <a:buClr>
+          <a:schemeClr val="accent1">
+            <a:lumMod val="75000"/>
+          </a:schemeClr>
+        </a:buClr>
+        <a:buSzPct val="145000"/>
+        <a:buFont typeface="Arial"/>
+        <a:buChar char="•"/>
+        <a:defRPr sz="2205" kern="1200" cap="none">
+          <a:solidFill>
+            <a:schemeClr val="tx1"/>
+          </a:solidFill>
+          <a:effectLst/>
+          <a:latin typeface="+mn-lt"/>
+          <a:ea typeface="+mn-ea"/>
+          <a:cs typeface="+mn-cs"/>
+        </a:defRPr>
+      </a:lvl2pPr>
+      <a:lvl3pPr marL="1322925" indent="-314982" algn="l" defTabSz="503972" rtl="0" eaLnBrk="1" latinLnBrk="0" hangingPunct="1">
+        <a:spcBef>
+          <a:spcPct val="20000"/>
+        </a:spcBef>
+        <a:spcAft>
+          <a:spcPts val="661"/>
+        </a:spcAft>
+        <a:buClr>
+          <a:schemeClr val="accent1">
+            <a:lumMod val="75000"/>
+          </a:schemeClr>
+        </a:buClr>
+        <a:buSzPct val="145000"/>
+        <a:buFont typeface="Arial"/>
+        <a:buChar char="•"/>
+        <a:defRPr sz="1984" kern="1200" cap="none">
+          <a:solidFill>
+            <a:schemeClr val="tx1"/>
+          </a:solidFill>
+          <a:effectLst/>
+          <a:latin typeface="+mn-lt"/>
+          <a:ea typeface="+mn-ea"/>
+          <a:cs typeface="+mn-cs"/>
+        </a:defRPr>
+      </a:lvl3pPr>
+      <a:lvl4pPr marL="1700904" indent="-188989" algn="l" defTabSz="503972" rtl="0" eaLnBrk="1" latinLnBrk="0" hangingPunct="1">
+        <a:spcBef>
+          <a:spcPct val="20000"/>
+        </a:spcBef>
+        <a:spcAft>
+          <a:spcPts val="661"/>
+        </a:spcAft>
+        <a:buClr>
+          <a:schemeClr val="accent1">
+            <a:lumMod val="75000"/>
+          </a:schemeClr>
+        </a:buClr>
+        <a:buSzPct val="145000"/>
+        <a:buFont typeface="Arial"/>
+        <a:buChar char="•"/>
+        <a:defRPr sz="1764" kern="1200" cap="none">
+          <a:solidFill>
+            <a:schemeClr val="tx1"/>
+          </a:solidFill>
+          <a:effectLst/>
+          <a:latin typeface="+mn-lt"/>
+          <a:ea typeface="+mn-ea"/>
+          <a:cs typeface="+mn-cs"/>
+        </a:defRPr>
+      </a:lvl4pPr>
+      <a:lvl5pPr marL="2204876" indent="-188989" algn="l" defTabSz="503972" rtl="0" eaLnBrk="1" latinLnBrk="0" hangingPunct="1">
+        <a:spcBef>
+          <a:spcPct val="20000"/>
+        </a:spcBef>
+        <a:spcAft>
+          <a:spcPts val="661"/>
+        </a:spcAft>
+        <a:buClr>
+          <a:schemeClr val="accent1">
+            <a:lumMod val="75000"/>
+          </a:schemeClr>
+        </a:buClr>
+        <a:buSzPct val="145000"/>
+        <a:buFont typeface="Arial"/>
+        <a:buChar char="•"/>
+        <a:defRPr sz="1543" kern="1200" cap="none">
+          <a:solidFill>
+            <a:schemeClr val="tx1"/>
+          </a:solidFill>
+          <a:effectLst/>
+          <a:latin typeface="+mn-lt"/>
+          <a:ea typeface="+mn-ea"/>
+          <a:cs typeface="+mn-cs"/>
+        </a:defRPr>
+      </a:lvl5pPr>
+      <a:lvl6pPr marL="2771844" indent="-251986" algn="l" defTabSz="503972" rtl="0" eaLnBrk="1" latinLnBrk="0" hangingPunct="1">
+        <a:spcBef>
+          <a:spcPct val="20000"/>
+        </a:spcBef>
+        <a:spcAft>
+          <a:spcPts val="661"/>
+        </a:spcAft>
+        <a:buClr>
+          <a:schemeClr val="accent1">
+            <a:lumMod val="75000"/>
+          </a:schemeClr>
+        </a:buClr>
+        <a:buSzPct val="145000"/>
+        <a:buFont typeface="Arial"/>
+        <a:buChar char="•"/>
+        <a:defRPr sz="1543" kern="1200" cap="none">
+          <a:solidFill>
+            <a:schemeClr val="tx1"/>
+          </a:solidFill>
+          <a:effectLst/>
+          <a:latin typeface="+mn-lt"/>
+          <a:ea typeface="+mn-ea"/>
+          <a:cs typeface="+mn-cs"/>
+        </a:defRPr>
+      </a:lvl6pPr>
+      <a:lvl7pPr marL="3275815" indent="-251986" algn="l" defTabSz="503972" rtl="0" eaLnBrk="1" latinLnBrk="0" hangingPunct="1">
+        <a:spcBef>
+          <a:spcPct val="20000"/>
+        </a:spcBef>
+        <a:spcAft>
+          <a:spcPts val="661"/>
+        </a:spcAft>
+        <a:buClr>
+          <a:schemeClr val="accent1">
+            <a:lumMod val="75000"/>
+          </a:schemeClr>
+        </a:buClr>
+        <a:buSzPct val="145000"/>
+        <a:buFont typeface="Arial"/>
+        <a:buChar char="•"/>
+        <a:defRPr sz="1543" kern="1200" cap="none">
+          <a:solidFill>
+            <a:schemeClr val="tx1"/>
+          </a:solidFill>
+          <a:effectLst/>
+          <a:latin typeface="+mn-lt"/>
+          <a:ea typeface="+mn-ea"/>
+          <a:cs typeface="+mn-cs"/>
+        </a:defRPr>
+      </a:lvl7pPr>
+      <a:lvl8pPr marL="3779787" indent="-251986" algn="l" defTabSz="503972" rtl="0" eaLnBrk="1" latinLnBrk="0" hangingPunct="1">
+        <a:spcBef>
+          <a:spcPct val="20000"/>
+        </a:spcBef>
+        <a:spcAft>
+          <a:spcPts val="661"/>
+        </a:spcAft>
+        <a:buClr>
+          <a:schemeClr val="accent1">
+            <a:lumMod val="75000"/>
+          </a:schemeClr>
+        </a:buClr>
+        <a:buSzPct val="145000"/>
+        <a:buFont typeface="Arial"/>
+        <a:buChar char="•"/>
+        <a:defRPr sz="1543" kern="1200" cap="none">
+          <a:solidFill>
+            <a:schemeClr val="tx1"/>
+          </a:solidFill>
+          <a:effectLst/>
+          <a:latin typeface="+mn-lt"/>
+          <a:ea typeface="+mn-ea"/>
+          <a:cs typeface="+mn-cs"/>
+        </a:defRPr>
+      </a:lvl8pPr>
+      <a:lvl9pPr marL="4283758" indent="-251986" algn="l" defTabSz="503972" rtl="0" eaLnBrk="1" latinLnBrk="0" hangingPunct="1">
+        <a:spcBef>
+          <a:spcPct val="20000"/>
+        </a:spcBef>
+        <a:spcAft>
+          <a:spcPts val="661"/>
+        </a:spcAft>
+        <a:buClr>
+          <a:schemeClr val="accent1">
+            <a:lumMod val="75000"/>
+          </a:schemeClr>
+        </a:buClr>
+        <a:buSzPct val="145000"/>
+        <a:buFont typeface="Arial"/>
+        <a:buChar char="•"/>
+        <a:defRPr sz="1543" kern="1200" cap="none">
+          <a:solidFill>
+            <a:schemeClr val="tx1"/>
+          </a:solidFill>
+          <a:effectLst/>
+          <a:latin typeface="+mn-lt"/>
+          <a:ea typeface="+mn-ea"/>
+          <a:cs typeface="+mn-cs"/>
+        </a:defRPr>
+      </a:lvl9pPr>
+    </p:bodyStyle>
+    <p:otherStyle>
+      <a:defPPr>
+        <a:defRPr lang="en-US"/>
+      </a:defPPr>
+      <a:lvl1pPr marL="0" algn="l" defTabSz="503972" rtl="0" eaLnBrk="1" latinLnBrk="0" hangingPunct="1">
+        <a:defRPr sz="1984" kern="1200">
           <a:solidFill>
             <a:schemeClr val="tx1"/>
           </a:solidFill>
@@ -1699,16 +6528,8 @@
           <a:cs typeface="+mn-cs"/>
         </a:defRPr>
       </a:lvl1pPr>
-      <a:lvl2pPr marL="685800" indent="-228600" algn="l" defTabSz="914400" rtl="0" eaLnBrk="1" latinLnBrk="0" hangingPunct="1">
-        <a:lnSpc>
-          <a:spcPct val="90000"/>
-        </a:lnSpc>
-        <a:spcBef>
-          <a:spcPts val="500"/>
-        </a:spcBef>
-        <a:buFont typeface="Arial" panose="020B0604020202020204" pitchFamily="34" charset="0"/>
-        <a:buChar char="•"/>
-        <a:defRPr sz="2400" kern="1200">
+      <a:lvl2pPr marL="503972" algn="l" defTabSz="503972" rtl="0" eaLnBrk="1" latinLnBrk="0" hangingPunct="1">
+        <a:defRPr sz="1984" kern="1200">
           <a:solidFill>
             <a:schemeClr val="tx1"/>
           </a:solidFill>
@@ -1717,16 +6538,8 @@
           <a:cs typeface="+mn-cs"/>
         </a:defRPr>
       </a:lvl2pPr>
-      <a:lvl3pPr marL="1143000" indent="-228600" algn="l" defTabSz="914400" rtl="0" eaLnBrk="1" latinLnBrk="0" hangingPunct="1">
-        <a:lnSpc>
-          <a:spcPct val="90000"/>
-        </a:lnSpc>
-        <a:spcBef>
-          <a:spcPts val="500"/>
-        </a:spcBef>
-        <a:buFont typeface="Arial" panose="020B0604020202020204" pitchFamily="34" charset="0"/>
-        <a:buChar char="•"/>
-        <a:defRPr sz="2000" kern="1200">
+      <a:lvl3pPr marL="1007943" algn="l" defTabSz="503972" rtl="0" eaLnBrk="1" latinLnBrk="0" hangingPunct="1">
+        <a:defRPr sz="1984" kern="1200">
           <a:solidFill>
             <a:schemeClr val="tx1"/>
           </a:solidFill>
@@ -1735,16 +6548,8 @@
           <a:cs typeface="+mn-cs"/>
         </a:defRPr>
       </a:lvl3pPr>
-      <a:lvl4pPr marL="1600200" indent="-228600" algn="l" defTabSz="914400" rtl="0" eaLnBrk="1" latinLnBrk="0" hangingPunct="1">
-        <a:lnSpc>
-          <a:spcPct val="90000"/>
-        </a:lnSpc>
-        <a:spcBef>
-          <a:spcPts val="500"/>
-        </a:spcBef>
-        <a:buFont typeface="Arial" panose="020B0604020202020204" pitchFamily="34" charset="0"/>
-        <a:buChar char="•"/>
-        <a:defRPr sz="1800" kern="1200">
+      <a:lvl4pPr marL="1511915" algn="l" defTabSz="503972" rtl="0" eaLnBrk="1" latinLnBrk="0" hangingPunct="1">
+        <a:defRPr sz="1984" kern="1200">
           <a:solidFill>
             <a:schemeClr val="tx1"/>
           </a:solidFill>
@@ -1753,16 +6558,8 @@
           <a:cs typeface="+mn-cs"/>
         </a:defRPr>
       </a:lvl4pPr>
-      <a:lvl5pPr marL="2057400" indent="-228600" algn="l" defTabSz="914400" rtl="0" eaLnBrk="1" latinLnBrk="0" hangingPunct="1">
-        <a:lnSpc>
-          <a:spcPct val="90000"/>
-        </a:lnSpc>
-        <a:spcBef>
-          <a:spcPts val="500"/>
-        </a:spcBef>
-        <a:buFont typeface="Arial" panose="020B0604020202020204" pitchFamily="34" charset="0"/>
-        <a:buChar char="•"/>
-        <a:defRPr sz="1800" kern="1200">
+      <a:lvl5pPr marL="2015886" algn="l" defTabSz="503972" rtl="0" eaLnBrk="1" latinLnBrk="0" hangingPunct="1">
+        <a:defRPr sz="1984" kern="1200">
           <a:solidFill>
             <a:schemeClr val="tx1"/>
           </a:solidFill>
@@ -1771,16 +6568,8 @@
           <a:cs typeface="+mn-cs"/>
         </a:defRPr>
       </a:lvl5pPr>
-      <a:lvl6pPr marL="2514600" indent="-228600" algn="l" defTabSz="914400" rtl="0" eaLnBrk="1" latinLnBrk="0" hangingPunct="1">
-        <a:lnSpc>
-          <a:spcPct val="90000"/>
-        </a:lnSpc>
-        <a:spcBef>
-          <a:spcPts val="500"/>
-        </a:spcBef>
-        <a:buFont typeface="Arial" panose="020B0604020202020204" pitchFamily="34" charset="0"/>
-        <a:buChar char="•"/>
-        <a:defRPr sz="1800" kern="1200">
+      <a:lvl6pPr marL="2519858" algn="l" defTabSz="503972" rtl="0" eaLnBrk="1" latinLnBrk="0" hangingPunct="1">
+        <a:defRPr sz="1984" kern="1200">
           <a:solidFill>
             <a:schemeClr val="tx1"/>
           </a:solidFill>
@@ -1789,16 +6578,8 @@
           <a:cs typeface="+mn-cs"/>
         </a:defRPr>
       </a:lvl6pPr>
-      <a:lvl7pPr marL="2971800" indent="-228600" algn="l" defTabSz="914400" rtl="0" eaLnBrk="1" latinLnBrk="0" hangingPunct="1">
-        <a:lnSpc>
-          <a:spcPct val="90000"/>
-        </a:lnSpc>
-        <a:spcBef>
-          <a:spcPts val="500"/>
-        </a:spcBef>
-        <a:buFont typeface="Arial" panose="020B0604020202020204" pitchFamily="34" charset="0"/>
-        <a:buChar char="•"/>
-        <a:defRPr sz="1800" kern="1200">
+      <a:lvl7pPr marL="3023829" algn="l" defTabSz="503972" rtl="0" eaLnBrk="1" latinLnBrk="0" hangingPunct="1">
+        <a:defRPr sz="1984" kern="1200">
           <a:solidFill>
             <a:schemeClr val="tx1"/>
           </a:solidFill>
@@ -1807,16 +6588,8 @@
           <a:cs typeface="+mn-cs"/>
         </a:defRPr>
       </a:lvl7pPr>
-      <a:lvl8pPr marL="3429000" indent="-228600" algn="l" defTabSz="914400" rtl="0" eaLnBrk="1" latinLnBrk="0" hangingPunct="1">
-        <a:lnSpc>
-          <a:spcPct val="90000"/>
-        </a:lnSpc>
-        <a:spcBef>
-          <a:spcPts val="500"/>
-        </a:spcBef>
-        <a:buFont typeface="Arial" panose="020B0604020202020204" pitchFamily="34" charset="0"/>
-        <a:buChar char="•"/>
-        <a:defRPr sz="1800" kern="1200">
+      <a:lvl8pPr marL="3527801" algn="l" defTabSz="503972" rtl="0" eaLnBrk="1" latinLnBrk="0" hangingPunct="1">
+        <a:defRPr sz="1984" kern="1200">
           <a:solidFill>
             <a:schemeClr val="tx1"/>
           </a:solidFill>
@@ -1825,111 +6598,8 @@
           <a:cs typeface="+mn-cs"/>
         </a:defRPr>
       </a:lvl8pPr>
-      <a:lvl9pPr marL="3886200" indent="-228600" algn="l" defTabSz="914400" rtl="0" eaLnBrk="1" latinLnBrk="0" hangingPunct="1">
-        <a:lnSpc>
-          <a:spcPct val="90000"/>
-        </a:lnSpc>
-        <a:spcBef>
-          <a:spcPts val="500"/>
-        </a:spcBef>
-        <a:buFont typeface="Arial" panose="020B0604020202020204" pitchFamily="34" charset="0"/>
-        <a:buChar char="•"/>
-        <a:defRPr sz="1800" kern="1200">
-          <a:solidFill>
-            <a:schemeClr val="tx1"/>
-          </a:solidFill>
-          <a:latin typeface="+mn-lt"/>
-          <a:ea typeface="+mn-ea"/>
-          <a:cs typeface="+mn-cs"/>
-        </a:defRPr>
-      </a:lvl9pPr>
-    </p:bodyStyle>
-    <p:otherStyle>
-      <a:defPPr>
-        <a:defRPr lang="pl-PL"/>
-      </a:defPPr>
-      <a:lvl1pPr marL="0" algn="l" defTabSz="914400" rtl="0" eaLnBrk="1" latinLnBrk="0" hangingPunct="1">
-        <a:defRPr sz="1800" kern="1200">
-          <a:solidFill>
-            <a:schemeClr val="tx1"/>
-          </a:solidFill>
-          <a:latin typeface="+mn-lt"/>
-          <a:ea typeface="+mn-ea"/>
-          <a:cs typeface="+mn-cs"/>
-        </a:defRPr>
-      </a:lvl1pPr>
-      <a:lvl2pPr marL="457200" algn="l" defTabSz="914400" rtl="0" eaLnBrk="1" latinLnBrk="0" hangingPunct="1">
-        <a:defRPr sz="1800" kern="1200">
-          <a:solidFill>
-            <a:schemeClr val="tx1"/>
-          </a:solidFill>
-          <a:latin typeface="+mn-lt"/>
-          <a:ea typeface="+mn-ea"/>
-          <a:cs typeface="+mn-cs"/>
-        </a:defRPr>
-      </a:lvl2pPr>
-      <a:lvl3pPr marL="914400" algn="l" defTabSz="914400" rtl="0" eaLnBrk="1" latinLnBrk="0" hangingPunct="1">
-        <a:defRPr sz="1800" kern="1200">
-          <a:solidFill>
-            <a:schemeClr val="tx1"/>
-          </a:solidFill>
-          <a:latin typeface="+mn-lt"/>
-          <a:ea typeface="+mn-ea"/>
-          <a:cs typeface="+mn-cs"/>
-        </a:defRPr>
-      </a:lvl3pPr>
-      <a:lvl4pPr marL="1371600" algn="l" defTabSz="914400" rtl="0" eaLnBrk="1" latinLnBrk="0" hangingPunct="1">
-        <a:defRPr sz="1800" kern="1200">
-          <a:solidFill>
-            <a:schemeClr val="tx1"/>
-          </a:solidFill>
-          <a:latin typeface="+mn-lt"/>
-          <a:ea typeface="+mn-ea"/>
-          <a:cs typeface="+mn-cs"/>
-        </a:defRPr>
-      </a:lvl4pPr>
-      <a:lvl5pPr marL="1828800" algn="l" defTabSz="914400" rtl="0" eaLnBrk="1" latinLnBrk="0" hangingPunct="1">
-        <a:defRPr sz="1800" kern="1200">
-          <a:solidFill>
-            <a:schemeClr val="tx1"/>
-          </a:solidFill>
-          <a:latin typeface="+mn-lt"/>
-          <a:ea typeface="+mn-ea"/>
-          <a:cs typeface="+mn-cs"/>
-        </a:defRPr>
-      </a:lvl5pPr>
-      <a:lvl6pPr marL="2286000" algn="l" defTabSz="914400" rtl="0" eaLnBrk="1" latinLnBrk="0" hangingPunct="1">
-        <a:defRPr sz="1800" kern="1200">
-          <a:solidFill>
-            <a:schemeClr val="tx1"/>
-          </a:solidFill>
-          <a:latin typeface="+mn-lt"/>
-          <a:ea typeface="+mn-ea"/>
-          <a:cs typeface="+mn-cs"/>
-        </a:defRPr>
-      </a:lvl6pPr>
-      <a:lvl7pPr marL="2743200" algn="l" defTabSz="914400" rtl="0" eaLnBrk="1" latinLnBrk="0" hangingPunct="1">
-        <a:defRPr sz="1800" kern="1200">
-          <a:solidFill>
-            <a:schemeClr val="tx1"/>
-          </a:solidFill>
-          <a:latin typeface="+mn-lt"/>
-          <a:ea typeface="+mn-ea"/>
-          <a:cs typeface="+mn-cs"/>
-        </a:defRPr>
-      </a:lvl7pPr>
-      <a:lvl8pPr marL="3200400" algn="l" defTabSz="914400" rtl="0" eaLnBrk="1" latinLnBrk="0" hangingPunct="1">
-        <a:defRPr sz="1800" kern="1200">
-          <a:solidFill>
-            <a:schemeClr val="tx1"/>
-          </a:solidFill>
-          <a:latin typeface="+mn-lt"/>
-          <a:ea typeface="+mn-ea"/>
-          <a:cs typeface="+mn-cs"/>
-        </a:defRPr>
-      </a:lvl8pPr>
-      <a:lvl9pPr marL="3657600" algn="l" defTabSz="914400" rtl="0" eaLnBrk="1" latinLnBrk="0" hangingPunct="1">
-        <a:defRPr sz="1800" kern="1200">
+      <a:lvl9pPr marL="4031772" algn="l" defTabSz="503972" rtl="0" eaLnBrk="1" latinLnBrk="0" hangingPunct="1">
+        <a:defRPr sz="1984" kern="1200">
           <a:solidFill>
             <a:schemeClr val="tx1"/>
           </a:solidFill>
@@ -1985,12 +6655,44 @@
           <a:p>
             <a:pPr algn="ctr"/>
             <a:r>
-              <a:rPr lang="pl-PL" sz="4400">
-                <a:latin typeface="Arial"/>
+              <a:rPr lang="pl-PL" sz="4400" dirty="0">
+                <a:ln>
+                  <a:solidFill>
+                    <a:schemeClr val="tx1">
+                      <a:lumMod val="95000"/>
+                      <a:lumOff val="5000"/>
+                    </a:schemeClr>
+                  </a:solidFill>
+                </a:ln>
+                <a:latin typeface="+mj-lt"/>
               </a:rPr>
-              <a:t>Model drogowej sygnalizacji świetlnej w programie CANoe</a:t>
-            </a:r>
-            <a:endParaRPr/>
+              <a:t>Model drogowej sygnalizacji świetlnej w programie </a:t>
+            </a:r>
+            <a:r>
+              <a:rPr lang="pl-PL" sz="4400" dirty="0" err="1">
+                <a:ln>
+                  <a:solidFill>
+                    <a:schemeClr val="tx1">
+                      <a:lumMod val="95000"/>
+                      <a:lumOff val="5000"/>
+                    </a:schemeClr>
+                  </a:solidFill>
+                </a:ln>
+                <a:latin typeface="+mj-lt"/>
+              </a:rPr>
+              <a:t>CANoe</a:t>
+            </a:r>
+            <a:endParaRPr dirty="0">
+              <a:ln>
+                <a:solidFill>
+                  <a:schemeClr val="tx1">
+                    <a:lumMod val="95000"/>
+                    <a:lumOff val="5000"/>
+                  </a:schemeClr>
+                </a:solidFill>
+              </a:ln>
+              <a:latin typeface="+mj-lt"/>
+            </a:endParaRPr>
           </a:p>
         </p:txBody>
       </p:sp>
@@ -2019,42 +6721,42 @@
           <a:p>
             <a:pPr algn="r"/>
             <a:r>
-              <a:rPr lang="pl-PL" sz="2400">
-                <a:latin typeface="Arial"/>
-              </a:rPr>
-              <a:t>Andrzej Brodzicki</a:t>
-            </a:r>
-            <a:endParaRPr/>
+              <a:rPr lang="pl-PL" sz="2400" dirty="0"/>
+              <a:t>Andrzej </a:t>
+            </a:r>
+            <a:r>
+              <a:rPr lang="pl-PL" sz="2400" dirty="0" err="1"/>
+              <a:t>Brodzicki</a:t>
+            </a:r>
+            <a:endParaRPr dirty="0"/>
           </a:p>
           <a:p>
             <a:pPr algn="r"/>
             <a:r>
-              <a:rPr lang="pl-PL" sz="2400">
-                <a:latin typeface="Arial"/>
-              </a:rPr>
+              <a:rPr lang="pl-PL" sz="2400" dirty="0"/>
               <a:t>Aleksander Pasiut</a:t>
             </a:r>
-            <a:endParaRPr/>
+            <a:endParaRPr dirty="0"/>
           </a:p>
           <a:p>
             <a:pPr algn="r"/>
             <a:r>
-              <a:rPr lang="pl-PL" sz="2400">
-                <a:latin typeface="Arial"/>
-              </a:rPr>
-              <a:t>Michał Trojnarski</a:t>
-            </a:r>
-            <a:endParaRPr/>
+              <a:rPr lang="pl-PL" sz="2400" dirty="0"/>
+              <a:t>Michał </a:t>
+            </a:r>
+            <a:r>
+              <a:rPr lang="pl-PL" sz="2400" dirty="0" err="1"/>
+              <a:t>Trojnarski</a:t>
+            </a:r>
+            <a:endParaRPr dirty="0"/>
           </a:p>
           <a:p>
             <a:pPr algn="r"/>
             <a:r>
-              <a:rPr lang="pl-PL" sz="2400">
-                <a:latin typeface="Arial"/>
-              </a:rPr>
+              <a:rPr lang="pl-PL" sz="2400" dirty="0"/>
               <a:t>Mateusz Wąsala</a:t>
             </a:r>
-            <a:endParaRPr/>
+            <a:endParaRPr dirty="0"/>
           </a:p>
         </p:txBody>
       </p:sp>
@@ -2125,8 +6827,8 @@
         </p:nvSpPr>
         <p:spPr>
           <a:xfrm>
-            <a:off x="0" y="301320"/>
-            <a:ext cx="10080625" cy="1262160"/>
+            <a:off x="457427" y="262929"/>
+            <a:ext cx="9949996" cy="1262160"/>
           </a:xfrm>
         </p:spPr>
         <p:txBody>
@@ -2134,14 +6836,41 @@
           <a:lstStyle/>
           <a:p>
             <a:r>
-              <a:rPr lang="pl-PL" sz="4000" dirty="0"/>
+              <a:rPr lang="pl-PL" sz="4000" dirty="0">
+                <a:ln>
+                  <a:solidFill>
+                    <a:schemeClr val="tx1">
+                      <a:lumMod val="95000"/>
+                      <a:lumOff val="5000"/>
+                    </a:schemeClr>
+                  </a:solidFill>
+                </a:ln>
+              </a:rPr>
               <a:t>Kilka słów o module pomiarowym - </a:t>
             </a:r>
             <a:r>
-              <a:rPr lang="pl-PL" sz="4000" dirty="0" err="1"/>
+              <a:rPr lang="pl-PL" sz="4000" dirty="0" err="1">
+                <a:ln>
+                  <a:solidFill>
+                    <a:schemeClr val="tx1">
+                      <a:lumMod val="95000"/>
+                      <a:lumOff val="5000"/>
+                    </a:schemeClr>
+                  </a:solidFill>
+                </a:ln>
+              </a:rPr>
               <a:t>sensors</a:t>
             </a:r>
-            <a:endParaRPr lang="pl-PL" sz="4000" dirty="0"/>
+            <a:endParaRPr lang="pl-PL" sz="4000" dirty="0">
+              <a:ln>
+                <a:solidFill>
+                  <a:schemeClr val="tx1">
+                    <a:lumMod val="95000"/>
+                    <a:lumOff val="5000"/>
+                  </a:schemeClr>
+                </a:solidFill>
+              </a:ln>
+            </a:endParaRPr>
           </a:p>
         </p:txBody>
       </p:sp>
@@ -2153,8 +6882,8 @@
         </p:nvSpPr>
         <p:spPr>
           <a:xfrm>
-            <a:off x="274320" y="1508760"/>
-            <a:ext cx="9296400" cy="3170099"/>
+            <a:off x="784225" y="1525089"/>
+            <a:ext cx="9296400" cy="2862322"/>
           </a:xfrm>
           <a:prstGeom prst="rect">
             <a:avLst/>
@@ -2167,29 +6896,42 @@
           </a:bodyPr>
           <a:lstStyle/>
           <a:p>
-            <a:r>
-              <a:rPr lang="pl-PL" sz="4000" dirty="0"/>
+            <a:pPr algn="just"/>
+            <a:r>
+              <a:rPr lang="pl-PL" sz="3600" dirty="0"/>
               <a:t>Blok pomiarowy:</a:t>
             </a:r>
           </a:p>
           <a:p>
-            <a:pPr>
-              <a:buFont typeface="Wingdings" pitchFamily="2" charset="2"/>
-              <a:buChar char="§"/>
+            <a:pPr marL="571500" indent="-571500">
+              <a:buClr>
+                <a:schemeClr val="accent1">
+                  <a:lumMod val="75000"/>
+                </a:schemeClr>
+              </a:buClr>
+              <a:buSzPct val="145000"/>
+              <a:buFont typeface="Arial" panose="020B0604020202020204" pitchFamily="34" charset="0"/>
+              <a:buChar char="•"/>
             </a:pPr>
             <a:r>
-              <a:rPr lang="pl-PL" sz="4000" dirty="0"/>
-              <a:t> Tu trafiają odczytane przez czujniki wielkości określające ilość oczekujących samochodów i pieszych</a:t>
-            </a:r>
-          </a:p>
-          <a:p>
-            <a:pPr>
-              <a:buFont typeface="Wingdings" pitchFamily="2" charset="2"/>
-              <a:buChar char="§"/>
+              <a:rPr lang="pl-PL" sz="3600" dirty="0"/>
+              <a:t>Tu trafiają odczytane przez czujniki wielkości określające ilość oczekujących samochodów i pieszych</a:t>
+            </a:r>
+          </a:p>
+          <a:p>
+            <a:pPr marL="571500" indent="-571500" algn="just">
+              <a:buClr>
+                <a:schemeClr val="accent1">
+                  <a:lumMod val="75000"/>
+                </a:schemeClr>
+              </a:buClr>
+              <a:buSzPct val="145000"/>
+              <a:buFont typeface="Arial" panose="020B0604020202020204" pitchFamily="34" charset="0"/>
+              <a:buChar char="•"/>
             </a:pPr>
             <a:r>
-              <a:rPr lang="pl-PL" sz="4000" dirty="0"/>
-              <a:t> Są wysyłane do modułu centralnego</a:t>
+              <a:rPr lang="pl-PL" sz="3600" dirty="0"/>
+              <a:t>Są wysyłane do modułu centralnego</a:t>
             </a:r>
           </a:p>
         </p:txBody>
@@ -2203,7 +6945,7 @@
 </file>
 
 <file path=ppt/slides/slide11.xml><?xml version="1.0" encoding="utf-8"?>
-<p:sld xmlns:a="http://schemas.openxmlformats.org/drawingml/2006/main" xmlns:r="http://schemas.openxmlformats.org/officeDocument/2006/relationships" xmlns:p="http://schemas.openxmlformats.org/presentationml/2006/main">
+<p:sld xmlns:a="http://schemas.openxmlformats.org/drawingml/2006/main" xmlns:r="http://schemas.openxmlformats.org/officeDocument/2006/relationships" xmlns:p="http://schemas.openxmlformats.org/presentationml/2006/main" showMasterSp="0">
   <p:cSld>
     <p:spTree>
       <p:nvGrpSpPr>
@@ -2245,11 +6987,29 @@
             <a:pPr algn="ctr"/>
             <a:r>
               <a:rPr lang="pl-PL" sz="4400" dirty="0">
-                <a:latin typeface="Arial"/>
+                <a:ln>
+                  <a:solidFill>
+                    <a:schemeClr val="tx1">
+                      <a:lumMod val="95000"/>
+                      <a:lumOff val="5000"/>
+                    </a:schemeClr>
+                  </a:solidFill>
+                </a:ln>
+                <a:latin typeface="+mj-lt"/>
               </a:rPr>
               <a:t>Symulacja - sterowanie</a:t>
             </a:r>
-            <a:endParaRPr dirty="0"/>
+            <a:endParaRPr dirty="0">
+              <a:ln>
+                <a:solidFill>
+                  <a:schemeClr val="tx1">
+                    <a:lumMod val="95000"/>
+                    <a:lumOff val="5000"/>
+                  </a:schemeClr>
+                </a:solidFill>
+              </a:ln>
+              <a:latin typeface="+mj-lt"/>
+            </a:endParaRPr>
           </a:p>
         </p:txBody>
       </p:sp>
@@ -2358,7 +7118,7 @@
         </p:blipFill>
         <p:spPr>
           <a:xfrm>
-            <a:off x="1188938" y="828768"/>
+            <a:off x="1052341" y="975725"/>
             <a:ext cx="7974958" cy="6438807"/>
           </a:xfrm>
           <a:prstGeom prst="rect">
@@ -2387,7 +7147,7 @@
         </p:blipFill>
         <p:spPr>
           <a:xfrm>
-            <a:off x="6592146" y="855315"/>
+            <a:off x="6473832" y="975725"/>
             <a:ext cx="2571750" cy="909459"/>
           </a:xfrm>
           <a:prstGeom prst="rect">
@@ -2434,7 +7194,7 @@
 </file>
 
 <file path=ppt/slides/slide12.xml><?xml version="1.0" encoding="utf-8"?>
-<p:sld xmlns:a="http://schemas.openxmlformats.org/drawingml/2006/main" xmlns:r="http://schemas.openxmlformats.org/officeDocument/2006/relationships" xmlns:p="http://schemas.openxmlformats.org/presentationml/2006/main">
+<p:sld xmlns:a="http://schemas.openxmlformats.org/drawingml/2006/main" xmlns:r="http://schemas.openxmlformats.org/officeDocument/2006/relationships" xmlns:p="http://schemas.openxmlformats.org/presentationml/2006/main" showMasterSp="0">
   <p:cSld>
     <p:spTree>
       <p:nvGrpSpPr>
@@ -2476,11 +7236,29 @@
             <a:pPr algn="ctr"/>
             <a:r>
               <a:rPr lang="pl-PL" sz="4400" dirty="0">
-                <a:latin typeface="Arial"/>
+                <a:ln>
+                  <a:solidFill>
+                    <a:schemeClr val="tx1">
+                      <a:lumMod val="95000"/>
+                      <a:lumOff val="5000"/>
+                    </a:schemeClr>
+                  </a:solidFill>
+                </a:ln>
+                <a:latin typeface="+mj-lt"/>
               </a:rPr>
               <a:t>Symulacja - obserwacja</a:t>
             </a:r>
-            <a:endParaRPr dirty="0"/>
+            <a:endParaRPr dirty="0">
+              <a:ln>
+                <a:solidFill>
+                  <a:schemeClr val="tx1">
+                    <a:lumMod val="95000"/>
+                    <a:lumOff val="5000"/>
+                  </a:schemeClr>
+                </a:solidFill>
+              </a:ln>
+              <a:latin typeface="+mj-lt"/>
+            </a:endParaRPr>
           </a:p>
         </p:txBody>
       </p:sp>
@@ -2624,7 +7402,7 @@
       </p:grpSpPr>
       <p:sp>
         <p:nvSpPr>
-          <p:cNvPr id="2" name="Title 1"/>
+          <p:cNvPr id="2" name="Tytuł 1"/>
           <p:cNvSpPr>
             <a:spLocks noGrp="1"/>
           </p:cNvSpPr>
@@ -2632,13 +7410,186 @@
             <p:ph type="title"/>
           </p:nvPr>
         </p:nvSpPr>
-        <p:spPr/>
+        <p:spPr>
+          <a:xfrm>
+            <a:off x="928133" y="-162876"/>
+            <a:ext cx="8493860" cy="1931916"/>
+          </a:xfrm>
+        </p:spPr>
         <p:txBody>
           <a:bodyPr/>
           <a:lstStyle/>
           <a:p>
-            <a:r>
-              <a:rPr lang="pl-PL" dirty="0"/>
+            <a:pPr algn="ctr"/>
+            <a:r>
+              <a:rPr lang="pl-PL" dirty="0">
+                <a:ln>
+                  <a:solidFill>
+                    <a:schemeClr val="tx1">
+                      <a:lumMod val="95000"/>
+                      <a:lumOff val="5000"/>
+                    </a:schemeClr>
+                  </a:solidFill>
+                </a:ln>
+              </a:rPr>
+              <a:t>Autorzy projektu</a:t>
+            </a:r>
+          </a:p>
+        </p:txBody>
+      </p:sp>
+      <p:sp>
+        <p:nvSpPr>
+          <p:cNvPr id="3" name="Symbol zastępczy tekstu 2"/>
+          <p:cNvSpPr>
+            <a:spLocks noGrp="1"/>
+          </p:cNvSpPr>
+          <p:nvPr>
+            <p:ph sz="half" idx="1"/>
+          </p:nvPr>
+        </p:nvSpPr>
+        <p:spPr>
+          <a:xfrm>
+            <a:off x="503999" y="1769040"/>
+            <a:ext cx="9342129" cy="4384440"/>
+          </a:xfrm>
+        </p:spPr>
+        <p:txBody>
+          <a:bodyPr/>
+          <a:lstStyle/>
+          <a:p>
+            <a:pPr lvl="0"/>
+            <a:r>
+              <a:rPr lang="pl-PL" sz="3200" dirty="0"/>
+              <a:t>Andrzej </a:t>
+            </a:r>
+            <a:r>
+              <a:rPr lang="pl-PL" sz="3200" dirty="0" err="1"/>
+              <a:t>Brodzicki</a:t>
+            </a:r>
+            <a:r>
+              <a:rPr lang="pl-PL" sz="3200" dirty="0"/>
+              <a:t> – węzeł „</a:t>
+            </a:r>
+            <a:r>
+              <a:rPr lang="pl-PL" sz="3200" dirty="0" err="1"/>
+              <a:t>slave</a:t>
+            </a:r>
+            <a:r>
+              <a:rPr lang="pl-PL" sz="3200" dirty="0"/>
+              <a:t>”, interfejs graficzny, testy</a:t>
+            </a:r>
+          </a:p>
+          <a:p>
+            <a:pPr lvl="0"/>
+            <a:r>
+              <a:rPr lang="pl-PL" sz="3200" dirty="0"/>
+              <a:t>Aleksander Pasiut – węzeł „master”, algorytm sterujący, testy, dokumentacja</a:t>
+            </a:r>
+          </a:p>
+          <a:p>
+            <a:pPr lvl="0"/>
+            <a:r>
+              <a:rPr lang="pl-PL" sz="3200" dirty="0"/>
+              <a:t>Michał </a:t>
+            </a:r>
+            <a:r>
+              <a:rPr lang="pl-PL" sz="3200" dirty="0" err="1"/>
+              <a:t>Trojnarski</a:t>
+            </a:r>
+            <a:r>
+              <a:rPr lang="pl-PL" sz="3200" dirty="0"/>
+              <a:t> – testy</a:t>
+            </a:r>
+          </a:p>
+          <a:p>
+            <a:pPr lvl="0"/>
+            <a:r>
+              <a:rPr lang="pl-PL" sz="3200" dirty="0"/>
+              <a:t>Mateusz Wąsala – węzeł „</a:t>
+            </a:r>
+            <a:r>
+              <a:rPr lang="pl-PL" sz="3200" dirty="0" err="1"/>
+              <a:t>slave</a:t>
+            </a:r>
+            <a:r>
+              <a:rPr lang="pl-PL" sz="3200" dirty="0"/>
+              <a:t>”, interfejs graficzny, węzeł „</a:t>
+            </a:r>
+            <a:r>
+              <a:rPr lang="pl-PL" sz="3200" dirty="0" err="1"/>
+              <a:t>sensors</a:t>
+            </a:r>
+            <a:r>
+              <a:rPr lang="pl-PL" sz="3200" dirty="0"/>
+              <a:t>”, testy, dokumentacja</a:t>
+            </a:r>
+          </a:p>
+          <a:p>
+            <a:endParaRPr lang="pl-PL" dirty="0"/>
+          </a:p>
+        </p:txBody>
+      </p:sp>
+    </p:spTree>
+    <p:extLst>
+      <p:ext uri="{BB962C8B-B14F-4D97-AF65-F5344CB8AC3E}">
+        <p14:creationId xmlns:p14="http://schemas.microsoft.com/office/powerpoint/2010/main" val="3076766944"/>
+      </p:ext>
+    </p:extLst>
+  </p:cSld>
+  <p:clrMapOvr>
+    <a:masterClrMapping/>
+  </p:clrMapOvr>
+</p:sld>
+</file>
+
+<file path=ppt/slides/slide14.xml><?xml version="1.0" encoding="utf-8"?>
+<p:sld xmlns:a="http://schemas.openxmlformats.org/drawingml/2006/main" xmlns:r="http://schemas.openxmlformats.org/officeDocument/2006/relationships" xmlns:p="http://schemas.openxmlformats.org/presentationml/2006/main">
+  <p:cSld>
+    <p:spTree>
+      <p:nvGrpSpPr>
+        <p:cNvPr id="1" name=""/>
+        <p:cNvGrpSpPr/>
+        <p:nvPr/>
+      </p:nvGrpSpPr>
+      <p:grpSpPr>
+        <a:xfrm>
+          <a:off x="0" y="0"/>
+          <a:ext cx="0" cy="0"/>
+          <a:chOff x="0" y="0"/>
+          <a:chExt cx="0" cy="0"/>
+        </a:xfrm>
+      </p:grpSpPr>
+      <p:sp>
+        <p:nvSpPr>
+          <p:cNvPr id="2" name="Title 1"/>
+          <p:cNvSpPr>
+            <a:spLocks noGrp="1"/>
+          </p:cNvSpPr>
+          <p:nvPr>
+            <p:ph type="title"/>
+          </p:nvPr>
+        </p:nvSpPr>
+        <p:spPr>
+          <a:xfrm>
+            <a:off x="912365" y="0"/>
+            <a:ext cx="8493860" cy="1931916"/>
+          </a:xfrm>
+        </p:spPr>
+        <p:txBody>
+          <a:bodyPr/>
+          <a:lstStyle/>
+          <a:p>
+            <a:r>
+              <a:rPr lang="pl-PL" dirty="0">
+                <a:ln>
+                  <a:solidFill>
+                    <a:schemeClr val="tx1">
+                      <a:lumMod val="95000"/>
+                      <a:lumOff val="5000"/>
+                    </a:schemeClr>
+                  </a:solidFill>
+                </a:ln>
+              </a:rPr>
               <a:t>Podsumowania i wnioski:</a:t>
             </a:r>
           </a:p>
@@ -2665,9 +7616,15 @@
           </a:bodyPr>
           <a:lstStyle/>
           <a:p>
-            <a:pPr>
-              <a:buFont typeface="Wingdings" pitchFamily="2" charset="2"/>
-              <a:buChar char="ü"/>
+            <a:pPr marL="571500" indent="-571500">
+              <a:buClr>
+                <a:schemeClr val="accent1">
+                  <a:lumMod val="75000"/>
+                </a:schemeClr>
+              </a:buClr>
+              <a:buSzPct val="145000"/>
+              <a:buFont typeface="Arial" panose="020B0604020202020204" pitchFamily="34" charset="0"/>
+              <a:buChar char="•"/>
             </a:pPr>
             <a:r>
               <a:rPr lang="pl-PL" sz="3600" dirty="0"/>
@@ -2680,9 +7637,15 @@
             <a:endParaRPr lang="pl-PL" sz="3600" dirty="0"/>
           </a:p>
           <a:p>
-            <a:pPr>
-              <a:buFont typeface="Wingdings" pitchFamily="2" charset="2"/>
-              <a:buChar char="ü"/>
+            <a:pPr marL="571500" indent="-571500">
+              <a:buClr>
+                <a:schemeClr val="accent1">
+                  <a:lumMod val="75000"/>
+                </a:schemeClr>
+              </a:buClr>
+              <a:buSzPct val="145000"/>
+              <a:buFont typeface="Arial" panose="020B0604020202020204" pitchFamily="34" charset="0"/>
+              <a:buChar char="•"/>
             </a:pPr>
             <a:r>
               <a:rPr lang="pl-PL" sz="3600" dirty="0"/>
@@ -2690,9 +7653,15 @@
             </a:r>
           </a:p>
           <a:p>
-            <a:pPr>
-              <a:buFont typeface="Wingdings" pitchFamily="2" charset="2"/>
-              <a:buChar char="ü"/>
+            <a:pPr marL="571500" indent="-571500">
+              <a:buClr>
+                <a:schemeClr val="accent1">
+                  <a:lumMod val="75000"/>
+                </a:schemeClr>
+              </a:buClr>
+              <a:buSzPct val="145000"/>
+              <a:buFont typeface="Arial" panose="020B0604020202020204" pitchFamily="34" charset="0"/>
+              <a:buChar char="•"/>
             </a:pPr>
             <a:r>
               <a:rPr lang="pl-PL" sz="3600" dirty="0"/>
@@ -2700,9 +7669,15 @@
             </a:r>
           </a:p>
           <a:p>
-            <a:pPr>
-              <a:buFont typeface="Wingdings" pitchFamily="2" charset="2"/>
-              <a:buChar char="ü"/>
+            <a:pPr marL="571500" indent="-571500">
+              <a:buClr>
+                <a:schemeClr val="accent1">
+                  <a:lumMod val="75000"/>
+                </a:schemeClr>
+              </a:buClr>
+              <a:buSzPct val="145000"/>
+              <a:buFont typeface="Arial" panose="020B0604020202020204" pitchFamily="34" charset="0"/>
+              <a:buChar char="•"/>
             </a:pPr>
             <a:r>
               <a:rPr lang="pl-PL" sz="3600" dirty="0"/>
@@ -2767,11 +7742,29 @@
             <a:pPr algn="ctr"/>
             <a:r>
               <a:rPr lang="pl-PL" sz="4400" dirty="0">
-                <a:latin typeface="Arial"/>
+                <a:ln>
+                  <a:solidFill>
+                    <a:schemeClr val="tx1">
+                      <a:lumMod val="95000"/>
+                      <a:lumOff val="5000"/>
+                    </a:schemeClr>
+                  </a:solidFill>
+                </a:ln>
+                <a:latin typeface="+mj-lt"/>
               </a:rPr>
               <a:t>Główne założenia projektu:</a:t>
             </a:r>
-            <a:endParaRPr dirty="0"/>
+            <a:endParaRPr dirty="0">
+              <a:ln>
+                <a:solidFill>
+                  <a:schemeClr val="tx1">
+                    <a:lumMod val="95000"/>
+                    <a:lumOff val="5000"/>
+                  </a:schemeClr>
+                </a:solidFill>
+              </a:ln>
+              <a:latin typeface="+mj-lt"/>
+            </a:endParaRPr>
           </a:p>
         </p:txBody>
       </p:sp>
@@ -2783,7 +7776,7 @@
         </p:nvSpPr>
         <p:spPr>
           <a:xfrm>
-            <a:off x="504000" y="1769040"/>
+            <a:off x="1008985" y="1769040"/>
             <a:ext cx="9071640" cy="4384440"/>
           </a:xfrm>
           <a:prstGeom prst="rect">
@@ -2798,72 +7791,88 @@
           <a:bodyPr lIns="0" tIns="0" rIns="0" bIns="0"/>
           <a:lstStyle/>
           <a:p>
-            <a:pPr>
-              <a:buSzPct val="45000"/>
-              <a:buFont typeface="StarSymbol"/>
-              <a:buChar char=""/>
+            <a:pPr marL="571500" indent="-571500">
+              <a:buClr>
+                <a:schemeClr val="accent1">
+                  <a:lumMod val="75000"/>
+                </a:schemeClr>
+              </a:buClr>
+              <a:buSzPct val="145000"/>
+              <a:buFont typeface="Arial" panose="020B0604020202020204" pitchFamily="34" charset="0"/>
+              <a:buChar char="•"/>
             </a:pPr>
             <a:r>
-              <a:rPr lang="pl-PL" sz="3200" dirty="0">
+              <a:rPr lang="pl-PL" sz="3600" dirty="0">
                 <a:solidFill>
                   <a:srgbClr val="000000"/>
                 </a:solidFill>
-                <a:latin typeface="Arial"/>
               </a:rPr>
               <a:t>Inteligentny systemu sygnalizacji świetlnej</a:t>
             </a:r>
-            <a:endParaRPr dirty="0"/>
-          </a:p>
-          <a:p>
-            <a:pPr>
-              <a:buSzPct val="45000"/>
-              <a:buFont typeface="StarSymbol"/>
-              <a:buChar char=""/>
+            <a:endParaRPr sz="3600" dirty="0"/>
+          </a:p>
+          <a:p>
+            <a:pPr marL="571500" indent="-571500">
+              <a:buClr>
+                <a:schemeClr val="accent1">
+                  <a:lumMod val="75000"/>
+                </a:schemeClr>
+              </a:buClr>
+              <a:buSzPct val="145000"/>
+              <a:buFont typeface="Arial" panose="020B0604020202020204" pitchFamily="34" charset="0"/>
+              <a:buChar char="•"/>
             </a:pPr>
             <a:r>
-              <a:rPr lang="pl-PL" sz="3200" dirty="0">
+              <a:rPr lang="pl-PL" sz="3600" dirty="0">
                 <a:solidFill>
                   <a:srgbClr val="000000"/>
                 </a:solidFill>
-                <a:latin typeface="Arial"/>
               </a:rPr>
               <a:t>Sterowanie za pomocą systemu rozproszonego </a:t>
             </a:r>
-            <a:endParaRPr dirty="0"/>
-          </a:p>
-          <a:p>
-            <a:pPr>
-              <a:buSzPct val="45000"/>
-              <a:buFont typeface="StarSymbol"/>
-              <a:buChar char=""/>
+            <a:endParaRPr sz="3600" dirty="0"/>
+          </a:p>
+          <a:p>
+            <a:pPr marL="571500" indent="-571500">
+              <a:buClr>
+                <a:schemeClr val="accent1">
+                  <a:lumMod val="75000"/>
+                </a:schemeClr>
+              </a:buClr>
+              <a:buSzPct val="145000"/>
+              <a:buFont typeface="Arial" panose="020B0604020202020204" pitchFamily="34" charset="0"/>
+              <a:buChar char="•"/>
             </a:pPr>
             <a:r>
-              <a:rPr lang="pl-PL" sz="3200" dirty="0">
+              <a:rPr lang="pl-PL" sz="3600" dirty="0">
                 <a:solidFill>
                   <a:srgbClr val="000000"/>
                 </a:solidFill>
-                <a:latin typeface="Arial"/>
               </a:rPr>
               <a:t>Magistrala komunikacyjna CAN</a:t>
             </a:r>
-            <a:endParaRPr dirty="0"/>
-          </a:p>
-          <a:p>
-            <a:pPr>
-              <a:buSzPct val="45000"/>
-              <a:buFont typeface="StarSymbol"/>
-              <a:buChar char=""/>
+            <a:endParaRPr sz="3600" dirty="0"/>
+          </a:p>
+          <a:p>
+            <a:pPr marL="571500" indent="-571500">
+              <a:buClr>
+                <a:schemeClr val="accent1">
+                  <a:lumMod val="75000"/>
+                </a:schemeClr>
+              </a:buClr>
+              <a:buSzPct val="145000"/>
+              <a:buFont typeface="Arial" panose="020B0604020202020204" pitchFamily="34" charset="0"/>
+              <a:buChar char="•"/>
             </a:pPr>
             <a:r>
-              <a:rPr lang="pl-PL" sz="3200" dirty="0">
+              <a:rPr lang="pl-PL" sz="3600" dirty="0">
                 <a:solidFill>
                   <a:srgbClr val="000000"/>
                 </a:solidFill>
-                <a:latin typeface="Arial"/>
               </a:rPr>
               <a:t>Środowisko CANoe</a:t>
             </a:r>
-            <a:endParaRPr dirty="0"/>
+            <a:endParaRPr sz="3600" dirty="0"/>
           </a:p>
           <a:p>
             <a:pPr>
@@ -2914,7 +7923,7 @@
 </file>
 
 <file path=ppt/slides/slide3.xml><?xml version="1.0" encoding="utf-8"?>
-<p:sld xmlns:a="http://schemas.openxmlformats.org/drawingml/2006/main" xmlns:r="http://schemas.openxmlformats.org/officeDocument/2006/relationships" xmlns:p="http://schemas.openxmlformats.org/presentationml/2006/main">
+<p:sld xmlns:a="http://schemas.openxmlformats.org/drawingml/2006/main" xmlns:r="http://schemas.openxmlformats.org/officeDocument/2006/relationships" xmlns:p="http://schemas.openxmlformats.org/presentationml/2006/main" showMasterSp="0">
   <p:cSld>
     <p:bg>
       <p:bgPr>
@@ -3059,11 +8068,29 @@
             <a:pPr algn="ctr"/>
             <a:r>
               <a:rPr lang="pl-PL" sz="4400" dirty="0">
-                <a:latin typeface="Arial"/>
+                <a:ln>
+                  <a:solidFill>
+                    <a:schemeClr val="tx1">
+                      <a:lumMod val="95000"/>
+                      <a:lumOff val="5000"/>
+                    </a:schemeClr>
+                  </a:solidFill>
+                </a:ln>
+                <a:latin typeface="+mj-lt"/>
               </a:rPr>
               <a:t>Środowisko CANoe</a:t>
             </a:r>
-            <a:endParaRPr dirty="0"/>
+            <a:endParaRPr dirty="0">
+              <a:ln>
+                <a:solidFill>
+                  <a:schemeClr val="tx1">
+                    <a:lumMod val="95000"/>
+                    <a:lumOff val="5000"/>
+                  </a:schemeClr>
+                </a:solidFill>
+              </a:ln>
+              <a:latin typeface="+mj-lt"/>
+            </a:endParaRPr>
           </a:p>
         </p:txBody>
       </p:sp>
@@ -3075,7 +8102,7 @@
         </p:nvSpPr>
         <p:spPr>
           <a:xfrm>
-            <a:off x="504000" y="1769040"/>
+            <a:off x="1008985" y="1563480"/>
             <a:ext cx="9071640" cy="4384440"/>
           </a:xfrm>
           <a:prstGeom prst="rect">
@@ -3090,60 +8117,72 @@
           <a:bodyPr lIns="0" tIns="0" rIns="0" bIns="0"/>
           <a:lstStyle/>
           <a:p>
-            <a:pPr>
-              <a:buSzPct val="45000"/>
-              <a:buFont typeface="StarSymbol"/>
-              <a:buChar char=""/>
+            <a:pPr marL="571500" indent="-571500">
+              <a:buClr>
+                <a:schemeClr val="accent1">
+                  <a:lumMod val="75000"/>
+                </a:schemeClr>
+              </a:buClr>
+              <a:buSzPct val="145000"/>
+              <a:buFont typeface="Arial" panose="020B0604020202020204" pitchFamily="34" charset="0"/>
+              <a:buChar char="•"/>
             </a:pPr>
             <a:r>
-              <a:rPr lang="pl-PL" sz="3200" dirty="0">
-                <a:latin typeface="Arial"/>
-              </a:rPr>
+              <a:rPr lang="pl-PL" sz="3600" dirty="0"/>
               <a:t>Projektowanie i analiza sieci ECU</a:t>
             </a:r>
-            <a:endParaRPr dirty="0"/>
-          </a:p>
-          <a:p>
-            <a:pPr>
-              <a:buSzPct val="45000"/>
-              <a:buFont typeface="StarSymbol"/>
-              <a:buChar char=""/>
+            <a:endParaRPr sz="3600" dirty="0"/>
+          </a:p>
+          <a:p>
+            <a:pPr marL="571500" indent="-571500">
+              <a:buClr>
+                <a:schemeClr val="accent1">
+                  <a:lumMod val="75000"/>
+                </a:schemeClr>
+              </a:buClr>
+              <a:buSzPct val="145000"/>
+              <a:buFont typeface="Arial" panose="020B0604020202020204" pitchFamily="34" charset="0"/>
+              <a:buChar char="•"/>
             </a:pPr>
             <a:r>
-              <a:rPr lang="pl-PL" sz="3200" dirty="0">
-                <a:latin typeface="Arial"/>
-              </a:rPr>
+              <a:rPr lang="pl-PL" sz="3600" dirty="0"/>
               <a:t>Rozproszenie system sterowania</a:t>
             </a:r>
-            <a:endParaRPr dirty="0"/>
-          </a:p>
-          <a:p>
-            <a:pPr>
-              <a:buSzPct val="45000"/>
-              <a:buFont typeface="StarSymbol"/>
-              <a:buChar char=""/>
+            <a:endParaRPr sz="3600" dirty="0"/>
+          </a:p>
+          <a:p>
+            <a:pPr marL="571500" indent="-571500">
+              <a:buClr>
+                <a:schemeClr val="accent1">
+                  <a:lumMod val="75000"/>
+                </a:schemeClr>
+              </a:buClr>
+              <a:buSzPct val="145000"/>
+              <a:buFont typeface="Arial" panose="020B0604020202020204" pitchFamily="34" charset="0"/>
+              <a:buChar char="•"/>
             </a:pPr>
             <a:r>
-              <a:rPr lang="pl-PL" sz="3200" dirty="0">
-                <a:latin typeface="Arial"/>
-              </a:rPr>
+              <a:rPr lang="pl-PL" sz="3600" dirty="0"/>
               <a:t>Programowanie i monitorowanie działania układów samochodowych</a:t>
             </a:r>
-            <a:endParaRPr dirty="0"/>
-          </a:p>
-          <a:p>
-            <a:pPr>
-              <a:buSzPct val="45000"/>
-              <a:buFont typeface="StarSymbol"/>
-              <a:buChar char=""/>
+            <a:endParaRPr sz="3600" dirty="0"/>
+          </a:p>
+          <a:p>
+            <a:pPr marL="571500" indent="-571500">
+              <a:buClr>
+                <a:schemeClr val="accent1">
+                  <a:lumMod val="75000"/>
+                </a:schemeClr>
+              </a:buClr>
+              <a:buSzPct val="145000"/>
+              <a:buFont typeface="Arial" panose="020B0604020202020204" pitchFamily="34" charset="0"/>
+              <a:buChar char="•"/>
             </a:pPr>
             <a:r>
-              <a:rPr lang="pl-PL" sz="3200" dirty="0">
-                <a:latin typeface="Arial"/>
-              </a:rPr>
+              <a:rPr lang="pl-PL" sz="3600" dirty="0"/>
               <a:t>Wersja demo – symulacja sieci do trzech węzłów</a:t>
             </a:r>
-            <a:endParaRPr dirty="0"/>
+            <a:endParaRPr sz="3600" dirty="0"/>
           </a:p>
         </p:txBody>
       </p:sp>
@@ -3228,11 +8267,29 @@
             <a:pPr algn="ctr"/>
             <a:r>
               <a:rPr lang="pl-PL" sz="4400" dirty="0">
-                <a:latin typeface="Arial"/>
+                <a:ln>
+                  <a:solidFill>
+                    <a:schemeClr val="tx1">
+                      <a:lumMod val="95000"/>
+                      <a:lumOff val="5000"/>
+                    </a:schemeClr>
+                  </a:solidFill>
+                </a:ln>
+                <a:latin typeface="+mj-lt"/>
               </a:rPr>
               <a:t>Koncepcja algorytmu</a:t>
             </a:r>
-            <a:endParaRPr dirty="0"/>
+            <a:endParaRPr dirty="0">
+              <a:ln>
+                <a:solidFill>
+                  <a:schemeClr val="tx1">
+                    <a:lumMod val="95000"/>
+                    <a:lumOff val="5000"/>
+                  </a:schemeClr>
+                </a:solidFill>
+              </a:ln>
+              <a:latin typeface="+mj-lt"/>
+            </a:endParaRPr>
           </a:p>
         </p:txBody>
       </p:sp>
@@ -3244,7 +8301,7 @@
         </p:nvSpPr>
         <p:spPr>
           <a:xfrm>
-            <a:off x="504000" y="1769040"/>
+            <a:off x="1008985" y="1785369"/>
             <a:ext cx="9071640" cy="4384440"/>
           </a:xfrm>
           <a:prstGeom prst="rect">
@@ -3259,45 +8316,54 @@
           <a:bodyPr lIns="0" tIns="0" rIns="0" bIns="0"/>
           <a:lstStyle/>
           <a:p>
-            <a:pPr>
-              <a:buSzPct val="45000"/>
-              <a:buFont typeface="StarSymbol"/>
-              <a:buChar char=""/>
+            <a:pPr marL="571500" indent="-571500">
+              <a:buClr>
+                <a:schemeClr val="accent1">
+                  <a:lumMod val="75000"/>
+                </a:schemeClr>
+              </a:buClr>
+              <a:buSzPct val="145000"/>
+              <a:buFont typeface="Arial" panose="020B0604020202020204" pitchFamily="34" charset="0"/>
+              <a:buChar char="•"/>
             </a:pPr>
             <a:r>
-              <a:rPr lang="pl-PL" sz="3200" dirty="0">
-                <a:latin typeface="Arial"/>
-              </a:rPr>
+              <a:rPr lang="pl-PL" sz="3600" dirty="0"/>
               <a:t>Optymalny cykl zmiany świateł</a:t>
             </a:r>
-            <a:endParaRPr dirty="0"/>
-          </a:p>
-          <a:p>
-            <a:pPr>
-              <a:buSzPct val="45000"/>
-              <a:buFont typeface="StarSymbol"/>
-              <a:buChar char=""/>
+            <a:endParaRPr sz="3600" dirty="0"/>
+          </a:p>
+          <a:p>
+            <a:pPr marL="571500" indent="-571500">
+              <a:buClr>
+                <a:schemeClr val="accent1">
+                  <a:lumMod val="75000"/>
+                </a:schemeClr>
+              </a:buClr>
+              <a:buSzPct val="145000"/>
+              <a:buFont typeface="Arial" panose="020B0604020202020204" pitchFamily="34" charset="0"/>
+              <a:buChar char="•"/>
             </a:pPr>
             <a:r>
-              <a:rPr lang="pl-PL" sz="3200" dirty="0">
-                <a:latin typeface="Arial"/>
-              </a:rPr>
+              <a:rPr lang="pl-PL" sz="3600" dirty="0"/>
               <a:t>Czas zielonego światła proporcjonalny do ilości oczekujących samochodów</a:t>
             </a:r>
           </a:p>
           <a:p>
-            <a:pPr>
-              <a:buSzPct val="45000"/>
-              <a:buFont typeface="StarSymbol"/>
-              <a:buChar char=""/>
+            <a:pPr marL="571500" indent="-571500">
+              <a:buClr>
+                <a:schemeClr val="accent1">
+                  <a:lumMod val="75000"/>
+                </a:schemeClr>
+              </a:buClr>
+              <a:buSzPct val="145000"/>
+              <a:buFont typeface="Arial" panose="020B0604020202020204" pitchFamily="34" charset="0"/>
+              <a:buChar char="•"/>
             </a:pPr>
             <a:r>
-              <a:rPr lang="pl-PL" sz="3200" dirty="0">
-                <a:latin typeface="Arial"/>
-              </a:rPr>
+              <a:rPr lang="pl-PL" sz="3600" dirty="0"/>
               <a:t>Uwzględnienie ruchu pieszych</a:t>
             </a:r>
-            <a:endParaRPr dirty="0"/>
+            <a:endParaRPr sz="3600" dirty="0"/>
           </a:p>
           <a:p>
             <a:pPr>
@@ -3389,12 +8455,30 @@
           <a:p>
             <a:pPr algn="ctr"/>
             <a:r>
-              <a:rPr lang="pl-PL" sz="4400">
-                <a:latin typeface="Arial"/>
+              <a:rPr lang="pl-PL" sz="4400" dirty="0">
+                <a:ln>
+                  <a:solidFill>
+                    <a:schemeClr val="tx1">
+                      <a:lumMod val="95000"/>
+                      <a:lumOff val="5000"/>
+                    </a:schemeClr>
+                  </a:solidFill>
+                </a:ln>
+                <a:latin typeface="+mj-lt"/>
               </a:rPr>
               <a:t>Implementacja</a:t>
             </a:r>
-            <a:endParaRPr/>
+            <a:endParaRPr dirty="0">
+              <a:ln>
+                <a:solidFill>
+                  <a:schemeClr val="tx1">
+                    <a:lumMod val="95000"/>
+                    <a:lumOff val="5000"/>
+                  </a:schemeClr>
+                </a:solidFill>
+              </a:ln>
+              <a:latin typeface="+mj-lt"/>
+            </a:endParaRPr>
           </a:p>
         </p:txBody>
       </p:sp>
@@ -3406,7 +8490,7 @@
         </p:nvSpPr>
         <p:spPr>
           <a:xfrm>
-            <a:off x="504000" y="1769040"/>
+            <a:off x="612900" y="1642398"/>
             <a:ext cx="4426920" cy="4384440"/>
           </a:xfrm>
           <a:prstGeom prst="rect">
@@ -3422,76 +8506,80 @@
           <a:lstStyle/>
           <a:p>
             <a:pPr>
-              <a:buSzPct val="45000"/>
+              <a:buClr>
+                <a:schemeClr val="accent1">
+                  <a:lumMod val="75000"/>
+                </a:schemeClr>
+              </a:buClr>
+              <a:buSzPct val="145000"/>
             </a:pPr>
             <a:r>
-              <a:rPr lang="pl-PL" sz="3200" dirty="0">
-                <a:latin typeface="Arial"/>
-              </a:rPr>
+              <a:rPr lang="pl-PL" sz="3200" dirty="0"/>
               <a:t>Trzy człony:</a:t>
             </a:r>
           </a:p>
           <a:p>
-            <a:pPr>
-              <a:buSzPct val="45000"/>
-              <a:buFont typeface="StarSymbol"/>
-              <a:buChar char=""/>
+            <a:pPr marL="457200" indent="-457200">
+              <a:buClr>
+                <a:schemeClr val="accent1">
+                  <a:lumMod val="75000"/>
+                </a:schemeClr>
+              </a:buClr>
+              <a:buSzPct val="145000"/>
+              <a:buFont typeface="Arial" panose="020B0604020202020204" pitchFamily="34" charset="0"/>
+              <a:buChar char="•"/>
             </a:pPr>
             <a:r>
-              <a:rPr lang="pl-PL" sz="3200" dirty="0">
-                <a:latin typeface="Arial"/>
-              </a:rPr>
+              <a:rPr lang="pl-PL" sz="3200" dirty="0"/>
               <a:t>Moduł sterujący – „master”</a:t>
             </a:r>
-            <a:endParaRPr/>
-          </a:p>
-          <a:p>
-            <a:pPr>
-              <a:buSzPct val="45000"/>
-              <a:buFont typeface="StarSymbol"/>
-              <a:buChar char=""/>
+            <a:endParaRPr sz="3200" dirty="0"/>
+          </a:p>
+          <a:p>
+            <a:pPr marL="457200" indent="-457200">
+              <a:buClr>
+                <a:schemeClr val="accent1">
+                  <a:lumMod val="75000"/>
+                </a:schemeClr>
+              </a:buClr>
+              <a:buSzPct val="145000"/>
+              <a:buFont typeface="Arial" panose="020B0604020202020204" pitchFamily="34" charset="0"/>
+              <a:buChar char="•"/>
             </a:pPr>
             <a:r>
-              <a:rPr lang="pl-PL" sz="3200" dirty="0">
-                <a:latin typeface="Arial"/>
-              </a:rPr>
+              <a:rPr lang="pl-PL" sz="3200" dirty="0"/>
               <a:t>Moduł wykonawczy – „</a:t>
             </a:r>
             <a:r>
-              <a:rPr lang="pl-PL" sz="3200" dirty="0" err="1">
-                <a:latin typeface="Arial"/>
-              </a:rPr>
+              <a:rPr lang="pl-PL" sz="3200" dirty="0" err="1"/>
               <a:t>slave</a:t>
             </a:r>
             <a:r>
-              <a:rPr lang="pl-PL" sz="3200" dirty="0">
-                <a:latin typeface="Arial"/>
-              </a:rPr>
+              <a:rPr lang="pl-PL" sz="3200" dirty="0"/>
               <a:t>”</a:t>
             </a:r>
           </a:p>
           <a:p>
-            <a:pPr>
-              <a:buSzPct val="45000"/>
-              <a:buFont typeface="StarSymbol"/>
-              <a:buChar char=""/>
+            <a:pPr marL="457200" indent="-457200">
+              <a:buClr>
+                <a:schemeClr val="accent1">
+                  <a:lumMod val="75000"/>
+                </a:schemeClr>
+              </a:buClr>
+              <a:buSzPct val="145000"/>
+              <a:buFont typeface="Arial" panose="020B0604020202020204" pitchFamily="34" charset="0"/>
+              <a:buChar char="•"/>
             </a:pPr>
             <a:r>
-              <a:rPr lang="pl-PL" sz="3200" dirty="0">
-                <a:latin typeface="Arial"/>
-              </a:rPr>
+              <a:rPr lang="pl-PL" sz="3200" dirty="0"/>
               <a:t>Moduł pomiarowy – „</a:t>
             </a:r>
             <a:r>
-              <a:rPr lang="pl-PL" sz="3200" dirty="0" err="1">
-                <a:latin typeface="Arial"/>
-              </a:rPr>
+              <a:rPr lang="pl-PL" sz="3200" dirty="0" err="1"/>
               <a:t>sensors</a:t>
             </a:r>
             <a:r>
-              <a:rPr lang="pl-PL" sz="3200" dirty="0">
-                <a:latin typeface="Arial"/>
-              </a:rPr>
+              <a:rPr lang="pl-PL" sz="3200" dirty="0"/>
               <a:t>”</a:t>
             </a:r>
           </a:p>
@@ -3499,7 +8587,7 @@
             <a:pPr>
               <a:buSzPct val="45000"/>
             </a:pPr>
-            <a:endParaRPr/>
+            <a:endParaRPr dirty="0"/>
           </a:p>
         </p:txBody>
       </p:sp>
@@ -3520,7 +8608,7 @@
         </p:blipFill>
         <p:spPr bwMode="auto">
           <a:xfrm>
-            <a:off x="4754880" y="1671003"/>
+            <a:off x="4836523" y="1932326"/>
             <a:ext cx="5083175" cy="3804584"/>
           </a:xfrm>
           <a:prstGeom prst="rect">
@@ -3601,13 +8689,27 @@
             <p:ph type="title"/>
           </p:nvPr>
         </p:nvSpPr>
-        <p:spPr/>
+        <p:spPr>
+          <a:xfrm>
+            <a:off x="1092100" y="0"/>
+            <a:ext cx="8493860" cy="1931916"/>
+          </a:xfrm>
+        </p:spPr>
         <p:txBody>
           <a:bodyPr/>
           <a:lstStyle/>
           <a:p>
             <a:r>
-              <a:rPr lang="pl-PL" dirty="0"/>
+              <a:rPr lang="pl-PL" dirty="0">
+                <a:ln>
+                  <a:solidFill>
+                    <a:schemeClr val="tx1">
+                      <a:lumMod val="95000"/>
+                      <a:lumOff val="5000"/>
+                    </a:schemeClr>
+                  </a:solidFill>
+                </a:ln>
+              </a:rPr>
               <a:t>Co nam daje rozproszony system?</a:t>
             </a:r>
           </a:p>
@@ -3621,8 +8723,8 @@
         </p:nvSpPr>
         <p:spPr>
           <a:xfrm>
-            <a:off x="487680" y="1783080"/>
-            <a:ext cx="9098280" cy="3170099"/>
+            <a:off x="789890" y="1766751"/>
+            <a:ext cx="9098280" cy="2308324"/>
           </a:xfrm>
           <a:prstGeom prst="rect">
             <a:avLst/>
@@ -3635,22 +8737,34 @@
           </a:bodyPr>
           <a:lstStyle/>
           <a:p>
-            <a:pPr>
-              <a:buFont typeface="Wingdings" pitchFamily="2" charset="2"/>
-              <a:buChar char="ü"/>
+            <a:pPr marL="571500" indent="-571500">
+              <a:buClr>
+                <a:schemeClr val="accent1">
+                  <a:lumMod val="75000"/>
+                </a:schemeClr>
+              </a:buClr>
+              <a:buSzPct val="145000"/>
+              <a:buFont typeface="Arial" panose="020B0604020202020204" pitchFamily="34" charset="0"/>
+              <a:buChar char="•"/>
             </a:pPr>
             <a:r>
-              <a:rPr lang="pl-PL" sz="4000" dirty="0"/>
+              <a:rPr lang="pl-PL" sz="3600" dirty="0"/>
               <a:t>Sterowanie domyślne (nieinteligentne) w przypadku awarii czujników</a:t>
             </a:r>
           </a:p>
           <a:p>
-            <a:pPr>
-              <a:buFont typeface="Wingdings" pitchFamily="2" charset="2"/>
-              <a:buChar char="ü"/>
+            <a:pPr marL="571500" indent="-571500">
+              <a:buClr>
+                <a:schemeClr val="accent1">
+                  <a:lumMod val="75000"/>
+                </a:schemeClr>
+              </a:buClr>
+              <a:buSzPct val="145000"/>
+              <a:buFont typeface="Arial" panose="020B0604020202020204" pitchFamily="34" charset="0"/>
+              <a:buChar char="•"/>
             </a:pPr>
             <a:r>
-              <a:rPr lang="pl-PL" sz="4000" dirty="0"/>
+              <a:rPr lang="pl-PL" sz="3600" dirty="0"/>
               <a:t>Pulsujące żółte światła przy awarii modułu centralnego</a:t>
             </a:r>
           </a:p>
@@ -3698,7 +8812,7 @@
         </p:nvSpPr>
         <p:spPr>
           <a:xfrm>
-            <a:off x="289560" y="301320"/>
+            <a:off x="648789" y="301320"/>
             <a:ext cx="9286080" cy="1262160"/>
           </a:xfrm>
         </p:spPr>
@@ -3707,7 +8821,16 @@
           <a:lstStyle/>
           <a:p>
             <a:r>
-              <a:rPr lang="pl-PL" sz="4000" dirty="0"/>
+              <a:rPr lang="pl-PL" sz="4000" dirty="0">
+                <a:ln>
+                  <a:solidFill>
+                    <a:schemeClr val="tx1">
+                      <a:lumMod val="95000"/>
+                      <a:lumOff val="5000"/>
+                    </a:schemeClr>
+                  </a:solidFill>
+                </a:ln>
+              </a:rPr>
               <a:t>Kilka słów o module sterującym - master</a:t>
             </a:r>
           </a:p>
@@ -3721,8 +8844,8 @@
         </p:nvSpPr>
         <p:spPr>
           <a:xfrm>
-            <a:off x="274320" y="1508760"/>
-            <a:ext cx="9296400" cy="3170099"/>
+            <a:off x="899726" y="1367537"/>
+            <a:ext cx="9180899" cy="2862322"/>
           </a:xfrm>
           <a:prstGeom prst="rect">
             <a:avLst/>
@@ -3736,38 +8859,56 @@
           <a:lstStyle/>
           <a:p>
             <a:r>
-              <a:rPr lang="pl-PL" sz="4000" dirty="0"/>
+              <a:rPr lang="pl-PL" sz="3600" dirty="0"/>
               <a:t>Blok centralny:</a:t>
             </a:r>
           </a:p>
           <a:p>
-            <a:pPr>
-              <a:buFont typeface="Wingdings" pitchFamily="2" charset="2"/>
-              <a:buChar char="§"/>
+            <a:pPr marL="285750" indent="-285750">
+              <a:buClr>
+                <a:schemeClr val="accent1">
+                  <a:lumMod val="75000"/>
+                </a:schemeClr>
+              </a:buClr>
+              <a:buSzPct val="145000"/>
+              <a:buFont typeface="Arial" panose="020B0604020202020204" pitchFamily="34" charset="0"/>
+              <a:buChar char="•"/>
             </a:pPr>
             <a:r>
-              <a:rPr lang="pl-PL" sz="4000" dirty="0"/>
-              <a:t> Kieruje pracą pozostałych modułów</a:t>
-            </a:r>
-          </a:p>
-          <a:p>
-            <a:pPr>
-              <a:buFont typeface="Wingdings" pitchFamily="2" charset="2"/>
-              <a:buChar char="§"/>
+              <a:rPr lang="pl-PL" sz="3600" dirty="0"/>
+              <a:t>Kieruje pracą pozostałych modułów</a:t>
+            </a:r>
+          </a:p>
+          <a:p>
+            <a:pPr marL="285750" indent="-285750">
+              <a:buClr>
+                <a:schemeClr val="accent1">
+                  <a:lumMod val="75000"/>
+                </a:schemeClr>
+              </a:buClr>
+              <a:buSzPct val="145000"/>
+              <a:buFont typeface="Arial" panose="020B0604020202020204" pitchFamily="34" charset="0"/>
+              <a:buChar char="•"/>
             </a:pPr>
             <a:r>
-              <a:rPr lang="pl-PL" sz="4000" dirty="0"/>
-              <a:t> Decyduje o taktowaniu zegara</a:t>
-            </a:r>
-          </a:p>
-          <a:p>
-            <a:pPr>
-              <a:buFont typeface="Wingdings" pitchFamily="2" charset="2"/>
-              <a:buChar char="§"/>
+              <a:rPr lang="pl-PL" sz="3600" dirty="0"/>
+              <a:t>Decyduje o taktowaniu zegara</a:t>
+            </a:r>
+          </a:p>
+          <a:p>
+            <a:pPr marL="285750" indent="-285750">
+              <a:buClr>
+                <a:schemeClr val="accent1">
+                  <a:lumMod val="75000"/>
+                </a:schemeClr>
+              </a:buClr>
+              <a:buSzPct val="145000"/>
+              <a:buFont typeface="Arial" panose="020B0604020202020204" pitchFamily="34" charset="0"/>
+              <a:buChar char="•"/>
             </a:pPr>
             <a:r>
-              <a:rPr lang="pl-PL" sz="4000" dirty="0"/>
-              <a:t> Zapewnia inteligentne sterowanie - optymalizuje czas poszczególnych faz</a:t>
+              <a:rPr lang="pl-PL" sz="3600" dirty="0"/>
+              <a:t>Zapewnia inteligentne sterowanie - optymalizuje czas poszczególnych faz</a:t>
             </a:r>
           </a:p>
         </p:txBody>
@@ -3814,7 +8955,7 @@
         </p:nvSpPr>
         <p:spPr>
           <a:xfrm>
-            <a:off x="342265" y="301320"/>
+            <a:off x="652507" y="246600"/>
             <a:ext cx="9738360" cy="1262160"/>
           </a:xfrm>
         </p:spPr>
@@ -3823,14 +8964,41 @@
           <a:lstStyle/>
           <a:p>
             <a:r>
-              <a:rPr lang="pl-PL" sz="4000" dirty="0"/>
+              <a:rPr lang="pl-PL" sz="4000" dirty="0">
+                <a:ln>
+                  <a:solidFill>
+                    <a:schemeClr val="tx1">
+                      <a:lumMod val="95000"/>
+                      <a:lumOff val="5000"/>
+                    </a:schemeClr>
+                  </a:solidFill>
+                </a:ln>
+              </a:rPr>
               <a:t>Kilka słów o module wykonawczym - </a:t>
             </a:r>
             <a:r>
-              <a:rPr lang="pl-PL" sz="4000" dirty="0" err="1"/>
+              <a:rPr lang="pl-PL" sz="4000" dirty="0" err="1">
+                <a:ln>
+                  <a:solidFill>
+                    <a:schemeClr val="tx1">
+                      <a:lumMod val="95000"/>
+                      <a:lumOff val="5000"/>
+                    </a:schemeClr>
+                  </a:solidFill>
+                </a:ln>
+              </a:rPr>
               <a:t>slave</a:t>
             </a:r>
-            <a:endParaRPr lang="pl-PL" sz="4000" dirty="0"/>
+            <a:endParaRPr lang="pl-PL" sz="4000" dirty="0">
+              <a:ln>
+                <a:solidFill>
+                  <a:schemeClr val="tx1">
+                    <a:lumMod val="95000"/>
+                    <a:lumOff val="5000"/>
+                  </a:schemeClr>
+                </a:solidFill>
+              </a:ln>
+            </a:endParaRPr>
           </a:p>
         </p:txBody>
       </p:sp>
@@ -3842,8 +9010,8 @@
         </p:nvSpPr>
         <p:spPr>
           <a:xfrm>
-            <a:off x="274320" y="1508760"/>
-            <a:ext cx="9296400" cy="3785652"/>
+            <a:off x="873487" y="1508760"/>
+            <a:ext cx="9296400" cy="3600986"/>
           </a:xfrm>
           <a:prstGeom prst="rect">
             <a:avLst/>
@@ -3862,23 +9030,35 @@
             </a:r>
           </a:p>
           <a:p>
-            <a:pPr>
-              <a:buFont typeface="Wingdings" pitchFamily="2" charset="2"/>
-              <a:buChar char="§"/>
+            <a:pPr marL="571500" indent="-571500">
+              <a:buClr>
+                <a:schemeClr val="accent1">
+                  <a:lumMod val="75000"/>
+                </a:schemeClr>
+              </a:buClr>
+              <a:buSzPct val="145000"/>
+              <a:buFont typeface="Arial" panose="020B0604020202020204" pitchFamily="34" charset="0"/>
+              <a:buChar char="•"/>
             </a:pPr>
             <a:r>
-              <a:rPr lang="pl-PL" sz="4000" dirty="0"/>
-              <a:t> Na podstawie odebranych od mastera sygnałów zapala światła</a:t>
-            </a:r>
-          </a:p>
-          <a:p>
-            <a:pPr>
-              <a:buFont typeface="Wingdings" pitchFamily="2" charset="2"/>
-              <a:buChar char="§"/>
+              <a:rPr lang="pl-PL" sz="3600" dirty="0"/>
+              <a:t>Na podstawie odebranych od mastera sygnałów zapala światła</a:t>
+            </a:r>
+          </a:p>
+          <a:p>
+            <a:pPr marL="571500" indent="-571500">
+              <a:buClr>
+                <a:schemeClr val="accent1">
+                  <a:lumMod val="75000"/>
+                </a:schemeClr>
+              </a:buClr>
+              <a:buSzPct val="145000"/>
+              <a:buFont typeface="Arial" panose="020B0604020202020204" pitchFamily="34" charset="0"/>
+              <a:buChar char="•"/>
             </a:pPr>
             <a:r>
-              <a:rPr lang="pl-PL" sz="4000" dirty="0"/>
-              <a:t> Odpowiada za awaryjne świecenie żółtych świateł</a:t>
+              <a:rPr lang="pl-PL" sz="3600" dirty="0"/>
+              <a:t>Odpowiada za awaryjne świecenie żółtych świateł</a:t>
             </a:r>
           </a:p>
           <a:p>
@@ -3904,9 +9084,9 @@
 </file>
 
 <file path=ppt/theme/theme1.xml><?xml version="1.0" encoding="utf-8"?>
-<a:theme xmlns:a="http://schemas.openxmlformats.org/drawingml/2006/main" name="Office Theme">
+<a:theme xmlns:a="http://schemas.openxmlformats.org/drawingml/2006/main" name="Paralaksa">
   <a:themeElements>
-    <a:clrScheme name="Office">
+    <a:clrScheme name="Paralaksa">
       <a:dk1>
         <a:sysClr val="windowText" lastClr="000000"/>
       </a:dk1>
@@ -3914,49 +9094,109 @@
         <a:sysClr val="window" lastClr="FFFFFF"/>
       </a:lt1>
       <a:dk2>
-        <a:srgbClr val="1F497D"/>
+        <a:srgbClr val="212121"/>
       </a:dk2>
       <a:lt2>
-        <a:srgbClr val="EEECE1"/>
+        <a:srgbClr val="CDD0D1"/>
       </a:lt2>
       <a:accent1>
-        <a:srgbClr val="4F81BD"/>
+        <a:srgbClr val="BC1C1C"/>
       </a:accent1>
       <a:accent2>
-        <a:srgbClr val="C0504D"/>
+        <a:srgbClr val="F67534"/>
       </a:accent2>
       <a:accent3>
-        <a:srgbClr val="9BBB59"/>
+        <a:srgbClr val="EAAC35"/>
       </a:accent3>
       <a:accent4>
-        <a:srgbClr val="8064A2"/>
+        <a:srgbClr val="9BAF68"/>
       </a:accent4>
       <a:accent5>
-        <a:srgbClr val="4BACC6"/>
+        <a:srgbClr val="68B9A6"/>
       </a:accent5>
       <a:accent6>
-        <a:srgbClr val="F79646"/>
+        <a:srgbClr val="50B1D4"/>
       </a:accent6>
       <a:hlink>
-        <a:srgbClr val="0000FF"/>
+        <a:srgbClr val="E46416"/>
       </a:hlink>
       <a:folHlink>
-        <a:srgbClr val="800080"/>
+        <a:srgbClr val="EE9340"/>
       </a:folHlink>
     </a:clrScheme>
-    <a:fontScheme name="Office">
+    <a:fontScheme name="Paralaksa">
       <a:majorFont>
-        <a:latin typeface="Arial"/>
-        <a:ea typeface="DejaVu Sans"/>
-        <a:cs typeface="DejaVu Sans"/>
+        <a:latin typeface="Corbel" panose="020B0503020204020204"/>
+        <a:ea typeface=""/>
+        <a:cs typeface=""/>
+        <a:font script="Jpan" typeface="HGｺﾞｼｯｸM"/>
+        <a:font script="Hang" typeface="HY엽서L"/>
+        <a:font script="Hans" typeface="华文楷体"/>
+        <a:font script="Hant" typeface="新細明體"/>
+        <a:font script="Arab" typeface="Tahoma"/>
+        <a:font script="Hebr" typeface="Miriam"/>
+        <a:font script="Thai" typeface="DilleniaUPC"/>
+        <a:font script="Ethi" typeface="Nyala"/>
+        <a:font script="Beng" typeface="Vrinda"/>
+        <a:font script="Gujr" typeface="Shruti"/>
+        <a:font script="Khmr" typeface="DaunPenh"/>
+        <a:font script="Knda" typeface="Tunga"/>
+        <a:font script="Guru" typeface="Raavi"/>
+        <a:font script="Cans" typeface="Euphemia"/>
+        <a:font script="Cher" typeface="Plantagenet Cherokee"/>
+        <a:font script="Yiii" typeface="Microsoft Yi Baiti"/>
+        <a:font script="Tibt" typeface="Microsoft Himalaya"/>
+        <a:font script="Thaa" typeface="MV Boli"/>
+        <a:font script="Deva" typeface="Mangal"/>
+        <a:font script="Telu" typeface="Gautami"/>
+        <a:font script="Taml" typeface="Latha"/>
+        <a:font script="Syrc" typeface="Estrangelo Edessa"/>
+        <a:font script="Orya" typeface="Kalinga"/>
+        <a:font script="Mlym" typeface="Kartika"/>
+        <a:font script="Laoo" typeface="DokChampa"/>
+        <a:font script="Sinh" typeface="Iskoola Pota"/>
+        <a:font script="Mong" typeface="Mongolian Baiti"/>
+        <a:font script="Viet" typeface="Arial"/>
+        <a:font script="Uigh" typeface="Microsoft Uighur"/>
+        <a:font script="Geor" typeface="Sylfaen"/>
       </a:majorFont>
       <a:minorFont>
-        <a:latin typeface="Arial"/>
-        <a:ea typeface="DejaVu Sans"/>
-        <a:cs typeface="DejaVu Sans"/>
+        <a:latin typeface="Corbel" panose="020B0503020204020204"/>
+        <a:ea typeface=""/>
+        <a:cs typeface=""/>
+        <a:font script="Jpan" typeface="HGｺﾞｼｯｸM"/>
+        <a:font script="Hang" typeface="HY엽서L"/>
+        <a:font script="Hans" typeface="华文楷体"/>
+        <a:font script="Hant" typeface="新細明體"/>
+        <a:font script="Arab" typeface="Tahoma"/>
+        <a:font script="Hebr" typeface="Miriam"/>
+        <a:font script="Thai" typeface="DilleniaUPC"/>
+        <a:font script="Ethi" typeface="Nyala"/>
+        <a:font script="Beng" typeface="Vrinda"/>
+        <a:font script="Gujr" typeface="Shruti"/>
+        <a:font script="Khmr" typeface="DaunPenh"/>
+        <a:font script="Knda" typeface="Tunga"/>
+        <a:font script="Guru" typeface="Raavi"/>
+        <a:font script="Cans" typeface="Euphemia"/>
+        <a:font script="Cher" typeface="Plantagenet Cherokee"/>
+        <a:font script="Yiii" typeface="Microsoft Yi Baiti"/>
+        <a:font script="Tibt" typeface="Microsoft Himalaya"/>
+        <a:font script="Thaa" typeface="MV Boli"/>
+        <a:font script="Deva" typeface="Mangal"/>
+        <a:font script="Telu" typeface="Gautami"/>
+        <a:font script="Taml" typeface="Latha"/>
+        <a:font script="Syrc" typeface="Estrangelo Edessa"/>
+        <a:font script="Orya" typeface="Kalinga"/>
+        <a:font script="Mlym" typeface="Kartika"/>
+        <a:font script="Laoo" typeface="DokChampa"/>
+        <a:font script="Sinh" typeface="Iskoola Pota"/>
+        <a:font script="Mong" typeface="Mongolian Baiti"/>
+        <a:font script="Viet" typeface="Arial"/>
+        <a:font script="Uigh" typeface="Microsoft Uighur"/>
+        <a:font script="Geor" typeface="Sylfaen"/>
       </a:minorFont>
     </a:fontScheme>
-    <a:fmtScheme name="Office">
+    <a:fmtScheme name="Paralaksa">
       <a:fillStyleLst>
         <a:solidFill>
           <a:schemeClr val="phClr"/>
@@ -3965,66 +9205,54 @@
           <a:gsLst>
             <a:gs pos="0">
               <a:schemeClr val="phClr">
-                <a:tint val="50000"/>
-                <a:satMod val="300000"/>
-              </a:schemeClr>
-            </a:gs>
-            <a:gs pos="35000">
-              <a:schemeClr val="phClr">
-                <a:tint val="37000"/>
-                <a:satMod val="300000"/>
+                <a:tint val="60000"/>
+                <a:lumMod val="104000"/>
               </a:schemeClr>
             </a:gs>
             <a:gs pos="100000">
               <a:schemeClr val="phClr">
-                <a:tint val="15000"/>
-                <a:satMod val="350000"/>
+                <a:tint val="84000"/>
               </a:schemeClr>
             </a:gs>
           </a:gsLst>
-          <a:lin ang="16200000" scaled="1"/>
+          <a:lin ang="5400000" scaled="0"/>
         </a:gradFill>
         <a:gradFill rotWithShape="1">
           <a:gsLst>
             <a:gs pos="0">
               <a:schemeClr val="phClr">
-                <a:shade val="51000"/>
-                <a:satMod val="130000"/>
-              </a:schemeClr>
-            </a:gs>
-            <a:gs pos="80000">
-              <a:schemeClr val="phClr">
-                <a:shade val="93000"/>
-                <a:satMod val="130000"/>
+                <a:tint val="96000"/>
+                <a:lumMod val="102000"/>
               </a:schemeClr>
             </a:gs>
             <a:gs pos="100000">
               <a:schemeClr val="phClr">
-                <a:shade val="94000"/>
-                <a:satMod val="135000"/>
+                <a:shade val="88000"/>
+                <a:lumMod val="94000"/>
               </a:schemeClr>
             </a:gs>
           </a:gsLst>
-          <a:lin ang="16200000" scaled="0"/>
+          <a:path path="circle">
+            <a:fillToRect l="50000" t="100000" r="100000" b="50000"/>
+          </a:path>
         </a:gradFill>
       </a:fillStyleLst>
       <a:lnStyleLst>
-        <a:ln w="9525" cap="flat" cmpd="sng" algn="ctr">
+        <a:ln w="9525" cap="rnd" cmpd="sng" algn="ctr">
           <a:solidFill>
             <a:schemeClr val="phClr">
-              <a:shade val="95000"/>
-              <a:satMod val="105000"/>
+              <a:tint val="60000"/>
             </a:schemeClr>
           </a:solidFill>
           <a:prstDash val="solid"/>
         </a:ln>
-        <a:ln w="25400" cap="flat" cmpd="sng" algn="ctr">
+        <a:ln w="15875" cap="rnd" cmpd="sng" algn="ctr">
           <a:solidFill>
             <a:schemeClr val="phClr"/>
           </a:solidFill>
           <a:prstDash val="solid"/>
         </a:ln>
-        <a:ln w="38100" cap="flat" cmpd="sng" algn="ctr">
+        <a:ln w="22225" cap="rnd" cmpd="sng" algn="ctr">
           <a:solidFill>
             <a:schemeClr val="phClr"/>
           </a:solidFill>
@@ -4033,28 +9261,18 @@
       </a:lnStyleLst>
       <a:effectStyleLst>
         <a:effectStyle>
+          <a:effectLst/>
+        </a:effectStyle>
+        <a:effectStyle>
           <a:effectLst>
-            <a:outerShdw blurRad="40000" dist="20000" dir="5400000" rotWithShape="0">
-              <a:srgbClr val="000000">
-                <a:alpha val="38000"/>
-              </a:srgbClr>
-            </a:outerShdw>
+            <a:reflection blurRad="12700" stA="26000" endPos="32000" dist="12700" dir="5400000" sy="-100000" rotWithShape="0"/>
           </a:effectLst>
         </a:effectStyle>
         <a:effectStyle>
           <a:effectLst>
-            <a:outerShdw blurRad="40000" dist="23000" dir="5400000" rotWithShape="0">
+            <a:outerShdw blurRad="38100" dist="25400" dir="5400000" rotWithShape="0">
               <a:srgbClr val="000000">
-                <a:alpha val="35000"/>
-              </a:srgbClr>
-            </a:outerShdw>
-          </a:effectLst>
-        </a:effectStyle>
-        <a:effectStyle>
-          <a:effectLst>
-            <a:outerShdw blurRad="40000" dist="23000" dir="5400000" rotWithShape="0">
-              <a:srgbClr val="000000">
-                <a:alpha val="35000"/>
+                <a:alpha val="64000"/>
               </a:srgbClr>
             </a:outerShdw>
           </a:effectLst>
@@ -4062,12 +9280,12 @@
             <a:camera prst="orthographicFront">
               <a:rot lat="0" lon="0" rev="0"/>
             </a:camera>
-            <a:lightRig rig="threePt" dir="t">
+            <a:lightRig rig="threePt" dir="tl">
               <a:rot lat="0" lon="0" rev="1200000"/>
             </a:lightRig>
           </a:scene3d>
           <a:sp3d>
-            <a:bevelT w="63500" h="25400"/>
+            <a:bevelT w="25400" h="12700"/>
           </a:sp3d>
         </a:effectStyle>
       </a:effectStyleLst>
@@ -4079,51 +9297,44 @@
           <a:gsLst>
             <a:gs pos="0">
               <a:schemeClr val="phClr">
-                <a:tint val="40000"/>
-                <a:satMod val="350000"/>
-              </a:schemeClr>
-            </a:gs>
-            <a:gs pos="40000">
-              <a:schemeClr val="phClr">
-                <a:tint val="45000"/>
-                <a:shade val="99000"/>
-                <a:satMod val="350000"/>
+                <a:tint val="90000"/>
+                <a:lumMod val="110000"/>
               </a:schemeClr>
             </a:gs>
             <a:gs pos="100000">
               <a:schemeClr val="phClr">
-                <a:shade val="20000"/>
-                <a:satMod val="255000"/>
+                <a:shade val="64000"/>
+                <a:lumMod val="98000"/>
               </a:schemeClr>
             </a:gs>
           </a:gsLst>
-          <a:path path="circle">
-            <a:fillToRect l="50000" t="-80000" r="50000" b="180000"/>
-          </a:path>
+          <a:lin ang="5400000" scaled="0"/>
         </a:gradFill>
-        <a:gradFill rotWithShape="1">
-          <a:gsLst>
-            <a:gs pos="0">
+        <a:blipFill rotWithShape="1">
+          <a:blip xmlns:r="http://schemas.openxmlformats.org/officeDocument/2006/relationships" r:embed="rId1">
+            <a:duotone>
+              <a:schemeClr val="phClr">
+                <a:shade val="76000"/>
+                <a:satMod val="180000"/>
+              </a:schemeClr>
               <a:schemeClr val="phClr">
                 <a:tint val="80000"/>
-                <a:satMod val="300000"/>
+                <a:satMod val="120000"/>
+                <a:lumMod val="180000"/>
               </a:schemeClr>
-            </a:gs>
-            <a:gs pos="100000">
-              <a:schemeClr val="phClr">
-                <a:shade val="30000"/>
-                <a:satMod val="200000"/>
-              </a:schemeClr>
-            </a:gs>
-          </a:gsLst>
-          <a:path path="circle">
-            <a:fillToRect l="50000" t="50000" r="50000" b="50000"/>
-          </a:path>
-        </a:gradFill>
+            </a:duotone>
+          </a:blip>
+          <a:stretch/>
+        </a:blipFill>
       </a:bgFillStyleLst>
     </a:fmtScheme>
   </a:themeElements>
   <a:objectDefaults/>
   <a:extraClrSchemeLst/>
+  <a:extLst>
+    <a:ext uri="{05A4C25C-085E-4340-85A3-A5531E510DB2}">
+      <thm15:themeFamily xmlns:thm15="http://schemas.microsoft.com/office/thememl/2012/main" name="Parallax" id="{3388167B-A2EB-4685-9635-1831D9AEF8C4}" vid="{93B4CCAC-FD5A-4D59-B1AC-EAF45910B5A9}"/>
+    </a:ext>
+  </a:extLst>
 </a:theme>
 </file>